--- a/프레젠테이션1.pptx
+++ b/프레젠테이션1.pptx
@@ -7,7 +7,9 @@
   <p:sldIdLst>
     <p:sldId id="257" r:id="rId2"/>
     <p:sldId id="260" r:id="rId3"/>
-    <p:sldId id="258" r:id="rId4"/>
+    <p:sldId id="261" r:id="rId4"/>
+    <p:sldId id="262" r:id="rId5"/>
+    <p:sldId id="263" r:id="rId6"/>
   </p:sldIdLst>
   <p:sldSz cx="12192000" cy="6858000"/>
   <p:notesSz cx="6858000" cy="9144000"/>
@@ -106,6 +108,11 @@
       </a:defRPr>
     </a:lvl9pPr>
   </p:defaultTextStyle>
+  <p:extLst>
+    <p:ext uri="{EFAFB233-063F-42B5-8137-9DF3F51BA10A}">
+      <p15:sldGuideLst xmlns:p15="http://schemas.microsoft.com/office/powerpoint/2012/main"/>
+    </p:ext>
+  </p:extLst>
 </p:presentation>
 </file>
 
@@ -256,7 +263,7 @@
           <a:p>
             <a:fld id="{B01ACD96-C0E2-4DBF-937F-DC40D941321E}" type="datetimeFigureOut">
               <a:rPr lang="ko-KR" altLang="en-US" smtClean="0"/>
-              <a:t>2025-11-10</a:t>
+              <a:t>2025-11-17</a:t>
             </a:fld>
             <a:endParaRPr lang="ko-KR" altLang="en-US"/>
           </a:p>
@@ -454,7 +461,7 @@
           <a:p>
             <a:fld id="{B01ACD96-C0E2-4DBF-937F-DC40D941321E}" type="datetimeFigureOut">
               <a:rPr lang="ko-KR" altLang="en-US" smtClean="0"/>
-              <a:t>2025-11-10</a:t>
+              <a:t>2025-11-17</a:t>
             </a:fld>
             <a:endParaRPr lang="ko-KR" altLang="en-US"/>
           </a:p>
@@ -662,7 +669,7 @@
           <a:p>
             <a:fld id="{B01ACD96-C0E2-4DBF-937F-DC40D941321E}" type="datetimeFigureOut">
               <a:rPr lang="ko-KR" altLang="en-US" smtClean="0"/>
-              <a:t>2025-11-10</a:t>
+              <a:t>2025-11-17</a:t>
             </a:fld>
             <a:endParaRPr lang="ko-KR" altLang="en-US"/>
           </a:p>
@@ -860,7 +867,7 @@
           <a:p>
             <a:fld id="{B01ACD96-C0E2-4DBF-937F-DC40D941321E}" type="datetimeFigureOut">
               <a:rPr lang="ko-KR" altLang="en-US" smtClean="0"/>
-              <a:t>2025-11-10</a:t>
+              <a:t>2025-11-17</a:t>
             </a:fld>
             <a:endParaRPr lang="ko-KR" altLang="en-US"/>
           </a:p>
@@ -1135,7 +1142,7 @@
           <a:p>
             <a:fld id="{B01ACD96-C0E2-4DBF-937F-DC40D941321E}" type="datetimeFigureOut">
               <a:rPr lang="ko-KR" altLang="en-US" smtClean="0"/>
-              <a:t>2025-11-10</a:t>
+              <a:t>2025-11-17</a:t>
             </a:fld>
             <a:endParaRPr lang="ko-KR" altLang="en-US"/>
           </a:p>
@@ -1400,7 +1407,7 @@
           <a:p>
             <a:fld id="{B01ACD96-C0E2-4DBF-937F-DC40D941321E}" type="datetimeFigureOut">
               <a:rPr lang="ko-KR" altLang="en-US" smtClean="0"/>
-              <a:t>2025-11-10</a:t>
+              <a:t>2025-11-17</a:t>
             </a:fld>
             <a:endParaRPr lang="ko-KR" altLang="en-US"/>
           </a:p>
@@ -1812,7 +1819,7 @@
           <a:p>
             <a:fld id="{B01ACD96-C0E2-4DBF-937F-DC40D941321E}" type="datetimeFigureOut">
               <a:rPr lang="ko-KR" altLang="en-US" smtClean="0"/>
-              <a:t>2025-11-10</a:t>
+              <a:t>2025-11-17</a:t>
             </a:fld>
             <a:endParaRPr lang="ko-KR" altLang="en-US"/>
           </a:p>
@@ -1953,7 +1960,7 @@
           <a:p>
             <a:fld id="{B01ACD96-C0E2-4DBF-937F-DC40D941321E}" type="datetimeFigureOut">
               <a:rPr lang="ko-KR" altLang="en-US" smtClean="0"/>
-              <a:t>2025-11-10</a:t>
+              <a:t>2025-11-17</a:t>
             </a:fld>
             <a:endParaRPr lang="ko-KR" altLang="en-US"/>
           </a:p>
@@ -2066,7 +2073,7 @@
           <a:p>
             <a:fld id="{B01ACD96-C0E2-4DBF-937F-DC40D941321E}" type="datetimeFigureOut">
               <a:rPr lang="ko-KR" altLang="en-US" smtClean="0"/>
-              <a:t>2025-11-10</a:t>
+              <a:t>2025-11-17</a:t>
             </a:fld>
             <a:endParaRPr lang="ko-KR" altLang="en-US"/>
           </a:p>
@@ -2377,7 +2384,7 @@
           <a:p>
             <a:fld id="{B01ACD96-C0E2-4DBF-937F-DC40D941321E}" type="datetimeFigureOut">
               <a:rPr lang="ko-KR" altLang="en-US" smtClean="0"/>
-              <a:t>2025-11-10</a:t>
+              <a:t>2025-11-17</a:t>
             </a:fld>
             <a:endParaRPr lang="ko-KR" altLang="en-US"/>
           </a:p>
@@ -2665,7 +2672,7 @@
           <a:p>
             <a:fld id="{B01ACD96-C0E2-4DBF-937F-DC40D941321E}" type="datetimeFigureOut">
               <a:rPr lang="ko-KR" altLang="en-US" smtClean="0"/>
-              <a:t>2025-11-10</a:t>
+              <a:t>2025-11-17</a:t>
             </a:fld>
             <a:endParaRPr lang="ko-KR" altLang="en-US"/>
           </a:p>
@@ -2906,7 +2913,7 @@
           <a:p>
             <a:fld id="{B01ACD96-C0E2-4DBF-937F-DC40D941321E}" type="datetimeFigureOut">
               <a:rPr lang="ko-KR" altLang="en-US" smtClean="0"/>
-              <a:t>2025-11-10</a:t>
+              <a:t>2025-11-17</a:t>
             </a:fld>
             <a:endParaRPr lang="ko-KR" altLang="en-US"/>
           </a:p>
@@ -5591,7 +5598,13 @@
   <p:cSld>
     <p:spTree>
       <p:nvGrpSpPr>
-        <p:cNvPr id="1" name=""/>
+        <p:cNvPr id="1" name="">
+          <a:extLst>
+            <a:ext uri="{FF2B5EF4-FFF2-40B4-BE49-F238E27FC236}">
+              <a16:creationId xmlns:a16="http://schemas.microsoft.com/office/drawing/2014/main" id="{254AE74B-6864-569F-5ABE-E2445015EAEC}"/>
+            </a:ext>
+          </a:extLst>
+        </p:cNvPr>
         <p:cNvGrpSpPr/>
         <p:nvPr/>
       </p:nvGrpSpPr>
@@ -5603,60 +5616,3068 @@
           <a:chExt cx="0" cy="0"/>
         </a:xfrm>
       </p:grpSpPr>
-      <p:sp>
-        <p:nvSpPr>
-          <p:cNvPr id="2" name="제목 1">
+      <p:graphicFrame>
+        <p:nvGraphicFramePr>
+          <p:cNvPr id="4" name="표 3">
             <a:extLst>
               <a:ext uri="{FF2B5EF4-FFF2-40B4-BE49-F238E27FC236}">
-                <a16:creationId xmlns:a16="http://schemas.microsoft.com/office/drawing/2014/main" id="{85B58F17-48FC-4D01-7D55-20C2F10B04B0}"/>
+                <a16:creationId xmlns:a16="http://schemas.microsoft.com/office/drawing/2014/main" id="{F6AA3E3E-45F4-8928-9CEE-9CE7F1EFF758}"/>
               </a:ext>
             </a:extLst>
           </p:cNvPr>
-          <p:cNvSpPr>
-            <a:spLocks noGrp="1"/>
-          </p:cNvSpPr>
+          <p:cNvGraphicFramePr>
+            <a:graphicFrameLocks noGrp="1"/>
+          </p:cNvGraphicFramePr>
           <p:nvPr>
-            <p:ph type="title"/>
+            <p:extLst>
+              <p:ext uri="{D42A27DB-BD31-4B8C-83A1-F6EECF244321}">
+                <p14:modId xmlns:p14="http://schemas.microsoft.com/office/powerpoint/2010/main" val="3922786539"/>
+              </p:ext>
+            </p:extLst>
           </p:nvPr>
-        </p:nvSpPr>
-        <p:spPr/>
-        <p:txBody>
-          <a:bodyPr/>
-          <a:lstStyle/>
-          <a:p>
-            <a:endParaRPr lang="ko-KR" altLang="en-US"/>
-          </a:p>
-        </p:txBody>
-      </p:sp>
-      <p:sp>
-        <p:nvSpPr>
-          <p:cNvPr id="3" name="내용 개체 틀 2">
+        </p:nvGraphicFramePr>
+        <p:xfrm>
+          <a:off x="840508" y="2016894"/>
+          <a:ext cx="9820958" cy="2824212"/>
+        </p:xfrm>
+        <a:graphic>
+          <a:graphicData uri="http://schemas.openxmlformats.org/drawingml/2006/table">
+            <a:tbl>
+              <a:tblPr firstRow="1" bandRow="1">
+                <a:tableStyleId>{00A15C55-8517-42AA-B614-E9B94910E393}</a:tableStyleId>
+              </a:tblPr>
+              <a:tblGrid>
+                <a:gridCol w="1952090">
+                  <a:extLst>
+                    <a:ext uri="{9D8B030D-6E8A-4147-A177-3AD203B41FA5}">
+                      <a16:colId xmlns:a16="http://schemas.microsoft.com/office/drawing/2014/main" val="1493898479"/>
+                    </a:ext>
+                  </a:extLst>
+                </a:gridCol>
+                <a:gridCol w="1468067">
+                  <a:extLst>
+                    <a:ext uri="{9D8B030D-6E8A-4147-A177-3AD203B41FA5}">
+                      <a16:colId xmlns:a16="http://schemas.microsoft.com/office/drawing/2014/main" val="1280303573"/>
+                    </a:ext>
+                  </a:extLst>
+                </a:gridCol>
+                <a:gridCol w="1538869">
+                  <a:extLst>
+                    <a:ext uri="{9D8B030D-6E8A-4147-A177-3AD203B41FA5}">
+                      <a16:colId xmlns:a16="http://schemas.microsoft.com/office/drawing/2014/main" val="3318627087"/>
+                    </a:ext>
+                  </a:extLst>
+                </a:gridCol>
+                <a:gridCol w="892098">
+                  <a:extLst>
+                    <a:ext uri="{9D8B030D-6E8A-4147-A177-3AD203B41FA5}">
+                      <a16:colId xmlns:a16="http://schemas.microsoft.com/office/drawing/2014/main" val="3549962534"/>
+                    </a:ext>
+                  </a:extLst>
+                </a:gridCol>
+                <a:gridCol w="1380949">
+                  <a:extLst>
+                    <a:ext uri="{9D8B030D-6E8A-4147-A177-3AD203B41FA5}">
+                      <a16:colId xmlns:a16="http://schemas.microsoft.com/office/drawing/2014/main" val="1815634729"/>
+                    </a:ext>
+                  </a:extLst>
+                </a:gridCol>
+                <a:gridCol w="1413163">
+                  <a:extLst>
+                    <a:ext uri="{9D8B030D-6E8A-4147-A177-3AD203B41FA5}">
+                      <a16:colId xmlns:a16="http://schemas.microsoft.com/office/drawing/2014/main" val="774992101"/>
+                    </a:ext>
+                  </a:extLst>
+                </a:gridCol>
+                <a:gridCol w="1175722">
+                  <a:extLst>
+                    <a:ext uri="{9D8B030D-6E8A-4147-A177-3AD203B41FA5}">
+                      <a16:colId xmlns:a16="http://schemas.microsoft.com/office/drawing/2014/main" val="2048089069"/>
+                    </a:ext>
+                  </a:extLst>
+                </a:gridCol>
+              </a:tblGrid>
+              <a:tr h="406044">
+                <a:tc gridSpan="7">
+                  <a:txBody>
+                    <a:bodyPr/>
+                    <a:lstStyle/>
+                    <a:p>
+                      <a:pPr latinLnBrk="1"/>
+                      <a:r>
+                        <a:rPr lang="ko-KR" altLang="en-US" dirty="0"/>
+                        <a:t>테이블명세서</a:t>
+                      </a:r>
+                    </a:p>
+                  </a:txBody>
+                  <a:tcPr>
+                    <a:lnB w="38100" cmpd="sng">
+                      <a:noFill/>
+                    </a:lnB>
+                  </a:tcPr>
+                </a:tc>
+                <a:tc hMerge="1">
+                  <a:txBody>
+                    <a:bodyPr/>
+                    <a:lstStyle/>
+                    <a:p>
+                      <a:pPr latinLnBrk="1"/>
+                      <a:endParaRPr lang="ko-KR" altLang="en-US"/>
+                    </a:p>
+                  </a:txBody>
+                  <a:tcPr/>
+                </a:tc>
+                <a:tc hMerge="1">
+                  <a:txBody>
+                    <a:bodyPr/>
+                    <a:lstStyle/>
+                    <a:p>
+                      <a:pPr latinLnBrk="1"/>
+                      <a:endParaRPr lang="ko-KR" altLang="en-US"/>
+                    </a:p>
+                  </a:txBody>
+                  <a:tcPr/>
+                </a:tc>
+                <a:tc hMerge="1">
+                  <a:txBody>
+                    <a:bodyPr/>
+                    <a:lstStyle/>
+                    <a:p>
+                      <a:pPr latinLnBrk="1"/>
+                      <a:endParaRPr lang="ko-KR" altLang="en-US" dirty="0"/>
+                    </a:p>
+                  </a:txBody>
+                  <a:tcPr/>
+                </a:tc>
+                <a:tc hMerge="1">
+                  <a:txBody>
+                    <a:bodyPr/>
+                    <a:lstStyle/>
+                    <a:p>
+                      <a:pPr latinLnBrk="1"/>
+                      <a:endParaRPr lang="ko-KR" altLang="en-US"/>
+                    </a:p>
+                  </a:txBody>
+                  <a:tcPr/>
+                </a:tc>
+                <a:tc hMerge="1">
+                  <a:txBody>
+                    <a:bodyPr/>
+                    <a:lstStyle/>
+                    <a:p>
+                      <a:pPr latinLnBrk="1"/>
+                      <a:endParaRPr lang="ko-KR" altLang="en-US"/>
+                    </a:p>
+                  </a:txBody>
+                  <a:tcPr/>
+                </a:tc>
+                <a:tc hMerge="1">
+                  <a:txBody>
+                    <a:bodyPr/>
+                    <a:lstStyle/>
+                    <a:p>
+                      <a:pPr latinLnBrk="1"/>
+                      <a:endParaRPr lang="ko-KR" altLang="en-US"/>
+                    </a:p>
+                  </a:txBody>
+                  <a:tcPr/>
+                </a:tc>
+                <a:extLst>
+                  <a:ext uri="{0D108BD9-81ED-4DB2-BD59-A6C34878D82A}">
+                    <a16:rowId xmlns:a16="http://schemas.microsoft.com/office/drawing/2014/main" val="263251583"/>
+                  </a:ext>
+                </a:extLst>
+              </a:tr>
+              <a:tr h="403028">
+                <a:tc gridSpan="3">
+                  <a:txBody>
+                    <a:bodyPr/>
+                    <a:lstStyle/>
+                    <a:p>
+                      <a:pPr latinLnBrk="1"/>
+                      <a:r>
+                        <a:rPr lang="ko-KR" altLang="en-US" dirty="0"/>
+                        <a:t>테이블이름</a:t>
+                      </a:r>
+                    </a:p>
+                  </a:txBody>
+                  <a:tcPr>
+                    <a:lnT w="38100" cmpd="sng">
+                      <a:noFill/>
+                    </a:lnT>
+                  </a:tcPr>
+                </a:tc>
+                <a:tc hMerge="1">
+                  <a:txBody>
+                    <a:bodyPr/>
+                    <a:lstStyle/>
+                    <a:p>
+                      <a:pPr latinLnBrk="1"/>
+                      <a:endParaRPr lang="ko-KR" altLang="en-US" dirty="0"/>
+                    </a:p>
+                  </a:txBody>
+                  <a:tcPr/>
+                </a:tc>
+                <a:tc hMerge="1">
+                  <a:txBody>
+                    <a:bodyPr/>
+                    <a:lstStyle/>
+                    <a:p>
+                      <a:pPr latinLnBrk="1"/>
+                      <a:endParaRPr lang="ko-KR" altLang="en-US" dirty="0"/>
+                    </a:p>
+                  </a:txBody>
+                  <a:tcPr/>
+                </a:tc>
+                <a:tc gridSpan="4">
+                  <a:txBody>
+                    <a:bodyPr/>
+                    <a:lstStyle/>
+                    <a:p>
+                      <a:pPr latinLnBrk="1"/>
+                      <a:r>
+                        <a:rPr lang="ko-KR" altLang="en-US" dirty="0"/>
+                        <a:t>제조업체</a:t>
+                      </a:r>
+                    </a:p>
+                  </a:txBody>
+                  <a:tcPr/>
+                </a:tc>
+                <a:tc hMerge="1">
+                  <a:txBody>
+                    <a:bodyPr/>
+                    <a:lstStyle/>
+                    <a:p>
+                      <a:pPr latinLnBrk="1"/>
+                      <a:endParaRPr lang="ko-KR" altLang="en-US" dirty="0"/>
+                    </a:p>
+                  </a:txBody>
+                  <a:tcPr/>
+                </a:tc>
+                <a:tc hMerge="1">
+                  <a:txBody>
+                    <a:bodyPr/>
+                    <a:lstStyle/>
+                    <a:p>
+                      <a:pPr latinLnBrk="1"/>
+                      <a:endParaRPr lang="ko-KR" altLang="en-US" dirty="0"/>
+                    </a:p>
+                  </a:txBody>
+                  <a:tcPr/>
+                </a:tc>
+                <a:tc hMerge="1">
+                  <a:txBody>
+                    <a:bodyPr/>
+                    <a:lstStyle/>
+                    <a:p>
+                      <a:pPr latinLnBrk="1"/>
+                      <a:endParaRPr lang="ko-KR" altLang="en-US"/>
+                    </a:p>
+                  </a:txBody>
+                  <a:tcPr/>
+                </a:tc>
+                <a:extLst>
+                  <a:ext uri="{0D108BD9-81ED-4DB2-BD59-A6C34878D82A}">
+                    <a16:rowId xmlns:a16="http://schemas.microsoft.com/office/drawing/2014/main" val="3530461294"/>
+                  </a:ext>
+                </a:extLst>
+              </a:tr>
+              <a:tr h="403028">
+                <a:tc>
+                  <a:txBody>
+                    <a:bodyPr/>
+                    <a:lstStyle/>
+                    <a:p>
+                      <a:pPr latinLnBrk="1"/>
+                      <a:r>
+                        <a:rPr lang="ko-KR" altLang="en-US" dirty="0"/>
+                        <a:t>속성이름</a:t>
+                      </a:r>
+                    </a:p>
+                  </a:txBody>
+                  <a:tcPr/>
+                </a:tc>
+                <a:tc>
+                  <a:txBody>
+                    <a:bodyPr/>
+                    <a:lstStyle/>
+                    <a:p>
+                      <a:pPr latinLnBrk="1"/>
+                      <a:r>
+                        <a:rPr lang="ko-KR" altLang="en-US" dirty="0"/>
+                        <a:t>데이터타입</a:t>
+                      </a:r>
+                    </a:p>
+                  </a:txBody>
+                  <a:tcPr/>
+                </a:tc>
+                <a:tc>
+                  <a:txBody>
+                    <a:bodyPr/>
+                    <a:lstStyle/>
+                    <a:p>
+                      <a:pPr latinLnBrk="1"/>
+                      <a:r>
+                        <a:rPr lang="ko-KR" altLang="en-US" dirty="0"/>
+                        <a:t>널허용여부</a:t>
+                      </a:r>
+                    </a:p>
+                  </a:txBody>
+                  <a:tcPr/>
+                </a:tc>
+                <a:tc>
+                  <a:txBody>
+                    <a:bodyPr/>
+                    <a:lstStyle/>
+                    <a:p>
+                      <a:pPr latinLnBrk="1"/>
+                      <a:r>
+                        <a:rPr lang="ko-KR" altLang="en-US" dirty="0"/>
+                        <a:t>기본값</a:t>
+                      </a:r>
+                    </a:p>
+                  </a:txBody>
+                  <a:tcPr/>
+                </a:tc>
+                <a:tc>
+                  <a:txBody>
+                    <a:bodyPr/>
+                    <a:lstStyle/>
+                    <a:p>
+                      <a:pPr latinLnBrk="1"/>
+                      <a:r>
+                        <a:rPr lang="ko-KR" altLang="en-US" dirty="0" err="1"/>
+                        <a:t>기본키</a:t>
+                      </a:r>
+                      <a:endParaRPr lang="ko-KR" altLang="en-US" dirty="0"/>
+                    </a:p>
+                  </a:txBody>
+                  <a:tcPr/>
+                </a:tc>
+                <a:tc>
+                  <a:txBody>
+                    <a:bodyPr/>
+                    <a:lstStyle/>
+                    <a:p>
+                      <a:pPr latinLnBrk="1"/>
+                      <a:r>
+                        <a:rPr lang="ko-KR" altLang="en-US" dirty="0" err="1"/>
+                        <a:t>외래키</a:t>
+                      </a:r>
+                      <a:endParaRPr lang="ko-KR" altLang="en-US" dirty="0"/>
+                    </a:p>
+                  </a:txBody>
+                  <a:tcPr/>
+                </a:tc>
+                <a:tc>
+                  <a:txBody>
+                    <a:bodyPr/>
+                    <a:lstStyle/>
+                    <a:p>
+                      <a:pPr latinLnBrk="1"/>
+                      <a:r>
+                        <a:rPr lang="ko-KR" altLang="en-US" dirty="0"/>
+                        <a:t>제약조건</a:t>
+                      </a:r>
+                    </a:p>
+                  </a:txBody>
+                  <a:tcPr/>
+                </a:tc>
+                <a:extLst>
+                  <a:ext uri="{0D108BD9-81ED-4DB2-BD59-A6C34878D82A}">
+                    <a16:rowId xmlns:a16="http://schemas.microsoft.com/office/drawing/2014/main" val="3064652661"/>
+                  </a:ext>
+                </a:extLst>
+              </a:tr>
+              <a:tr h="403028">
+                <a:tc>
+                  <a:txBody>
+                    <a:bodyPr/>
+                    <a:lstStyle/>
+                    <a:p>
+                      <a:pPr marL="0" marR="0" lvl="0" indent="0" algn="l" defTabSz="914400" rtl="0" eaLnBrk="1" fontAlgn="auto" latinLnBrk="1" hangingPunct="1">
+                        <a:lnSpc>
+                          <a:spcPct val="100000"/>
+                        </a:lnSpc>
+                        <a:spcBef>
+                          <a:spcPts val="0"/>
+                        </a:spcBef>
+                        <a:spcAft>
+                          <a:spcPts val="0"/>
+                        </a:spcAft>
+                        <a:buClrTx/>
+                        <a:buSzTx/>
+                        <a:buFontTx/>
+                        <a:buNone/>
+                        <a:tabLst/>
+                        <a:defRPr/>
+                      </a:pPr>
+                      <a:r>
+                        <a:rPr lang="ko-KR" altLang="en-US" sz="1800" b="0" i="0" kern="1200" dirty="0">
+                          <a:solidFill>
+                            <a:schemeClr val="dk1"/>
+                          </a:solidFill>
+                          <a:effectLst/>
+                          <a:latin typeface="+mn-lt"/>
+                          <a:ea typeface="+mn-ea"/>
+                          <a:cs typeface="+mn-cs"/>
+                        </a:rPr>
+                        <a:t>제조업체명</a:t>
+                      </a:r>
+                      <a:endParaRPr lang="ko-KR" altLang="en-US" dirty="0"/>
+                    </a:p>
+                  </a:txBody>
+                  <a:tcPr/>
+                </a:tc>
+                <a:tc>
+                  <a:txBody>
+                    <a:bodyPr/>
+                    <a:lstStyle/>
+                    <a:p>
+                      <a:pPr marL="0" marR="0" lvl="0" indent="0" algn="l" defTabSz="914400" rtl="0" eaLnBrk="1" fontAlgn="auto" latinLnBrk="1" hangingPunct="1">
+                        <a:lnSpc>
+                          <a:spcPct val="100000"/>
+                        </a:lnSpc>
+                        <a:spcBef>
+                          <a:spcPts val="0"/>
+                        </a:spcBef>
+                        <a:spcAft>
+                          <a:spcPts val="0"/>
+                        </a:spcAft>
+                        <a:buClrTx/>
+                        <a:buSzTx/>
+                        <a:buFontTx/>
+                        <a:buNone/>
+                        <a:tabLst/>
+                        <a:defRPr/>
+                      </a:pPr>
+                      <a:r>
+                        <a:rPr lang="en-US" altLang="ko-KR" dirty="0"/>
+                        <a:t>Varchar(30)</a:t>
+                      </a:r>
+                      <a:endParaRPr lang="ko-KR" altLang="en-US" dirty="0"/>
+                    </a:p>
+                  </a:txBody>
+                  <a:tcPr/>
+                </a:tc>
+                <a:tc>
+                  <a:txBody>
+                    <a:bodyPr/>
+                    <a:lstStyle/>
+                    <a:p>
+                      <a:pPr latinLnBrk="1"/>
+                      <a:r>
+                        <a:rPr lang="en-US" altLang="ko-KR" dirty="0"/>
+                        <a:t>N</a:t>
+                      </a:r>
+                      <a:endParaRPr lang="ko-KR" altLang="en-US" dirty="0"/>
+                    </a:p>
+                  </a:txBody>
+                  <a:tcPr/>
+                </a:tc>
+                <a:tc>
+                  <a:txBody>
+                    <a:bodyPr/>
+                    <a:lstStyle/>
+                    <a:p>
+                      <a:pPr latinLnBrk="1"/>
+                      <a:endParaRPr lang="ko-KR" altLang="en-US" dirty="0"/>
+                    </a:p>
+                  </a:txBody>
+                  <a:tcPr/>
+                </a:tc>
+                <a:tc>
+                  <a:txBody>
+                    <a:bodyPr/>
+                    <a:lstStyle/>
+                    <a:p>
+                      <a:pPr latinLnBrk="1"/>
+                      <a:r>
+                        <a:rPr lang="en-US" altLang="ko-KR" dirty="0"/>
+                        <a:t>PK</a:t>
+                      </a:r>
+                      <a:endParaRPr lang="ko-KR" altLang="en-US" dirty="0"/>
+                    </a:p>
+                  </a:txBody>
+                  <a:tcPr/>
+                </a:tc>
+                <a:tc>
+                  <a:txBody>
+                    <a:bodyPr/>
+                    <a:lstStyle/>
+                    <a:p>
+                      <a:pPr latinLnBrk="1"/>
+                      <a:endParaRPr lang="ko-KR" altLang="en-US" dirty="0"/>
+                    </a:p>
+                  </a:txBody>
+                  <a:tcPr/>
+                </a:tc>
+                <a:tc>
+                  <a:txBody>
+                    <a:bodyPr/>
+                    <a:lstStyle/>
+                    <a:p>
+                      <a:pPr latinLnBrk="1"/>
+                      <a:endParaRPr lang="ko-KR" altLang="en-US" dirty="0"/>
+                    </a:p>
+                  </a:txBody>
+                  <a:tcPr/>
+                </a:tc>
+                <a:extLst>
+                  <a:ext uri="{0D108BD9-81ED-4DB2-BD59-A6C34878D82A}">
+                    <a16:rowId xmlns:a16="http://schemas.microsoft.com/office/drawing/2014/main" val="3969570785"/>
+                  </a:ext>
+                </a:extLst>
+              </a:tr>
+              <a:tr h="403028">
+                <a:tc>
+                  <a:txBody>
+                    <a:bodyPr/>
+                    <a:lstStyle/>
+                    <a:p>
+                      <a:pPr latinLnBrk="1"/>
+                      <a:r>
+                        <a:rPr lang="ko-KR" altLang="en-US" sz="1800" b="0" i="0" kern="1200" dirty="0">
+                          <a:solidFill>
+                            <a:schemeClr val="dk1"/>
+                          </a:solidFill>
+                          <a:effectLst/>
+                          <a:latin typeface="+mn-lt"/>
+                          <a:ea typeface="+mn-ea"/>
+                          <a:cs typeface="+mn-cs"/>
+                        </a:rPr>
+                        <a:t>전화번호</a:t>
+                      </a:r>
+                      <a:endParaRPr lang="ko-KR" altLang="en-US" dirty="0"/>
+                    </a:p>
+                  </a:txBody>
+                  <a:tcPr/>
+                </a:tc>
+                <a:tc>
+                  <a:txBody>
+                    <a:bodyPr/>
+                    <a:lstStyle/>
+                    <a:p>
+                      <a:pPr marL="0" marR="0" lvl="0" indent="0" algn="l" defTabSz="914400" rtl="0" eaLnBrk="1" fontAlgn="auto" latinLnBrk="1" hangingPunct="1">
+                        <a:lnSpc>
+                          <a:spcPct val="100000"/>
+                        </a:lnSpc>
+                        <a:spcBef>
+                          <a:spcPts val="0"/>
+                        </a:spcBef>
+                        <a:spcAft>
+                          <a:spcPts val="0"/>
+                        </a:spcAft>
+                        <a:buClrTx/>
+                        <a:buSzTx/>
+                        <a:buFontTx/>
+                        <a:buNone/>
+                        <a:tabLst/>
+                        <a:defRPr/>
+                      </a:pPr>
+                      <a:r>
+                        <a:rPr lang="en-US" altLang="ko-KR" dirty="0"/>
+                        <a:t>INT</a:t>
+                      </a:r>
+                      <a:endParaRPr lang="ko-KR" altLang="en-US" dirty="0"/>
+                    </a:p>
+                  </a:txBody>
+                  <a:tcPr/>
+                </a:tc>
+                <a:tc>
+                  <a:txBody>
+                    <a:bodyPr/>
+                    <a:lstStyle/>
+                    <a:p>
+                      <a:pPr latinLnBrk="1"/>
+                      <a:r>
+                        <a:rPr lang="en-US" altLang="ko-KR" dirty="0"/>
+                        <a:t>Y</a:t>
+                      </a:r>
+                      <a:endParaRPr lang="ko-KR" altLang="en-US" dirty="0"/>
+                    </a:p>
+                  </a:txBody>
+                  <a:tcPr/>
+                </a:tc>
+                <a:tc>
+                  <a:txBody>
+                    <a:bodyPr/>
+                    <a:lstStyle/>
+                    <a:p>
+                      <a:pPr latinLnBrk="1"/>
+                      <a:endParaRPr lang="ko-KR" altLang="en-US" dirty="0"/>
+                    </a:p>
+                  </a:txBody>
+                  <a:tcPr/>
+                </a:tc>
+                <a:tc>
+                  <a:txBody>
+                    <a:bodyPr/>
+                    <a:lstStyle/>
+                    <a:p>
+                      <a:pPr latinLnBrk="1"/>
+                      <a:endParaRPr lang="ko-KR" altLang="en-US" dirty="0"/>
+                    </a:p>
+                  </a:txBody>
+                  <a:tcPr/>
+                </a:tc>
+                <a:tc>
+                  <a:txBody>
+                    <a:bodyPr/>
+                    <a:lstStyle/>
+                    <a:p>
+                      <a:pPr latinLnBrk="1"/>
+                      <a:endParaRPr lang="ko-KR" altLang="en-US" dirty="0"/>
+                    </a:p>
+                  </a:txBody>
+                  <a:tcPr/>
+                </a:tc>
+                <a:tc>
+                  <a:txBody>
+                    <a:bodyPr/>
+                    <a:lstStyle/>
+                    <a:p>
+                      <a:pPr latinLnBrk="1"/>
+                      <a:endParaRPr lang="ko-KR" altLang="en-US" dirty="0"/>
+                    </a:p>
+                  </a:txBody>
+                  <a:tcPr/>
+                </a:tc>
+                <a:extLst>
+                  <a:ext uri="{0D108BD9-81ED-4DB2-BD59-A6C34878D82A}">
+                    <a16:rowId xmlns:a16="http://schemas.microsoft.com/office/drawing/2014/main" val="1749574616"/>
+                  </a:ext>
+                </a:extLst>
+              </a:tr>
+              <a:tr h="403028">
+                <a:tc>
+                  <a:txBody>
+                    <a:bodyPr/>
+                    <a:lstStyle/>
+                    <a:p>
+                      <a:pPr latinLnBrk="1"/>
+                      <a:r>
+                        <a:rPr lang="ko-KR" altLang="en-US" sz="1800" b="0" i="0" kern="1200" dirty="0">
+                          <a:solidFill>
+                            <a:schemeClr val="dk1"/>
+                          </a:solidFill>
+                          <a:effectLst/>
+                          <a:latin typeface="+mn-lt"/>
+                          <a:ea typeface="+mn-ea"/>
+                          <a:cs typeface="+mn-cs"/>
+                        </a:rPr>
+                        <a:t>위치</a:t>
+                      </a:r>
+                      <a:endParaRPr lang="ko-KR" altLang="en-US" dirty="0"/>
+                    </a:p>
+                  </a:txBody>
+                  <a:tcPr/>
+                </a:tc>
+                <a:tc>
+                  <a:txBody>
+                    <a:bodyPr/>
+                    <a:lstStyle/>
+                    <a:p>
+                      <a:pPr marL="0" marR="0" lvl="0" indent="0" algn="l" defTabSz="914400" rtl="0" eaLnBrk="1" fontAlgn="auto" latinLnBrk="1" hangingPunct="1">
+                        <a:lnSpc>
+                          <a:spcPct val="100000"/>
+                        </a:lnSpc>
+                        <a:spcBef>
+                          <a:spcPts val="0"/>
+                        </a:spcBef>
+                        <a:spcAft>
+                          <a:spcPts val="0"/>
+                        </a:spcAft>
+                        <a:buClrTx/>
+                        <a:buSzTx/>
+                        <a:buFontTx/>
+                        <a:buNone/>
+                        <a:tabLst/>
+                        <a:defRPr/>
+                      </a:pPr>
+                      <a:r>
+                        <a:rPr lang="en-US" altLang="ko-KR" dirty="0"/>
+                        <a:t>Varchar(20)</a:t>
+                      </a:r>
+                      <a:endParaRPr lang="ko-KR" altLang="en-US" dirty="0"/>
+                    </a:p>
+                  </a:txBody>
+                  <a:tcPr/>
+                </a:tc>
+                <a:tc>
+                  <a:txBody>
+                    <a:bodyPr/>
+                    <a:lstStyle/>
+                    <a:p>
+                      <a:pPr latinLnBrk="1"/>
+                      <a:r>
+                        <a:rPr lang="en-US" altLang="ko-KR" dirty="0"/>
+                        <a:t>Y</a:t>
+                      </a:r>
+                      <a:endParaRPr lang="ko-KR" altLang="en-US" dirty="0"/>
+                    </a:p>
+                  </a:txBody>
+                  <a:tcPr/>
+                </a:tc>
+                <a:tc>
+                  <a:txBody>
+                    <a:bodyPr/>
+                    <a:lstStyle/>
+                    <a:p>
+                      <a:pPr latinLnBrk="1"/>
+                      <a:endParaRPr lang="ko-KR" altLang="en-US" dirty="0"/>
+                    </a:p>
+                  </a:txBody>
+                  <a:tcPr/>
+                </a:tc>
+                <a:tc>
+                  <a:txBody>
+                    <a:bodyPr/>
+                    <a:lstStyle/>
+                    <a:p>
+                      <a:pPr latinLnBrk="1"/>
+                      <a:endParaRPr lang="ko-KR" altLang="en-US" dirty="0"/>
+                    </a:p>
+                  </a:txBody>
+                  <a:tcPr/>
+                </a:tc>
+                <a:tc>
+                  <a:txBody>
+                    <a:bodyPr/>
+                    <a:lstStyle/>
+                    <a:p>
+                      <a:pPr latinLnBrk="1"/>
+                      <a:endParaRPr lang="ko-KR" altLang="en-US" dirty="0"/>
+                    </a:p>
+                  </a:txBody>
+                  <a:tcPr/>
+                </a:tc>
+                <a:tc>
+                  <a:txBody>
+                    <a:bodyPr/>
+                    <a:lstStyle/>
+                    <a:p>
+                      <a:pPr latinLnBrk="1"/>
+                      <a:endParaRPr lang="ko-KR" altLang="en-US" dirty="0"/>
+                    </a:p>
+                  </a:txBody>
+                  <a:tcPr/>
+                </a:tc>
+                <a:extLst>
+                  <a:ext uri="{0D108BD9-81ED-4DB2-BD59-A6C34878D82A}">
+                    <a16:rowId xmlns:a16="http://schemas.microsoft.com/office/drawing/2014/main" val="4211299645"/>
+                  </a:ext>
+                </a:extLst>
+              </a:tr>
+              <a:tr h="403028">
+                <a:tc>
+                  <a:txBody>
+                    <a:bodyPr/>
+                    <a:lstStyle/>
+                    <a:p>
+                      <a:pPr latinLnBrk="1"/>
+                      <a:r>
+                        <a:rPr lang="ko-KR" altLang="en-US" sz="1800" b="0" i="0" kern="1200" dirty="0">
+                          <a:solidFill>
+                            <a:schemeClr val="dk1"/>
+                          </a:solidFill>
+                          <a:effectLst/>
+                          <a:latin typeface="+mn-lt"/>
+                          <a:ea typeface="+mn-ea"/>
+                          <a:cs typeface="+mn-cs"/>
+                        </a:rPr>
+                        <a:t>담당자</a:t>
+                      </a:r>
+                      <a:endParaRPr lang="ko-KR" altLang="en-US" dirty="0"/>
+                    </a:p>
+                  </a:txBody>
+                  <a:tcPr/>
+                </a:tc>
+                <a:tc>
+                  <a:txBody>
+                    <a:bodyPr/>
+                    <a:lstStyle/>
+                    <a:p>
+                      <a:pPr marL="0" marR="0" lvl="0" indent="0" algn="l" defTabSz="914400" rtl="0" eaLnBrk="1" fontAlgn="auto" latinLnBrk="1" hangingPunct="1">
+                        <a:lnSpc>
+                          <a:spcPct val="100000"/>
+                        </a:lnSpc>
+                        <a:spcBef>
+                          <a:spcPts val="0"/>
+                        </a:spcBef>
+                        <a:spcAft>
+                          <a:spcPts val="0"/>
+                        </a:spcAft>
+                        <a:buClrTx/>
+                        <a:buSzTx/>
+                        <a:buFontTx/>
+                        <a:buNone/>
+                        <a:tabLst/>
+                        <a:defRPr/>
+                      </a:pPr>
+                      <a:r>
+                        <a:rPr lang="en-US" altLang="ko-KR" dirty="0"/>
+                        <a:t>Varchar(20)</a:t>
+                      </a:r>
+                      <a:endParaRPr lang="ko-KR" altLang="en-US" dirty="0"/>
+                    </a:p>
+                  </a:txBody>
+                  <a:tcPr/>
+                </a:tc>
+                <a:tc>
+                  <a:txBody>
+                    <a:bodyPr/>
+                    <a:lstStyle/>
+                    <a:p>
+                      <a:pPr latinLnBrk="1"/>
+                      <a:r>
+                        <a:rPr lang="en-US" altLang="ko-KR" dirty="0"/>
+                        <a:t>Y</a:t>
+                      </a:r>
+                      <a:endParaRPr lang="ko-KR" altLang="en-US" dirty="0"/>
+                    </a:p>
+                  </a:txBody>
+                  <a:tcPr/>
+                </a:tc>
+                <a:tc>
+                  <a:txBody>
+                    <a:bodyPr/>
+                    <a:lstStyle/>
+                    <a:p>
+                      <a:pPr latinLnBrk="1"/>
+                      <a:endParaRPr lang="ko-KR" altLang="en-US" dirty="0"/>
+                    </a:p>
+                  </a:txBody>
+                  <a:tcPr/>
+                </a:tc>
+                <a:tc>
+                  <a:txBody>
+                    <a:bodyPr/>
+                    <a:lstStyle/>
+                    <a:p>
+                      <a:pPr latinLnBrk="1"/>
+                      <a:endParaRPr lang="ko-KR" altLang="en-US" dirty="0"/>
+                    </a:p>
+                  </a:txBody>
+                  <a:tcPr/>
+                </a:tc>
+                <a:tc>
+                  <a:txBody>
+                    <a:bodyPr/>
+                    <a:lstStyle/>
+                    <a:p>
+                      <a:pPr latinLnBrk="1"/>
+                      <a:endParaRPr lang="ko-KR" altLang="en-US" dirty="0"/>
+                    </a:p>
+                  </a:txBody>
+                  <a:tcPr/>
+                </a:tc>
+                <a:tc>
+                  <a:txBody>
+                    <a:bodyPr/>
+                    <a:lstStyle/>
+                    <a:p>
+                      <a:pPr latinLnBrk="1"/>
+                      <a:endParaRPr lang="ko-KR" altLang="en-US" dirty="0"/>
+                    </a:p>
+                  </a:txBody>
+                  <a:tcPr/>
+                </a:tc>
+                <a:extLst>
+                  <a:ext uri="{0D108BD9-81ED-4DB2-BD59-A6C34878D82A}">
+                    <a16:rowId xmlns:a16="http://schemas.microsoft.com/office/drawing/2014/main" val="3710097875"/>
+                  </a:ext>
+                </a:extLst>
+              </a:tr>
+            </a:tbl>
+          </a:graphicData>
+        </a:graphic>
+      </p:graphicFrame>
+    </p:spTree>
+    <p:extLst>
+      <p:ext uri="{BB962C8B-B14F-4D97-AF65-F5344CB8AC3E}">
+        <p14:creationId xmlns:p14="http://schemas.microsoft.com/office/powerpoint/2010/main" val="2496032722"/>
+      </p:ext>
+    </p:extLst>
+  </p:cSld>
+  <p:clrMapOvr>
+    <a:masterClrMapping/>
+  </p:clrMapOvr>
+</p:sld>
+</file>
+
+<file path=ppt/slides/slide4.xml><?xml version="1.0" encoding="utf-8"?>
+<p:sld xmlns:a="http://schemas.openxmlformats.org/drawingml/2006/main" xmlns:r="http://schemas.openxmlformats.org/officeDocument/2006/relationships" xmlns:p="http://schemas.openxmlformats.org/presentationml/2006/main">
+  <p:cSld>
+    <p:spTree>
+      <p:nvGrpSpPr>
+        <p:cNvPr id="1" name="">
+          <a:extLst>
+            <a:ext uri="{FF2B5EF4-FFF2-40B4-BE49-F238E27FC236}">
+              <a16:creationId xmlns:a16="http://schemas.microsoft.com/office/drawing/2014/main" id="{89D0D243-5A08-CD49-F82F-F200FDD4AD9A}"/>
+            </a:ext>
+          </a:extLst>
+        </p:cNvPr>
+        <p:cNvGrpSpPr/>
+        <p:nvPr/>
+      </p:nvGrpSpPr>
+      <p:grpSpPr>
+        <a:xfrm>
+          <a:off x="0" y="0"/>
+          <a:ext cx="0" cy="0"/>
+          <a:chOff x="0" y="0"/>
+          <a:chExt cx="0" cy="0"/>
+        </a:xfrm>
+      </p:grpSpPr>
+      <p:graphicFrame>
+        <p:nvGraphicFramePr>
+          <p:cNvPr id="4" name="표 3">
             <a:extLst>
               <a:ext uri="{FF2B5EF4-FFF2-40B4-BE49-F238E27FC236}">
-                <a16:creationId xmlns:a16="http://schemas.microsoft.com/office/drawing/2014/main" id="{854D559B-DE66-F278-5D71-095886202CAE}"/>
+                <a16:creationId xmlns:a16="http://schemas.microsoft.com/office/drawing/2014/main" id="{0F7C3496-7C6A-A712-C9C5-A3BB67CC3081}"/>
               </a:ext>
             </a:extLst>
           </p:cNvPr>
-          <p:cNvSpPr>
-            <a:spLocks noGrp="1"/>
-          </p:cNvSpPr>
+          <p:cNvGraphicFramePr>
+            <a:graphicFrameLocks noGrp="1"/>
+          </p:cNvGraphicFramePr>
           <p:nvPr>
-            <p:ph idx="1"/>
+            <p:extLst>
+              <p:ext uri="{D42A27DB-BD31-4B8C-83A1-F6EECF244321}">
+                <p14:modId xmlns:p14="http://schemas.microsoft.com/office/powerpoint/2010/main" val="2317050527"/>
+              </p:ext>
+            </p:extLst>
           </p:nvPr>
-        </p:nvSpPr>
-        <p:spPr/>
-        <p:txBody>
-          <a:bodyPr/>
-          <a:lstStyle/>
-          <a:p>
-            <a:endParaRPr lang="ko-KR" altLang="en-US"/>
-          </a:p>
-        </p:txBody>
-      </p:sp>
+        </p:nvGraphicFramePr>
+        <p:xfrm>
+          <a:off x="1077951" y="1635192"/>
+          <a:ext cx="10036098" cy="3227240"/>
+        </p:xfrm>
+        <a:graphic>
+          <a:graphicData uri="http://schemas.openxmlformats.org/drawingml/2006/table">
+            <a:tbl>
+              <a:tblPr firstRow="1" bandRow="1">
+                <a:tableStyleId>{00A15C55-8517-42AA-B614-E9B94910E393}</a:tableStyleId>
+              </a:tblPr>
+              <a:tblGrid>
+                <a:gridCol w="2167230">
+                  <a:extLst>
+                    <a:ext uri="{9D8B030D-6E8A-4147-A177-3AD203B41FA5}">
+                      <a16:colId xmlns:a16="http://schemas.microsoft.com/office/drawing/2014/main" val="1493898479"/>
+                    </a:ext>
+                  </a:extLst>
+                </a:gridCol>
+                <a:gridCol w="1468067">
+                  <a:extLst>
+                    <a:ext uri="{9D8B030D-6E8A-4147-A177-3AD203B41FA5}">
+                      <a16:colId xmlns:a16="http://schemas.microsoft.com/office/drawing/2014/main" val="1280303573"/>
+                    </a:ext>
+                  </a:extLst>
+                </a:gridCol>
+                <a:gridCol w="1538869">
+                  <a:extLst>
+                    <a:ext uri="{9D8B030D-6E8A-4147-A177-3AD203B41FA5}">
+                      <a16:colId xmlns:a16="http://schemas.microsoft.com/office/drawing/2014/main" val="3318627087"/>
+                    </a:ext>
+                  </a:extLst>
+                </a:gridCol>
+                <a:gridCol w="892098">
+                  <a:extLst>
+                    <a:ext uri="{9D8B030D-6E8A-4147-A177-3AD203B41FA5}">
+                      <a16:colId xmlns:a16="http://schemas.microsoft.com/office/drawing/2014/main" val="3549962534"/>
+                    </a:ext>
+                  </a:extLst>
+                </a:gridCol>
+                <a:gridCol w="1380949">
+                  <a:extLst>
+                    <a:ext uri="{9D8B030D-6E8A-4147-A177-3AD203B41FA5}">
+                      <a16:colId xmlns:a16="http://schemas.microsoft.com/office/drawing/2014/main" val="1815634729"/>
+                    </a:ext>
+                  </a:extLst>
+                </a:gridCol>
+                <a:gridCol w="1413163">
+                  <a:extLst>
+                    <a:ext uri="{9D8B030D-6E8A-4147-A177-3AD203B41FA5}">
+                      <a16:colId xmlns:a16="http://schemas.microsoft.com/office/drawing/2014/main" val="774992101"/>
+                    </a:ext>
+                  </a:extLst>
+                </a:gridCol>
+                <a:gridCol w="1175722">
+                  <a:extLst>
+                    <a:ext uri="{9D8B030D-6E8A-4147-A177-3AD203B41FA5}">
+                      <a16:colId xmlns:a16="http://schemas.microsoft.com/office/drawing/2014/main" val="2048089069"/>
+                    </a:ext>
+                  </a:extLst>
+                </a:gridCol>
+              </a:tblGrid>
+              <a:tr h="406044">
+                <a:tc gridSpan="7">
+                  <a:txBody>
+                    <a:bodyPr/>
+                    <a:lstStyle/>
+                    <a:p>
+                      <a:pPr latinLnBrk="1"/>
+                      <a:r>
+                        <a:rPr lang="ko-KR" altLang="en-US" dirty="0"/>
+                        <a:t>테이블명세서</a:t>
+                      </a:r>
+                    </a:p>
+                  </a:txBody>
+                  <a:tcPr>
+                    <a:lnB w="38100" cmpd="sng">
+                      <a:noFill/>
+                    </a:lnB>
+                  </a:tcPr>
+                </a:tc>
+                <a:tc hMerge="1">
+                  <a:txBody>
+                    <a:bodyPr/>
+                    <a:lstStyle/>
+                    <a:p>
+                      <a:pPr latinLnBrk="1"/>
+                      <a:endParaRPr lang="ko-KR" altLang="en-US"/>
+                    </a:p>
+                  </a:txBody>
+                  <a:tcPr/>
+                </a:tc>
+                <a:tc hMerge="1">
+                  <a:txBody>
+                    <a:bodyPr/>
+                    <a:lstStyle/>
+                    <a:p>
+                      <a:pPr latinLnBrk="1"/>
+                      <a:endParaRPr lang="ko-KR" altLang="en-US"/>
+                    </a:p>
+                  </a:txBody>
+                  <a:tcPr/>
+                </a:tc>
+                <a:tc hMerge="1">
+                  <a:txBody>
+                    <a:bodyPr/>
+                    <a:lstStyle/>
+                    <a:p>
+                      <a:pPr latinLnBrk="1"/>
+                      <a:endParaRPr lang="ko-KR" altLang="en-US" dirty="0"/>
+                    </a:p>
+                  </a:txBody>
+                  <a:tcPr/>
+                </a:tc>
+                <a:tc hMerge="1">
+                  <a:txBody>
+                    <a:bodyPr/>
+                    <a:lstStyle/>
+                    <a:p>
+                      <a:pPr latinLnBrk="1"/>
+                      <a:endParaRPr lang="ko-KR" altLang="en-US"/>
+                    </a:p>
+                  </a:txBody>
+                  <a:tcPr/>
+                </a:tc>
+                <a:tc hMerge="1">
+                  <a:txBody>
+                    <a:bodyPr/>
+                    <a:lstStyle/>
+                    <a:p>
+                      <a:pPr latinLnBrk="1"/>
+                      <a:endParaRPr lang="ko-KR" altLang="en-US"/>
+                    </a:p>
+                  </a:txBody>
+                  <a:tcPr/>
+                </a:tc>
+                <a:tc hMerge="1">
+                  <a:txBody>
+                    <a:bodyPr/>
+                    <a:lstStyle/>
+                    <a:p>
+                      <a:pPr latinLnBrk="1"/>
+                      <a:endParaRPr lang="ko-KR" altLang="en-US"/>
+                    </a:p>
+                  </a:txBody>
+                  <a:tcPr/>
+                </a:tc>
+                <a:extLst>
+                  <a:ext uri="{0D108BD9-81ED-4DB2-BD59-A6C34878D82A}">
+                    <a16:rowId xmlns:a16="http://schemas.microsoft.com/office/drawing/2014/main" val="263251583"/>
+                  </a:ext>
+                </a:extLst>
+              </a:tr>
+              <a:tr h="403028">
+                <a:tc gridSpan="3">
+                  <a:txBody>
+                    <a:bodyPr/>
+                    <a:lstStyle/>
+                    <a:p>
+                      <a:pPr latinLnBrk="1"/>
+                      <a:r>
+                        <a:rPr lang="ko-KR" altLang="en-US" dirty="0"/>
+                        <a:t>테이블이름</a:t>
+                      </a:r>
+                    </a:p>
+                  </a:txBody>
+                  <a:tcPr>
+                    <a:lnT w="38100" cmpd="sng">
+                      <a:noFill/>
+                    </a:lnT>
+                  </a:tcPr>
+                </a:tc>
+                <a:tc hMerge="1">
+                  <a:txBody>
+                    <a:bodyPr/>
+                    <a:lstStyle/>
+                    <a:p>
+                      <a:pPr latinLnBrk="1"/>
+                      <a:endParaRPr lang="ko-KR" altLang="en-US" dirty="0"/>
+                    </a:p>
+                  </a:txBody>
+                  <a:tcPr/>
+                </a:tc>
+                <a:tc hMerge="1">
+                  <a:txBody>
+                    <a:bodyPr/>
+                    <a:lstStyle/>
+                    <a:p>
+                      <a:pPr latinLnBrk="1"/>
+                      <a:endParaRPr lang="ko-KR" altLang="en-US" dirty="0"/>
+                    </a:p>
+                  </a:txBody>
+                  <a:tcPr/>
+                </a:tc>
+                <a:tc gridSpan="4">
+                  <a:txBody>
+                    <a:bodyPr/>
+                    <a:lstStyle/>
+                    <a:p>
+                      <a:pPr latinLnBrk="1"/>
+                      <a:r>
+                        <a:rPr lang="ko-KR" altLang="en-US" dirty="0"/>
+                        <a:t>게시글</a:t>
+                      </a:r>
+                    </a:p>
+                  </a:txBody>
+                  <a:tcPr/>
+                </a:tc>
+                <a:tc hMerge="1">
+                  <a:txBody>
+                    <a:bodyPr/>
+                    <a:lstStyle/>
+                    <a:p>
+                      <a:pPr latinLnBrk="1"/>
+                      <a:endParaRPr lang="ko-KR" altLang="en-US" dirty="0"/>
+                    </a:p>
+                  </a:txBody>
+                  <a:tcPr/>
+                </a:tc>
+                <a:tc hMerge="1">
+                  <a:txBody>
+                    <a:bodyPr/>
+                    <a:lstStyle/>
+                    <a:p>
+                      <a:pPr latinLnBrk="1"/>
+                      <a:endParaRPr lang="ko-KR" altLang="en-US" dirty="0"/>
+                    </a:p>
+                  </a:txBody>
+                  <a:tcPr/>
+                </a:tc>
+                <a:tc hMerge="1">
+                  <a:txBody>
+                    <a:bodyPr/>
+                    <a:lstStyle/>
+                    <a:p>
+                      <a:pPr latinLnBrk="1"/>
+                      <a:endParaRPr lang="ko-KR" altLang="en-US"/>
+                    </a:p>
+                  </a:txBody>
+                  <a:tcPr/>
+                </a:tc>
+                <a:extLst>
+                  <a:ext uri="{0D108BD9-81ED-4DB2-BD59-A6C34878D82A}">
+                    <a16:rowId xmlns:a16="http://schemas.microsoft.com/office/drawing/2014/main" val="3530461294"/>
+                  </a:ext>
+                </a:extLst>
+              </a:tr>
+              <a:tr h="403028">
+                <a:tc>
+                  <a:txBody>
+                    <a:bodyPr/>
+                    <a:lstStyle/>
+                    <a:p>
+                      <a:pPr latinLnBrk="1"/>
+                      <a:r>
+                        <a:rPr lang="ko-KR" altLang="en-US" dirty="0"/>
+                        <a:t>속성이름</a:t>
+                      </a:r>
+                    </a:p>
+                  </a:txBody>
+                  <a:tcPr/>
+                </a:tc>
+                <a:tc>
+                  <a:txBody>
+                    <a:bodyPr/>
+                    <a:lstStyle/>
+                    <a:p>
+                      <a:pPr latinLnBrk="1"/>
+                      <a:r>
+                        <a:rPr lang="ko-KR" altLang="en-US" dirty="0"/>
+                        <a:t>데이터타입</a:t>
+                      </a:r>
+                    </a:p>
+                  </a:txBody>
+                  <a:tcPr/>
+                </a:tc>
+                <a:tc>
+                  <a:txBody>
+                    <a:bodyPr/>
+                    <a:lstStyle/>
+                    <a:p>
+                      <a:pPr latinLnBrk="1"/>
+                      <a:r>
+                        <a:rPr lang="ko-KR" altLang="en-US" dirty="0"/>
+                        <a:t>널허용여부</a:t>
+                      </a:r>
+                    </a:p>
+                  </a:txBody>
+                  <a:tcPr/>
+                </a:tc>
+                <a:tc>
+                  <a:txBody>
+                    <a:bodyPr/>
+                    <a:lstStyle/>
+                    <a:p>
+                      <a:pPr latinLnBrk="1"/>
+                      <a:r>
+                        <a:rPr lang="ko-KR" altLang="en-US" dirty="0"/>
+                        <a:t>기본값</a:t>
+                      </a:r>
+                    </a:p>
+                  </a:txBody>
+                  <a:tcPr/>
+                </a:tc>
+                <a:tc>
+                  <a:txBody>
+                    <a:bodyPr/>
+                    <a:lstStyle/>
+                    <a:p>
+                      <a:pPr latinLnBrk="1"/>
+                      <a:r>
+                        <a:rPr lang="ko-KR" altLang="en-US" dirty="0" err="1"/>
+                        <a:t>기본키</a:t>
+                      </a:r>
+                      <a:endParaRPr lang="ko-KR" altLang="en-US" dirty="0"/>
+                    </a:p>
+                  </a:txBody>
+                  <a:tcPr/>
+                </a:tc>
+                <a:tc>
+                  <a:txBody>
+                    <a:bodyPr/>
+                    <a:lstStyle/>
+                    <a:p>
+                      <a:pPr latinLnBrk="1"/>
+                      <a:r>
+                        <a:rPr lang="ko-KR" altLang="en-US" dirty="0" err="1"/>
+                        <a:t>외래키</a:t>
+                      </a:r>
+                      <a:endParaRPr lang="ko-KR" altLang="en-US" dirty="0"/>
+                    </a:p>
+                  </a:txBody>
+                  <a:tcPr/>
+                </a:tc>
+                <a:tc>
+                  <a:txBody>
+                    <a:bodyPr/>
+                    <a:lstStyle/>
+                    <a:p>
+                      <a:pPr latinLnBrk="1"/>
+                      <a:r>
+                        <a:rPr lang="ko-KR" altLang="en-US" dirty="0"/>
+                        <a:t>제약조건</a:t>
+                      </a:r>
+                    </a:p>
+                  </a:txBody>
+                  <a:tcPr/>
+                </a:tc>
+                <a:extLst>
+                  <a:ext uri="{0D108BD9-81ED-4DB2-BD59-A6C34878D82A}">
+                    <a16:rowId xmlns:a16="http://schemas.microsoft.com/office/drawing/2014/main" val="3064652661"/>
+                  </a:ext>
+                </a:extLst>
+              </a:tr>
+              <a:tr h="403028">
+                <a:tc>
+                  <a:txBody>
+                    <a:bodyPr/>
+                    <a:lstStyle/>
+                    <a:p>
+                      <a:pPr marL="0" marR="0" lvl="0" indent="0" algn="l" defTabSz="914400" rtl="0" eaLnBrk="1" fontAlgn="auto" latinLnBrk="1" hangingPunct="1">
+                        <a:lnSpc>
+                          <a:spcPct val="100000"/>
+                        </a:lnSpc>
+                        <a:spcBef>
+                          <a:spcPts val="0"/>
+                        </a:spcBef>
+                        <a:spcAft>
+                          <a:spcPts val="0"/>
+                        </a:spcAft>
+                        <a:buClrTx/>
+                        <a:buSzTx/>
+                        <a:buFontTx/>
+                        <a:buNone/>
+                        <a:tabLst/>
+                        <a:defRPr/>
+                      </a:pPr>
+                      <a:r>
+                        <a:rPr lang="ko-KR" altLang="en-US" sz="1800" b="0" i="0" kern="1200" dirty="0" err="1">
+                          <a:solidFill>
+                            <a:schemeClr val="dk1"/>
+                          </a:solidFill>
+                          <a:effectLst/>
+                          <a:latin typeface="+mn-lt"/>
+                          <a:ea typeface="+mn-ea"/>
+                          <a:cs typeface="+mn-cs"/>
+                        </a:rPr>
+                        <a:t>글번호</a:t>
+                      </a:r>
+                      <a:endParaRPr lang="ko-KR" altLang="en-US" dirty="0"/>
+                    </a:p>
+                  </a:txBody>
+                  <a:tcPr/>
+                </a:tc>
+                <a:tc>
+                  <a:txBody>
+                    <a:bodyPr/>
+                    <a:lstStyle/>
+                    <a:p>
+                      <a:pPr marL="0" marR="0" lvl="0" indent="0" algn="l" defTabSz="914400" rtl="0" eaLnBrk="1" fontAlgn="auto" latinLnBrk="1" hangingPunct="1">
+                        <a:lnSpc>
+                          <a:spcPct val="100000"/>
+                        </a:lnSpc>
+                        <a:spcBef>
+                          <a:spcPts val="0"/>
+                        </a:spcBef>
+                        <a:spcAft>
+                          <a:spcPts val="0"/>
+                        </a:spcAft>
+                        <a:buClrTx/>
+                        <a:buSzTx/>
+                        <a:buFontTx/>
+                        <a:buNone/>
+                        <a:tabLst/>
+                        <a:defRPr/>
+                      </a:pPr>
+                      <a:r>
+                        <a:rPr lang="en-US" altLang="ko-KR" dirty="0"/>
+                        <a:t>INT</a:t>
+                      </a:r>
+                      <a:endParaRPr lang="ko-KR" altLang="en-US" dirty="0"/>
+                    </a:p>
+                  </a:txBody>
+                  <a:tcPr/>
+                </a:tc>
+                <a:tc>
+                  <a:txBody>
+                    <a:bodyPr/>
+                    <a:lstStyle/>
+                    <a:p>
+                      <a:pPr latinLnBrk="1"/>
+                      <a:r>
+                        <a:rPr lang="en-US" altLang="ko-KR" dirty="0"/>
+                        <a:t>N</a:t>
+                      </a:r>
+                      <a:endParaRPr lang="ko-KR" altLang="en-US" dirty="0"/>
+                    </a:p>
+                  </a:txBody>
+                  <a:tcPr/>
+                </a:tc>
+                <a:tc>
+                  <a:txBody>
+                    <a:bodyPr/>
+                    <a:lstStyle/>
+                    <a:p>
+                      <a:pPr latinLnBrk="1"/>
+                      <a:endParaRPr lang="ko-KR" altLang="en-US" dirty="0"/>
+                    </a:p>
+                  </a:txBody>
+                  <a:tcPr/>
+                </a:tc>
+                <a:tc>
+                  <a:txBody>
+                    <a:bodyPr/>
+                    <a:lstStyle/>
+                    <a:p>
+                      <a:pPr latinLnBrk="1"/>
+                      <a:r>
+                        <a:rPr lang="en-US" altLang="ko-KR" dirty="0"/>
+                        <a:t>PK</a:t>
+                      </a:r>
+                      <a:endParaRPr lang="ko-KR" altLang="en-US" dirty="0"/>
+                    </a:p>
+                  </a:txBody>
+                  <a:tcPr/>
+                </a:tc>
+                <a:tc>
+                  <a:txBody>
+                    <a:bodyPr/>
+                    <a:lstStyle/>
+                    <a:p>
+                      <a:pPr latinLnBrk="1"/>
+                      <a:endParaRPr lang="ko-KR" altLang="en-US"/>
+                    </a:p>
+                  </a:txBody>
+                  <a:tcPr/>
+                </a:tc>
+                <a:tc>
+                  <a:txBody>
+                    <a:bodyPr/>
+                    <a:lstStyle/>
+                    <a:p>
+                      <a:pPr latinLnBrk="1"/>
+                      <a:endParaRPr lang="ko-KR" altLang="en-US" dirty="0"/>
+                    </a:p>
+                  </a:txBody>
+                  <a:tcPr/>
+                </a:tc>
+                <a:extLst>
+                  <a:ext uri="{0D108BD9-81ED-4DB2-BD59-A6C34878D82A}">
+                    <a16:rowId xmlns:a16="http://schemas.microsoft.com/office/drawing/2014/main" val="3969570785"/>
+                  </a:ext>
+                </a:extLst>
+              </a:tr>
+              <a:tr h="403028">
+                <a:tc>
+                  <a:txBody>
+                    <a:bodyPr/>
+                    <a:lstStyle/>
+                    <a:p>
+                      <a:pPr latinLnBrk="1"/>
+                      <a:r>
+                        <a:rPr lang="ko-KR" altLang="en-US" sz="1800" b="0" i="0" kern="1200" dirty="0" err="1">
+                          <a:solidFill>
+                            <a:schemeClr val="dk1"/>
+                          </a:solidFill>
+                          <a:effectLst/>
+                          <a:latin typeface="+mn-lt"/>
+                          <a:ea typeface="+mn-ea"/>
+                          <a:cs typeface="+mn-cs"/>
+                        </a:rPr>
+                        <a:t>글제목</a:t>
+                      </a:r>
+                      <a:endParaRPr lang="ko-KR" altLang="en-US" dirty="0"/>
+                    </a:p>
+                  </a:txBody>
+                  <a:tcPr/>
+                </a:tc>
+                <a:tc>
+                  <a:txBody>
+                    <a:bodyPr/>
+                    <a:lstStyle/>
+                    <a:p>
+                      <a:pPr marL="0" marR="0" lvl="0" indent="0" algn="l" defTabSz="914400" rtl="0" eaLnBrk="1" fontAlgn="auto" latinLnBrk="1" hangingPunct="1">
+                        <a:lnSpc>
+                          <a:spcPct val="100000"/>
+                        </a:lnSpc>
+                        <a:spcBef>
+                          <a:spcPts val="0"/>
+                        </a:spcBef>
+                        <a:spcAft>
+                          <a:spcPts val="0"/>
+                        </a:spcAft>
+                        <a:buClrTx/>
+                        <a:buSzTx/>
+                        <a:buFontTx/>
+                        <a:buNone/>
+                        <a:tabLst/>
+                        <a:defRPr/>
+                      </a:pPr>
+                      <a:r>
+                        <a:rPr lang="en-US" altLang="ko-KR" dirty="0"/>
+                        <a:t>Varchar(20)</a:t>
+                      </a:r>
+                      <a:endParaRPr lang="ko-KR" altLang="en-US" dirty="0"/>
+                    </a:p>
+                  </a:txBody>
+                  <a:tcPr/>
+                </a:tc>
+                <a:tc>
+                  <a:txBody>
+                    <a:bodyPr/>
+                    <a:lstStyle/>
+                    <a:p>
+                      <a:pPr latinLnBrk="1"/>
+                      <a:r>
+                        <a:rPr lang="en-US" altLang="ko-KR" dirty="0"/>
+                        <a:t>N</a:t>
+                      </a:r>
+                      <a:endParaRPr lang="ko-KR" altLang="en-US" dirty="0"/>
+                    </a:p>
+                  </a:txBody>
+                  <a:tcPr/>
+                </a:tc>
+                <a:tc>
+                  <a:txBody>
+                    <a:bodyPr/>
+                    <a:lstStyle/>
+                    <a:p>
+                      <a:pPr latinLnBrk="1"/>
+                      <a:endParaRPr lang="ko-KR" altLang="en-US" dirty="0"/>
+                    </a:p>
+                  </a:txBody>
+                  <a:tcPr/>
+                </a:tc>
+                <a:tc>
+                  <a:txBody>
+                    <a:bodyPr/>
+                    <a:lstStyle/>
+                    <a:p>
+                      <a:pPr latinLnBrk="1"/>
+                      <a:endParaRPr lang="ko-KR" altLang="en-US" dirty="0"/>
+                    </a:p>
+                  </a:txBody>
+                  <a:tcPr/>
+                </a:tc>
+                <a:tc>
+                  <a:txBody>
+                    <a:bodyPr/>
+                    <a:lstStyle/>
+                    <a:p>
+                      <a:pPr latinLnBrk="1"/>
+                      <a:endParaRPr lang="ko-KR" altLang="en-US" dirty="0"/>
+                    </a:p>
+                  </a:txBody>
+                  <a:tcPr/>
+                </a:tc>
+                <a:tc>
+                  <a:txBody>
+                    <a:bodyPr/>
+                    <a:lstStyle/>
+                    <a:p>
+                      <a:pPr latinLnBrk="1"/>
+                      <a:endParaRPr lang="ko-KR" altLang="en-US"/>
+                    </a:p>
+                  </a:txBody>
+                  <a:tcPr/>
+                </a:tc>
+                <a:extLst>
+                  <a:ext uri="{0D108BD9-81ED-4DB2-BD59-A6C34878D82A}">
+                    <a16:rowId xmlns:a16="http://schemas.microsoft.com/office/drawing/2014/main" val="1749574616"/>
+                  </a:ext>
+                </a:extLst>
+              </a:tr>
+              <a:tr h="403028">
+                <a:tc>
+                  <a:txBody>
+                    <a:bodyPr/>
+                    <a:lstStyle/>
+                    <a:p>
+                      <a:pPr latinLnBrk="1"/>
+                      <a:r>
+                        <a:rPr lang="ko-KR" altLang="en-US" sz="1800" b="0" i="0" kern="1200" dirty="0" err="1">
+                          <a:solidFill>
+                            <a:schemeClr val="dk1"/>
+                          </a:solidFill>
+                          <a:effectLst/>
+                          <a:latin typeface="+mn-lt"/>
+                          <a:ea typeface="+mn-ea"/>
+                          <a:cs typeface="+mn-cs"/>
+                        </a:rPr>
+                        <a:t>글내용</a:t>
+                      </a:r>
+                      <a:endParaRPr lang="ko-KR" altLang="en-US" dirty="0"/>
+                    </a:p>
+                  </a:txBody>
+                  <a:tcPr/>
+                </a:tc>
+                <a:tc>
+                  <a:txBody>
+                    <a:bodyPr/>
+                    <a:lstStyle/>
+                    <a:p>
+                      <a:pPr marL="0" marR="0" lvl="0" indent="0" algn="l" defTabSz="914400" rtl="0" eaLnBrk="1" fontAlgn="auto" latinLnBrk="1" hangingPunct="1">
+                        <a:lnSpc>
+                          <a:spcPct val="100000"/>
+                        </a:lnSpc>
+                        <a:spcBef>
+                          <a:spcPts val="0"/>
+                        </a:spcBef>
+                        <a:spcAft>
+                          <a:spcPts val="0"/>
+                        </a:spcAft>
+                        <a:buClrTx/>
+                        <a:buSzTx/>
+                        <a:buFontTx/>
+                        <a:buNone/>
+                        <a:tabLst/>
+                        <a:defRPr/>
+                      </a:pPr>
+                      <a:r>
+                        <a:rPr lang="en-US" altLang="ko-KR" dirty="0"/>
+                        <a:t>Varchar(50)</a:t>
+                      </a:r>
+                      <a:endParaRPr lang="ko-KR" altLang="en-US" dirty="0"/>
+                    </a:p>
+                  </a:txBody>
+                  <a:tcPr/>
+                </a:tc>
+                <a:tc>
+                  <a:txBody>
+                    <a:bodyPr/>
+                    <a:lstStyle/>
+                    <a:p>
+                      <a:pPr latinLnBrk="1"/>
+                      <a:r>
+                        <a:rPr lang="en-US" altLang="ko-KR" dirty="0"/>
+                        <a:t>N</a:t>
+                      </a:r>
+                      <a:endParaRPr lang="ko-KR" altLang="en-US" dirty="0"/>
+                    </a:p>
+                  </a:txBody>
+                  <a:tcPr/>
+                </a:tc>
+                <a:tc>
+                  <a:txBody>
+                    <a:bodyPr/>
+                    <a:lstStyle/>
+                    <a:p>
+                      <a:pPr latinLnBrk="1"/>
+                      <a:endParaRPr lang="ko-KR" altLang="en-US" dirty="0"/>
+                    </a:p>
+                  </a:txBody>
+                  <a:tcPr/>
+                </a:tc>
+                <a:tc>
+                  <a:txBody>
+                    <a:bodyPr/>
+                    <a:lstStyle/>
+                    <a:p>
+                      <a:pPr latinLnBrk="1"/>
+                      <a:endParaRPr lang="ko-KR" altLang="en-US" dirty="0"/>
+                    </a:p>
+                  </a:txBody>
+                  <a:tcPr/>
+                </a:tc>
+                <a:tc>
+                  <a:txBody>
+                    <a:bodyPr/>
+                    <a:lstStyle/>
+                    <a:p>
+                      <a:pPr latinLnBrk="1"/>
+                      <a:endParaRPr lang="ko-KR" altLang="en-US"/>
+                    </a:p>
+                  </a:txBody>
+                  <a:tcPr/>
+                </a:tc>
+                <a:tc>
+                  <a:txBody>
+                    <a:bodyPr/>
+                    <a:lstStyle/>
+                    <a:p>
+                      <a:pPr latinLnBrk="1"/>
+                      <a:endParaRPr lang="ko-KR" altLang="en-US" dirty="0"/>
+                    </a:p>
+                  </a:txBody>
+                  <a:tcPr/>
+                </a:tc>
+                <a:extLst>
+                  <a:ext uri="{0D108BD9-81ED-4DB2-BD59-A6C34878D82A}">
+                    <a16:rowId xmlns:a16="http://schemas.microsoft.com/office/drawing/2014/main" val="4211299645"/>
+                  </a:ext>
+                </a:extLst>
+              </a:tr>
+              <a:tr h="403028">
+                <a:tc>
+                  <a:txBody>
+                    <a:bodyPr/>
+                    <a:lstStyle/>
+                    <a:p>
+                      <a:pPr latinLnBrk="1"/>
+                      <a:r>
+                        <a:rPr lang="ko-KR" altLang="en-US" sz="1800" b="0" i="0" kern="1200" dirty="0">
+                          <a:solidFill>
+                            <a:schemeClr val="dk1"/>
+                          </a:solidFill>
+                          <a:effectLst/>
+                          <a:latin typeface="+mn-lt"/>
+                          <a:ea typeface="+mn-ea"/>
+                          <a:cs typeface="+mn-cs"/>
+                        </a:rPr>
+                        <a:t>작성일자</a:t>
+                      </a:r>
+                      <a:endParaRPr lang="ko-KR" altLang="en-US" dirty="0"/>
+                    </a:p>
+                  </a:txBody>
+                  <a:tcPr/>
+                </a:tc>
+                <a:tc>
+                  <a:txBody>
+                    <a:bodyPr/>
+                    <a:lstStyle/>
+                    <a:p>
+                      <a:pPr latinLnBrk="1"/>
+                      <a:r>
+                        <a:rPr lang="en-US" altLang="ko-KR" dirty="0"/>
+                        <a:t>Date</a:t>
+                      </a:r>
+                      <a:endParaRPr lang="ko-KR" altLang="en-US" dirty="0"/>
+                    </a:p>
+                  </a:txBody>
+                  <a:tcPr/>
+                </a:tc>
+                <a:tc>
+                  <a:txBody>
+                    <a:bodyPr/>
+                    <a:lstStyle/>
+                    <a:p>
+                      <a:pPr latinLnBrk="1"/>
+                      <a:r>
+                        <a:rPr lang="en-US" altLang="ko-KR" dirty="0"/>
+                        <a:t>N</a:t>
+                      </a:r>
+                      <a:endParaRPr lang="ko-KR" altLang="en-US" dirty="0"/>
+                    </a:p>
+                  </a:txBody>
+                  <a:tcPr/>
+                </a:tc>
+                <a:tc>
+                  <a:txBody>
+                    <a:bodyPr/>
+                    <a:lstStyle/>
+                    <a:p>
+                      <a:pPr latinLnBrk="1"/>
+                      <a:endParaRPr lang="ko-KR" altLang="en-US" dirty="0"/>
+                    </a:p>
+                  </a:txBody>
+                  <a:tcPr/>
+                </a:tc>
+                <a:tc>
+                  <a:txBody>
+                    <a:bodyPr/>
+                    <a:lstStyle/>
+                    <a:p>
+                      <a:pPr latinLnBrk="1"/>
+                      <a:endParaRPr lang="ko-KR" altLang="en-US" dirty="0"/>
+                    </a:p>
+                  </a:txBody>
+                  <a:tcPr/>
+                </a:tc>
+                <a:tc>
+                  <a:txBody>
+                    <a:bodyPr/>
+                    <a:lstStyle/>
+                    <a:p>
+                      <a:pPr latinLnBrk="1"/>
+                      <a:endParaRPr lang="ko-KR" altLang="en-US" dirty="0"/>
+                    </a:p>
+                  </a:txBody>
+                  <a:tcPr/>
+                </a:tc>
+                <a:tc>
+                  <a:txBody>
+                    <a:bodyPr/>
+                    <a:lstStyle/>
+                    <a:p>
+                      <a:pPr latinLnBrk="1"/>
+                      <a:endParaRPr lang="ko-KR" altLang="en-US" dirty="0"/>
+                    </a:p>
+                  </a:txBody>
+                  <a:tcPr/>
+                </a:tc>
+                <a:extLst>
+                  <a:ext uri="{0D108BD9-81ED-4DB2-BD59-A6C34878D82A}">
+                    <a16:rowId xmlns:a16="http://schemas.microsoft.com/office/drawing/2014/main" val="3710097875"/>
+                  </a:ext>
+                </a:extLst>
+              </a:tr>
+              <a:tr h="403028">
+                <a:tc>
+                  <a:txBody>
+                    <a:bodyPr/>
+                    <a:lstStyle/>
+                    <a:p>
+                      <a:pPr latinLnBrk="1"/>
+                      <a:r>
+                        <a:rPr lang="ko-KR" altLang="en-US" sz="1800" b="0" i="0" kern="1200" dirty="0" err="1">
+                          <a:solidFill>
+                            <a:schemeClr val="dk1"/>
+                          </a:solidFill>
+                          <a:effectLst/>
+                          <a:latin typeface="+mn-lt"/>
+                          <a:ea typeface="+mn-ea"/>
+                          <a:cs typeface="+mn-cs"/>
+                        </a:rPr>
+                        <a:t>회원아이디</a:t>
+                      </a:r>
+                      <a:endParaRPr lang="ko-KR" altLang="en-US" dirty="0"/>
+                    </a:p>
+                  </a:txBody>
+                  <a:tcPr/>
+                </a:tc>
+                <a:tc>
+                  <a:txBody>
+                    <a:bodyPr/>
+                    <a:lstStyle/>
+                    <a:p>
+                      <a:pPr marL="0" marR="0" lvl="0" indent="0" algn="l" defTabSz="914400" rtl="0" eaLnBrk="1" fontAlgn="auto" latinLnBrk="1" hangingPunct="1">
+                        <a:lnSpc>
+                          <a:spcPct val="100000"/>
+                        </a:lnSpc>
+                        <a:spcBef>
+                          <a:spcPts val="0"/>
+                        </a:spcBef>
+                        <a:spcAft>
+                          <a:spcPts val="0"/>
+                        </a:spcAft>
+                        <a:buClrTx/>
+                        <a:buSzTx/>
+                        <a:buFontTx/>
+                        <a:buNone/>
+                        <a:tabLst/>
+                        <a:defRPr/>
+                      </a:pPr>
+                      <a:r>
+                        <a:rPr lang="en-US" altLang="ko-KR" dirty="0"/>
+                        <a:t>Varchar(20)</a:t>
+                      </a:r>
+                      <a:endParaRPr lang="ko-KR" altLang="en-US" dirty="0"/>
+                    </a:p>
+                  </a:txBody>
+                  <a:tcPr/>
+                </a:tc>
+                <a:tc>
+                  <a:txBody>
+                    <a:bodyPr/>
+                    <a:lstStyle/>
+                    <a:p>
+                      <a:pPr latinLnBrk="1"/>
+                      <a:r>
+                        <a:rPr lang="en-US" altLang="ko-KR" dirty="0"/>
+                        <a:t>N</a:t>
+                      </a:r>
+                      <a:endParaRPr lang="ko-KR" altLang="en-US" dirty="0"/>
+                    </a:p>
+                  </a:txBody>
+                  <a:tcPr/>
+                </a:tc>
+                <a:tc>
+                  <a:txBody>
+                    <a:bodyPr/>
+                    <a:lstStyle/>
+                    <a:p>
+                      <a:pPr latinLnBrk="1"/>
+                      <a:endParaRPr lang="ko-KR" altLang="en-US" dirty="0"/>
+                    </a:p>
+                  </a:txBody>
+                  <a:tcPr/>
+                </a:tc>
+                <a:tc>
+                  <a:txBody>
+                    <a:bodyPr/>
+                    <a:lstStyle/>
+                    <a:p>
+                      <a:pPr latinLnBrk="1"/>
+                      <a:endParaRPr lang="ko-KR" altLang="en-US" dirty="0"/>
+                    </a:p>
+                  </a:txBody>
+                  <a:tcPr/>
+                </a:tc>
+                <a:tc>
+                  <a:txBody>
+                    <a:bodyPr/>
+                    <a:lstStyle/>
+                    <a:p>
+                      <a:pPr latinLnBrk="1"/>
+                      <a:r>
+                        <a:rPr lang="en-US" altLang="ko-KR" dirty="0"/>
+                        <a:t>FK</a:t>
+                      </a:r>
+                      <a:endParaRPr lang="ko-KR" altLang="en-US" dirty="0"/>
+                    </a:p>
+                  </a:txBody>
+                  <a:tcPr/>
+                </a:tc>
+                <a:tc>
+                  <a:txBody>
+                    <a:bodyPr/>
+                    <a:lstStyle/>
+                    <a:p>
+                      <a:pPr latinLnBrk="1"/>
+                      <a:endParaRPr lang="ko-KR" altLang="en-US" dirty="0"/>
+                    </a:p>
+                  </a:txBody>
+                  <a:tcPr/>
+                </a:tc>
+                <a:extLst>
+                  <a:ext uri="{0D108BD9-81ED-4DB2-BD59-A6C34878D82A}">
+                    <a16:rowId xmlns:a16="http://schemas.microsoft.com/office/drawing/2014/main" val="3651273540"/>
+                  </a:ext>
+                </a:extLst>
+              </a:tr>
+            </a:tbl>
+          </a:graphicData>
+        </a:graphic>
+      </p:graphicFrame>
     </p:spTree>
     <p:extLst>
       <p:ext uri="{BB962C8B-B14F-4D97-AF65-F5344CB8AC3E}">
-        <p14:creationId xmlns:p14="http://schemas.microsoft.com/office/powerpoint/2010/main" val="3074973057"/>
+        <p14:creationId xmlns:p14="http://schemas.microsoft.com/office/powerpoint/2010/main" val="1430750314"/>
+      </p:ext>
+    </p:extLst>
+  </p:cSld>
+  <p:clrMapOvr>
+    <a:masterClrMapping/>
+  </p:clrMapOvr>
+</p:sld>
+</file>
+
+<file path=ppt/slides/slide5.xml><?xml version="1.0" encoding="utf-8"?>
+<p:sld xmlns:a="http://schemas.openxmlformats.org/drawingml/2006/main" xmlns:r="http://schemas.openxmlformats.org/officeDocument/2006/relationships" xmlns:p="http://schemas.openxmlformats.org/presentationml/2006/main">
+  <p:cSld>
+    <p:spTree>
+      <p:nvGrpSpPr>
+        <p:cNvPr id="1" name="">
+          <a:extLst>
+            <a:ext uri="{FF2B5EF4-FFF2-40B4-BE49-F238E27FC236}">
+              <a16:creationId xmlns:a16="http://schemas.microsoft.com/office/drawing/2014/main" id="{06BB4E43-68C4-3F0A-604C-BFAC3741BAB2}"/>
+            </a:ext>
+          </a:extLst>
+        </p:cNvPr>
+        <p:cNvGrpSpPr/>
+        <p:nvPr/>
+      </p:nvGrpSpPr>
+      <p:grpSpPr>
+        <a:xfrm>
+          <a:off x="0" y="0"/>
+          <a:ext cx="0" cy="0"/>
+          <a:chOff x="0" y="0"/>
+          <a:chExt cx="0" cy="0"/>
+        </a:xfrm>
+      </p:grpSpPr>
+      <p:graphicFrame>
+        <p:nvGraphicFramePr>
+          <p:cNvPr id="4" name="표 3">
+            <a:extLst>
+              <a:ext uri="{FF2B5EF4-FFF2-40B4-BE49-F238E27FC236}">
+                <a16:creationId xmlns:a16="http://schemas.microsoft.com/office/drawing/2014/main" id="{297A9150-22FB-FCCD-859C-CA2176F3CFE7}"/>
+              </a:ext>
+            </a:extLst>
+          </p:cNvPr>
+          <p:cNvGraphicFramePr>
+            <a:graphicFrameLocks noGrp="1"/>
+          </p:cNvGraphicFramePr>
+          <p:nvPr>
+            <p:extLst>
+              <p:ext uri="{D42A27DB-BD31-4B8C-83A1-F6EECF244321}">
+                <p14:modId xmlns:p14="http://schemas.microsoft.com/office/powerpoint/2010/main" val="3252414604"/>
+              </p:ext>
+            </p:extLst>
+          </p:nvPr>
+        </p:nvGraphicFramePr>
+        <p:xfrm>
+          <a:off x="1440873" y="1613866"/>
+          <a:ext cx="9747067" cy="3630268"/>
+        </p:xfrm>
+        <a:graphic>
+          <a:graphicData uri="http://schemas.openxmlformats.org/drawingml/2006/table">
+            <a:tbl>
+              <a:tblPr firstRow="1" bandRow="1">
+                <a:tableStyleId>{00A15C55-8517-42AA-B614-E9B94910E393}</a:tableStyleId>
+              </a:tblPr>
+              <a:tblGrid>
+                <a:gridCol w="1878199">
+                  <a:extLst>
+                    <a:ext uri="{9D8B030D-6E8A-4147-A177-3AD203B41FA5}">
+                      <a16:colId xmlns:a16="http://schemas.microsoft.com/office/drawing/2014/main" val="1493898479"/>
+                    </a:ext>
+                  </a:extLst>
+                </a:gridCol>
+                <a:gridCol w="1468067">
+                  <a:extLst>
+                    <a:ext uri="{9D8B030D-6E8A-4147-A177-3AD203B41FA5}">
+                      <a16:colId xmlns:a16="http://schemas.microsoft.com/office/drawing/2014/main" val="1280303573"/>
+                    </a:ext>
+                  </a:extLst>
+                </a:gridCol>
+                <a:gridCol w="1538869">
+                  <a:extLst>
+                    <a:ext uri="{9D8B030D-6E8A-4147-A177-3AD203B41FA5}">
+                      <a16:colId xmlns:a16="http://schemas.microsoft.com/office/drawing/2014/main" val="3318627087"/>
+                    </a:ext>
+                  </a:extLst>
+                </a:gridCol>
+                <a:gridCol w="892098">
+                  <a:extLst>
+                    <a:ext uri="{9D8B030D-6E8A-4147-A177-3AD203B41FA5}">
+                      <a16:colId xmlns:a16="http://schemas.microsoft.com/office/drawing/2014/main" val="3549962534"/>
+                    </a:ext>
+                  </a:extLst>
+                </a:gridCol>
+                <a:gridCol w="1380949">
+                  <a:extLst>
+                    <a:ext uri="{9D8B030D-6E8A-4147-A177-3AD203B41FA5}">
+                      <a16:colId xmlns:a16="http://schemas.microsoft.com/office/drawing/2014/main" val="1815634729"/>
+                    </a:ext>
+                  </a:extLst>
+                </a:gridCol>
+                <a:gridCol w="1413163">
+                  <a:extLst>
+                    <a:ext uri="{9D8B030D-6E8A-4147-A177-3AD203B41FA5}">
+                      <a16:colId xmlns:a16="http://schemas.microsoft.com/office/drawing/2014/main" val="774992101"/>
+                    </a:ext>
+                  </a:extLst>
+                </a:gridCol>
+                <a:gridCol w="1175722">
+                  <a:extLst>
+                    <a:ext uri="{9D8B030D-6E8A-4147-A177-3AD203B41FA5}">
+                      <a16:colId xmlns:a16="http://schemas.microsoft.com/office/drawing/2014/main" val="2048089069"/>
+                    </a:ext>
+                  </a:extLst>
+                </a:gridCol>
+              </a:tblGrid>
+              <a:tr h="406044">
+                <a:tc gridSpan="7">
+                  <a:txBody>
+                    <a:bodyPr/>
+                    <a:lstStyle/>
+                    <a:p>
+                      <a:pPr latinLnBrk="1"/>
+                      <a:r>
+                        <a:rPr lang="ko-KR" altLang="en-US" dirty="0"/>
+                        <a:t>테이블명세서</a:t>
+                      </a:r>
+                    </a:p>
+                  </a:txBody>
+                  <a:tcPr>
+                    <a:lnB w="38100" cmpd="sng">
+                      <a:noFill/>
+                    </a:lnB>
+                  </a:tcPr>
+                </a:tc>
+                <a:tc hMerge="1">
+                  <a:txBody>
+                    <a:bodyPr/>
+                    <a:lstStyle/>
+                    <a:p>
+                      <a:pPr latinLnBrk="1"/>
+                      <a:endParaRPr lang="ko-KR" altLang="en-US"/>
+                    </a:p>
+                  </a:txBody>
+                  <a:tcPr/>
+                </a:tc>
+                <a:tc hMerge="1">
+                  <a:txBody>
+                    <a:bodyPr/>
+                    <a:lstStyle/>
+                    <a:p>
+                      <a:pPr latinLnBrk="1"/>
+                      <a:endParaRPr lang="ko-KR" altLang="en-US"/>
+                    </a:p>
+                  </a:txBody>
+                  <a:tcPr/>
+                </a:tc>
+                <a:tc hMerge="1">
+                  <a:txBody>
+                    <a:bodyPr/>
+                    <a:lstStyle/>
+                    <a:p>
+                      <a:pPr latinLnBrk="1"/>
+                      <a:endParaRPr lang="ko-KR" altLang="en-US" dirty="0"/>
+                    </a:p>
+                  </a:txBody>
+                  <a:tcPr/>
+                </a:tc>
+                <a:tc hMerge="1">
+                  <a:txBody>
+                    <a:bodyPr/>
+                    <a:lstStyle/>
+                    <a:p>
+                      <a:pPr latinLnBrk="1"/>
+                      <a:endParaRPr lang="ko-KR" altLang="en-US"/>
+                    </a:p>
+                  </a:txBody>
+                  <a:tcPr/>
+                </a:tc>
+                <a:tc hMerge="1">
+                  <a:txBody>
+                    <a:bodyPr/>
+                    <a:lstStyle/>
+                    <a:p>
+                      <a:pPr latinLnBrk="1"/>
+                      <a:endParaRPr lang="ko-KR" altLang="en-US"/>
+                    </a:p>
+                  </a:txBody>
+                  <a:tcPr/>
+                </a:tc>
+                <a:tc hMerge="1">
+                  <a:txBody>
+                    <a:bodyPr/>
+                    <a:lstStyle/>
+                    <a:p>
+                      <a:pPr latinLnBrk="1"/>
+                      <a:endParaRPr lang="ko-KR" altLang="en-US"/>
+                    </a:p>
+                  </a:txBody>
+                  <a:tcPr/>
+                </a:tc>
+                <a:extLst>
+                  <a:ext uri="{0D108BD9-81ED-4DB2-BD59-A6C34878D82A}">
+                    <a16:rowId xmlns:a16="http://schemas.microsoft.com/office/drawing/2014/main" val="263251583"/>
+                  </a:ext>
+                </a:extLst>
+              </a:tr>
+              <a:tr h="403028">
+                <a:tc gridSpan="3">
+                  <a:txBody>
+                    <a:bodyPr/>
+                    <a:lstStyle/>
+                    <a:p>
+                      <a:pPr latinLnBrk="1"/>
+                      <a:r>
+                        <a:rPr lang="ko-KR" altLang="en-US" dirty="0"/>
+                        <a:t>테이블이름</a:t>
+                      </a:r>
+                    </a:p>
+                  </a:txBody>
+                  <a:tcPr>
+                    <a:lnT w="38100" cmpd="sng">
+                      <a:noFill/>
+                    </a:lnT>
+                  </a:tcPr>
+                </a:tc>
+                <a:tc hMerge="1">
+                  <a:txBody>
+                    <a:bodyPr/>
+                    <a:lstStyle/>
+                    <a:p>
+                      <a:pPr latinLnBrk="1"/>
+                      <a:endParaRPr lang="ko-KR" altLang="en-US" dirty="0"/>
+                    </a:p>
+                  </a:txBody>
+                  <a:tcPr/>
+                </a:tc>
+                <a:tc hMerge="1">
+                  <a:txBody>
+                    <a:bodyPr/>
+                    <a:lstStyle/>
+                    <a:p>
+                      <a:pPr latinLnBrk="1"/>
+                      <a:endParaRPr lang="ko-KR" altLang="en-US" dirty="0"/>
+                    </a:p>
+                  </a:txBody>
+                  <a:tcPr/>
+                </a:tc>
+                <a:tc gridSpan="4">
+                  <a:txBody>
+                    <a:bodyPr/>
+                    <a:lstStyle/>
+                    <a:p>
+                      <a:pPr latinLnBrk="1"/>
+                      <a:r>
+                        <a:rPr lang="ko-KR" altLang="en-US" dirty="0"/>
+                        <a:t>주문</a:t>
+                      </a:r>
+                    </a:p>
+                  </a:txBody>
+                  <a:tcPr/>
+                </a:tc>
+                <a:tc hMerge="1">
+                  <a:txBody>
+                    <a:bodyPr/>
+                    <a:lstStyle/>
+                    <a:p>
+                      <a:pPr latinLnBrk="1"/>
+                      <a:endParaRPr lang="ko-KR" altLang="en-US" dirty="0"/>
+                    </a:p>
+                  </a:txBody>
+                  <a:tcPr/>
+                </a:tc>
+                <a:tc hMerge="1">
+                  <a:txBody>
+                    <a:bodyPr/>
+                    <a:lstStyle/>
+                    <a:p>
+                      <a:pPr latinLnBrk="1"/>
+                      <a:endParaRPr lang="ko-KR" altLang="en-US" dirty="0"/>
+                    </a:p>
+                  </a:txBody>
+                  <a:tcPr/>
+                </a:tc>
+                <a:tc hMerge="1">
+                  <a:txBody>
+                    <a:bodyPr/>
+                    <a:lstStyle/>
+                    <a:p>
+                      <a:pPr latinLnBrk="1"/>
+                      <a:endParaRPr lang="ko-KR" altLang="en-US"/>
+                    </a:p>
+                  </a:txBody>
+                  <a:tcPr/>
+                </a:tc>
+                <a:extLst>
+                  <a:ext uri="{0D108BD9-81ED-4DB2-BD59-A6C34878D82A}">
+                    <a16:rowId xmlns:a16="http://schemas.microsoft.com/office/drawing/2014/main" val="3530461294"/>
+                  </a:ext>
+                </a:extLst>
+              </a:tr>
+              <a:tr h="403028">
+                <a:tc>
+                  <a:txBody>
+                    <a:bodyPr/>
+                    <a:lstStyle/>
+                    <a:p>
+                      <a:pPr latinLnBrk="1"/>
+                      <a:r>
+                        <a:rPr lang="ko-KR" altLang="en-US" dirty="0"/>
+                        <a:t>속성이름</a:t>
+                      </a:r>
+                    </a:p>
+                  </a:txBody>
+                  <a:tcPr/>
+                </a:tc>
+                <a:tc>
+                  <a:txBody>
+                    <a:bodyPr/>
+                    <a:lstStyle/>
+                    <a:p>
+                      <a:pPr latinLnBrk="1"/>
+                      <a:r>
+                        <a:rPr lang="ko-KR" altLang="en-US" dirty="0"/>
+                        <a:t>데이터타입</a:t>
+                      </a:r>
+                    </a:p>
+                  </a:txBody>
+                  <a:tcPr/>
+                </a:tc>
+                <a:tc>
+                  <a:txBody>
+                    <a:bodyPr/>
+                    <a:lstStyle/>
+                    <a:p>
+                      <a:pPr latinLnBrk="1"/>
+                      <a:r>
+                        <a:rPr lang="ko-KR" altLang="en-US" dirty="0"/>
+                        <a:t>널허용여부</a:t>
+                      </a:r>
+                    </a:p>
+                  </a:txBody>
+                  <a:tcPr/>
+                </a:tc>
+                <a:tc>
+                  <a:txBody>
+                    <a:bodyPr/>
+                    <a:lstStyle/>
+                    <a:p>
+                      <a:pPr latinLnBrk="1"/>
+                      <a:r>
+                        <a:rPr lang="ko-KR" altLang="en-US" dirty="0"/>
+                        <a:t>기본값</a:t>
+                      </a:r>
+                    </a:p>
+                  </a:txBody>
+                  <a:tcPr/>
+                </a:tc>
+                <a:tc>
+                  <a:txBody>
+                    <a:bodyPr/>
+                    <a:lstStyle/>
+                    <a:p>
+                      <a:pPr latinLnBrk="1"/>
+                      <a:r>
+                        <a:rPr lang="ko-KR" altLang="en-US" dirty="0" err="1"/>
+                        <a:t>기본키</a:t>
+                      </a:r>
+                      <a:endParaRPr lang="ko-KR" altLang="en-US" dirty="0"/>
+                    </a:p>
+                  </a:txBody>
+                  <a:tcPr/>
+                </a:tc>
+                <a:tc>
+                  <a:txBody>
+                    <a:bodyPr/>
+                    <a:lstStyle/>
+                    <a:p>
+                      <a:pPr latinLnBrk="1"/>
+                      <a:r>
+                        <a:rPr lang="ko-KR" altLang="en-US" dirty="0" err="1"/>
+                        <a:t>외래키</a:t>
+                      </a:r>
+                      <a:endParaRPr lang="ko-KR" altLang="en-US" dirty="0"/>
+                    </a:p>
+                  </a:txBody>
+                  <a:tcPr/>
+                </a:tc>
+                <a:tc>
+                  <a:txBody>
+                    <a:bodyPr/>
+                    <a:lstStyle/>
+                    <a:p>
+                      <a:pPr latinLnBrk="1"/>
+                      <a:r>
+                        <a:rPr lang="ko-KR" altLang="en-US" dirty="0"/>
+                        <a:t>제약조건</a:t>
+                      </a:r>
+                    </a:p>
+                  </a:txBody>
+                  <a:tcPr/>
+                </a:tc>
+                <a:extLst>
+                  <a:ext uri="{0D108BD9-81ED-4DB2-BD59-A6C34878D82A}">
+                    <a16:rowId xmlns:a16="http://schemas.microsoft.com/office/drawing/2014/main" val="3064652661"/>
+                  </a:ext>
+                </a:extLst>
+              </a:tr>
+              <a:tr h="403028">
+                <a:tc>
+                  <a:txBody>
+                    <a:bodyPr/>
+                    <a:lstStyle/>
+                    <a:p>
+                      <a:pPr marL="0" marR="0" lvl="0" indent="0" algn="l" defTabSz="914400" rtl="0" eaLnBrk="1" fontAlgn="auto" latinLnBrk="1" hangingPunct="1">
+                        <a:lnSpc>
+                          <a:spcPct val="100000"/>
+                        </a:lnSpc>
+                        <a:spcBef>
+                          <a:spcPts val="0"/>
+                        </a:spcBef>
+                        <a:spcAft>
+                          <a:spcPts val="0"/>
+                        </a:spcAft>
+                        <a:buClrTx/>
+                        <a:buSzTx/>
+                        <a:buFontTx/>
+                        <a:buNone/>
+                        <a:tabLst/>
+                        <a:defRPr/>
+                      </a:pPr>
+                      <a:r>
+                        <a:rPr lang="ko-KR" altLang="en-US" sz="1800" b="0" i="0" kern="1200" dirty="0">
+                          <a:solidFill>
+                            <a:schemeClr val="dk1"/>
+                          </a:solidFill>
+                          <a:effectLst/>
+                          <a:latin typeface="+mn-lt"/>
+                          <a:ea typeface="+mn-ea"/>
+                          <a:cs typeface="+mn-cs"/>
+                        </a:rPr>
+                        <a:t>주문번호</a:t>
+                      </a:r>
+                      <a:endParaRPr lang="ko-KR" altLang="en-US" dirty="0"/>
+                    </a:p>
+                  </a:txBody>
+                  <a:tcPr/>
+                </a:tc>
+                <a:tc>
+                  <a:txBody>
+                    <a:bodyPr/>
+                    <a:lstStyle/>
+                    <a:p>
+                      <a:pPr marL="0" marR="0" lvl="0" indent="0" algn="l" defTabSz="914400" rtl="0" eaLnBrk="1" fontAlgn="auto" latinLnBrk="1" hangingPunct="1">
+                        <a:lnSpc>
+                          <a:spcPct val="100000"/>
+                        </a:lnSpc>
+                        <a:spcBef>
+                          <a:spcPts val="0"/>
+                        </a:spcBef>
+                        <a:spcAft>
+                          <a:spcPts val="0"/>
+                        </a:spcAft>
+                        <a:buClrTx/>
+                        <a:buSzTx/>
+                        <a:buFontTx/>
+                        <a:buNone/>
+                        <a:tabLst/>
+                        <a:defRPr/>
+                      </a:pPr>
+                      <a:r>
+                        <a:rPr lang="en-US" altLang="ko-KR" dirty="0"/>
+                        <a:t>Varchar(20)</a:t>
+                      </a:r>
+                      <a:endParaRPr lang="ko-KR" altLang="en-US" dirty="0"/>
+                    </a:p>
+                  </a:txBody>
+                  <a:tcPr/>
+                </a:tc>
+                <a:tc>
+                  <a:txBody>
+                    <a:bodyPr/>
+                    <a:lstStyle/>
+                    <a:p>
+                      <a:pPr latinLnBrk="1"/>
+                      <a:r>
+                        <a:rPr lang="en-US" altLang="ko-KR" dirty="0"/>
+                        <a:t>N</a:t>
+                      </a:r>
+                      <a:endParaRPr lang="ko-KR" altLang="en-US" dirty="0"/>
+                    </a:p>
+                  </a:txBody>
+                  <a:tcPr/>
+                </a:tc>
+                <a:tc>
+                  <a:txBody>
+                    <a:bodyPr/>
+                    <a:lstStyle/>
+                    <a:p>
+                      <a:pPr latinLnBrk="1"/>
+                      <a:endParaRPr lang="ko-KR" altLang="en-US" dirty="0"/>
+                    </a:p>
+                  </a:txBody>
+                  <a:tcPr/>
+                </a:tc>
+                <a:tc>
+                  <a:txBody>
+                    <a:bodyPr/>
+                    <a:lstStyle/>
+                    <a:p>
+                      <a:pPr latinLnBrk="1"/>
+                      <a:r>
+                        <a:rPr lang="en-US" altLang="ko-KR" dirty="0"/>
+                        <a:t>PK</a:t>
+                      </a:r>
+                      <a:endParaRPr lang="ko-KR" altLang="en-US" dirty="0"/>
+                    </a:p>
+                  </a:txBody>
+                  <a:tcPr/>
+                </a:tc>
+                <a:tc>
+                  <a:txBody>
+                    <a:bodyPr/>
+                    <a:lstStyle/>
+                    <a:p>
+                      <a:pPr latinLnBrk="1"/>
+                      <a:endParaRPr lang="ko-KR" altLang="en-US" dirty="0"/>
+                    </a:p>
+                  </a:txBody>
+                  <a:tcPr/>
+                </a:tc>
+                <a:tc>
+                  <a:txBody>
+                    <a:bodyPr/>
+                    <a:lstStyle/>
+                    <a:p>
+                      <a:pPr latinLnBrk="1"/>
+                      <a:endParaRPr lang="ko-KR" altLang="en-US"/>
+                    </a:p>
+                  </a:txBody>
+                  <a:tcPr/>
+                </a:tc>
+                <a:extLst>
+                  <a:ext uri="{0D108BD9-81ED-4DB2-BD59-A6C34878D82A}">
+                    <a16:rowId xmlns:a16="http://schemas.microsoft.com/office/drawing/2014/main" val="3969570785"/>
+                  </a:ext>
+                </a:extLst>
+              </a:tr>
+              <a:tr h="403028">
+                <a:tc>
+                  <a:txBody>
+                    <a:bodyPr/>
+                    <a:lstStyle/>
+                    <a:p>
+                      <a:pPr latinLnBrk="1"/>
+                      <a:r>
+                        <a:rPr lang="ko-KR" altLang="en-US" sz="1800" b="0" i="0" kern="1200" dirty="0">
+                          <a:solidFill>
+                            <a:schemeClr val="dk1"/>
+                          </a:solidFill>
+                          <a:effectLst/>
+                          <a:latin typeface="+mn-lt"/>
+                          <a:ea typeface="+mn-ea"/>
+                          <a:cs typeface="+mn-cs"/>
+                        </a:rPr>
+                        <a:t>주문수량</a:t>
+                      </a:r>
+                      <a:endParaRPr lang="ko-KR" altLang="en-US" dirty="0"/>
+                    </a:p>
+                  </a:txBody>
+                  <a:tcPr/>
+                </a:tc>
+                <a:tc>
+                  <a:txBody>
+                    <a:bodyPr/>
+                    <a:lstStyle/>
+                    <a:p>
+                      <a:pPr marL="0" marR="0" lvl="0" indent="0" algn="l" defTabSz="914400" rtl="0" eaLnBrk="1" fontAlgn="auto" latinLnBrk="1" hangingPunct="1">
+                        <a:lnSpc>
+                          <a:spcPct val="100000"/>
+                        </a:lnSpc>
+                        <a:spcBef>
+                          <a:spcPts val="0"/>
+                        </a:spcBef>
+                        <a:spcAft>
+                          <a:spcPts val="0"/>
+                        </a:spcAft>
+                        <a:buClrTx/>
+                        <a:buSzTx/>
+                        <a:buFontTx/>
+                        <a:buNone/>
+                        <a:tabLst/>
+                        <a:defRPr/>
+                      </a:pPr>
+                      <a:r>
+                        <a:rPr lang="en-US" altLang="ko-KR" dirty="0"/>
+                        <a:t>int</a:t>
+                      </a:r>
+                      <a:endParaRPr lang="ko-KR" altLang="en-US" dirty="0"/>
+                    </a:p>
+                  </a:txBody>
+                  <a:tcPr/>
+                </a:tc>
+                <a:tc>
+                  <a:txBody>
+                    <a:bodyPr/>
+                    <a:lstStyle/>
+                    <a:p>
+                      <a:pPr latinLnBrk="1"/>
+                      <a:r>
+                        <a:rPr lang="en-US" altLang="ko-KR" dirty="0"/>
+                        <a:t>Y</a:t>
+                      </a:r>
+                      <a:endParaRPr lang="ko-KR" altLang="en-US" dirty="0"/>
+                    </a:p>
+                  </a:txBody>
+                  <a:tcPr/>
+                </a:tc>
+                <a:tc>
+                  <a:txBody>
+                    <a:bodyPr/>
+                    <a:lstStyle/>
+                    <a:p>
+                      <a:pPr latinLnBrk="1"/>
+                      <a:r>
+                        <a:rPr lang="en-US" altLang="ko-KR" dirty="0"/>
+                        <a:t>0</a:t>
+                      </a:r>
+                      <a:endParaRPr lang="ko-KR" altLang="en-US" dirty="0"/>
+                    </a:p>
+                  </a:txBody>
+                  <a:tcPr/>
+                </a:tc>
+                <a:tc>
+                  <a:txBody>
+                    <a:bodyPr/>
+                    <a:lstStyle/>
+                    <a:p>
+                      <a:pPr latinLnBrk="1"/>
+                      <a:endParaRPr lang="ko-KR" altLang="en-US" dirty="0"/>
+                    </a:p>
+                  </a:txBody>
+                  <a:tcPr/>
+                </a:tc>
+                <a:tc>
+                  <a:txBody>
+                    <a:bodyPr/>
+                    <a:lstStyle/>
+                    <a:p>
+                      <a:pPr latinLnBrk="1"/>
+                      <a:endParaRPr lang="ko-KR" altLang="en-US" dirty="0"/>
+                    </a:p>
+                  </a:txBody>
+                  <a:tcPr/>
+                </a:tc>
+                <a:tc>
+                  <a:txBody>
+                    <a:bodyPr/>
+                    <a:lstStyle/>
+                    <a:p>
+                      <a:pPr latinLnBrk="1"/>
+                      <a:r>
+                        <a:rPr lang="en-US" altLang="ko-KR" dirty="0"/>
+                        <a:t>0</a:t>
+                      </a:r>
+                      <a:r>
+                        <a:rPr lang="ko-KR" altLang="en-US" dirty="0"/>
+                        <a:t>이상</a:t>
+                      </a:r>
+                    </a:p>
+                  </a:txBody>
+                  <a:tcPr/>
+                </a:tc>
+                <a:extLst>
+                  <a:ext uri="{0D108BD9-81ED-4DB2-BD59-A6C34878D82A}">
+                    <a16:rowId xmlns:a16="http://schemas.microsoft.com/office/drawing/2014/main" val="1749574616"/>
+                  </a:ext>
+                </a:extLst>
+              </a:tr>
+              <a:tr h="403028">
+                <a:tc>
+                  <a:txBody>
+                    <a:bodyPr/>
+                    <a:lstStyle/>
+                    <a:p>
+                      <a:pPr latinLnBrk="1"/>
+                      <a:r>
+                        <a:rPr lang="ko-KR" altLang="en-US" sz="1800" b="0" i="0" kern="1200" dirty="0">
+                          <a:solidFill>
+                            <a:schemeClr val="dk1"/>
+                          </a:solidFill>
+                          <a:effectLst/>
+                          <a:latin typeface="+mn-lt"/>
+                          <a:ea typeface="+mn-ea"/>
+                          <a:cs typeface="+mn-cs"/>
+                        </a:rPr>
+                        <a:t>배송지</a:t>
+                      </a:r>
+                      <a:endParaRPr lang="ko-KR" altLang="en-US" dirty="0"/>
+                    </a:p>
+                  </a:txBody>
+                  <a:tcPr/>
+                </a:tc>
+                <a:tc>
+                  <a:txBody>
+                    <a:bodyPr/>
+                    <a:lstStyle/>
+                    <a:p>
+                      <a:pPr marL="0" marR="0" lvl="0" indent="0" algn="l" defTabSz="914400" rtl="0" eaLnBrk="1" fontAlgn="auto" latinLnBrk="1" hangingPunct="1">
+                        <a:lnSpc>
+                          <a:spcPct val="100000"/>
+                        </a:lnSpc>
+                        <a:spcBef>
+                          <a:spcPts val="0"/>
+                        </a:spcBef>
+                        <a:spcAft>
+                          <a:spcPts val="0"/>
+                        </a:spcAft>
+                        <a:buClrTx/>
+                        <a:buSzTx/>
+                        <a:buFontTx/>
+                        <a:buNone/>
+                        <a:tabLst/>
+                        <a:defRPr/>
+                      </a:pPr>
+                      <a:r>
+                        <a:rPr lang="en-US" altLang="ko-KR"/>
+                        <a:t>Varchar(20</a:t>
+                      </a:r>
+                      <a:r>
+                        <a:rPr lang="en-US" altLang="ko-KR" dirty="0"/>
+                        <a:t>)</a:t>
+                      </a:r>
+                      <a:endParaRPr lang="ko-KR" altLang="en-US" dirty="0"/>
+                    </a:p>
+                  </a:txBody>
+                  <a:tcPr/>
+                </a:tc>
+                <a:tc>
+                  <a:txBody>
+                    <a:bodyPr/>
+                    <a:lstStyle/>
+                    <a:p>
+                      <a:pPr latinLnBrk="1"/>
+                      <a:r>
+                        <a:rPr lang="en-US" altLang="ko-KR" dirty="0"/>
+                        <a:t>N</a:t>
+                      </a:r>
+                      <a:endParaRPr lang="ko-KR" altLang="en-US" dirty="0"/>
+                    </a:p>
+                  </a:txBody>
+                  <a:tcPr/>
+                </a:tc>
+                <a:tc>
+                  <a:txBody>
+                    <a:bodyPr/>
+                    <a:lstStyle/>
+                    <a:p>
+                      <a:pPr latinLnBrk="1"/>
+                      <a:endParaRPr lang="ko-KR" altLang="en-US" dirty="0"/>
+                    </a:p>
+                  </a:txBody>
+                  <a:tcPr/>
+                </a:tc>
+                <a:tc>
+                  <a:txBody>
+                    <a:bodyPr/>
+                    <a:lstStyle/>
+                    <a:p>
+                      <a:pPr latinLnBrk="1"/>
+                      <a:endParaRPr lang="ko-KR" altLang="en-US" dirty="0"/>
+                    </a:p>
+                  </a:txBody>
+                  <a:tcPr/>
+                </a:tc>
+                <a:tc>
+                  <a:txBody>
+                    <a:bodyPr/>
+                    <a:lstStyle/>
+                    <a:p>
+                      <a:pPr latinLnBrk="1"/>
+                      <a:endParaRPr lang="ko-KR" altLang="en-US" dirty="0"/>
+                    </a:p>
+                  </a:txBody>
+                  <a:tcPr/>
+                </a:tc>
+                <a:tc>
+                  <a:txBody>
+                    <a:bodyPr/>
+                    <a:lstStyle/>
+                    <a:p>
+                      <a:pPr latinLnBrk="1"/>
+                      <a:endParaRPr lang="ko-KR" altLang="en-US" dirty="0"/>
+                    </a:p>
+                  </a:txBody>
+                  <a:tcPr/>
+                </a:tc>
+                <a:extLst>
+                  <a:ext uri="{0D108BD9-81ED-4DB2-BD59-A6C34878D82A}">
+                    <a16:rowId xmlns:a16="http://schemas.microsoft.com/office/drawing/2014/main" val="4211299645"/>
+                  </a:ext>
+                </a:extLst>
+              </a:tr>
+              <a:tr h="403028">
+                <a:tc>
+                  <a:txBody>
+                    <a:bodyPr/>
+                    <a:lstStyle/>
+                    <a:p>
+                      <a:pPr latinLnBrk="1"/>
+                      <a:r>
+                        <a:rPr lang="ko-KR" altLang="en-US" sz="1800" b="0" i="0" kern="1200" dirty="0">
+                          <a:solidFill>
+                            <a:schemeClr val="dk1"/>
+                          </a:solidFill>
+                          <a:effectLst/>
+                          <a:latin typeface="+mn-lt"/>
+                          <a:ea typeface="+mn-ea"/>
+                          <a:cs typeface="+mn-cs"/>
+                        </a:rPr>
+                        <a:t>주문일자</a:t>
+                      </a:r>
+                      <a:endParaRPr lang="ko-KR" altLang="en-US" dirty="0"/>
+                    </a:p>
+                  </a:txBody>
+                  <a:tcPr/>
+                </a:tc>
+                <a:tc>
+                  <a:txBody>
+                    <a:bodyPr/>
+                    <a:lstStyle/>
+                    <a:p>
+                      <a:pPr latinLnBrk="1"/>
+                      <a:r>
+                        <a:rPr lang="en-US" altLang="ko-KR" dirty="0"/>
+                        <a:t>Date</a:t>
+                      </a:r>
+                      <a:endParaRPr lang="ko-KR" altLang="en-US" dirty="0"/>
+                    </a:p>
+                  </a:txBody>
+                  <a:tcPr/>
+                </a:tc>
+                <a:tc>
+                  <a:txBody>
+                    <a:bodyPr/>
+                    <a:lstStyle/>
+                    <a:p>
+                      <a:pPr latinLnBrk="1"/>
+                      <a:r>
+                        <a:rPr lang="en-US" altLang="ko-KR" dirty="0"/>
+                        <a:t>N</a:t>
+                      </a:r>
+                      <a:endParaRPr lang="ko-KR" altLang="en-US" dirty="0"/>
+                    </a:p>
+                  </a:txBody>
+                  <a:tcPr/>
+                </a:tc>
+                <a:tc>
+                  <a:txBody>
+                    <a:bodyPr/>
+                    <a:lstStyle/>
+                    <a:p>
+                      <a:pPr latinLnBrk="1"/>
+                      <a:endParaRPr lang="ko-KR" altLang="en-US" dirty="0"/>
+                    </a:p>
+                  </a:txBody>
+                  <a:tcPr/>
+                </a:tc>
+                <a:tc>
+                  <a:txBody>
+                    <a:bodyPr/>
+                    <a:lstStyle/>
+                    <a:p>
+                      <a:pPr latinLnBrk="1"/>
+                      <a:endParaRPr lang="ko-KR" altLang="en-US" dirty="0"/>
+                    </a:p>
+                  </a:txBody>
+                  <a:tcPr/>
+                </a:tc>
+                <a:tc>
+                  <a:txBody>
+                    <a:bodyPr/>
+                    <a:lstStyle/>
+                    <a:p>
+                      <a:pPr latinLnBrk="1"/>
+                      <a:endParaRPr lang="ko-KR" altLang="en-US" dirty="0"/>
+                    </a:p>
+                  </a:txBody>
+                  <a:tcPr/>
+                </a:tc>
+                <a:tc>
+                  <a:txBody>
+                    <a:bodyPr/>
+                    <a:lstStyle/>
+                    <a:p>
+                      <a:pPr latinLnBrk="1"/>
+                      <a:endParaRPr lang="ko-KR" altLang="en-US" dirty="0"/>
+                    </a:p>
+                  </a:txBody>
+                  <a:tcPr/>
+                </a:tc>
+                <a:extLst>
+                  <a:ext uri="{0D108BD9-81ED-4DB2-BD59-A6C34878D82A}">
+                    <a16:rowId xmlns:a16="http://schemas.microsoft.com/office/drawing/2014/main" val="3710097875"/>
+                  </a:ext>
+                </a:extLst>
+              </a:tr>
+              <a:tr h="403028">
+                <a:tc>
+                  <a:txBody>
+                    <a:bodyPr/>
+                    <a:lstStyle/>
+                    <a:p>
+                      <a:pPr latinLnBrk="1"/>
+                      <a:r>
+                        <a:rPr lang="ko-KR" altLang="en-US" sz="1800" b="0" i="0" kern="1200" dirty="0" err="1">
+                          <a:solidFill>
+                            <a:schemeClr val="dk1"/>
+                          </a:solidFill>
+                          <a:effectLst/>
+                          <a:latin typeface="+mn-lt"/>
+                          <a:ea typeface="+mn-ea"/>
+                          <a:cs typeface="+mn-cs"/>
+                        </a:rPr>
+                        <a:t>회원아이디</a:t>
+                      </a:r>
+                      <a:endParaRPr lang="ko-KR" altLang="en-US" dirty="0"/>
+                    </a:p>
+                  </a:txBody>
+                  <a:tcPr/>
+                </a:tc>
+                <a:tc>
+                  <a:txBody>
+                    <a:bodyPr/>
+                    <a:lstStyle/>
+                    <a:p>
+                      <a:pPr marL="0" marR="0" lvl="0" indent="0" algn="l" defTabSz="914400" rtl="0" eaLnBrk="1" fontAlgn="auto" latinLnBrk="1" hangingPunct="1">
+                        <a:lnSpc>
+                          <a:spcPct val="100000"/>
+                        </a:lnSpc>
+                        <a:spcBef>
+                          <a:spcPts val="0"/>
+                        </a:spcBef>
+                        <a:spcAft>
+                          <a:spcPts val="0"/>
+                        </a:spcAft>
+                        <a:buClrTx/>
+                        <a:buSzTx/>
+                        <a:buFontTx/>
+                        <a:buNone/>
+                        <a:tabLst/>
+                        <a:defRPr/>
+                      </a:pPr>
+                      <a:r>
+                        <a:rPr lang="en-US" altLang="ko-KR" dirty="0"/>
+                        <a:t>Varchar(20)</a:t>
+                      </a:r>
+                      <a:endParaRPr lang="ko-KR" altLang="en-US" dirty="0"/>
+                    </a:p>
+                  </a:txBody>
+                  <a:tcPr/>
+                </a:tc>
+                <a:tc>
+                  <a:txBody>
+                    <a:bodyPr/>
+                    <a:lstStyle/>
+                    <a:p>
+                      <a:pPr latinLnBrk="1"/>
+                      <a:r>
+                        <a:rPr lang="en-US" altLang="ko-KR" dirty="0"/>
+                        <a:t>N</a:t>
+                      </a:r>
+                      <a:endParaRPr lang="ko-KR" altLang="en-US" dirty="0"/>
+                    </a:p>
+                  </a:txBody>
+                  <a:tcPr/>
+                </a:tc>
+                <a:tc>
+                  <a:txBody>
+                    <a:bodyPr/>
+                    <a:lstStyle/>
+                    <a:p>
+                      <a:pPr latinLnBrk="1"/>
+                      <a:endParaRPr lang="ko-KR" altLang="en-US" dirty="0"/>
+                    </a:p>
+                  </a:txBody>
+                  <a:tcPr/>
+                </a:tc>
+                <a:tc>
+                  <a:txBody>
+                    <a:bodyPr/>
+                    <a:lstStyle/>
+                    <a:p>
+                      <a:pPr latinLnBrk="1"/>
+                      <a:endParaRPr lang="ko-KR" altLang="en-US" dirty="0"/>
+                    </a:p>
+                  </a:txBody>
+                  <a:tcPr/>
+                </a:tc>
+                <a:tc>
+                  <a:txBody>
+                    <a:bodyPr/>
+                    <a:lstStyle/>
+                    <a:p>
+                      <a:pPr latinLnBrk="1"/>
+                      <a:r>
+                        <a:rPr lang="en-US" altLang="ko-KR" dirty="0"/>
+                        <a:t>FK</a:t>
+                      </a:r>
+                      <a:endParaRPr lang="ko-KR" altLang="en-US" dirty="0"/>
+                    </a:p>
+                  </a:txBody>
+                  <a:tcPr/>
+                </a:tc>
+                <a:tc>
+                  <a:txBody>
+                    <a:bodyPr/>
+                    <a:lstStyle/>
+                    <a:p>
+                      <a:pPr latinLnBrk="1"/>
+                      <a:endParaRPr lang="ko-KR" altLang="en-US" dirty="0"/>
+                    </a:p>
+                  </a:txBody>
+                  <a:tcPr/>
+                </a:tc>
+                <a:extLst>
+                  <a:ext uri="{0D108BD9-81ED-4DB2-BD59-A6C34878D82A}">
+                    <a16:rowId xmlns:a16="http://schemas.microsoft.com/office/drawing/2014/main" val="3651273540"/>
+                  </a:ext>
+                </a:extLst>
+              </a:tr>
+              <a:tr h="403028">
+                <a:tc>
+                  <a:txBody>
+                    <a:bodyPr/>
+                    <a:lstStyle/>
+                    <a:p>
+                      <a:pPr latinLnBrk="1"/>
+                      <a:r>
+                        <a:rPr lang="ko-KR" altLang="en-US" sz="1800" b="0" i="0" kern="1200" dirty="0">
+                          <a:solidFill>
+                            <a:schemeClr val="dk1"/>
+                          </a:solidFill>
+                          <a:effectLst/>
+                          <a:latin typeface="+mn-lt"/>
+                          <a:ea typeface="+mn-ea"/>
+                          <a:cs typeface="+mn-cs"/>
+                        </a:rPr>
+                        <a:t>상품번호</a:t>
+                      </a:r>
+                      <a:endParaRPr lang="ko-KR" altLang="en-US" dirty="0"/>
+                    </a:p>
+                  </a:txBody>
+                  <a:tcPr/>
+                </a:tc>
+                <a:tc>
+                  <a:txBody>
+                    <a:bodyPr/>
+                    <a:lstStyle/>
+                    <a:p>
+                      <a:pPr marL="0" marR="0" lvl="0" indent="0" algn="l" defTabSz="914400" rtl="0" eaLnBrk="1" fontAlgn="auto" latinLnBrk="1" hangingPunct="1">
+                        <a:lnSpc>
+                          <a:spcPct val="100000"/>
+                        </a:lnSpc>
+                        <a:spcBef>
+                          <a:spcPts val="0"/>
+                        </a:spcBef>
+                        <a:spcAft>
+                          <a:spcPts val="0"/>
+                        </a:spcAft>
+                        <a:buClrTx/>
+                        <a:buSzTx/>
+                        <a:buFontTx/>
+                        <a:buNone/>
+                        <a:tabLst/>
+                        <a:defRPr/>
+                      </a:pPr>
+                      <a:r>
+                        <a:rPr lang="en-US" altLang="ko-KR" dirty="0"/>
+                        <a:t>Varchar(20)</a:t>
+                      </a:r>
+                      <a:endParaRPr lang="ko-KR" altLang="en-US" dirty="0"/>
+                    </a:p>
+                  </a:txBody>
+                  <a:tcPr/>
+                </a:tc>
+                <a:tc>
+                  <a:txBody>
+                    <a:bodyPr/>
+                    <a:lstStyle/>
+                    <a:p>
+                      <a:pPr latinLnBrk="1"/>
+                      <a:r>
+                        <a:rPr lang="en-US" altLang="ko-KR" dirty="0"/>
+                        <a:t>N</a:t>
+                      </a:r>
+                      <a:endParaRPr lang="ko-KR" altLang="en-US" dirty="0"/>
+                    </a:p>
+                  </a:txBody>
+                  <a:tcPr/>
+                </a:tc>
+                <a:tc>
+                  <a:txBody>
+                    <a:bodyPr/>
+                    <a:lstStyle/>
+                    <a:p>
+                      <a:pPr latinLnBrk="1"/>
+                      <a:endParaRPr lang="ko-KR" altLang="en-US" dirty="0"/>
+                    </a:p>
+                  </a:txBody>
+                  <a:tcPr/>
+                </a:tc>
+                <a:tc>
+                  <a:txBody>
+                    <a:bodyPr/>
+                    <a:lstStyle/>
+                    <a:p>
+                      <a:pPr latinLnBrk="1"/>
+                      <a:endParaRPr lang="ko-KR" altLang="en-US" dirty="0"/>
+                    </a:p>
+                  </a:txBody>
+                  <a:tcPr/>
+                </a:tc>
+                <a:tc>
+                  <a:txBody>
+                    <a:bodyPr/>
+                    <a:lstStyle/>
+                    <a:p>
+                      <a:pPr latinLnBrk="1"/>
+                      <a:r>
+                        <a:rPr lang="en-US" altLang="ko-KR" dirty="0"/>
+                        <a:t>FK</a:t>
+                      </a:r>
+                      <a:endParaRPr lang="ko-KR" altLang="en-US" dirty="0"/>
+                    </a:p>
+                  </a:txBody>
+                  <a:tcPr/>
+                </a:tc>
+                <a:tc>
+                  <a:txBody>
+                    <a:bodyPr/>
+                    <a:lstStyle/>
+                    <a:p>
+                      <a:pPr latinLnBrk="1"/>
+                      <a:endParaRPr lang="ko-KR" altLang="en-US" dirty="0"/>
+                    </a:p>
+                  </a:txBody>
+                  <a:tcPr/>
+                </a:tc>
+                <a:extLst>
+                  <a:ext uri="{0D108BD9-81ED-4DB2-BD59-A6C34878D82A}">
+                    <a16:rowId xmlns:a16="http://schemas.microsoft.com/office/drawing/2014/main" val="1686531966"/>
+                  </a:ext>
+                </a:extLst>
+              </a:tr>
+            </a:tbl>
+          </a:graphicData>
+        </a:graphic>
+      </p:graphicFrame>
+    </p:spTree>
+    <p:extLst>
+      <p:ext uri="{BB962C8B-B14F-4D97-AF65-F5344CB8AC3E}">
+        <p14:creationId xmlns:p14="http://schemas.microsoft.com/office/powerpoint/2010/main" val="1329455515"/>
       </p:ext>
     </p:extLst>
   </p:cSld>

--- a/프레젠테이션1.pptx
+++ b/프레젠테이션1.pptx
@@ -6,10 +6,9 @@
   </p:sldMasterIdLst>
   <p:sldIdLst>
     <p:sldId id="257" r:id="rId2"/>
-    <p:sldId id="260" r:id="rId3"/>
-    <p:sldId id="261" r:id="rId4"/>
-    <p:sldId id="262" r:id="rId5"/>
-    <p:sldId id="263" r:id="rId6"/>
+    <p:sldId id="263" r:id="rId3"/>
+    <p:sldId id="262" r:id="rId4"/>
+    <p:sldId id="259" r:id="rId5"/>
   </p:sldIdLst>
   <p:sldSz cx="12192000" cy="6858000"/>
   <p:notesSz cx="6858000" cy="9144000"/>
@@ -108,11 +107,6 @@
       </a:defRPr>
     </a:lvl9pPr>
   </p:defaultTextStyle>
-  <p:extLst>
-    <p:ext uri="{EFAFB233-063F-42B5-8137-9DF3F51BA10A}">
-      <p15:sldGuideLst xmlns:p15="http://schemas.microsoft.com/office/powerpoint/2012/main"/>
-    </p:ext>
-  </p:extLst>
 </p:presentation>
 </file>
 
@@ -138,7 +132,7 @@
           <p:cNvPr id="2" name="제목 1">
             <a:extLst>
               <a:ext uri="{FF2B5EF4-FFF2-40B4-BE49-F238E27FC236}">
-                <a16:creationId xmlns:a16="http://schemas.microsoft.com/office/drawing/2014/main" id="{89CD89AF-B3CA-8070-8DE4-3DD668753D81}"/>
+                <a16:creationId xmlns:a16="http://schemas.microsoft.com/office/drawing/2014/main" id="{63F616D3-263E-CB6E-D8C0-C22F13899A0B}"/>
               </a:ext>
             </a:extLst>
           </p:cNvPr>
@@ -175,7 +169,7 @@
           <p:cNvPr id="3" name="부제목 2">
             <a:extLst>
               <a:ext uri="{FF2B5EF4-FFF2-40B4-BE49-F238E27FC236}">
-                <a16:creationId xmlns:a16="http://schemas.microsoft.com/office/drawing/2014/main" id="{9271D8A0-632C-0CC8-4F3E-EB7485BC14A7}"/>
+                <a16:creationId xmlns:a16="http://schemas.microsoft.com/office/drawing/2014/main" id="{C2389AFA-3122-9F4B-4B46-095152E4F7DF}"/>
               </a:ext>
             </a:extLst>
           </p:cNvPr>
@@ -245,7 +239,7 @@
           <p:cNvPr id="4" name="날짜 개체 틀 3">
             <a:extLst>
               <a:ext uri="{FF2B5EF4-FFF2-40B4-BE49-F238E27FC236}">
-                <a16:creationId xmlns:a16="http://schemas.microsoft.com/office/drawing/2014/main" id="{6EA4AF29-235C-7950-F117-44CAB90F4303}"/>
+                <a16:creationId xmlns:a16="http://schemas.microsoft.com/office/drawing/2014/main" id="{7152D8AC-978C-AAC3-54DF-5F40CD398B22}"/>
               </a:ext>
             </a:extLst>
           </p:cNvPr>
@@ -261,9 +255,9 @@
           <a:bodyPr/>
           <a:lstStyle/>
           <a:p>
-            <a:fld id="{B01ACD96-C0E2-4DBF-937F-DC40D941321E}" type="datetimeFigureOut">
+            <a:fld id="{329C7A8E-A1FA-416A-B0BE-53C624CDF921}" type="datetimeFigureOut">
               <a:rPr lang="ko-KR" altLang="en-US" smtClean="0"/>
-              <a:t>2025-11-17</a:t>
+              <a:t>2025-11-24</a:t>
             </a:fld>
             <a:endParaRPr lang="ko-KR" altLang="en-US"/>
           </a:p>
@@ -274,7 +268,7 @@
           <p:cNvPr id="5" name="바닥글 개체 틀 4">
             <a:extLst>
               <a:ext uri="{FF2B5EF4-FFF2-40B4-BE49-F238E27FC236}">
-                <a16:creationId xmlns:a16="http://schemas.microsoft.com/office/drawing/2014/main" id="{3AE46F03-6AEC-782B-952F-BB41BFE16176}"/>
+                <a16:creationId xmlns:a16="http://schemas.microsoft.com/office/drawing/2014/main" id="{B1FF7AF7-E9B2-39CA-AEFD-A437D5D69178}"/>
               </a:ext>
             </a:extLst>
           </p:cNvPr>
@@ -299,7 +293,7 @@
           <p:cNvPr id="6" name="슬라이드 번호 개체 틀 5">
             <a:extLst>
               <a:ext uri="{FF2B5EF4-FFF2-40B4-BE49-F238E27FC236}">
-                <a16:creationId xmlns:a16="http://schemas.microsoft.com/office/drawing/2014/main" id="{70AB1A96-37FC-FD39-2C55-105D9B3A6C40}"/>
+                <a16:creationId xmlns:a16="http://schemas.microsoft.com/office/drawing/2014/main" id="{4B429790-5C6C-11BE-6811-C58E167187D1}"/>
               </a:ext>
             </a:extLst>
           </p:cNvPr>
@@ -315,7 +309,7 @@
           <a:bodyPr/>
           <a:lstStyle/>
           <a:p>
-            <a:fld id="{309D2A8B-C380-4542-B83A-08B04FE6BCE2}" type="slidenum">
+            <a:fld id="{FFF3E679-73B2-4064-A9D9-4B58DC5DECCC}" type="slidenum">
               <a:rPr lang="ko-KR" altLang="en-US" smtClean="0"/>
               <a:t>‹#›</a:t>
             </a:fld>
@@ -326,7 +320,7 @@
     </p:spTree>
     <p:extLst>
       <p:ext uri="{BB962C8B-B14F-4D97-AF65-F5344CB8AC3E}">
-        <p14:creationId xmlns:p14="http://schemas.microsoft.com/office/powerpoint/2010/main" val="2468280535"/>
+        <p14:creationId xmlns:p14="http://schemas.microsoft.com/office/powerpoint/2010/main" val="1832704209"/>
       </p:ext>
     </p:extLst>
   </p:cSld>
@@ -358,7 +352,7 @@
           <p:cNvPr id="2" name="제목 1">
             <a:extLst>
               <a:ext uri="{FF2B5EF4-FFF2-40B4-BE49-F238E27FC236}">
-                <a16:creationId xmlns:a16="http://schemas.microsoft.com/office/drawing/2014/main" id="{5C3F39E6-1A50-E069-DD62-967147151815}"/>
+                <a16:creationId xmlns:a16="http://schemas.microsoft.com/office/drawing/2014/main" id="{2A8B9338-7BE3-9B3F-2179-E8CF55381522}"/>
               </a:ext>
             </a:extLst>
           </p:cNvPr>
@@ -386,7 +380,7 @@
           <p:cNvPr id="3" name="세로 텍스트 개체 틀 2">
             <a:extLst>
               <a:ext uri="{FF2B5EF4-FFF2-40B4-BE49-F238E27FC236}">
-                <a16:creationId xmlns:a16="http://schemas.microsoft.com/office/drawing/2014/main" id="{7AB6A8D3-84F6-2279-645D-62C0A4FA2981}"/>
+                <a16:creationId xmlns:a16="http://schemas.microsoft.com/office/drawing/2014/main" id="{0F4D33F9-A70C-0833-CE4B-43A63EF90C69}"/>
               </a:ext>
             </a:extLst>
           </p:cNvPr>
@@ -443,7 +437,7 @@
           <p:cNvPr id="4" name="날짜 개체 틀 3">
             <a:extLst>
               <a:ext uri="{FF2B5EF4-FFF2-40B4-BE49-F238E27FC236}">
-                <a16:creationId xmlns:a16="http://schemas.microsoft.com/office/drawing/2014/main" id="{A4158AAA-778D-C30D-F543-003EE338DCDD}"/>
+                <a16:creationId xmlns:a16="http://schemas.microsoft.com/office/drawing/2014/main" id="{47A72B5B-B201-5EBF-6360-C2B10FA3B9B0}"/>
               </a:ext>
             </a:extLst>
           </p:cNvPr>
@@ -459,9 +453,9 @@
           <a:bodyPr/>
           <a:lstStyle/>
           <a:p>
-            <a:fld id="{B01ACD96-C0E2-4DBF-937F-DC40D941321E}" type="datetimeFigureOut">
+            <a:fld id="{329C7A8E-A1FA-416A-B0BE-53C624CDF921}" type="datetimeFigureOut">
               <a:rPr lang="ko-KR" altLang="en-US" smtClean="0"/>
-              <a:t>2025-11-17</a:t>
+              <a:t>2025-11-24</a:t>
             </a:fld>
             <a:endParaRPr lang="ko-KR" altLang="en-US"/>
           </a:p>
@@ -472,7 +466,7 @@
           <p:cNvPr id="5" name="바닥글 개체 틀 4">
             <a:extLst>
               <a:ext uri="{FF2B5EF4-FFF2-40B4-BE49-F238E27FC236}">
-                <a16:creationId xmlns:a16="http://schemas.microsoft.com/office/drawing/2014/main" id="{0D659878-9B98-240C-AECB-0EDD2E7E41FD}"/>
+                <a16:creationId xmlns:a16="http://schemas.microsoft.com/office/drawing/2014/main" id="{DF9DF0CB-6BD7-5AAC-87C9-9976941E57B3}"/>
               </a:ext>
             </a:extLst>
           </p:cNvPr>
@@ -497,7 +491,7 @@
           <p:cNvPr id="6" name="슬라이드 번호 개체 틀 5">
             <a:extLst>
               <a:ext uri="{FF2B5EF4-FFF2-40B4-BE49-F238E27FC236}">
-                <a16:creationId xmlns:a16="http://schemas.microsoft.com/office/drawing/2014/main" id="{EA296D59-5F05-817C-193A-4C91922BC66D}"/>
+                <a16:creationId xmlns:a16="http://schemas.microsoft.com/office/drawing/2014/main" id="{DEC9DA69-E59C-208A-2CFE-144EE8A62A37}"/>
               </a:ext>
             </a:extLst>
           </p:cNvPr>
@@ -513,7 +507,7 @@
           <a:bodyPr/>
           <a:lstStyle/>
           <a:p>
-            <a:fld id="{309D2A8B-C380-4542-B83A-08B04FE6BCE2}" type="slidenum">
+            <a:fld id="{FFF3E679-73B2-4064-A9D9-4B58DC5DECCC}" type="slidenum">
               <a:rPr lang="ko-KR" altLang="en-US" smtClean="0"/>
               <a:t>‹#›</a:t>
             </a:fld>
@@ -524,7 +518,7 @@
     </p:spTree>
     <p:extLst>
       <p:ext uri="{BB962C8B-B14F-4D97-AF65-F5344CB8AC3E}">
-        <p14:creationId xmlns:p14="http://schemas.microsoft.com/office/powerpoint/2010/main" val="652575668"/>
+        <p14:creationId xmlns:p14="http://schemas.microsoft.com/office/powerpoint/2010/main" val="4283742978"/>
       </p:ext>
     </p:extLst>
   </p:cSld>
@@ -556,7 +550,7 @@
           <p:cNvPr id="2" name="세로 제목 1">
             <a:extLst>
               <a:ext uri="{FF2B5EF4-FFF2-40B4-BE49-F238E27FC236}">
-                <a16:creationId xmlns:a16="http://schemas.microsoft.com/office/drawing/2014/main" id="{5CEF0FF2-C734-4CA8-7A81-526F573ACAE5}"/>
+                <a16:creationId xmlns:a16="http://schemas.microsoft.com/office/drawing/2014/main" id="{B70FF935-C16D-6EB8-E6F8-C2AC47462888}"/>
               </a:ext>
             </a:extLst>
           </p:cNvPr>
@@ -589,7 +583,7 @@
           <p:cNvPr id="3" name="세로 텍스트 개체 틀 2">
             <a:extLst>
               <a:ext uri="{FF2B5EF4-FFF2-40B4-BE49-F238E27FC236}">
-                <a16:creationId xmlns:a16="http://schemas.microsoft.com/office/drawing/2014/main" id="{A208F840-48B2-FEE1-24CC-8206CAA99CCB}"/>
+                <a16:creationId xmlns:a16="http://schemas.microsoft.com/office/drawing/2014/main" id="{05AC3A6B-561E-B92D-7E6E-5D36794A3B05}"/>
               </a:ext>
             </a:extLst>
           </p:cNvPr>
@@ -651,7 +645,7 @@
           <p:cNvPr id="4" name="날짜 개체 틀 3">
             <a:extLst>
               <a:ext uri="{FF2B5EF4-FFF2-40B4-BE49-F238E27FC236}">
-                <a16:creationId xmlns:a16="http://schemas.microsoft.com/office/drawing/2014/main" id="{3DF7E943-CEB4-7C59-9644-B18ABD4A9D26}"/>
+                <a16:creationId xmlns:a16="http://schemas.microsoft.com/office/drawing/2014/main" id="{2A0E6769-EB79-AFCD-C1D0-644F7B20B932}"/>
               </a:ext>
             </a:extLst>
           </p:cNvPr>
@@ -667,9 +661,9 @@
           <a:bodyPr/>
           <a:lstStyle/>
           <a:p>
-            <a:fld id="{B01ACD96-C0E2-4DBF-937F-DC40D941321E}" type="datetimeFigureOut">
+            <a:fld id="{329C7A8E-A1FA-416A-B0BE-53C624CDF921}" type="datetimeFigureOut">
               <a:rPr lang="ko-KR" altLang="en-US" smtClean="0"/>
-              <a:t>2025-11-17</a:t>
+              <a:t>2025-11-24</a:t>
             </a:fld>
             <a:endParaRPr lang="ko-KR" altLang="en-US"/>
           </a:p>
@@ -680,7 +674,7 @@
           <p:cNvPr id="5" name="바닥글 개체 틀 4">
             <a:extLst>
               <a:ext uri="{FF2B5EF4-FFF2-40B4-BE49-F238E27FC236}">
-                <a16:creationId xmlns:a16="http://schemas.microsoft.com/office/drawing/2014/main" id="{DAF3DCAA-E9FF-3607-8C7A-F819A8E6827C}"/>
+                <a16:creationId xmlns:a16="http://schemas.microsoft.com/office/drawing/2014/main" id="{8B077086-8034-996C-ACBD-6C79A2EDCEBD}"/>
               </a:ext>
             </a:extLst>
           </p:cNvPr>
@@ -705,7 +699,7 @@
           <p:cNvPr id="6" name="슬라이드 번호 개체 틀 5">
             <a:extLst>
               <a:ext uri="{FF2B5EF4-FFF2-40B4-BE49-F238E27FC236}">
-                <a16:creationId xmlns:a16="http://schemas.microsoft.com/office/drawing/2014/main" id="{1DC6F132-E235-C263-8C46-15F00D0F8500}"/>
+                <a16:creationId xmlns:a16="http://schemas.microsoft.com/office/drawing/2014/main" id="{FC4156A9-6421-0456-5059-6BA6CE931FC0}"/>
               </a:ext>
             </a:extLst>
           </p:cNvPr>
@@ -721,7 +715,7 @@
           <a:bodyPr/>
           <a:lstStyle/>
           <a:p>
-            <a:fld id="{309D2A8B-C380-4542-B83A-08B04FE6BCE2}" type="slidenum">
+            <a:fld id="{FFF3E679-73B2-4064-A9D9-4B58DC5DECCC}" type="slidenum">
               <a:rPr lang="ko-KR" altLang="en-US" smtClean="0"/>
               <a:t>‹#›</a:t>
             </a:fld>
@@ -732,7 +726,7 @@
     </p:spTree>
     <p:extLst>
       <p:ext uri="{BB962C8B-B14F-4D97-AF65-F5344CB8AC3E}">
-        <p14:creationId xmlns:p14="http://schemas.microsoft.com/office/powerpoint/2010/main" val="1086298724"/>
+        <p14:creationId xmlns:p14="http://schemas.microsoft.com/office/powerpoint/2010/main" val="436871086"/>
       </p:ext>
     </p:extLst>
   </p:cSld>
@@ -764,7 +758,7 @@
           <p:cNvPr id="2" name="제목 1">
             <a:extLst>
               <a:ext uri="{FF2B5EF4-FFF2-40B4-BE49-F238E27FC236}">
-                <a16:creationId xmlns:a16="http://schemas.microsoft.com/office/drawing/2014/main" id="{D020A787-8A50-09A6-87D7-C20F7695186D}"/>
+                <a16:creationId xmlns:a16="http://schemas.microsoft.com/office/drawing/2014/main" id="{79318B8D-2049-38B2-58CC-065BDCBC474C}"/>
               </a:ext>
             </a:extLst>
           </p:cNvPr>
@@ -792,7 +786,7 @@
           <p:cNvPr id="3" name="내용 개체 틀 2">
             <a:extLst>
               <a:ext uri="{FF2B5EF4-FFF2-40B4-BE49-F238E27FC236}">
-                <a16:creationId xmlns:a16="http://schemas.microsoft.com/office/drawing/2014/main" id="{5BF30EAD-5A70-188C-08AF-D3EF52035FD4}"/>
+                <a16:creationId xmlns:a16="http://schemas.microsoft.com/office/drawing/2014/main" id="{ACAE879C-3D99-5607-7126-F56878221C7F}"/>
               </a:ext>
             </a:extLst>
           </p:cNvPr>
@@ -849,7 +843,7 @@
           <p:cNvPr id="4" name="날짜 개체 틀 3">
             <a:extLst>
               <a:ext uri="{FF2B5EF4-FFF2-40B4-BE49-F238E27FC236}">
-                <a16:creationId xmlns:a16="http://schemas.microsoft.com/office/drawing/2014/main" id="{29A2495C-420C-05A2-EE6C-F993AB9A520C}"/>
+                <a16:creationId xmlns:a16="http://schemas.microsoft.com/office/drawing/2014/main" id="{DADFB597-D15C-CCBD-A442-FA48BAE3FA98}"/>
               </a:ext>
             </a:extLst>
           </p:cNvPr>
@@ -865,9 +859,9 @@
           <a:bodyPr/>
           <a:lstStyle/>
           <a:p>
-            <a:fld id="{B01ACD96-C0E2-4DBF-937F-DC40D941321E}" type="datetimeFigureOut">
+            <a:fld id="{329C7A8E-A1FA-416A-B0BE-53C624CDF921}" type="datetimeFigureOut">
               <a:rPr lang="ko-KR" altLang="en-US" smtClean="0"/>
-              <a:t>2025-11-17</a:t>
+              <a:t>2025-11-24</a:t>
             </a:fld>
             <a:endParaRPr lang="ko-KR" altLang="en-US"/>
           </a:p>
@@ -878,7 +872,7 @@
           <p:cNvPr id="5" name="바닥글 개체 틀 4">
             <a:extLst>
               <a:ext uri="{FF2B5EF4-FFF2-40B4-BE49-F238E27FC236}">
-                <a16:creationId xmlns:a16="http://schemas.microsoft.com/office/drawing/2014/main" id="{FA5EB8B5-9D81-D54A-7C15-75F6C1E56822}"/>
+                <a16:creationId xmlns:a16="http://schemas.microsoft.com/office/drawing/2014/main" id="{CCFFE8F2-FD1A-BF6F-9AEE-7000B0DE994F}"/>
               </a:ext>
             </a:extLst>
           </p:cNvPr>
@@ -903,7 +897,7 @@
           <p:cNvPr id="6" name="슬라이드 번호 개체 틀 5">
             <a:extLst>
               <a:ext uri="{FF2B5EF4-FFF2-40B4-BE49-F238E27FC236}">
-                <a16:creationId xmlns:a16="http://schemas.microsoft.com/office/drawing/2014/main" id="{7DA21893-91DA-372E-409F-05478F883F63}"/>
+                <a16:creationId xmlns:a16="http://schemas.microsoft.com/office/drawing/2014/main" id="{A004F857-7223-E373-D33F-D018B730CB60}"/>
               </a:ext>
             </a:extLst>
           </p:cNvPr>
@@ -919,7 +913,7 @@
           <a:bodyPr/>
           <a:lstStyle/>
           <a:p>
-            <a:fld id="{309D2A8B-C380-4542-B83A-08B04FE6BCE2}" type="slidenum">
+            <a:fld id="{FFF3E679-73B2-4064-A9D9-4B58DC5DECCC}" type="slidenum">
               <a:rPr lang="ko-KR" altLang="en-US" smtClean="0"/>
               <a:t>‹#›</a:t>
             </a:fld>
@@ -930,7 +924,7 @@
     </p:spTree>
     <p:extLst>
       <p:ext uri="{BB962C8B-B14F-4D97-AF65-F5344CB8AC3E}">
-        <p14:creationId xmlns:p14="http://schemas.microsoft.com/office/powerpoint/2010/main" val="2093486515"/>
+        <p14:creationId xmlns:p14="http://schemas.microsoft.com/office/powerpoint/2010/main" val="585398858"/>
       </p:ext>
     </p:extLst>
   </p:cSld>
@@ -962,7 +956,7 @@
           <p:cNvPr id="2" name="제목 1">
             <a:extLst>
               <a:ext uri="{FF2B5EF4-FFF2-40B4-BE49-F238E27FC236}">
-                <a16:creationId xmlns:a16="http://schemas.microsoft.com/office/drawing/2014/main" id="{63773397-9E2C-093A-0EB4-68C1488479D7}"/>
+                <a16:creationId xmlns:a16="http://schemas.microsoft.com/office/drawing/2014/main" id="{D08D5A80-9179-758B-5A50-D4699D615477}"/>
               </a:ext>
             </a:extLst>
           </p:cNvPr>
@@ -999,7 +993,7 @@
           <p:cNvPr id="3" name="텍스트 개체 틀 2">
             <a:extLst>
               <a:ext uri="{FF2B5EF4-FFF2-40B4-BE49-F238E27FC236}">
-                <a16:creationId xmlns:a16="http://schemas.microsoft.com/office/drawing/2014/main" id="{D4B1A4BD-D9C9-B275-6BD0-FFC2A6CC0E51}"/>
+                <a16:creationId xmlns:a16="http://schemas.microsoft.com/office/drawing/2014/main" id="{2EAF08FD-693F-784A-14B4-EE77498EBC43}"/>
               </a:ext>
             </a:extLst>
           </p:cNvPr>
@@ -1124,7 +1118,7 @@
           <p:cNvPr id="4" name="날짜 개체 틀 3">
             <a:extLst>
               <a:ext uri="{FF2B5EF4-FFF2-40B4-BE49-F238E27FC236}">
-                <a16:creationId xmlns:a16="http://schemas.microsoft.com/office/drawing/2014/main" id="{49598682-B7B1-5F80-59B7-C5ED3064CDA8}"/>
+                <a16:creationId xmlns:a16="http://schemas.microsoft.com/office/drawing/2014/main" id="{549B8709-0516-D0D9-A785-127F739FB033}"/>
               </a:ext>
             </a:extLst>
           </p:cNvPr>
@@ -1140,9 +1134,9 @@
           <a:bodyPr/>
           <a:lstStyle/>
           <a:p>
-            <a:fld id="{B01ACD96-C0E2-4DBF-937F-DC40D941321E}" type="datetimeFigureOut">
+            <a:fld id="{329C7A8E-A1FA-416A-B0BE-53C624CDF921}" type="datetimeFigureOut">
               <a:rPr lang="ko-KR" altLang="en-US" smtClean="0"/>
-              <a:t>2025-11-17</a:t>
+              <a:t>2025-11-24</a:t>
             </a:fld>
             <a:endParaRPr lang="ko-KR" altLang="en-US"/>
           </a:p>
@@ -1153,7 +1147,7 @@
           <p:cNvPr id="5" name="바닥글 개체 틀 4">
             <a:extLst>
               <a:ext uri="{FF2B5EF4-FFF2-40B4-BE49-F238E27FC236}">
-                <a16:creationId xmlns:a16="http://schemas.microsoft.com/office/drawing/2014/main" id="{18DA1BB6-7B25-B587-CADA-3337DF070B82}"/>
+                <a16:creationId xmlns:a16="http://schemas.microsoft.com/office/drawing/2014/main" id="{FC45ED32-4028-2A39-8E6E-D08EDA53FEA7}"/>
               </a:ext>
             </a:extLst>
           </p:cNvPr>
@@ -1178,7 +1172,7 @@
           <p:cNvPr id="6" name="슬라이드 번호 개체 틀 5">
             <a:extLst>
               <a:ext uri="{FF2B5EF4-FFF2-40B4-BE49-F238E27FC236}">
-                <a16:creationId xmlns:a16="http://schemas.microsoft.com/office/drawing/2014/main" id="{52D65E6D-DD84-996C-F510-919F82FC1F88}"/>
+                <a16:creationId xmlns:a16="http://schemas.microsoft.com/office/drawing/2014/main" id="{F8796478-6039-82D7-3808-D33AB441EDD4}"/>
               </a:ext>
             </a:extLst>
           </p:cNvPr>
@@ -1194,7 +1188,7 @@
           <a:bodyPr/>
           <a:lstStyle/>
           <a:p>
-            <a:fld id="{309D2A8B-C380-4542-B83A-08B04FE6BCE2}" type="slidenum">
+            <a:fld id="{FFF3E679-73B2-4064-A9D9-4B58DC5DECCC}" type="slidenum">
               <a:rPr lang="ko-KR" altLang="en-US" smtClean="0"/>
               <a:t>‹#›</a:t>
             </a:fld>
@@ -1205,7 +1199,7 @@
     </p:spTree>
     <p:extLst>
       <p:ext uri="{BB962C8B-B14F-4D97-AF65-F5344CB8AC3E}">
-        <p14:creationId xmlns:p14="http://schemas.microsoft.com/office/powerpoint/2010/main" val="4287010796"/>
+        <p14:creationId xmlns:p14="http://schemas.microsoft.com/office/powerpoint/2010/main" val="1638060105"/>
       </p:ext>
     </p:extLst>
   </p:cSld>
@@ -1237,7 +1231,7 @@
           <p:cNvPr id="2" name="제목 1">
             <a:extLst>
               <a:ext uri="{FF2B5EF4-FFF2-40B4-BE49-F238E27FC236}">
-                <a16:creationId xmlns:a16="http://schemas.microsoft.com/office/drawing/2014/main" id="{B61ED8C6-96CD-8B81-00F5-8BDB114E48A4}"/>
+                <a16:creationId xmlns:a16="http://schemas.microsoft.com/office/drawing/2014/main" id="{9C28858D-AEC1-3804-B754-FF60AE19A04D}"/>
               </a:ext>
             </a:extLst>
           </p:cNvPr>
@@ -1265,7 +1259,7 @@
           <p:cNvPr id="3" name="내용 개체 틀 2">
             <a:extLst>
               <a:ext uri="{FF2B5EF4-FFF2-40B4-BE49-F238E27FC236}">
-                <a16:creationId xmlns:a16="http://schemas.microsoft.com/office/drawing/2014/main" id="{DB7F924F-F939-9695-4B6F-A42AF912E32F}"/>
+                <a16:creationId xmlns:a16="http://schemas.microsoft.com/office/drawing/2014/main" id="{3FDC16B6-9711-05B1-5FA8-9DEC9DFAA992}"/>
               </a:ext>
             </a:extLst>
           </p:cNvPr>
@@ -1327,7 +1321,7 @@
           <p:cNvPr id="4" name="내용 개체 틀 3">
             <a:extLst>
               <a:ext uri="{FF2B5EF4-FFF2-40B4-BE49-F238E27FC236}">
-                <a16:creationId xmlns:a16="http://schemas.microsoft.com/office/drawing/2014/main" id="{5AC35947-2187-EF1D-8CF7-79834C6D4013}"/>
+                <a16:creationId xmlns:a16="http://schemas.microsoft.com/office/drawing/2014/main" id="{4F6AC06D-D002-7F4F-0911-38D726E80A98}"/>
               </a:ext>
             </a:extLst>
           </p:cNvPr>
@@ -1389,7 +1383,7 @@
           <p:cNvPr id="5" name="날짜 개체 틀 4">
             <a:extLst>
               <a:ext uri="{FF2B5EF4-FFF2-40B4-BE49-F238E27FC236}">
-                <a16:creationId xmlns:a16="http://schemas.microsoft.com/office/drawing/2014/main" id="{07E67174-C56A-6E88-49E7-DC6AB7A7C5EA}"/>
+                <a16:creationId xmlns:a16="http://schemas.microsoft.com/office/drawing/2014/main" id="{5637BE99-D1ED-8E11-D352-2ACA01455787}"/>
               </a:ext>
             </a:extLst>
           </p:cNvPr>
@@ -1405,9 +1399,9 @@
           <a:bodyPr/>
           <a:lstStyle/>
           <a:p>
-            <a:fld id="{B01ACD96-C0E2-4DBF-937F-DC40D941321E}" type="datetimeFigureOut">
+            <a:fld id="{329C7A8E-A1FA-416A-B0BE-53C624CDF921}" type="datetimeFigureOut">
               <a:rPr lang="ko-KR" altLang="en-US" smtClean="0"/>
-              <a:t>2025-11-17</a:t>
+              <a:t>2025-11-24</a:t>
             </a:fld>
             <a:endParaRPr lang="ko-KR" altLang="en-US"/>
           </a:p>
@@ -1418,7 +1412,7 @@
           <p:cNvPr id="6" name="바닥글 개체 틀 5">
             <a:extLst>
               <a:ext uri="{FF2B5EF4-FFF2-40B4-BE49-F238E27FC236}">
-                <a16:creationId xmlns:a16="http://schemas.microsoft.com/office/drawing/2014/main" id="{7CB04055-0E27-E824-DE93-A41233508212}"/>
+                <a16:creationId xmlns:a16="http://schemas.microsoft.com/office/drawing/2014/main" id="{B16BFC0A-1A86-506B-E032-DB0516AE28AF}"/>
               </a:ext>
             </a:extLst>
           </p:cNvPr>
@@ -1443,7 +1437,7 @@
           <p:cNvPr id="7" name="슬라이드 번호 개체 틀 6">
             <a:extLst>
               <a:ext uri="{FF2B5EF4-FFF2-40B4-BE49-F238E27FC236}">
-                <a16:creationId xmlns:a16="http://schemas.microsoft.com/office/drawing/2014/main" id="{EAD448A2-5B84-B8B7-0133-04336F88C873}"/>
+                <a16:creationId xmlns:a16="http://schemas.microsoft.com/office/drawing/2014/main" id="{40AF6E23-A06B-8BBC-3D88-835753C24959}"/>
               </a:ext>
             </a:extLst>
           </p:cNvPr>
@@ -1459,7 +1453,7 @@
           <a:bodyPr/>
           <a:lstStyle/>
           <a:p>
-            <a:fld id="{309D2A8B-C380-4542-B83A-08B04FE6BCE2}" type="slidenum">
+            <a:fld id="{FFF3E679-73B2-4064-A9D9-4B58DC5DECCC}" type="slidenum">
               <a:rPr lang="ko-KR" altLang="en-US" smtClean="0"/>
               <a:t>‹#›</a:t>
             </a:fld>
@@ -1470,7 +1464,7 @@
     </p:spTree>
     <p:extLst>
       <p:ext uri="{BB962C8B-B14F-4D97-AF65-F5344CB8AC3E}">
-        <p14:creationId xmlns:p14="http://schemas.microsoft.com/office/powerpoint/2010/main" val="1926543294"/>
+        <p14:creationId xmlns:p14="http://schemas.microsoft.com/office/powerpoint/2010/main" val="951875184"/>
       </p:ext>
     </p:extLst>
   </p:cSld>
@@ -1502,7 +1496,7 @@
           <p:cNvPr id="2" name="제목 1">
             <a:extLst>
               <a:ext uri="{FF2B5EF4-FFF2-40B4-BE49-F238E27FC236}">
-                <a16:creationId xmlns:a16="http://schemas.microsoft.com/office/drawing/2014/main" id="{B09BCED7-6908-6746-BDB9-3E3CF4A117D0}"/>
+                <a16:creationId xmlns:a16="http://schemas.microsoft.com/office/drawing/2014/main" id="{B4518FFD-DB12-F990-46CE-C3B94B6C6E14}"/>
               </a:ext>
             </a:extLst>
           </p:cNvPr>
@@ -1535,7 +1529,7 @@
           <p:cNvPr id="3" name="텍스트 개체 틀 2">
             <a:extLst>
               <a:ext uri="{FF2B5EF4-FFF2-40B4-BE49-F238E27FC236}">
-                <a16:creationId xmlns:a16="http://schemas.microsoft.com/office/drawing/2014/main" id="{F2D0F423-ED01-6197-39EC-6051B070BB53}"/>
+                <a16:creationId xmlns:a16="http://schemas.microsoft.com/office/drawing/2014/main" id="{002206BB-CC5A-4F07-0C40-3008CB461E85}"/>
               </a:ext>
             </a:extLst>
           </p:cNvPr>
@@ -1606,7 +1600,7 @@
           <p:cNvPr id="4" name="내용 개체 틀 3">
             <a:extLst>
               <a:ext uri="{FF2B5EF4-FFF2-40B4-BE49-F238E27FC236}">
-                <a16:creationId xmlns:a16="http://schemas.microsoft.com/office/drawing/2014/main" id="{3A578C48-4871-DC06-0F4F-00AC903E059D}"/>
+                <a16:creationId xmlns:a16="http://schemas.microsoft.com/office/drawing/2014/main" id="{856B4E3C-CEB7-E706-AC24-3A06A40C6B3A}"/>
               </a:ext>
             </a:extLst>
           </p:cNvPr>
@@ -1668,7 +1662,7 @@
           <p:cNvPr id="5" name="텍스트 개체 틀 4">
             <a:extLst>
               <a:ext uri="{FF2B5EF4-FFF2-40B4-BE49-F238E27FC236}">
-                <a16:creationId xmlns:a16="http://schemas.microsoft.com/office/drawing/2014/main" id="{0F3E7ADC-0F01-1A5C-B1F4-BE056EFD1B8F}"/>
+                <a16:creationId xmlns:a16="http://schemas.microsoft.com/office/drawing/2014/main" id="{AA6AE96F-C7C0-50B9-D47F-6737994E8CFD}"/>
               </a:ext>
             </a:extLst>
           </p:cNvPr>
@@ -1739,7 +1733,7 @@
           <p:cNvPr id="6" name="내용 개체 틀 5">
             <a:extLst>
               <a:ext uri="{FF2B5EF4-FFF2-40B4-BE49-F238E27FC236}">
-                <a16:creationId xmlns:a16="http://schemas.microsoft.com/office/drawing/2014/main" id="{F8C163ED-0202-BD16-5710-97847FCE094C}"/>
+                <a16:creationId xmlns:a16="http://schemas.microsoft.com/office/drawing/2014/main" id="{F82C1E34-BDCB-1C74-A896-CCAA5D44F85D}"/>
               </a:ext>
             </a:extLst>
           </p:cNvPr>
@@ -1801,7 +1795,7 @@
           <p:cNvPr id="7" name="날짜 개체 틀 6">
             <a:extLst>
               <a:ext uri="{FF2B5EF4-FFF2-40B4-BE49-F238E27FC236}">
-                <a16:creationId xmlns:a16="http://schemas.microsoft.com/office/drawing/2014/main" id="{49AF3D86-B07D-2B3E-D81D-A4DD80B4AF77}"/>
+                <a16:creationId xmlns:a16="http://schemas.microsoft.com/office/drawing/2014/main" id="{7C530E76-BE31-B296-D927-F09C9516BED4}"/>
               </a:ext>
             </a:extLst>
           </p:cNvPr>
@@ -1817,9 +1811,9 @@
           <a:bodyPr/>
           <a:lstStyle/>
           <a:p>
-            <a:fld id="{B01ACD96-C0E2-4DBF-937F-DC40D941321E}" type="datetimeFigureOut">
+            <a:fld id="{329C7A8E-A1FA-416A-B0BE-53C624CDF921}" type="datetimeFigureOut">
               <a:rPr lang="ko-KR" altLang="en-US" smtClean="0"/>
-              <a:t>2025-11-17</a:t>
+              <a:t>2025-11-24</a:t>
             </a:fld>
             <a:endParaRPr lang="ko-KR" altLang="en-US"/>
           </a:p>
@@ -1830,7 +1824,7 @@
           <p:cNvPr id="8" name="바닥글 개체 틀 7">
             <a:extLst>
               <a:ext uri="{FF2B5EF4-FFF2-40B4-BE49-F238E27FC236}">
-                <a16:creationId xmlns:a16="http://schemas.microsoft.com/office/drawing/2014/main" id="{13528605-88D0-073B-120E-4E76424CD4D4}"/>
+                <a16:creationId xmlns:a16="http://schemas.microsoft.com/office/drawing/2014/main" id="{52016D97-5F61-823C-4BA6-1BE54CE2464A}"/>
               </a:ext>
             </a:extLst>
           </p:cNvPr>
@@ -1855,7 +1849,7 @@
           <p:cNvPr id="9" name="슬라이드 번호 개체 틀 8">
             <a:extLst>
               <a:ext uri="{FF2B5EF4-FFF2-40B4-BE49-F238E27FC236}">
-                <a16:creationId xmlns:a16="http://schemas.microsoft.com/office/drawing/2014/main" id="{201EA1E4-7CFE-B8E7-07BC-F0D23D561170}"/>
+                <a16:creationId xmlns:a16="http://schemas.microsoft.com/office/drawing/2014/main" id="{EF8D37DD-1D3F-4A33-4A94-A90857E67582}"/>
               </a:ext>
             </a:extLst>
           </p:cNvPr>
@@ -1871,7 +1865,7 @@
           <a:bodyPr/>
           <a:lstStyle/>
           <a:p>
-            <a:fld id="{309D2A8B-C380-4542-B83A-08B04FE6BCE2}" type="slidenum">
+            <a:fld id="{FFF3E679-73B2-4064-A9D9-4B58DC5DECCC}" type="slidenum">
               <a:rPr lang="ko-KR" altLang="en-US" smtClean="0"/>
               <a:t>‹#›</a:t>
             </a:fld>
@@ -1882,7 +1876,7 @@
     </p:spTree>
     <p:extLst>
       <p:ext uri="{BB962C8B-B14F-4D97-AF65-F5344CB8AC3E}">
-        <p14:creationId xmlns:p14="http://schemas.microsoft.com/office/powerpoint/2010/main" val="2104350711"/>
+        <p14:creationId xmlns:p14="http://schemas.microsoft.com/office/powerpoint/2010/main" val="221585101"/>
       </p:ext>
     </p:extLst>
   </p:cSld>
@@ -1914,7 +1908,7 @@
           <p:cNvPr id="2" name="제목 1">
             <a:extLst>
               <a:ext uri="{FF2B5EF4-FFF2-40B4-BE49-F238E27FC236}">
-                <a16:creationId xmlns:a16="http://schemas.microsoft.com/office/drawing/2014/main" id="{5240D62F-9788-FF13-D033-217D2268A0E0}"/>
+                <a16:creationId xmlns:a16="http://schemas.microsoft.com/office/drawing/2014/main" id="{95CAF82B-D132-949F-B5A3-1370E9CFDC3C}"/>
               </a:ext>
             </a:extLst>
           </p:cNvPr>
@@ -1942,7 +1936,7 @@
           <p:cNvPr id="3" name="날짜 개체 틀 2">
             <a:extLst>
               <a:ext uri="{FF2B5EF4-FFF2-40B4-BE49-F238E27FC236}">
-                <a16:creationId xmlns:a16="http://schemas.microsoft.com/office/drawing/2014/main" id="{26C3E7E3-1F34-6412-9B43-F0EF8B36EE5D}"/>
+                <a16:creationId xmlns:a16="http://schemas.microsoft.com/office/drawing/2014/main" id="{B8343C3A-0824-0BF4-80D3-65CC7E7CE683}"/>
               </a:ext>
             </a:extLst>
           </p:cNvPr>
@@ -1958,9 +1952,9 @@
           <a:bodyPr/>
           <a:lstStyle/>
           <a:p>
-            <a:fld id="{B01ACD96-C0E2-4DBF-937F-DC40D941321E}" type="datetimeFigureOut">
+            <a:fld id="{329C7A8E-A1FA-416A-B0BE-53C624CDF921}" type="datetimeFigureOut">
               <a:rPr lang="ko-KR" altLang="en-US" smtClean="0"/>
-              <a:t>2025-11-17</a:t>
+              <a:t>2025-11-24</a:t>
             </a:fld>
             <a:endParaRPr lang="ko-KR" altLang="en-US"/>
           </a:p>
@@ -1971,7 +1965,7 @@
           <p:cNvPr id="4" name="바닥글 개체 틀 3">
             <a:extLst>
               <a:ext uri="{FF2B5EF4-FFF2-40B4-BE49-F238E27FC236}">
-                <a16:creationId xmlns:a16="http://schemas.microsoft.com/office/drawing/2014/main" id="{28CF08C0-924D-FE80-F67F-DC1D96B87C00}"/>
+                <a16:creationId xmlns:a16="http://schemas.microsoft.com/office/drawing/2014/main" id="{800BEF64-0B0B-E6A8-B3E0-D88166652F8D}"/>
               </a:ext>
             </a:extLst>
           </p:cNvPr>
@@ -1996,7 +1990,7 @@
           <p:cNvPr id="5" name="슬라이드 번호 개체 틀 4">
             <a:extLst>
               <a:ext uri="{FF2B5EF4-FFF2-40B4-BE49-F238E27FC236}">
-                <a16:creationId xmlns:a16="http://schemas.microsoft.com/office/drawing/2014/main" id="{23D58D5F-06E2-9202-82CD-47F14B6D4062}"/>
+                <a16:creationId xmlns:a16="http://schemas.microsoft.com/office/drawing/2014/main" id="{9ACFB4DC-5DF1-4BE8-2CDC-023ABB5FCA66}"/>
               </a:ext>
             </a:extLst>
           </p:cNvPr>
@@ -2012,7 +2006,7 @@
           <a:bodyPr/>
           <a:lstStyle/>
           <a:p>
-            <a:fld id="{309D2A8B-C380-4542-B83A-08B04FE6BCE2}" type="slidenum">
+            <a:fld id="{FFF3E679-73B2-4064-A9D9-4B58DC5DECCC}" type="slidenum">
               <a:rPr lang="ko-KR" altLang="en-US" smtClean="0"/>
               <a:t>‹#›</a:t>
             </a:fld>
@@ -2023,7 +2017,7 @@
     </p:spTree>
     <p:extLst>
       <p:ext uri="{BB962C8B-B14F-4D97-AF65-F5344CB8AC3E}">
-        <p14:creationId xmlns:p14="http://schemas.microsoft.com/office/powerpoint/2010/main" val="1773365725"/>
+        <p14:creationId xmlns:p14="http://schemas.microsoft.com/office/powerpoint/2010/main" val="68669643"/>
       </p:ext>
     </p:extLst>
   </p:cSld>
@@ -2055,7 +2049,7 @@
           <p:cNvPr id="2" name="날짜 개체 틀 1">
             <a:extLst>
               <a:ext uri="{FF2B5EF4-FFF2-40B4-BE49-F238E27FC236}">
-                <a16:creationId xmlns:a16="http://schemas.microsoft.com/office/drawing/2014/main" id="{A61B426C-DE80-6765-AE5E-1CD4AEC0E3B2}"/>
+                <a16:creationId xmlns:a16="http://schemas.microsoft.com/office/drawing/2014/main" id="{8E7D4869-02E1-C12E-4009-DADE1BFF710E}"/>
               </a:ext>
             </a:extLst>
           </p:cNvPr>
@@ -2071,9 +2065,9 @@
           <a:bodyPr/>
           <a:lstStyle/>
           <a:p>
-            <a:fld id="{B01ACD96-C0E2-4DBF-937F-DC40D941321E}" type="datetimeFigureOut">
+            <a:fld id="{329C7A8E-A1FA-416A-B0BE-53C624CDF921}" type="datetimeFigureOut">
               <a:rPr lang="ko-KR" altLang="en-US" smtClean="0"/>
-              <a:t>2025-11-17</a:t>
+              <a:t>2025-11-24</a:t>
             </a:fld>
             <a:endParaRPr lang="ko-KR" altLang="en-US"/>
           </a:p>
@@ -2084,7 +2078,7 @@
           <p:cNvPr id="3" name="바닥글 개체 틀 2">
             <a:extLst>
               <a:ext uri="{FF2B5EF4-FFF2-40B4-BE49-F238E27FC236}">
-                <a16:creationId xmlns:a16="http://schemas.microsoft.com/office/drawing/2014/main" id="{B4A4B893-7659-5034-5E8F-611FF2EA2D7F}"/>
+                <a16:creationId xmlns:a16="http://schemas.microsoft.com/office/drawing/2014/main" id="{67F0F5CD-F742-878C-B104-DC2FEE938A14}"/>
               </a:ext>
             </a:extLst>
           </p:cNvPr>
@@ -2109,7 +2103,7 @@
           <p:cNvPr id="4" name="슬라이드 번호 개체 틀 3">
             <a:extLst>
               <a:ext uri="{FF2B5EF4-FFF2-40B4-BE49-F238E27FC236}">
-                <a16:creationId xmlns:a16="http://schemas.microsoft.com/office/drawing/2014/main" id="{3FDAE0FD-7FB5-23E8-04E3-40E2064EC9F3}"/>
+                <a16:creationId xmlns:a16="http://schemas.microsoft.com/office/drawing/2014/main" id="{44A3C19E-29ED-B0DA-4465-174724920DF5}"/>
               </a:ext>
             </a:extLst>
           </p:cNvPr>
@@ -2125,7 +2119,7 @@
           <a:bodyPr/>
           <a:lstStyle/>
           <a:p>
-            <a:fld id="{309D2A8B-C380-4542-B83A-08B04FE6BCE2}" type="slidenum">
+            <a:fld id="{FFF3E679-73B2-4064-A9D9-4B58DC5DECCC}" type="slidenum">
               <a:rPr lang="ko-KR" altLang="en-US" smtClean="0"/>
               <a:t>‹#›</a:t>
             </a:fld>
@@ -2136,7 +2130,7 @@
     </p:spTree>
     <p:extLst>
       <p:ext uri="{BB962C8B-B14F-4D97-AF65-F5344CB8AC3E}">
-        <p14:creationId xmlns:p14="http://schemas.microsoft.com/office/powerpoint/2010/main" val="3838200693"/>
+        <p14:creationId xmlns:p14="http://schemas.microsoft.com/office/powerpoint/2010/main" val="968311261"/>
       </p:ext>
     </p:extLst>
   </p:cSld>
@@ -2168,7 +2162,7 @@
           <p:cNvPr id="2" name="제목 1">
             <a:extLst>
               <a:ext uri="{FF2B5EF4-FFF2-40B4-BE49-F238E27FC236}">
-                <a16:creationId xmlns:a16="http://schemas.microsoft.com/office/drawing/2014/main" id="{1A89FEE9-5789-A9CA-027D-7732CB1F88C8}"/>
+                <a16:creationId xmlns:a16="http://schemas.microsoft.com/office/drawing/2014/main" id="{3D8FFAC9-0227-1A2A-459F-6EA9CD895625}"/>
               </a:ext>
             </a:extLst>
           </p:cNvPr>
@@ -2205,7 +2199,7 @@
           <p:cNvPr id="3" name="내용 개체 틀 2">
             <a:extLst>
               <a:ext uri="{FF2B5EF4-FFF2-40B4-BE49-F238E27FC236}">
-                <a16:creationId xmlns:a16="http://schemas.microsoft.com/office/drawing/2014/main" id="{D1911D4A-420E-0461-D88C-CE24C4A50AFA}"/>
+                <a16:creationId xmlns:a16="http://schemas.microsoft.com/office/drawing/2014/main" id="{569C3653-A9D9-59CA-D1DB-9267DAE61C65}"/>
               </a:ext>
             </a:extLst>
           </p:cNvPr>
@@ -2295,7 +2289,7 @@
           <p:cNvPr id="4" name="텍스트 개체 틀 3">
             <a:extLst>
               <a:ext uri="{FF2B5EF4-FFF2-40B4-BE49-F238E27FC236}">
-                <a16:creationId xmlns:a16="http://schemas.microsoft.com/office/drawing/2014/main" id="{782C8211-5CD4-9BD2-01B8-6F50A89892E4}"/>
+                <a16:creationId xmlns:a16="http://schemas.microsoft.com/office/drawing/2014/main" id="{6349189B-6CA7-2F8D-1D89-2BD1F68A555F}"/>
               </a:ext>
             </a:extLst>
           </p:cNvPr>
@@ -2366,7 +2360,7 @@
           <p:cNvPr id="5" name="날짜 개체 틀 4">
             <a:extLst>
               <a:ext uri="{FF2B5EF4-FFF2-40B4-BE49-F238E27FC236}">
-                <a16:creationId xmlns:a16="http://schemas.microsoft.com/office/drawing/2014/main" id="{91900A59-A7AA-0C07-A4CF-788801946056}"/>
+                <a16:creationId xmlns:a16="http://schemas.microsoft.com/office/drawing/2014/main" id="{581204D5-6DBC-96E5-BDFE-C901A8F82F89}"/>
               </a:ext>
             </a:extLst>
           </p:cNvPr>
@@ -2382,9 +2376,9 @@
           <a:bodyPr/>
           <a:lstStyle/>
           <a:p>
-            <a:fld id="{B01ACD96-C0E2-4DBF-937F-DC40D941321E}" type="datetimeFigureOut">
+            <a:fld id="{329C7A8E-A1FA-416A-B0BE-53C624CDF921}" type="datetimeFigureOut">
               <a:rPr lang="ko-KR" altLang="en-US" smtClean="0"/>
-              <a:t>2025-11-17</a:t>
+              <a:t>2025-11-24</a:t>
             </a:fld>
             <a:endParaRPr lang="ko-KR" altLang="en-US"/>
           </a:p>
@@ -2395,7 +2389,7 @@
           <p:cNvPr id="6" name="바닥글 개체 틀 5">
             <a:extLst>
               <a:ext uri="{FF2B5EF4-FFF2-40B4-BE49-F238E27FC236}">
-                <a16:creationId xmlns:a16="http://schemas.microsoft.com/office/drawing/2014/main" id="{EABC5CEC-707E-046D-62AC-9558A133848A}"/>
+                <a16:creationId xmlns:a16="http://schemas.microsoft.com/office/drawing/2014/main" id="{D3E80C4B-4998-AA83-860C-5D7E2640EA26}"/>
               </a:ext>
             </a:extLst>
           </p:cNvPr>
@@ -2420,7 +2414,7 @@
           <p:cNvPr id="7" name="슬라이드 번호 개체 틀 6">
             <a:extLst>
               <a:ext uri="{FF2B5EF4-FFF2-40B4-BE49-F238E27FC236}">
-                <a16:creationId xmlns:a16="http://schemas.microsoft.com/office/drawing/2014/main" id="{AE5450AF-57F1-437E-E4EC-7A859E574B5E}"/>
+                <a16:creationId xmlns:a16="http://schemas.microsoft.com/office/drawing/2014/main" id="{26ADF5D8-19D2-38C9-777F-7CA18B2C1785}"/>
               </a:ext>
             </a:extLst>
           </p:cNvPr>
@@ -2436,7 +2430,7 @@
           <a:bodyPr/>
           <a:lstStyle/>
           <a:p>
-            <a:fld id="{309D2A8B-C380-4542-B83A-08B04FE6BCE2}" type="slidenum">
+            <a:fld id="{FFF3E679-73B2-4064-A9D9-4B58DC5DECCC}" type="slidenum">
               <a:rPr lang="ko-KR" altLang="en-US" smtClean="0"/>
               <a:t>‹#›</a:t>
             </a:fld>
@@ -2447,7 +2441,7 @@
     </p:spTree>
     <p:extLst>
       <p:ext uri="{BB962C8B-B14F-4D97-AF65-F5344CB8AC3E}">
-        <p14:creationId xmlns:p14="http://schemas.microsoft.com/office/powerpoint/2010/main" val="1713564491"/>
+        <p14:creationId xmlns:p14="http://schemas.microsoft.com/office/powerpoint/2010/main" val="1056816119"/>
       </p:ext>
     </p:extLst>
   </p:cSld>
@@ -2479,7 +2473,7 @@
           <p:cNvPr id="2" name="제목 1">
             <a:extLst>
               <a:ext uri="{FF2B5EF4-FFF2-40B4-BE49-F238E27FC236}">
-                <a16:creationId xmlns:a16="http://schemas.microsoft.com/office/drawing/2014/main" id="{47A13646-FD36-DF66-E5EB-12D34EE2F5A1}"/>
+                <a16:creationId xmlns:a16="http://schemas.microsoft.com/office/drawing/2014/main" id="{43142B05-C288-4AA7-9D06-B95E1E56F033}"/>
               </a:ext>
             </a:extLst>
           </p:cNvPr>
@@ -2516,7 +2510,7 @@
           <p:cNvPr id="3" name="그림 개체 틀 2">
             <a:extLst>
               <a:ext uri="{FF2B5EF4-FFF2-40B4-BE49-F238E27FC236}">
-                <a16:creationId xmlns:a16="http://schemas.microsoft.com/office/drawing/2014/main" id="{35BA40EA-91E1-CFC2-C449-76DEC7F57986}"/>
+                <a16:creationId xmlns:a16="http://schemas.microsoft.com/office/drawing/2014/main" id="{E677DC7D-BDB3-E6ED-AF9C-1F7BDBC15A01}"/>
               </a:ext>
             </a:extLst>
           </p:cNvPr>
@@ -2583,7 +2577,7 @@
           <p:cNvPr id="4" name="텍스트 개체 틀 3">
             <a:extLst>
               <a:ext uri="{FF2B5EF4-FFF2-40B4-BE49-F238E27FC236}">
-                <a16:creationId xmlns:a16="http://schemas.microsoft.com/office/drawing/2014/main" id="{B218075B-67FE-4E88-DE09-B095F3B26DAD}"/>
+                <a16:creationId xmlns:a16="http://schemas.microsoft.com/office/drawing/2014/main" id="{39E9D10E-3EFB-9ADB-8060-C1D48F9622F5}"/>
               </a:ext>
             </a:extLst>
           </p:cNvPr>
@@ -2654,7 +2648,7 @@
           <p:cNvPr id="5" name="날짜 개체 틀 4">
             <a:extLst>
               <a:ext uri="{FF2B5EF4-FFF2-40B4-BE49-F238E27FC236}">
-                <a16:creationId xmlns:a16="http://schemas.microsoft.com/office/drawing/2014/main" id="{3A86238D-2E61-534E-C78D-DF55E512DA67}"/>
+                <a16:creationId xmlns:a16="http://schemas.microsoft.com/office/drawing/2014/main" id="{5528598F-540C-561E-2513-2A17BF0E2876}"/>
               </a:ext>
             </a:extLst>
           </p:cNvPr>
@@ -2670,9 +2664,9 @@
           <a:bodyPr/>
           <a:lstStyle/>
           <a:p>
-            <a:fld id="{B01ACD96-C0E2-4DBF-937F-DC40D941321E}" type="datetimeFigureOut">
+            <a:fld id="{329C7A8E-A1FA-416A-B0BE-53C624CDF921}" type="datetimeFigureOut">
               <a:rPr lang="ko-KR" altLang="en-US" smtClean="0"/>
-              <a:t>2025-11-17</a:t>
+              <a:t>2025-11-24</a:t>
             </a:fld>
             <a:endParaRPr lang="ko-KR" altLang="en-US"/>
           </a:p>
@@ -2683,7 +2677,7 @@
           <p:cNvPr id="6" name="바닥글 개체 틀 5">
             <a:extLst>
               <a:ext uri="{FF2B5EF4-FFF2-40B4-BE49-F238E27FC236}">
-                <a16:creationId xmlns:a16="http://schemas.microsoft.com/office/drawing/2014/main" id="{AB0293DC-C394-3ACF-0E01-4D10CFF255D3}"/>
+                <a16:creationId xmlns:a16="http://schemas.microsoft.com/office/drawing/2014/main" id="{8CDBFCBF-8320-17F9-0890-ADDECAAE95C3}"/>
               </a:ext>
             </a:extLst>
           </p:cNvPr>
@@ -2708,7 +2702,7 @@
           <p:cNvPr id="7" name="슬라이드 번호 개체 틀 6">
             <a:extLst>
               <a:ext uri="{FF2B5EF4-FFF2-40B4-BE49-F238E27FC236}">
-                <a16:creationId xmlns:a16="http://schemas.microsoft.com/office/drawing/2014/main" id="{0D1AF285-BBAE-77A8-6B28-29FD7FB3712F}"/>
+                <a16:creationId xmlns:a16="http://schemas.microsoft.com/office/drawing/2014/main" id="{E6171257-2221-3358-B76A-C6420D1FCCF6}"/>
               </a:ext>
             </a:extLst>
           </p:cNvPr>
@@ -2724,7 +2718,7 @@
           <a:bodyPr/>
           <a:lstStyle/>
           <a:p>
-            <a:fld id="{309D2A8B-C380-4542-B83A-08B04FE6BCE2}" type="slidenum">
+            <a:fld id="{FFF3E679-73B2-4064-A9D9-4B58DC5DECCC}" type="slidenum">
               <a:rPr lang="ko-KR" altLang="en-US" smtClean="0"/>
               <a:t>‹#›</a:t>
             </a:fld>
@@ -2735,7 +2729,7 @@
     </p:spTree>
     <p:extLst>
       <p:ext uri="{BB962C8B-B14F-4D97-AF65-F5344CB8AC3E}">
-        <p14:creationId xmlns:p14="http://schemas.microsoft.com/office/powerpoint/2010/main" val="1079433454"/>
+        <p14:creationId xmlns:p14="http://schemas.microsoft.com/office/powerpoint/2010/main" val="1433036858"/>
       </p:ext>
     </p:extLst>
   </p:cSld>
@@ -2772,7 +2766,7 @@
           <p:cNvPr id="2" name="제목 개체 틀 1">
             <a:extLst>
               <a:ext uri="{FF2B5EF4-FFF2-40B4-BE49-F238E27FC236}">
-                <a16:creationId xmlns:a16="http://schemas.microsoft.com/office/drawing/2014/main" id="{C7FA59D8-F6C6-2030-7EE5-C901C82598B6}"/>
+                <a16:creationId xmlns:a16="http://schemas.microsoft.com/office/drawing/2014/main" id="{366583B3-EC1B-34BC-80BE-AAC8DB05E281}"/>
               </a:ext>
             </a:extLst>
           </p:cNvPr>
@@ -2810,7 +2804,7 @@
           <p:cNvPr id="3" name="텍스트 개체 틀 2">
             <a:extLst>
               <a:ext uri="{FF2B5EF4-FFF2-40B4-BE49-F238E27FC236}">
-                <a16:creationId xmlns:a16="http://schemas.microsoft.com/office/drawing/2014/main" id="{99B163E4-5EF3-59FF-8AE8-957A7D2EC6BA}"/>
+                <a16:creationId xmlns:a16="http://schemas.microsoft.com/office/drawing/2014/main" id="{B7149DD3-12EE-2E42-DC3F-72529FC3C7F8}"/>
               </a:ext>
             </a:extLst>
           </p:cNvPr>
@@ -2877,7 +2871,7 @@
           <p:cNvPr id="4" name="날짜 개체 틀 3">
             <a:extLst>
               <a:ext uri="{FF2B5EF4-FFF2-40B4-BE49-F238E27FC236}">
-                <a16:creationId xmlns:a16="http://schemas.microsoft.com/office/drawing/2014/main" id="{8542427E-9A02-2293-5C69-87BA7A7C24C7}"/>
+                <a16:creationId xmlns:a16="http://schemas.microsoft.com/office/drawing/2014/main" id="{A7536E38-B70D-E94B-8985-0BB512E9C3B0}"/>
               </a:ext>
             </a:extLst>
           </p:cNvPr>
@@ -2911,9 +2905,9 @@
             </a:lvl1pPr>
           </a:lstStyle>
           <a:p>
-            <a:fld id="{B01ACD96-C0E2-4DBF-937F-DC40D941321E}" type="datetimeFigureOut">
+            <a:fld id="{329C7A8E-A1FA-416A-B0BE-53C624CDF921}" type="datetimeFigureOut">
               <a:rPr lang="ko-KR" altLang="en-US" smtClean="0"/>
-              <a:t>2025-11-17</a:t>
+              <a:t>2025-11-24</a:t>
             </a:fld>
             <a:endParaRPr lang="ko-KR" altLang="en-US"/>
           </a:p>
@@ -2924,7 +2918,7 @@
           <p:cNvPr id="5" name="바닥글 개체 틀 4">
             <a:extLst>
               <a:ext uri="{FF2B5EF4-FFF2-40B4-BE49-F238E27FC236}">
-                <a16:creationId xmlns:a16="http://schemas.microsoft.com/office/drawing/2014/main" id="{F38509D7-2E0A-51FE-F3E0-364586647594}"/>
+                <a16:creationId xmlns:a16="http://schemas.microsoft.com/office/drawing/2014/main" id="{243E6A4F-9678-C74C-E4F2-BED4A763812C}"/>
               </a:ext>
             </a:extLst>
           </p:cNvPr>
@@ -2967,7 +2961,7 @@
           <p:cNvPr id="6" name="슬라이드 번호 개체 틀 5">
             <a:extLst>
               <a:ext uri="{FF2B5EF4-FFF2-40B4-BE49-F238E27FC236}">
-                <a16:creationId xmlns:a16="http://schemas.microsoft.com/office/drawing/2014/main" id="{749C501B-3BA6-DAF2-6E30-25EE693C0A6C}"/>
+                <a16:creationId xmlns:a16="http://schemas.microsoft.com/office/drawing/2014/main" id="{90396546-70F7-DEBC-53D2-423D8EE922A9}"/>
               </a:ext>
             </a:extLst>
           </p:cNvPr>
@@ -3001,7 +2995,7 @@
             </a:lvl1pPr>
           </a:lstStyle>
           <a:p>
-            <a:fld id="{309D2A8B-C380-4542-B83A-08B04FE6BCE2}" type="slidenum">
+            <a:fld id="{FFF3E679-73B2-4064-A9D9-4B58DC5DECCC}" type="slidenum">
               <a:rPr lang="ko-KR" altLang="en-US" smtClean="0"/>
               <a:t>‹#›</a:t>
             </a:fld>
@@ -3012,7 +3006,7 @@
     </p:spTree>
     <p:extLst>
       <p:ext uri="{BB962C8B-B14F-4D97-AF65-F5344CB8AC3E}">
-        <p14:creationId xmlns:p14="http://schemas.microsoft.com/office/powerpoint/2010/main" val="1252829967"/>
+        <p14:creationId xmlns:p14="http://schemas.microsoft.com/office/powerpoint/2010/main" val="1836772284"/>
       </p:ext>
     </p:extLst>
   </p:cSld>
@@ -3332,10 +3326,10 @@
       </p:grpSpPr>
       <p:graphicFrame>
         <p:nvGraphicFramePr>
-          <p:cNvPr id="4" name="표 3">
-            <a:extLst>
-              <a:ext uri="{FF2B5EF4-FFF2-40B4-BE49-F238E27FC236}">
-                <a16:creationId xmlns:a16="http://schemas.microsoft.com/office/drawing/2014/main" id="{58B1AB20-DEBD-84DD-3044-B4BBE440399C}"/>
+          <p:cNvPr id="4" name="내용 개체 틀 3">
+            <a:extLst>
+              <a:ext uri="{FF2B5EF4-FFF2-40B4-BE49-F238E27FC236}">
+                <a16:creationId xmlns:a16="http://schemas.microsoft.com/office/drawing/2014/main" id="{ABCD721D-8FDC-236B-F7F0-61BE91179635}"/>
               </a:ext>
             </a:extLst>
           </p:cNvPr>
@@ -3343,76 +3337,85 @@
             <a:graphicFrameLocks noGrp="1"/>
           </p:cNvGraphicFramePr>
           <p:nvPr>
+            <p:ph idx="1"/>
             <p:extLst>
               <p:ext uri="{D42A27DB-BD31-4B8C-83A1-F6EECF244321}">
-                <p14:modId xmlns:p14="http://schemas.microsoft.com/office/powerpoint/2010/main" val="1204108429"/>
+                <p14:modId xmlns:p14="http://schemas.microsoft.com/office/powerpoint/2010/main" val="2718378848"/>
               </p:ext>
             </p:extLst>
           </p:nvPr>
         </p:nvGraphicFramePr>
         <p:xfrm>
-          <a:off x="1025912" y="786574"/>
-          <a:ext cx="10036098" cy="3864304"/>
+          <a:off x="0" y="1940710"/>
+          <a:ext cx="10515606" cy="3296920"/>
         </p:xfrm>
         <a:graphic>
           <a:graphicData uri="http://schemas.openxmlformats.org/drawingml/2006/table">
             <a:tbl>
               <a:tblPr firstRow="1" bandRow="1">
-                <a:tableStyleId>{00A15C55-8517-42AA-B614-E9B94910E393}</a:tableStyleId>
+                <a:tableStyleId>{5C22544A-7EE6-4342-B048-85BDC9FD1C3A}</a:tableStyleId>
               </a:tblPr>
               <a:tblGrid>
-                <a:gridCol w="2167230">
+                <a:gridCol w="1752601">
                   <a:extLst>
                     <a:ext uri="{9D8B030D-6E8A-4147-A177-3AD203B41FA5}">
-                      <a16:colId xmlns:a16="http://schemas.microsoft.com/office/drawing/2014/main" val="1493898479"/>
+                      <a16:colId xmlns:a16="http://schemas.microsoft.com/office/drawing/2014/main" val="2675952390"/>
                     </a:ext>
                   </a:extLst>
                 </a:gridCol>
-                <a:gridCol w="1468067">
+                <a:gridCol w="1752601">
                   <a:extLst>
                     <a:ext uri="{9D8B030D-6E8A-4147-A177-3AD203B41FA5}">
-                      <a16:colId xmlns:a16="http://schemas.microsoft.com/office/drawing/2014/main" val="1280303573"/>
+                      <a16:colId xmlns:a16="http://schemas.microsoft.com/office/drawing/2014/main" val="861022633"/>
                     </a:ext>
                   </a:extLst>
                 </a:gridCol>
-                <a:gridCol w="1538869">
+                <a:gridCol w="1752601">
                   <a:extLst>
                     <a:ext uri="{9D8B030D-6E8A-4147-A177-3AD203B41FA5}">
-                      <a16:colId xmlns:a16="http://schemas.microsoft.com/office/drawing/2014/main" val="3318627087"/>
+                      <a16:colId xmlns:a16="http://schemas.microsoft.com/office/drawing/2014/main" val="175265586"/>
                     </a:ext>
                   </a:extLst>
                 </a:gridCol>
-                <a:gridCol w="892098">
+                <a:gridCol w="1752601">
                   <a:extLst>
                     <a:ext uri="{9D8B030D-6E8A-4147-A177-3AD203B41FA5}">
-                      <a16:colId xmlns:a16="http://schemas.microsoft.com/office/drawing/2014/main" val="3549962534"/>
+                      <a16:colId xmlns:a16="http://schemas.microsoft.com/office/drawing/2014/main" val="3388819952"/>
                     </a:ext>
                   </a:extLst>
                 </a:gridCol>
-                <a:gridCol w="914400">
+                <a:gridCol w="1752601">
                   <a:extLst>
                     <a:ext uri="{9D8B030D-6E8A-4147-A177-3AD203B41FA5}">
-                      <a16:colId xmlns:a16="http://schemas.microsoft.com/office/drawing/2014/main" val="1815634729"/>
+                      <a16:colId xmlns:a16="http://schemas.microsoft.com/office/drawing/2014/main" val="512004281"/>
                     </a:ext>
                   </a:extLst>
                 </a:gridCol>
-                <a:gridCol w="992281">
+                <a:gridCol w="1752601">
                   <a:extLst>
                     <a:ext uri="{9D8B030D-6E8A-4147-A177-3AD203B41FA5}">
-                      <a16:colId xmlns:a16="http://schemas.microsoft.com/office/drawing/2014/main" val="774992101"/>
-                    </a:ext>
-                  </a:extLst>
-                </a:gridCol>
-                <a:gridCol w="2063153">
-                  <a:extLst>
-                    <a:ext uri="{9D8B030D-6E8A-4147-A177-3AD203B41FA5}">
-                      <a16:colId xmlns:a16="http://schemas.microsoft.com/office/drawing/2014/main" val="2048089069"/>
+                      <a16:colId xmlns:a16="http://schemas.microsoft.com/office/drawing/2014/main" val="720435242"/>
                     </a:ext>
                   </a:extLst>
                 </a:gridCol>
               </a:tblGrid>
-              <a:tr h="403028">
-                <a:tc gridSpan="3">
+              <a:tr h="218809">
+                <a:tc>
+                  <a:txBody>
+                    <a:bodyPr/>
+                    <a:lstStyle/>
+                    <a:p>
+                      <a:pPr latinLnBrk="1"/>
+                      <a:r>
+                        <a:rPr lang="ko-KR" altLang="en-US" dirty="0" err="1"/>
+                        <a:t>고객아이디</a:t>
+                      </a:r>
+                      <a:endParaRPr lang="ko-KR" altLang="en-US" dirty="0"/>
+                    </a:p>
+                  </a:txBody>
+                  <a:tcPr/>
+                </a:tc>
+                <a:tc>
                   <a:txBody>
                     <a:bodyPr/>
                     <a:lstStyle/>
@@ -3420,206 +3423,8 @@
                       <a:pPr latinLnBrk="1"/>
                       <a:r>
                         <a:rPr lang="ko-KR" altLang="en-US" dirty="0"/>
-                        <a:t>테이블이름</a:t>
-                      </a:r>
-                    </a:p>
-                  </a:txBody>
-                  <a:tcPr/>
-                </a:tc>
-                <a:tc hMerge="1">
-                  <a:txBody>
-                    <a:bodyPr/>
-                    <a:lstStyle/>
-                    <a:p>
-                      <a:pPr latinLnBrk="1"/>
-                      <a:endParaRPr lang="ko-KR" altLang="en-US" dirty="0"/>
-                    </a:p>
-                  </a:txBody>
-                  <a:tcPr/>
-                </a:tc>
-                <a:tc hMerge="1">
-                  <a:txBody>
-                    <a:bodyPr/>
-                    <a:lstStyle/>
-                    <a:p>
-                      <a:pPr latinLnBrk="1"/>
-                      <a:endParaRPr lang="ko-KR" altLang="en-US" dirty="0"/>
-                    </a:p>
-                  </a:txBody>
-                  <a:tcPr/>
-                </a:tc>
-                <a:tc gridSpan="4">
-                  <a:txBody>
-                    <a:bodyPr/>
-                    <a:lstStyle/>
-                    <a:p>
-                      <a:pPr latinLnBrk="1"/>
-                      <a:r>
-                        <a:rPr lang="ko-KR" altLang="en-US" dirty="0"/>
-                        <a:t>회원</a:t>
-                      </a:r>
-                    </a:p>
-                  </a:txBody>
-                  <a:tcPr/>
-                </a:tc>
-                <a:tc hMerge="1">
-                  <a:txBody>
-                    <a:bodyPr/>
-                    <a:lstStyle/>
-                    <a:p>
-                      <a:pPr latinLnBrk="1"/>
-                      <a:endParaRPr lang="ko-KR" altLang="en-US" dirty="0"/>
-                    </a:p>
-                  </a:txBody>
-                  <a:tcPr/>
-                </a:tc>
-                <a:tc hMerge="1">
-                  <a:txBody>
-                    <a:bodyPr/>
-                    <a:lstStyle/>
-                    <a:p>
-                      <a:pPr latinLnBrk="1"/>
-                      <a:endParaRPr lang="ko-KR" altLang="en-US" dirty="0"/>
-                    </a:p>
-                  </a:txBody>
-                  <a:tcPr/>
-                </a:tc>
-                <a:tc hMerge="1">
-                  <a:txBody>
-                    <a:bodyPr/>
-                    <a:lstStyle/>
-                    <a:p>
-                      <a:pPr latinLnBrk="1"/>
-                      <a:endParaRPr lang="ko-KR" altLang="en-US"/>
-                    </a:p>
-                  </a:txBody>
-                  <a:tcPr/>
-                </a:tc>
-                <a:extLst>
-                  <a:ext uri="{0D108BD9-81ED-4DB2-BD59-A6C34878D82A}">
-                    <a16:rowId xmlns:a16="http://schemas.microsoft.com/office/drawing/2014/main" val="3530461294"/>
-                  </a:ext>
-                </a:extLst>
-              </a:tr>
-              <a:tr h="403028">
-                <a:tc>
-                  <a:txBody>
-                    <a:bodyPr/>
-                    <a:lstStyle/>
-                    <a:p>
-                      <a:pPr latinLnBrk="1"/>
-                      <a:r>
-                        <a:rPr lang="ko-KR" altLang="en-US" dirty="0"/>
-                        <a:t>속성이름</a:t>
-                      </a:r>
-                    </a:p>
-                  </a:txBody>
-                  <a:tcPr/>
-                </a:tc>
-                <a:tc>
-                  <a:txBody>
-                    <a:bodyPr/>
-                    <a:lstStyle/>
-                    <a:p>
-                      <a:pPr latinLnBrk="1"/>
-                      <a:r>
-                        <a:rPr lang="ko-KR" altLang="en-US" dirty="0"/>
-                        <a:t>데이터타입</a:t>
-                      </a:r>
-                    </a:p>
-                  </a:txBody>
-                  <a:tcPr/>
-                </a:tc>
-                <a:tc>
-                  <a:txBody>
-                    <a:bodyPr/>
-                    <a:lstStyle/>
-                    <a:p>
-                      <a:pPr latinLnBrk="1"/>
-                      <a:r>
-                        <a:rPr lang="ko-KR" altLang="en-US" dirty="0"/>
-                        <a:t>널허용여부</a:t>
-                      </a:r>
-                    </a:p>
-                  </a:txBody>
-                  <a:tcPr/>
-                </a:tc>
-                <a:tc>
-                  <a:txBody>
-                    <a:bodyPr/>
-                    <a:lstStyle/>
-                    <a:p>
-                      <a:pPr latinLnBrk="1"/>
-                      <a:r>
-                        <a:rPr lang="ko-KR" altLang="en-US" dirty="0"/>
-                        <a:t>기본값</a:t>
-                      </a:r>
-                    </a:p>
-                  </a:txBody>
-                  <a:tcPr/>
-                </a:tc>
-                <a:tc>
-                  <a:txBody>
-                    <a:bodyPr/>
-                    <a:lstStyle/>
-                    <a:p>
-                      <a:pPr latinLnBrk="1"/>
-                      <a:r>
-                        <a:rPr lang="ko-KR" altLang="en-US" dirty="0" err="1"/>
-                        <a:t>기본키</a:t>
-                      </a:r>
-                      <a:endParaRPr lang="ko-KR" altLang="en-US" dirty="0"/>
-                    </a:p>
-                  </a:txBody>
-                  <a:tcPr/>
-                </a:tc>
-                <a:tc>
-                  <a:txBody>
-                    <a:bodyPr/>
-                    <a:lstStyle/>
-                    <a:p>
-                      <a:pPr latinLnBrk="1"/>
-                      <a:r>
-                        <a:rPr lang="ko-KR" altLang="en-US" dirty="0" err="1"/>
-                        <a:t>외래키</a:t>
-                      </a:r>
-                      <a:endParaRPr lang="ko-KR" altLang="en-US" dirty="0"/>
-                    </a:p>
-                  </a:txBody>
-                  <a:tcPr/>
-                </a:tc>
-                <a:tc>
-                  <a:txBody>
-                    <a:bodyPr/>
-                    <a:lstStyle/>
-                    <a:p>
-                      <a:pPr latinLnBrk="1"/>
-                      <a:r>
-                        <a:rPr lang="ko-KR" altLang="en-US" dirty="0"/>
-                        <a:t>제약조건</a:t>
-                      </a:r>
-                    </a:p>
-                  </a:txBody>
-                  <a:tcPr/>
-                </a:tc>
-                <a:extLst>
-                  <a:ext uri="{0D108BD9-81ED-4DB2-BD59-A6C34878D82A}">
-                    <a16:rowId xmlns:a16="http://schemas.microsoft.com/office/drawing/2014/main" val="3064652661"/>
-                  </a:ext>
-                </a:extLst>
-              </a:tr>
-              <a:tr h="403028">
-                <a:tc>
-                  <a:txBody>
-                    <a:bodyPr/>
-                    <a:lstStyle/>
-                    <a:p>
-                      <a:pPr latinLnBrk="1"/>
-                      <a:r>
-                        <a:rPr lang="ko-KR" altLang="en-US" dirty="0" err="1"/>
-                        <a:t>회원아이디</a:t>
-                      </a:r>
-                      <a:endParaRPr lang="ko-KR" altLang="en-US" dirty="0"/>
+                        <a:t>고객이름</a:t>
+                      </a:r>
                     </a:p>
                   </a:txBody>
                   <a:tcPr/>
@@ -3647,98 +3452,66 @@
                         <a:defRPr/>
                       </a:pPr>
                       <a:r>
+                        <a:rPr lang="ko-KR" altLang="en-US" dirty="0"/>
+                        <a:t>나이</a:t>
+                      </a:r>
+                    </a:p>
+                  </a:txBody>
+                  <a:tcPr/>
+                </a:tc>
+                <a:tc>
+                  <a:txBody>
+                    <a:bodyPr/>
+                    <a:lstStyle/>
+                    <a:p>
+                      <a:pPr latinLnBrk="1"/>
+                      <a:r>
+                        <a:rPr lang="ko-KR" altLang="en-US" dirty="0"/>
+                        <a:t>등급 </a:t>
+                      </a:r>
+                    </a:p>
+                  </a:txBody>
+                  <a:tcPr/>
+                </a:tc>
+                <a:tc>
+                  <a:txBody>
+                    <a:bodyPr/>
+                    <a:lstStyle/>
+                    <a:p>
+                      <a:pPr latinLnBrk="1"/>
+                      <a:r>
+                        <a:rPr lang="ko-KR" altLang="en-US" dirty="0"/>
+                        <a:t>직업</a:t>
+                      </a:r>
+                    </a:p>
+                  </a:txBody>
+                  <a:tcPr/>
+                </a:tc>
+                <a:tc>
+                  <a:txBody>
+                    <a:bodyPr/>
+                    <a:lstStyle/>
+                    <a:p>
+                      <a:pPr latinLnBrk="1"/>
+                      <a:r>
                         <a:rPr lang="en-US" altLang="ko-KR" dirty="0"/>
-                        <a:t>Varchar(20)</a:t>
-                      </a:r>
-                      <a:endParaRPr lang="ko-KR" altLang="en-US" dirty="0"/>
-                    </a:p>
-                  </a:txBody>
-                  <a:tcPr/>
-                </a:tc>
-                <a:tc>
-                  <a:txBody>
-                    <a:bodyPr/>
-                    <a:lstStyle/>
-                    <a:p>
-                      <a:pPr latinLnBrk="1"/>
-                      <a:r>
-                        <a:rPr lang="en-US" altLang="ko-KR" dirty="0"/>
-                        <a:t>N</a:t>
-                      </a:r>
-                      <a:endParaRPr lang="ko-KR" altLang="en-US" dirty="0"/>
-                    </a:p>
-                  </a:txBody>
-                  <a:tcPr/>
-                </a:tc>
-                <a:tc>
-                  <a:txBody>
-                    <a:bodyPr/>
-                    <a:lstStyle/>
-                    <a:p>
-                      <a:pPr latinLnBrk="1"/>
-                      <a:endParaRPr lang="ko-KR" altLang="en-US" dirty="0"/>
-                    </a:p>
-                  </a:txBody>
-                  <a:tcPr/>
-                </a:tc>
-                <a:tc>
-                  <a:txBody>
-                    <a:bodyPr/>
-                    <a:lstStyle/>
-                    <a:p>
-                      <a:pPr latinLnBrk="1"/>
-                      <a:r>
-                        <a:rPr lang="en-US" altLang="ko-KR" dirty="0"/>
-                        <a:t>PK</a:t>
-                      </a:r>
-                      <a:endParaRPr lang="ko-KR" altLang="en-US" dirty="0"/>
-                    </a:p>
-                  </a:txBody>
-                  <a:tcPr/>
-                </a:tc>
-                <a:tc>
-                  <a:txBody>
-                    <a:bodyPr/>
-                    <a:lstStyle/>
-                    <a:p>
-                      <a:pPr latinLnBrk="1"/>
-                      <a:endParaRPr lang="ko-KR" altLang="en-US"/>
-                    </a:p>
-                  </a:txBody>
-                  <a:tcPr/>
-                </a:tc>
-                <a:tc>
-                  <a:txBody>
-                    <a:bodyPr/>
-                    <a:lstStyle/>
-                    <a:p>
-                      <a:pPr latinLnBrk="1"/>
-                      <a:endParaRPr lang="ko-KR" altLang="en-US"/>
+                        <a:t> </a:t>
+                      </a:r>
+                      <a:r>
+                        <a:rPr lang="ko-KR" altLang="en-US" dirty="0"/>
+                        <a:t>적립금</a:t>
+                      </a:r>
                     </a:p>
                   </a:txBody>
                   <a:tcPr/>
                 </a:tc>
                 <a:extLst>
                   <a:ext uri="{0D108BD9-81ED-4DB2-BD59-A6C34878D82A}">
-                    <a16:rowId xmlns:a16="http://schemas.microsoft.com/office/drawing/2014/main" val="3969570785"/>
+                    <a16:rowId xmlns:a16="http://schemas.microsoft.com/office/drawing/2014/main" val="368924564"/>
                   </a:ext>
                 </a:extLst>
               </a:tr>
-              <a:tr h="403028">
-                <a:tc>
-                  <a:txBody>
-                    <a:bodyPr/>
-                    <a:lstStyle/>
-                    <a:p>
-                      <a:pPr latinLnBrk="1"/>
-                      <a:r>
-                        <a:rPr lang="ko-KR" altLang="en-US" dirty="0"/>
-                        <a:t>비밀번호</a:t>
-                      </a:r>
-                    </a:p>
-                  </a:txBody>
-                  <a:tcPr/>
-                </a:tc>
+              <a:tr h="370840">
                 <a:tc>
                   <a:txBody>
                     <a:bodyPr/>
@@ -3763,89 +3536,9 @@
                       </a:pPr>
                       <a:r>
                         <a:rPr lang="en-US" altLang="ko-KR" dirty="0"/>
-                        <a:t>Varchar(20)</a:t>
-                      </a:r>
-                      <a:endParaRPr lang="ko-KR" altLang="en-US" dirty="0"/>
-                    </a:p>
-                  </a:txBody>
-                  <a:tcPr/>
-                </a:tc>
-                <a:tc>
-                  <a:txBody>
-                    <a:bodyPr/>
-                    <a:lstStyle/>
-                    <a:p>
-                      <a:pPr latinLnBrk="1"/>
-                      <a:r>
-                        <a:rPr lang="en-US" altLang="ko-KR" dirty="0"/>
-                        <a:t>N</a:t>
-                      </a:r>
-                      <a:endParaRPr lang="ko-KR" altLang="en-US" dirty="0"/>
-                    </a:p>
-                  </a:txBody>
-                  <a:tcPr/>
-                </a:tc>
-                <a:tc>
-                  <a:txBody>
-                    <a:bodyPr/>
-                    <a:lstStyle/>
-                    <a:p>
-                      <a:pPr latinLnBrk="1"/>
-                      <a:endParaRPr lang="ko-KR" altLang="en-US" dirty="0"/>
-                    </a:p>
-                  </a:txBody>
-                  <a:tcPr/>
-                </a:tc>
-                <a:tc>
-                  <a:txBody>
-                    <a:bodyPr/>
-                    <a:lstStyle/>
-                    <a:p>
-                      <a:pPr latinLnBrk="1"/>
-                      <a:endParaRPr lang="ko-KR" altLang="en-US" dirty="0"/>
-                    </a:p>
-                  </a:txBody>
-                  <a:tcPr/>
-                </a:tc>
-                <a:tc>
-                  <a:txBody>
-                    <a:bodyPr/>
-                    <a:lstStyle/>
-                    <a:p>
-                      <a:pPr latinLnBrk="1"/>
-                      <a:endParaRPr lang="ko-KR" altLang="en-US"/>
-                    </a:p>
-                  </a:txBody>
-                  <a:tcPr/>
-                </a:tc>
-                <a:tc>
-                  <a:txBody>
-                    <a:bodyPr/>
-                    <a:lstStyle/>
-                    <a:p>
-                      <a:pPr latinLnBrk="1"/>
-                      <a:endParaRPr lang="ko-KR" altLang="en-US"/>
-                    </a:p>
-                  </a:txBody>
-                  <a:tcPr/>
-                </a:tc>
-                <a:extLst>
-                  <a:ext uri="{0D108BD9-81ED-4DB2-BD59-A6C34878D82A}">
-                    <a16:rowId xmlns:a16="http://schemas.microsoft.com/office/drawing/2014/main" val="1749574616"/>
-                  </a:ext>
-                </a:extLst>
-              </a:tr>
-              <a:tr h="403028">
-                <a:tc>
-                  <a:txBody>
-                    <a:bodyPr/>
-                    <a:lstStyle/>
-                    <a:p>
-                      <a:pPr latinLnBrk="1"/>
-                      <a:r>
-                        <a:rPr lang="ko-KR" altLang="en-US" dirty="0"/>
-                        <a:t>이름</a:t>
-                      </a:r>
+                        <a:t>Apple</a:t>
+                      </a:r>
+                      <a:endParaRPr lang="ko-KR" altLang="en-US" dirty="0"/>
                     </a:p>
                   </a:txBody>
                   <a:tcPr/>
@@ -3873,8 +3566,26 @@
                         <a:defRPr/>
                       </a:pPr>
                       <a:r>
+                        <a:rPr lang="ko-KR" altLang="en-US" dirty="0"/>
+                        <a:t>김현준</a:t>
+                      </a:r>
+                    </a:p>
+                    <a:p>
+                      <a:pPr latinLnBrk="1"/>
+                      <a:endParaRPr lang="ko-KR" altLang="en-US" dirty="0"/>
+                    </a:p>
+                  </a:txBody>
+                  <a:tcPr/>
+                </a:tc>
+                <a:tc>
+                  <a:txBody>
+                    <a:bodyPr/>
+                    <a:lstStyle/>
+                    <a:p>
+                      <a:pPr latinLnBrk="1"/>
+                      <a:r>
                         <a:rPr lang="en-US" altLang="ko-KR" dirty="0"/>
-                        <a:t>Varchar(20)</a:t>
+                        <a:t>20</a:t>
                       </a:r>
                       <a:endParaRPr lang="ko-KR" altLang="en-US" dirty="0"/>
                     </a:p>
@@ -3889,180 +3600,49 @@
                       <a:pPr latinLnBrk="1"/>
                       <a:r>
                         <a:rPr lang="en-US" altLang="ko-KR" dirty="0"/>
-                        <a:t>N</a:t>
-                      </a:r>
-                      <a:endParaRPr lang="ko-KR" altLang="en-US" dirty="0"/>
-                    </a:p>
-                  </a:txBody>
-                  <a:tcPr/>
-                </a:tc>
-                <a:tc>
-                  <a:txBody>
-                    <a:bodyPr/>
-                    <a:lstStyle/>
-                    <a:p>
-                      <a:pPr latinLnBrk="1"/>
-                      <a:endParaRPr lang="ko-KR" altLang="en-US" dirty="0"/>
-                    </a:p>
-                  </a:txBody>
-                  <a:tcPr/>
-                </a:tc>
-                <a:tc>
-                  <a:txBody>
-                    <a:bodyPr/>
-                    <a:lstStyle/>
-                    <a:p>
-                      <a:pPr latinLnBrk="1"/>
-                      <a:endParaRPr lang="ko-KR" altLang="en-US" dirty="0"/>
-                    </a:p>
-                  </a:txBody>
-                  <a:tcPr/>
-                </a:tc>
-                <a:tc>
-                  <a:txBody>
-                    <a:bodyPr/>
-                    <a:lstStyle/>
-                    <a:p>
-                      <a:pPr latinLnBrk="1"/>
-                      <a:endParaRPr lang="ko-KR" altLang="en-US"/>
-                    </a:p>
-                  </a:txBody>
-                  <a:tcPr/>
-                </a:tc>
-                <a:tc>
-                  <a:txBody>
-                    <a:bodyPr/>
-                    <a:lstStyle/>
-                    <a:p>
-                      <a:pPr latinLnBrk="1"/>
-                      <a:endParaRPr lang="ko-KR" altLang="en-US"/>
+                        <a:t>Gold </a:t>
+                      </a:r>
+                      <a:endParaRPr lang="ko-KR" altLang="en-US" dirty="0"/>
+                    </a:p>
+                  </a:txBody>
+                  <a:tcPr/>
+                </a:tc>
+                <a:tc>
+                  <a:txBody>
+                    <a:bodyPr/>
+                    <a:lstStyle/>
+                    <a:p>
+                      <a:pPr latinLnBrk="1"/>
+                      <a:r>
+                        <a:rPr lang="ko-KR" altLang="en-US" dirty="0"/>
+                        <a:t>학생 </a:t>
+                      </a:r>
+                    </a:p>
+                  </a:txBody>
+                  <a:tcPr/>
+                </a:tc>
+                <a:tc>
+                  <a:txBody>
+                    <a:bodyPr/>
+                    <a:lstStyle/>
+                    <a:p>
+                      <a:pPr latinLnBrk="1"/>
+                      <a:r>
+                        <a:rPr lang="en-US" altLang="ko-KR" dirty="0"/>
+                        <a:t>1000</a:t>
+                      </a:r>
+                      <a:endParaRPr lang="ko-KR" altLang="en-US" dirty="0"/>
                     </a:p>
                   </a:txBody>
                   <a:tcPr/>
                 </a:tc>
                 <a:extLst>
                   <a:ext uri="{0D108BD9-81ED-4DB2-BD59-A6C34878D82A}">
-                    <a16:rowId xmlns:a16="http://schemas.microsoft.com/office/drawing/2014/main" val="4211299645"/>
+                    <a16:rowId xmlns:a16="http://schemas.microsoft.com/office/drawing/2014/main" val="4156629221"/>
                   </a:ext>
                 </a:extLst>
               </a:tr>
-              <a:tr h="403028">
-                <a:tc>
-                  <a:txBody>
-                    <a:bodyPr/>
-                    <a:lstStyle/>
-                    <a:p>
-                      <a:pPr latinLnBrk="1"/>
-                      <a:r>
-                        <a:rPr lang="ko-KR" altLang="en-US" dirty="0"/>
-                        <a:t>나이</a:t>
-                      </a:r>
-                    </a:p>
-                  </a:txBody>
-                  <a:tcPr/>
-                </a:tc>
-                <a:tc>
-                  <a:txBody>
-                    <a:bodyPr/>
-                    <a:lstStyle/>
-                    <a:p>
-                      <a:pPr latinLnBrk="1"/>
-                      <a:r>
-                        <a:rPr lang="en-US" altLang="ko-KR" dirty="0"/>
-                        <a:t>Int</a:t>
-                      </a:r>
-                      <a:endParaRPr lang="ko-KR" altLang="en-US" dirty="0"/>
-                    </a:p>
-                  </a:txBody>
-                  <a:tcPr/>
-                </a:tc>
-                <a:tc>
-                  <a:txBody>
-                    <a:bodyPr/>
-                    <a:lstStyle/>
-                    <a:p>
-                      <a:pPr latinLnBrk="1"/>
-                      <a:r>
-                        <a:rPr lang="en-US" altLang="ko-KR" dirty="0"/>
-                        <a:t>Y</a:t>
-                      </a:r>
-                      <a:endParaRPr lang="ko-KR" altLang="en-US" dirty="0"/>
-                    </a:p>
-                  </a:txBody>
-                  <a:tcPr/>
-                </a:tc>
-                <a:tc>
-                  <a:txBody>
-                    <a:bodyPr/>
-                    <a:lstStyle/>
-                    <a:p>
-                      <a:pPr latinLnBrk="1"/>
-                      <a:endParaRPr lang="ko-KR" altLang="en-US" dirty="0"/>
-                    </a:p>
-                  </a:txBody>
-                  <a:tcPr/>
-                </a:tc>
-                <a:tc>
-                  <a:txBody>
-                    <a:bodyPr/>
-                    <a:lstStyle/>
-                    <a:p>
-                      <a:pPr latinLnBrk="1"/>
-                      <a:endParaRPr lang="ko-KR" altLang="en-US" dirty="0"/>
-                    </a:p>
-                  </a:txBody>
-                  <a:tcPr/>
-                </a:tc>
-                <a:tc>
-                  <a:txBody>
-                    <a:bodyPr/>
-                    <a:lstStyle/>
-                    <a:p>
-                      <a:pPr latinLnBrk="1"/>
-                      <a:endParaRPr lang="ko-KR" altLang="en-US" dirty="0"/>
-                    </a:p>
-                  </a:txBody>
-                  <a:tcPr/>
-                </a:tc>
-                <a:tc>
-                  <a:txBody>
-                    <a:bodyPr/>
-                    <a:lstStyle/>
-                    <a:p>
-                      <a:pPr latinLnBrk="1"/>
-                      <a:r>
-                        <a:rPr lang="en-US" altLang="ko-KR" dirty="0"/>
-                        <a:t>0</a:t>
-                      </a:r>
-                      <a:r>
-                        <a:rPr lang="ko-KR" altLang="en-US" dirty="0"/>
-                        <a:t>이상</a:t>
-                      </a:r>
-                    </a:p>
-                  </a:txBody>
-                  <a:tcPr/>
-                </a:tc>
-                <a:extLst>
-                  <a:ext uri="{0D108BD9-81ED-4DB2-BD59-A6C34878D82A}">
-                    <a16:rowId xmlns:a16="http://schemas.microsoft.com/office/drawing/2014/main" val="3710097875"/>
-                  </a:ext>
-                </a:extLst>
-              </a:tr>
-              <a:tr h="403028">
-                <a:tc>
-                  <a:txBody>
-                    <a:bodyPr/>
-                    <a:lstStyle/>
-                    <a:p>
-                      <a:pPr latinLnBrk="1"/>
-                      <a:r>
-                        <a:rPr lang="ko-KR" altLang="en-US" dirty="0"/>
-                        <a:t>직업</a:t>
-                      </a:r>
-                    </a:p>
-                  </a:txBody>
-                  <a:tcPr/>
-                </a:tc>
+              <a:tr h="370840">
                 <a:tc>
                   <a:txBody>
                     <a:bodyPr/>
@@ -4087,8 +3667,42 @@
                       </a:pPr>
                       <a:r>
                         <a:rPr lang="en-US" altLang="ko-KR" dirty="0"/>
-                        <a:t>Varchar(20)</a:t>
-                      </a:r>
+                        <a:t>Banana</a:t>
+                      </a:r>
+                      <a:endParaRPr lang="ko-KR" altLang="en-US" dirty="0"/>
+                    </a:p>
+                  </a:txBody>
+                  <a:tcPr/>
+                </a:tc>
+                <a:tc>
+                  <a:txBody>
+                    <a:bodyPr/>
+                    <a:lstStyle/>
+                    <a:p>
+                      <a:pPr marL="0" marR="0" lvl="0" indent="0" algn="l" defTabSz="914400" rtl="0" eaLnBrk="1" fontAlgn="auto" latinLnBrk="1" hangingPunct="1">
+                        <a:lnSpc>
+                          <a:spcPct val="100000"/>
+                        </a:lnSpc>
+                        <a:spcBef>
+                          <a:spcPts val="0"/>
+                        </a:spcBef>
+                        <a:spcAft>
+                          <a:spcPts val="0"/>
+                        </a:spcAft>
+                        <a:buClrTx/>
+                        <a:buSzTx/>
+                        <a:buFontTx/>
+                        <a:buNone/>
+                        <a:tabLst/>
+                        <a:defRPr/>
+                      </a:pPr>
+                      <a:r>
+                        <a:rPr lang="ko-KR" altLang="en-US" dirty="0"/>
+                        <a:t>정소화</a:t>
+                      </a:r>
+                    </a:p>
+                    <a:p>
+                      <a:pPr latinLnBrk="1"/>
                       <a:endParaRPr lang="ko-KR" altLang="en-US" dirty="0"/>
                     </a:p>
                   </a:txBody>
@@ -4102,52 +3716,52 @@
                       <a:pPr latinLnBrk="1"/>
                       <a:r>
                         <a:rPr lang="en-US" altLang="ko-KR" dirty="0"/>
-                        <a:t>Y</a:t>
-                      </a:r>
-                      <a:endParaRPr lang="ko-KR" altLang="en-US" dirty="0"/>
-                    </a:p>
-                  </a:txBody>
-                  <a:tcPr/>
-                </a:tc>
-                <a:tc>
-                  <a:txBody>
-                    <a:bodyPr/>
-                    <a:lstStyle/>
-                    <a:p>
-                      <a:pPr latinLnBrk="1"/>
-                      <a:endParaRPr lang="ko-KR" altLang="en-US" dirty="0"/>
-                    </a:p>
-                  </a:txBody>
-                  <a:tcPr/>
-                </a:tc>
-                <a:tc>
-                  <a:txBody>
-                    <a:bodyPr/>
-                    <a:lstStyle/>
-                    <a:p>
-                      <a:pPr latinLnBrk="1"/>
-                      <a:endParaRPr lang="ko-KR" altLang="en-US"/>
-                    </a:p>
-                  </a:txBody>
-                  <a:tcPr/>
-                </a:tc>
-                <a:tc>
-                  <a:txBody>
-                    <a:bodyPr/>
-                    <a:lstStyle/>
-                    <a:p>
-                      <a:pPr latinLnBrk="1"/>
-                      <a:endParaRPr lang="ko-KR" altLang="en-US"/>
-                    </a:p>
-                  </a:txBody>
-                  <a:tcPr/>
-                </a:tc>
-                <a:tc>
-                  <a:txBody>
-                    <a:bodyPr/>
-                    <a:lstStyle/>
-                    <a:p>
-                      <a:pPr latinLnBrk="1"/>
+                        <a:t>25 </a:t>
+                      </a:r>
+                      <a:endParaRPr lang="ko-KR" altLang="en-US" dirty="0"/>
+                    </a:p>
+                  </a:txBody>
+                  <a:tcPr/>
+                </a:tc>
+                <a:tc>
+                  <a:txBody>
+                    <a:bodyPr/>
+                    <a:lstStyle/>
+                    <a:p>
+                      <a:pPr latinLnBrk="1"/>
+                      <a:r>
+                        <a:rPr lang="en-US" altLang="ko-KR" dirty="0"/>
+                        <a:t>Vip</a:t>
+                      </a:r>
+                      <a:endParaRPr lang="ko-KR" altLang="en-US" dirty="0"/>
+                    </a:p>
+                  </a:txBody>
+                  <a:tcPr/>
+                </a:tc>
+                <a:tc>
+                  <a:txBody>
+                    <a:bodyPr/>
+                    <a:lstStyle/>
+                    <a:p>
+                      <a:pPr latinLnBrk="1"/>
+                      <a:r>
+                        <a:rPr lang="ko-KR" altLang="en-US" dirty="0"/>
+                        <a:t>간호사</a:t>
+                      </a:r>
+                    </a:p>
+                  </a:txBody>
+                  <a:tcPr/>
+                </a:tc>
+                <a:tc>
+                  <a:txBody>
+                    <a:bodyPr/>
+                    <a:lstStyle/>
+                    <a:p>
+                      <a:pPr latinLnBrk="1"/>
+                      <a:r>
+                        <a:rPr lang="en-US" altLang="ko-KR" dirty="0"/>
+                        <a:t>2500</a:t>
+                      </a:r>
                       <a:endParaRPr lang="ko-KR" altLang="en-US" dirty="0"/>
                     </a:p>
                   </a:txBody>
@@ -4155,11 +3769,107 @@
                 </a:tc>
                 <a:extLst>
                   <a:ext uri="{0D108BD9-81ED-4DB2-BD59-A6C34878D82A}">
-                    <a16:rowId xmlns:a16="http://schemas.microsoft.com/office/drawing/2014/main" val="3651273540"/>
+                    <a16:rowId xmlns:a16="http://schemas.microsoft.com/office/drawing/2014/main" val="717680684"/>
                   </a:ext>
                 </a:extLst>
               </a:tr>
-              <a:tr h="403028">
+              <a:tr h="370840">
+                <a:tc>
+                  <a:txBody>
+                    <a:bodyPr/>
+                    <a:lstStyle/>
+                    <a:p>
+                      <a:pPr marL="0" marR="0" lvl="0" indent="0" algn="l" defTabSz="914400" rtl="0" eaLnBrk="1" fontAlgn="auto" latinLnBrk="1" hangingPunct="1">
+                        <a:lnSpc>
+                          <a:spcPct val="100000"/>
+                        </a:lnSpc>
+                        <a:spcBef>
+                          <a:spcPts val="0"/>
+                        </a:spcBef>
+                        <a:spcAft>
+                          <a:spcPts val="0"/>
+                        </a:spcAft>
+                        <a:buClrTx/>
+                        <a:buSzTx/>
+                        <a:buFontTx/>
+                        <a:buNone/>
+                        <a:tabLst/>
+                        <a:defRPr/>
+                      </a:pPr>
+                      <a:r>
+                        <a:rPr lang="en-US" altLang="ko-KR" dirty="0"/>
+                        <a:t>Carrot</a:t>
+                      </a:r>
+                      <a:endParaRPr lang="ko-KR" altLang="en-US" dirty="0"/>
+                    </a:p>
+                  </a:txBody>
+                  <a:tcPr/>
+                </a:tc>
+                <a:tc>
+                  <a:txBody>
+                    <a:bodyPr/>
+                    <a:lstStyle/>
+                    <a:p>
+                      <a:pPr marL="0" marR="0" lvl="0" indent="0" algn="l" defTabSz="914400" rtl="0" eaLnBrk="1" fontAlgn="auto" latinLnBrk="1" hangingPunct="1">
+                        <a:lnSpc>
+                          <a:spcPct val="100000"/>
+                        </a:lnSpc>
+                        <a:spcBef>
+                          <a:spcPts val="0"/>
+                        </a:spcBef>
+                        <a:spcAft>
+                          <a:spcPts val="0"/>
+                        </a:spcAft>
+                        <a:buClrTx/>
+                        <a:buSzTx/>
+                        <a:buFontTx/>
+                        <a:buNone/>
+                        <a:tabLst/>
+                        <a:defRPr/>
+                      </a:pPr>
+                      <a:r>
+                        <a:rPr lang="ko-KR" altLang="en-US" dirty="0" err="1"/>
+                        <a:t>원유선</a:t>
+                      </a:r>
+                      <a:endParaRPr lang="ko-KR" altLang="en-US" dirty="0"/>
+                    </a:p>
+                    <a:p>
+                      <a:pPr latinLnBrk="1"/>
+                      <a:endParaRPr lang="ko-KR" altLang="en-US" dirty="0"/>
+                    </a:p>
+                  </a:txBody>
+                  <a:tcPr/>
+                </a:tc>
+                <a:tc>
+                  <a:txBody>
+                    <a:bodyPr/>
+                    <a:lstStyle/>
+                    <a:p>
+                      <a:pPr latinLnBrk="1"/>
+                      <a:r>
+                        <a:rPr lang="en-US" altLang="ko-KR" dirty="0"/>
+                        <a:t>28</a:t>
+                      </a:r>
+                      <a:endParaRPr lang="ko-KR" altLang="en-US" dirty="0"/>
+                    </a:p>
+                  </a:txBody>
+                  <a:tcPr/>
+                </a:tc>
+                <a:tc>
+                  <a:txBody>
+                    <a:bodyPr/>
+                    <a:lstStyle/>
+                    <a:p>
+                      <a:pPr latinLnBrk="1"/>
+                      <a:r>
+                        <a:rPr lang="en-US" altLang="ko-KR" dirty="0"/>
+                        <a:t>Gold </a:t>
+                      </a:r>
+                      <a:endParaRPr lang="ko-KR" altLang="en-US" dirty="0"/>
+                    </a:p>
+                  </a:txBody>
+                  <a:tcPr/>
+                </a:tc>
                 <a:tc>
                   <a:txBody>
                     <a:bodyPr/>
@@ -4168,7 +3878,7 @@
                       <a:pPr latinLnBrk="1"/>
                       <a:r>
                         <a:rPr lang="ko-KR" altLang="en-US" dirty="0"/>
-                        <a:t>등급</a:t>
+                        <a:t>교사 </a:t>
                       </a:r>
                     </a:p>
                   </a:txBody>
@@ -4182,90 +3892,51 @@
                       <a:pPr latinLnBrk="1"/>
                       <a:r>
                         <a:rPr lang="en-US" altLang="ko-KR" dirty="0"/>
-                        <a:t>Varchar(20)</a:t>
-                      </a:r>
-                      <a:endParaRPr lang="ko-KR" altLang="en-US" dirty="0"/>
-                    </a:p>
-                  </a:txBody>
-                  <a:tcPr/>
-                </a:tc>
-                <a:tc>
-                  <a:txBody>
-                    <a:bodyPr/>
-                    <a:lstStyle/>
-                    <a:p>
-                      <a:pPr latinLnBrk="1"/>
-                      <a:r>
-                        <a:rPr lang="en-US" altLang="ko-KR" dirty="0"/>
-                        <a:t>N</a:t>
-                      </a:r>
-                      <a:endParaRPr lang="ko-KR" altLang="en-US" dirty="0"/>
-                    </a:p>
-                  </a:txBody>
-                  <a:tcPr/>
-                </a:tc>
-                <a:tc>
-                  <a:txBody>
-                    <a:bodyPr/>
-                    <a:lstStyle/>
-                    <a:p>
-                      <a:pPr latinLnBrk="1"/>
-                      <a:r>
-                        <a:rPr lang="en-US" altLang="ko-KR" dirty="0"/>
-                        <a:t>Silver</a:t>
-                      </a:r>
-                      <a:endParaRPr lang="ko-KR" altLang="en-US" dirty="0"/>
-                    </a:p>
-                  </a:txBody>
-                  <a:tcPr/>
-                </a:tc>
-                <a:tc>
-                  <a:txBody>
-                    <a:bodyPr/>
-                    <a:lstStyle/>
-                    <a:p>
-                      <a:pPr latinLnBrk="1"/>
-                      <a:endParaRPr lang="ko-KR" altLang="en-US" dirty="0"/>
-                    </a:p>
-                  </a:txBody>
-                  <a:tcPr/>
-                </a:tc>
-                <a:tc>
-                  <a:txBody>
-                    <a:bodyPr/>
-                    <a:lstStyle/>
-                    <a:p>
-                      <a:pPr latinLnBrk="1"/>
-                      <a:endParaRPr lang="ko-KR" altLang="en-US" dirty="0"/>
-                    </a:p>
-                  </a:txBody>
-                  <a:tcPr/>
-                </a:tc>
-                <a:tc>
-                  <a:txBody>
-                    <a:bodyPr/>
-                    <a:lstStyle/>
-                    <a:p>
-                      <a:pPr latinLnBrk="1"/>
-                      <a:r>
-                        <a:rPr lang="en-US" altLang="ko-KR" dirty="0" err="1"/>
-                        <a:t>Silver,gold,vip</a:t>
-                      </a:r>
-                      <a:r>
-                        <a:rPr lang="ko-KR" altLang="en-US" dirty="0"/>
-                        <a:t>먼 허용</a:t>
-                      </a:r>
+                        <a:t>4500</a:t>
+                      </a:r>
+                      <a:endParaRPr lang="ko-KR" altLang="en-US" dirty="0"/>
                     </a:p>
                   </a:txBody>
                   <a:tcPr/>
                 </a:tc>
                 <a:extLst>
                   <a:ext uri="{0D108BD9-81ED-4DB2-BD59-A6C34878D82A}">
-                    <a16:rowId xmlns:a16="http://schemas.microsoft.com/office/drawing/2014/main" val="2927744164"/>
+                    <a16:rowId xmlns:a16="http://schemas.microsoft.com/office/drawing/2014/main" val="3379856729"/>
                   </a:ext>
                 </a:extLst>
               </a:tr>
-              <a:tr h="403028">
+              <a:tr h="370840">
+                <a:tc>
+                  <a:txBody>
+                    <a:bodyPr/>
+                    <a:lstStyle/>
+                    <a:p>
+                      <a:pPr marL="0" marR="0" lvl="0" indent="0" algn="l" defTabSz="914400" rtl="0" eaLnBrk="1" fontAlgn="auto" latinLnBrk="1" hangingPunct="1">
+                        <a:lnSpc>
+                          <a:spcPct val="100000"/>
+                        </a:lnSpc>
+                        <a:spcBef>
+                          <a:spcPts val="0"/>
+                        </a:spcBef>
+                        <a:spcAft>
+                          <a:spcPts val="0"/>
+                        </a:spcAft>
+                        <a:buClrTx/>
+                        <a:buSzTx/>
+                        <a:buFontTx/>
+                        <a:buNone/>
+                        <a:tabLst/>
+                        <a:defRPr/>
+                      </a:pPr>
+                      <a:r>
+                        <a:rPr lang="en-US" altLang="ko-KR" dirty="0"/>
+                        <a:t>orange</a:t>
+                      </a:r>
+                      <a:endParaRPr lang="ko-KR" altLang="en-US" dirty="0"/>
+                    </a:p>
+                  </a:txBody>
+                  <a:tcPr/>
+                </a:tc>
                 <a:tc>
                   <a:txBody>
                     <a:bodyPr/>
@@ -4274,7 +3945,7 @@
                       <a:pPr latinLnBrk="1"/>
                       <a:r>
                         <a:rPr lang="ko-KR" altLang="en-US" dirty="0"/>
-                        <a:t>적립금</a:t>
+                        <a:t>정지영</a:t>
                       </a:r>
                     </a:p>
                   </a:txBody>
@@ -4288,7 +3959,7 @@
                       <a:pPr latinLnBrk="1"/>
                       <a:r>
                         <a:rPr lang="en-US" altLang="ko-KR" dirty="0"/>
-                        <a:t>Int</a:t>
+                        <a:t>22</a:t>
                       </a:r>
                       <a:endParaRPr lang="ko-KR" altLang="en-US" dirty="0"/>
                     </a:p>
@@ -4303,9 +3974,27 @@
                       <a:pPr latinLnBrk="1"/>
                       <a:r>
                         <a:rPr lang="en-US" altLang="ko-KR" dirty="0"/>
-                        <a:t>N</a:t>
-                      </a:r>
-                      <a:endParaRPr lang="ko-KR" altLang="en-US" dirty="0"/>
+                        <a:t>Silver</a:t>
+                      </a:r>
+                      <a:endParaRPr lang="ko-KR" altLang="en-US" dirty="0"/>
+                    </a:p>
+                  </a:txBody>
+                  <a:tcPr/>
+                </a:tc>
+                <a:tc>
+                  <a:txBody>
+                    <a:bodyPr/>
+                    <a:lstStyle/>
+                    <a:p>
+                      <a:pPr latinLnBrk="1"/>
+                      <a:r>
+                        <a:rPr lang="en-US" altLang="ko-KR" dirty="0"/>
+                        <a:t> </a:t>
+                      </a:r>
+                      <a:r>
+                        <a:rPr lang="ko-KR" altLang="en-US" dirty="0"/>
+                        <a:t>회사원</a:t>
+                      </a:r>
                     </a:p>
                   </a:txBody>
                   <a:tcPr/>
@@ -4325,42 +4014,200 @@
                   </a:txBody>
                   <a:tcPr/>
                 </a:tc>
-                <a:tc>
-                  <a:txBody>
-                    <a:bodyPr/>
-                    <a:lstStyle/>
-                    <a:p>
-                      <a:pPr latinLnBrk="1"/>
-                      <a:endParaRPr lang="ko-KR" altLang="en-US"/>
-                    </a:p>
-                  </a:txBody>
-                  <a:tcPr/>
-                </a:tc>
-                <a:tc>
-                  <a:txBody>
-                    <a:bodyPr/>
-                    <a:lstStyle/>
-                    <a:p>
-                      <a:pPr latinLnBrk="1"/>
-                      <a:endParaRPr lang="ko-KR" altLang="en-US"/>
-                    </a:p>
-                  </a:txBody>
-                  <a:tcPr/>
-                </a:tc>
-                <a:tc>
-                  <a:txBody>
-                    <a:bodyPr/>
-                    <a:lstStyle/>
-                    <a:p>
-                      <a:pPr latinLnBrk="1"/>
-                      <a:endParaRPr lang="ko-KR" altLang="en-US" dirty="0"/>
-                    </a:p>
-                  </a:txBody>
-                  <a:tcPr/>
-                </a:tc>
                 <a:extLst>
                   <a:ext uri="{0D108BD9-81ED-4DB2-BD59-A6C34878D82A}">
-                    <a16:rowId xmlns:a16="http://schemas.microsoft.com/office/drawing/2014/main" val="930468953"/>
+                    <a16:rowId xmlns:a16="http://schemas.microsoft.com/office/drawing/2014/main" val="598694535"/>
+                  </a:ext>
+                </a:extLst>
+              </a:tr>
+              <a:tr h="370840">
+                <a:tc>
+                  <a:txBody>
+                    <a:bodyPr/>
+                    <a:lstStyle/>
+                    <a:p>
+                      <a:pPr marL="0" marR="0" lvl="0" indent="0" algn="l" defTabSz="914400" rtl="0" eaLnBrk="1" fontAlgn="auto" latinLnBrk="1" hangingPunct="1">
+                        <a:lnSpc>
+                          <a:spcPct val="100000"/>
+                        </a:lnSpc>
+                        <a:spcBef>
+                          <a:spcPts val="0"/>
+                        </a:spcBef>
+                        <a:spcAft>
+                          <a:spcPts val="0"/>
+                        </a:spcAft>
+                        <a:buClrTx/>
+                        <a:buSzTx/>
+                        <a:buFontTx/>
+                        <a:buNone/>
+                        <a:tabLst/>
+                        <a:defRPr/>
+                      </a:pPr>
+                      <a:r>
+                        <a:rPr lang="en-US" altLang="ko-KR" dirty="0"/>
+                        <a:t>orange</a:t>
+                      </a:r>
+                      <a:endParaRPr lang="ko-KR" altLang="en-US" dirty="0"/>
+                    </a:p>
+                    <a:p>
+                      <a:pPr marL="0" marR="0" lvl="0" indent="0" algn="l" defTabSz="914400" rtl="0" eaLnBrk="1" fontAlgn="auto" latinLnBrk="1" hangingPunct="1">
+                        <a:lnSpc>
+                          <a:spcPct val="100000"/>
+                        </a:lnSpc>
+                        <a:spcBef>
+                          <a:spcPts val="0"/>
+                        </a:spcBef>
+                        <a:spcAft>
+                          <a:spcPts val="0"/>
+                        </a:spcAft>
+                        <a:buClrTx/>
+                        <a:buSzTx/>
+                        <a:buFontTx/>
+                        <a:buNone/>
+                        <a:tabLst/>
+                        <a:defRPr/>
+                      </a:pPr>
+                      <a:endParaRPr lang="ko-KR" altLang="en-US" dirty="0"/>
+                    </a:p>
+                  </a:txBody>
+                  <a:tcPr/>
+                </a:tc>
+                <a:tc>
+                  <a:txBody>
+                    <a:bodyPr/>
+                    <a:lstStyle/>
+                    <a:p>
+                      <a:pPr marL="0" marR="0" lvl="0" indent="0" algn="l" defTabSz="914400" rtl="0" eaLnBrk="1" fontAlgn="auto" latinLnBrk="1" hangingPunct="1">
+                        <a:lnSpc>
+                          <a:spcPct val="100000"/>
+                        </a:lnSpc>
+                        <a:spcBef>
+                          <a:spcPts val="0"/>
+                        </a:spcBef>
+                        <a:spcAft>
+                          <a:spcPts val="0"/>
+                        </a:spcAft>
+                        <a:buClrTx/>
+                        <a:buSzTx/>
+                        <a:buFontTx/>
+                        <a:buNone/>
+                        <a:tabLst/>
+                        <a:defRPr/>
+                      </a:pPr>
+                      <a:r>
+                        <a:rPr lang="ko-KR" altLang="en-US" dirty="0"/>
+                        <a:t>정지영</a:t>
+                      </a:r>
+                    </a:p>
+                    <a:p>
+                      <a:pPr latinLnBrk="1"/>
+                      <a:endParaRPr lang="ko-KR" altLang="en-US" dirty="0"/>
+                    </a:p>
+                  </a:txBody>
+                  <a:tcPr/>
+                </a:tc>
+                <a:tc>
+                  <a:txBody>
+                    <a:bodyPr/>
+                    <a:lstStyle/>
+                    <a:p>
+                      <a:pPr marL="0" marR="0" lvl="0" indent="0" algn="l" defTabSz="914400" rtl="0" eaLnBrk="1" fontAlgn="auto" latinLnBrk="1" hangingPunct="1">
+                        <a:lnSpc>
+                          <a:spcPct val="100000"/>
+                        </a:lnSpc>
+                        <a:spcBef>
+                          <a:spcPts val="0"/>
+                        </a:spcBef>
+                        <a:spcAft>
+                          <a:spcPts val="0"/>
+                        </a:spcAft>
+                        <a:buClrTx/>
+                        <a:buSzTx/>
+                        <a:buFontTx/>
+                        <a:buNone/>
+                        <a:tabLst/>
+                        <a:defRPr/>
+                      </a:pPr>
+                      <a:r>
+                        <a:rPr lang="en-US" altLang="ko-KR" dirty="0"/>
+                        <a:t>22</a:t>
+                      </a:r>
+                      <a:endParaRPr lang="ko-KR" altLang="en-US" dirty="0"/>
+                    </a:p>
+                    <a:p>
+                      <a:pPr latinLnBrk="1"/>
+                      <a:endParaRPr lang="ko-KR" altLang="en-US" dirty="0"/>
+                    </a:p>
+                  </a:txBody>
+                  <a:tcPr/>
+                </a:tc>
+                <a:tc>
+                  <a:txBody>
+                    <a:bodyPr/>
+                    <a:lstStyle/>
+                    <a:p>
+                      <a:pPr marL="0" marR="0" lvl="0" indent="0" algn="l" defTabSz="914400" rtl="0" eaLnBrk="1" fontAlgn="auto" latinLnBrk="1" hangingPunct="1">
+                        <a:lnSpc>
+                          <a:spcPct val="100000"/>
+                        </a:lnSpc>
+                        <a:spcBef>
+                          <a:spcPts val="0"/>
+                        </a:spcBef>
+                        <a:spcAft>
+                          <a:spcPts val="0"/>
+                        </a:spcAft>
+                        <a:buClrTx/>
+                        <a:buSzTx/>
+                        <a:buFontTx/>
+                        <a:buNone/>
+                        <a:tabLst/>
+                        <a:defRPr/>
+                      </a:pPr>
+                      <a:r>
+                        <a:rPr lang="en-US" altLang="ko-KR" dirty="0"/>
+                        <a:t>Silver</a:t>
+                      </a:r>
+                      <a:endParaRPr lang="ko-KR" altLang="en-US" dirty="0"/>
+                    </a:p>
+                    <a:p>
+                      <a:pPr latinLnBrk="1"/>
+                      <a:endParaRPr lang="ko-KR" altLang="en-US" dirty="0"/>
+                    </a:p>
+                  </a:txBody>
+                  <a:tcPr/>
+                </a:tc>
+                <a:tc>
+                  <a:txBody>
+                    <a:bodyPr/>
+                    <a:lstStyle/>
+                    <a:p>
+                      <a:pPr latinLnBrk="1"/>
+                      <a:r>
+                        <a:rPr lang="ko-KR" altLang="en-US" dirty="0"/>
+                        <a:t>학생</a:t>
+                      </a:r>
+                    </a:p>
+                  </a:txBody>
+                  <a:tcPr/>
+                </a:tc>
+                <a:tc>
+                  <a:txBody>
+                    <a:bodyPr/>
+                    <a:lstStyle/>
+                    <a:p>
+                      <a:pPr latinLnBrk="1"/>
+                      <a:r>
+                        <a:rPr lang="en-US" altLang="ko-KR" dirty="0"/>
+                        <a:t>0</a:t>
+                      </a:r>
+                      <a:endParaRPr lang="ko-KR" altLang="en-US" dirty="0"/>
+                    </a:p>
+                  </a:txBody>
+                  <a:tcPr/>
+                </a:tc>
+                <a:extLst>
+                  <a:ext uri="{0D108BD9-81ED-4DB2-BD59-A6C34878D82A}">
+                    <a16:rowId xmlns:a16="http://schemas.microsoft.com/office/drawing/2014/main" val="2473660214"/>
                   </a:ext>
                 </a:extLst>
               </a:tr>
@@ -4368,10 +4215,49 @@
           </a:graphicData>
         </a:graphic>
       </p:graphicFrame>
+      <p:sp>
+        <p:nvSpPr>
+          <p:cNvPr id="7" name="TextBox 6">
+            <a:extLst>
+              <a:ext uri="{FF2B5EF4-FFF2-40B4-BE49-F238E27FC236}">
+                <a16:creationId xmlns:a16="http://schemas.microsoft.com/office/drawing/2014/main" id="{30C7AF0C-1456-224D-C3F4-B7CA399506E8}"/>
+              </a:ext>
+            </a:extLst>
+          </p:cNvPr>
+          <p:cNvSpPr txBox="1"/>
+          <p:nvPr/>
+        </p:nvSpPr>
+        <p:spPr>
+          <a:xfrm>
+            <a:off x="0" y="667853"/>
+            <a:ext cx="1824538" cy="646331"/>
+          </a:xfrm>
+          <a:prstGeom prst="rect">
+            <a:avLst/>
+          </a:prstGeom>
+          <a:noFill/>
+        </p:spPr>
+        <p:txBody>
+          <a:bodyPr wrap="none" rtlCol="0">
+            <a:spAutoFit/>
+          </a:bodyPr>
+          <a:lstStyle/>
+          <a:p>
+            <a:r>
+              <a:rPr lang="en-US" altLang="ko-KR" sz="3600" dirty="0"/>
+              <a:t>1</a:t>
+            </a:r>
+            <a:r>
+              <a:rPr lang="ko-KR" altLang="en-US" sz="3600" dirty="0"/>
+              <a:t>정규화</a:t>
+            </a:r>
+          </a:p>
+        </p:txBody>
+      </p:sp>
     </p:spTree>
     <p:extLst>
       <p:ext uri="{BB962C8B-B14F-4D97-AF65-F5344CB8AC3E}">
-        <p14:creationId xmlns:p14="http://schemas.microsoft.com/office/powerpoint/2010/main" val="3685970900"/>
+        <p14:creationId xmlns:p14="http://schemas.microsoft.com/office/powerpoint/2010/main" val="2243709332"/>
       </p:ext>
     </p:extLst>
   </p:cSld>
@@ -4389,7 +4275,7 @@
         <p:cNvPr id="1" name="">
           <a:extLst>
             <a:ext uri="{FF2B5EF4-FFF2-40B4-BE49-F238E27FC236}">
-              <a16:creationId xmlns:a16="http://schemas.microsoft.com/office/drawing/2014/main" id="{010282F3-955F-A6B3-5243-9E67FB4743C1}"/>
+              <a16:creationId xmlns:a16="http://schemas.microsoft.com/office/drawing/2014/main" id="{EDC9183E-47C1-4A28-3962-1D45A816AD68}"/>
             </a:ext>
           </a:extLst>
         </p:cNvPr>
@@ -4406,10 +4292,10 @@
       </p:grpSpPr>
       <p:graphicFrame>
         <p:nvGraphicFramePr>
-          <p:cNvPr id="4" name="표 3">
-            <a:extLst>
-              <a:ext uri="{FF2B5EF4-FFF2-40B4-BE49-F238E27FC236}">
-                <a16:creationId xmlns:a16="http://schemas.microsoft.com/office/drawing/2014/main" id="{F0810713-092E-F21E-D703-66B3AA814425}"/>
+          <p:cNvPr id="4" name="내용 개체 틀 3">
+            <a:extLst>
+              <a:ext uri="{FF2B5EF4-FFF2-40B4-BE49-F238E27FC236}">
+                <a16:creationId xmlns:a16="http://schemas.microsoft.com/office/drawing/2014/main" id="{C41121F3-7361-D766-86F1-8D9D2B17B4D6}"/>
               </a:ext>
             </a:extLst>
           </p:cNvPr>
@@ -4417,76 +4303,73 @@
             <a:graphicFrameLocks noGrp="1"/>
           </p:cNvGraphicFramePr>
           <p:nvPr>
-            <p:extLst>
-              <p:ext uri="{D42A27DB-BD31-4B8C-83A1-F6EECF244321}">
-                <p14:modId xmlns:p14="http://schemas.microsoft.com/office/powerpoint/2010/main" val="3545775724"/>
-              </p:ext>
-            </p:extLst>
+            <p:ph idx="1"/>
           </p:nvPr>
         </p:nvGraphicFramePr>
         <p:xfrm>
-          <a:off x="1077951" y="1210320"/>
-          <a:ext cx="10036098" cy="4267332"/>
+          <a:off x="0" y="1603853"/>
+          <a:ext cx="8763005" cy="2656840"/>
         </p:xfrm>
         <a:graphic>
           <a:graphicData uri="http://schemas.openxmlformats.org/drawingml/2006/table">
             <a:tbl>
               <a:tblPr firstRow="1" bandRow="1">
-                <a:tableStyleId>{00A15C55-8517-42AA-B614-E9B94910E393}</a:tableStyleId>
+                <a:tableStyleId>{5C22544A-7EE6-4342-B048-85BDC9FD1C3A}</a:tableStyleId>
               </a:tblPr>
               <a:tblGrid>
-                <a:gridCol w="2167230">
+                <a:gridCol w="1752601">
                   <a:extLst>
                     <a:ext uri="{9D8B030D-6E8A-4147-A177-3AD203B41FA5}">
-                      <a16:colId xmlns:a16="http://schemas.microsoft.com/office/drawing/2014/main" val="1493898479"/>
+                      <a16:colId xmlns:a16="http://schemas.microsoft.com/office/drawing/2014/main" val="2675952390"/>
                     </a:ext>
                   </a:extLst>
                 </a:gridCol>
-                <a:gridCol w="1468067">
+                <a:gridCol w="1752601">
                   <a:extLst>
                     <a:ext uri="{9D8B030D-6E8A-4147-A177-3AD203B41FA5}">
-                      <a16:colId xmlns:a16="http://schemas.microsoft.com/office/drawing/2014/main" val="1280303573"/>
+                      <a16:colId xmlns:a16="http://schemas.microsoft.com/office/drawing/2014/main" val="861022633"/>
                     </a:ext>
                   </a:extLst>
                 </a:gridCol>
-                <a:gridCol w="1538869">
+                <a:gridCol w="1752601">
                   <a:extLst>
                     <a:ext uri="{9D8B030D-6E8A-4147-A177-3AD203B41FA5}">
-                      <a16:colId xmlns:a16="http://schemas.microsoft.com/office/drawing/2014/main" val="3318627087"/>
+                      <a16:colId xmlns:a16="http://schemas.microsoft.com/office/drawing/2014/main" val="175265586"/>
                     </a:ext>
                   </a:extLst>
                 </a:gridCol>
-                <a:gridCol w="892098">
+                <a:gridCol w="1752601">
                   <a:extLst>
                     <a:ext uri="{9D8B030D-6E8A-4147-A177-3AD203B41FA5}">
-                      <a16:colId xmlns:a16="http://schemas.microsoft.com/office/drawing/2014/main" val="3549962534"/>
+                      <a16:colId xmlns:a16="http://schemas.microsoft.com/office/drawing/2014/main" val="3388819952"/>
                     </a:ext>
                   </a:extLst>
                 </a:gridCol>
-                <a:gridCol w="914400">
+                <a:gridCol w="1752601">
                   <a:extLst>
                     <a:ext uri="{9D8B030D-6E8A-4147-A177-3AD203B41FA5}">
-                      <a16:colId xmlns:a16="http://schemas.microsoft.com/office/drawing/2014/main" val="1815634729"/>
-                    </a:ext>
-                  </a:extLst>
-                </a:gridCol>
-                <a:gridCol w="992281">
-                  <a:extLst>
-                    <a:ext uri="{9D8B030D-6E8A-4147-A177-3AD203B41FA5}">
-                      <a16:colId xmlns:a16="http://schemas.microsoft.com/office/drawing/2014/main" val="774992101"/>
-                    </a:ext>
-                  </a:extLst>
-                </a:gridCol>
-                <a:gridCol w="2063153">
-                  <a:extLst>
-                    <a:ext uri="{9D8B030D-6E8A-4147-A177-3AD203B41FA5}">
-                      <a16:colId xmlns:a16="http://schemas.microsoft.com/office/drawing/2014/main" val="2048089069"/>
+                      <a16:colId xmlns:a16="http://schemas.microsoft.com/office/drawing/2014/main" val="720435242"/>
                     </a:ext>
                   </a:extLst>
                 </a:gridCol>
               </a:tblGrid>
-              <a:tr h="403028">
-                <a:tc gridSpan="7">
+              <a:tr h="0">
+                <a:tc>
+                  <a:txBody>
+                    <a:bodyPr/>
+                    <a:lstStyle/>
+                    <a:p>
+                      <a:pPr latinLnBrk="1"/>
+                      <a:r>
+                        <a:rPr lang="ko-KR" altLang="en-US" dirty="0" err="1"/>
+                        <a:t>고객아이디</a:t>
+                      </a:r>
+                      <a:endParaRPr lang="ko-KR" altLang="en-US" dirty="0"/>
+                    </a:p>
+                  </a:txBody>
+                  <a:tcPr/>
+                </a:tc>
+                <a:tc>
                   <a:txBody>
                     <a:bodyPr/>
                     <a:lstStyle/>
@@ -4494,290 +4377,12 @@
                       <a:pPr latinLnBrk="1"/>
                       <a:r>
                         <a:rPr lang="ko-KR" altLang="en-US" dirty="0"/>
-                        <a:t>테이블명세서</a:t>
-                      </a:r>
-                    </a:p>
-                  </a:txBody>
-                  <a:tcPr>
-                    <a:lnB w="38100" cmpd="sng">
-                      <a:noFill/>
-                    </a:lnB>
-                  </a:tcPr>
-                </a:tc>
-                <a:tc hMerge="1">
-                  <a:txBody>
-                    <a:bodyPr/>
-                    <a:lstStyle/>
-                    <a:p>
-                      <a:pPr latinLnBrk="1"/>
-                      <a:endParaRPr lang="ko-KR" altLang="en-US"/>
-                    </a:p>
-                  </a:txBody>
-                  <a:tcPr/>
-                </a:tc>
-                <a:tc hMerge="1">
-                  <a:txBody>
-                    <a:bodyPr/>
-                    <a:lstStyle/>
-                    <a:p>
-                      <a:pPr latinLnBrk="1"/>
-                      <a:endParaRPr lang="ko-KR" altLang="en-US"/>
-                    </a:p>
-                  </a:txBody>
-                  <a:tcPr/>
-                </a:tc>
-                <a:tc hMerge="1">
-                  <a:txBody>
-                    <a:bodyPr/>
-                    <a:lstStyle/>
-                    <a:p>
-                      <a:pPr latinLnBrk="1"/>
-                      <a:endParaRPr lang="ko-KR" altLang="en-US" dirty="0"/>
-                    </a:p>
-                  </a:txBody>
-                  <a:tcPr/>
-                </a:tc>
-                <a:tc hMerge="1">
-                  <a:txBody>
-                    <a:bodyPr/>
-                    <a:lstStyle/>
-                    <a:p>
-                      <a:pPr latinLnBrk="1"/>
-                      <a:endParaRPr lang="ko-KR" altLang="en-US"/>
-                    </a:p>
-                  </a:txBody>
-                  <a:tcPr/>
-                </a:tc>
-                <a:tc hMerge="1">
-                  <a:txBody>
-                    <a:bodyPr/>
-                    <a:lstStyle/>
-                    <a:p>
-                      <a:pPr latinLnBrk="1"/>
-                      <a:endParaRPr lang="ko-KR" altLang="en-US"/>
-                    </a:p>
-                  </a:txBody>
-                  <a:tcPr/>
-                </a:tc>
-                <a:tc hMerge="1">
-                  <a:txBody>
-                    <a:bodyPr/>
-                    <a:lstStyle/>
-                    <a:p>
-                      <a:pPr latinLnBrk="1"/>
-                      <a:endParaRPr lang="ko-KR" altLang="en-US"/>
-                    </a:p>
-                  </a:txBody>
-                  <a:tcPr/>
-                </a:tc>
-                <a:extLst>
-                  <a:ext uri="{0D108BD9-81ED-4DB2-BD59-A6C34878D82A}">
-                    <a16:rowId xmlns:a16="http://schemas.microsoft.com/office/drawing/2014/main" val="263251583"/>
-                  </a:ext>
-                </a:extLst>
-              </a:tr>
-              <a:tr h="403028">
-                <a:tc gridSpan="3">
-                  <a:txBody>
-                    <a:bodyPr/>
-                    <a:lstStyle/>
-                    <a:p>
-                      <a:pPr latinLnBrk="1"/>
-                      <a:r>
-                        <a:rPr lang="ko-KR" altLang="en-US" dirty="0"/>
-                        <a:t>테이블이름</a:t>
-                      </a:r>
-                    </a:p>
-                  </a:txBody>
-                  <a:tcPr>
-                    <a:lnT w="38100" cmpd="sng">
-                      <a:noFill/>
-                    </a:lnT>
-                  </a:tcPr>
-                </a:tc>
-                <a:tc hMerge="1">
-                  <a:txBody>
-                    <a:bodyPr/>
-                    <a:lstStyle/>
-                    <a:p>
-                      <a:pPr latinLnBrk="1"/>
-                      <a:endParaRPr lang="ko-KR" altLang="en-US" dirty="0"/>
-                    </a:p>
-                  </a:txBody>
-                  <a:tcPr/>
-                </a:tc>
-                <a:tc hMerge="1">
-                  <a:txBody>
-                    <a:bodyPr/>
-                    <a:lstStyle/>
-                    <a:p>
-                      <a:pPr latinLnBrk="1"/>
-                      <a:endParaRPr lang="ko-KR" altLang="en-US" dirty="0"/>
-                    </a:p>
-                  </a:txBody>
-                  <a:tcPr/>
-                </a:tc>
-                <a:tc gridSpan="4">
-                  <a:txBody>
-                    <a:bodyPr/>
-                    <a:lstStyle/>
-                    <a:p>
-                      <a:pPr latinLnBrk="1"/>
-                      <a:r>
-                        <a:rPr lang="ko-KR" altLang="en-US" dirty="0"/>
-                        <a:t>상품</a:t>
-                      </a:r>
-                    </a:p>
-                  </a:txBody>
-                  <a:tcPr/>
-                </a:tc>
-                <a:tc hMerge="1">
-                  <a:txBody>
-                    <a:bodyPr/>
-                    <a:lstStyle/>
-                    <a:p>
-                      <a:pPr latinLnBrk="1"/>
-                      <a:endParaRPr lang="ko-KR" altLang="en-US" dirty="0"/>
-                    </a:p>
-                  </a:txBody>
-                  <a:tcPr/>
-                </a:tc>
-                <a:tc hMerge="1">
-                  <a:txBody>
-                    <a:bodyPr/>
-                    <a:lstStyle/>
-                    <a:p>
-                      <a:pPr latinLnBrk="1"/>
-                      <a:endParaRPr lang="ko-KR" altLang="en-US" dirty="0"/>
-                    </a:p>
-                  </a:txBody>
-                  <a:tcPr/>
-                </a:tc>
-                <a:tc hMerge="1">
-                  <a:txBody>
-                    <a:bodyPr/>
-                    <a:lstStyle/>
-                    <a:p>
-                      <a:pPr latinLnBrk="1"/>
-                      <a:endParaRPr lang="ko-KR" altLang="en-US"/>
-                    </a:p>
-                  </a:txBody>
-                  <a:tcPr/>
-                </a:tc>
-                <a:extLst>
-                  <a:ext uri="{0D108BD9-81ED-4DB2-BD59-A6C34878D82A}">
-                    <a16:rowId xmlns:a16="http://schemas.microsoft.com/office/drawing/2014/main" val="3530461294"/>
-                  </a:ext>
-                </a:extLst>
-              </a:tr>
-              <a:tr h="403028">
-                <a:tc>
-                  <a:txBody>
-                    <a:bodyPr/>
-                    <a:lstStyle/>
-                    <a:p>
-                      <a:pPr latinLnBrk="1"/>
-                      <a:r>
-                        <a:rPr lang="ko-KR" altLang="en-US" dirty="0"/>
-                        <a:t>속성이름</a:t>
-                      </a:r>
-                    </a:p>
-                  </a:txBody>
-                  <a:tcPr/>
-                </a:tc>
-                <a:tc>
-                  <a:txBody>
-                    <a:bodyPr/>
-                    <a:lstStyle/>
-                    <a:p>
-                      <a:pPr latinLnBrk="1"/>
-                      <a:r>
-                        <a:rPr lang="ko-KR" altLang="en-US" dirty="0"/>
-                        <a:t>데이터타입</a:t>
-                      </a:r>
-                    </a:p>
-                  </a:txBody>
-                  <a:tcPr/>
-                </a:tc>
-                <a:tc>
-                  <a:txBody>
-                    <a:bodyPr/>
-                    <a:lstStyle/>
-                    <a:p>
-                      <a:pPr latinLnBrk="1"/>
-                      <a:r>
-                        <a:rPr lang="ko-KR" altLang="en-US" dirty="0"/>
-                        <a:t>널허용여부</a:t>
-                      </a:r>
-                    </a:p>
-                  </a:txBody>
-                  <a:tcPr/>
-                </a:tc>
-                <a:tc>
-                  <a:txBody>
-                    <a:bodyPr/>
-                    <a:lstStyle/>
-                    <a:p>
-                      <a:pPr latinLnBrk="1"/>
-                      <a:r>
-                        <a:rPr lang="ko-KR" altLang="en-US" dirty="0"/>
-                        <a:t>기본값</a:t>
-                      </a:r>
-                    </a:p>
-                  </a:txBody>
-                  <a:tcPr/>
-                </a:tc>
-                <a:tc>
-                  <a:txBody>
-                    <a:bodyPr/>
-                    <a:lstStyle/>
-                    <a:p>
-                      <a:pPr latinLnBrk="1"/>
-                      <a:r>
-                        <a:rPr lang="ko-KR" altLang="en-US" dirty="0" err="1"/>
-                        <a:t>기본키</a:t>
-                      </a:r>
-                      <a:endParaRPr lang="ko-KR" altLang="en-US" dirty="0"/>
-                    </a:p>
-                  </a:txBody>
-                  <a:tcPr/>
-                </a:tc>
-                <a:tc>
-                  <a:txBody>
-                    <a:bodyPr/>
-                    <a:lstStyle/>
-                    <a:p>
-                      <a:pPr latinLnBrk="1"/>
-                      <a:r>
-                        <a:rPr lang="ko-KR" altLang="en-US" dirty="0" err="1"/>
-                        <a:t>외래키</a:t>
-                      </a:r>
-                      <a:endParaRPr lang="ko-KR" altLang="en-US" dirty="0"/>
-                    </a:p>
-                  </a:txBody>
-                  <a:tcPr/>
-                </a:tc>
-                <a:tc>
-                  <a:txBody>
-                    <a:bodyPr/>
-                    <a:lstStyle/>
-                    <a:p>
-                      <a:pPr latinLnBrk="1"/>
-                      <a:r>
-                        <a:rPr lang="ko-KR" altLang="en-US" dirty="0"/>
-                        <a:t>제약조건</a:t>
-                      </a:r>
-                    </a:p>
-                  </a:txBody>
-                  <a:tcPr/>
-                </a:tc>
-                <a:extLst>
-                  <a:ext uri="{0D108BD9-81ED-4DB2-BD59-A6C34878D82A}">
-                    <a16:rowId xmlns:a16="http://schemas.microsoft.com/office/drawing/2014/main" val="3064652661"/>
-                  </a:ext>
-                </a:extLst>
-              </a:tr>
-              <a:tr h="403028">
+                        <a:t>고객이름</a:t>
+                      </a:r>
+                    </a:p>
+                  </a:txBody>
+                  <a:tcPr/>
+                </a:tc>
                 <a:tc>
                   <a:txBody>
                     <a:bodyPr/>
@@ -4802,12 +4407,51 @@
                       </a:pPr>
                       <a:r>
                         <a:rPr lang="ko-KR" altLang="en-US" dirty="0"/>
-                        <a:t>상품번호</a:t>
-                      </a:r>
-                    </a:p>
-                  </a:txBody>
-                  <a:tcPr/>
-                </a:tc>
+                        <a:t>나이</a:t>
+                      </a:r>
+                    </a:p>
+                  </a:txBody>
+                  <a:tcPr/>
+                </a:tc>
+                <a:tc>
+                  <a:txBody>
+                    <a:bodyPr/>
+                    <a:lstStyle/>
+                    <a:p>
+                      <a:pPr latinLnBrk="1"/>
+                      <a:r>
+                        <a:rPr lang="ko-KR" altLang="en-US" dirty="0"/>
+                        <a:t>등급 </a:t>
+                      </a:r>
+                    </a:p>
+                  </a:txBody>
+                  <a:tcPr/>
+                </a:tc>
+                <a:tc>
+                  <a:txBody>
+                    <a:bodyPr/>
+                    <a:lstStyle/>
+                    <a:p>
+                      <a:pPr latinLnBrk="1"/>
+                      <a:r>
+                        <a:rPr lang="en-US" altLang="ko-KR" dirty="0"/>
+                        <a:t> </a:t>
+                      </a:r>
+                      <a:r>
+                        <a:rPr lang="ko-KR" altLang="en-US" dirty="0"/>
+                        <a:t>적립금</a:t>
+                      </a:r>
+                    </a:p>
+                  </a:txBody>
+                  <a:tcPr/>
+                </a:tc>
+                <a:extLst>
+                  <a:ext uri="{0D108BD9-81ED-4DB2-BD59-A6C34878D82A}">
+                    <a16:rowId xmlns:a16="http://schemas.microsoft.com/office/drawing/2014/main" val="368924564"/>
+                  </a:ext>
+                </a:extLst>
+              </a:tr>
+              <a:tr h="370840">
                 <a:tc>
                   <a:txBody>
                     <a:bodyPr/>
@@ -4832,93 +4476,9 @@
                       </a:pPr>
                       <a:r>
                         <a:rPr lang="en-US" altLang="ko-KR" dirty="0"/>
-                        <a:t>Varchar(20)</a:t>
-                      </a:r>
-                      <a:endParaRPr lang="ko-KR" altLang="en-US" dirty="0"/>
-                    </a:p>
-                  </a:txBody>
-                  <a:tcPr/>
-                </a:tc>
-                <a:tc>
-                  <a:txBody>
-                    <a:bodyPr/>
-                    <a:lstStyle/>
-                    <a:p>
-                      <a:pPr latinLnBrk="1"/>
-                      <a:r>
-                        <a:rPr lang="en-US" altLang="ko-KR" dirty="0"/>
-                        <a:t>N</a:t>
-                      </a:r>
-                      <a:endParaRPr lang="ko-KR" altLang="en-US" dirty="0"/>
-                    </a:p>
-                  </a:txBody>
-                  <a:tcPr/>
-                </a:tc>
-                <a:tc>
-                  <a:txBody>
-                    <a:bodyPr/>
-                    <a:lstStyle/>
-                    <a:p>
-                      <a:pPr latinLnBrk="1"/>
-                      <a:endParaRPr lang="ko-KR" altLang="en-US" dirty="0"/>
-                    </a:p>
-                  </a:txBody>
-                  <a:tcPr/>
-                </a:tc>
-                <a:tc>
-                  <a:txBody>
-                    <a:bodyPr/>
-                    <a:lstStyle/>
-                    <a:p>
-                      <a:pPr latinLnBrk="1"/>
-                      <a:r>
-                        <a:rPr lang="en-US" altLang="ko-KR" dirty="0"/>
-                        <a:t>PK</a:t>
-                      </a:r>
-                      <a:endParaRPr lang="ko-KR" altLang="en-US" dirty="0"/>
-                    </a:p>
-                  </a:txBody>
-                  <a:tcPr/>
-                </a:tc>
-                <a:tc>
-                  <a:txBody>
-                    <a:bodyPr/>
-                    <a:lstStyle/>
-                    <a:p>
-                      <a:pPr latinLnBrk="1"/>
-                      <a:endParaRPr lang="ko-KR" altLang="en-US"/>
-                    </a:p>
-                  </a:txBody>
-                  <a:tcPr/>
-                </a:tc>
-                <a:tc>
-                  <a:txBody>
-                    <a:bodyPr/>
-                    <a:lstStyle/>
-                    <a:p>
-                      <a:pPr latinLnBrk="1"/>
-                      <a:endParaRPr lang="ko-KR" altLang="en-US"/>
-                    </a:p>
-                  </a:txBody>
-                  <a:tcPr/>
-                </a:tc>
-                <a:extLst>
-                  <a:ext uri="{0D108BD9-81ED-4DB2-BD59-A6C34878D82A}">
-                    <a16:rowId xmlns:a16="http://schemas.microsoft.com/office/drawing/2014/main" val="3969570785"/>
-                  </a:ext>
-                </a:extLst>
-              </a:tr>
-              <a:tr h="403028">
-                <a:tc>
-                  <a:txBody>
-                    <a:bodyPr/>
-                    <a:lstStyle/>
-                    <a:p>
-                      <a:pPr latinLnBrk="1"/>
-                      <a:r>
-                        <a:rPr lang="ko-KR" altLang="en-US" dirty="0"/>
-                        <a:t>상품명</a:t>
-                      </a:r>
+                        <a:t>Apple</a:t>
+                      </a:r>
+                      <a:endParaRPr lang="ko-KR" altLang="en-US" dirty="0"/>
                     </a:p>
                   </a:txBody>
                   <a:tcPr/>
@@ -4946,8 +4506,26 @@
                         <a:defRPr/>
                       </a:pPr>
                       <a:r>
+                        <a:rPr lang="ko-KR" altLang="en-US" dirty="0"/>
+                        <a:t>김현준</a:t>
+                      </a:r>
+                    </a:p>
+                    <a:p>
+                      <a:pPr latinLnBrk="1"/>
+                      <a:endParaRPr lang="ko-KR" altLang="en-US" dirty="0"/>
+                    </a:p>
+                  </a:txBody>
+                  <a:tcPr/>
+                </a:tc>
+                <a:tc>
+                  <a:txBody>
+                    <a:bodyPr/>
+                    <a:lstStyle/>
+                    <a:p>
+                      <a:pPr latinLnBrk="1"/>
+                      <a:r>
                         <a:rPr lang="en-US" altLang="ko-KR" dirty="0"/>
-                        <a:t>Varchar(50)</a:t>
+                        <a:t>20</a:t>
                       </a:r>
                       <a:endParaRPr lang="ko-KR" altLang="en-US" dirty="0"/>
                     </a:p>
@@ -4962,78 +4540,35 @@
                       <a:pPr latinLnBrk="1"/>
                       <a:r>
                         <a:rPr lang="en-US" altLang="ko-KR" dirty="0"/>
-                        <a:t>N</a:t>
-                      </a:r>
-                      <a:endParaRPr lang="ko-KR" altLang="en-US" dirty="0"/>
-                    </a:p>
-                  </a:txBody>
-                  <a:tcPr/>
-                </a:tc>
-                <a:tc>
-                  <a:txBody>
-                    <a:bodyPr/>
-                    <a:lstStyle/>
-                    <a:p>
-                      <a:pPr latinLnBrk="1"/>
-                      <a:endParaRPr lang="ko-KR" altLang="en-US" dirty="0"/>
-                    </a:p>
-                  </a:txBody>
-                  <a:tcPr/>
-                </a:tc>
-                <a:tc>
-                  <a:txBody>
-                    <a:bodyPr/>
-                    <a:lstStyle/>
-                    <a:p>
-                      <a:pPr latinLnBrk="1"/>
-                      <a:endParaRPr lang="ko-KR" altLang="en-US" dirty="0"/>
-                    </a:p>
-                  </a:txBody>
-                  <a:tcPr/>
-                </a:tc>
-                <a:tc>
-                  <a:txBody>
-                    <a:bodyPr/>
-                    <a:lstStyle/>
-                    <a:p>
-                      <a:pPr latinLnBrk="1"/>
-                      <a:endParaRPr lang="ko-KR" altLang="en-US" dirty="0"/>
-                    </a:p>
-                  </a:txBody>
-                  <a:tcPr/>
-                </a:tc>
-                <a:tc>
-                  <a:txBody>
-                    <a:bodyPr/>
-                    <a:lstStyle/>
-                    <a:p>
-                      <a:pPr latinLnBrk="1"/>
-                      <a:endParaRPr lang="ko-KR" altLang="en-US"/>
+                        <a:t>Gold </a:t>
+                      </a:r>
+                      <a:endParaRPr lang="ko-KR" altLang="en-US" dirty="0"/>
+                    </a:p>
+                  </a:txBody>
+                  <a:tcPr/>
+                </a:tc>
+                <a:tc>
+                  <a:txBody>
+                    <a:bodyPr/>
+                    <a:lstStyle/>
+                    <a:p>
+                      <a:pPr latinLnBrk="1"/>
+                      <a:r>
+                        <a:rPr lang="en-US" altLang="ko-KR" dirty="0"/>
+                        <a:t>1000</a:t>
+                      </a:r>
+                      <a:endParaRPr lang="ko-KR" altLang="en-US" dirty="0"/>
                     </a:p>
                   </a:txBody>
                   <a:tcPr/>
                 </a:tc>
                 <a:extLst>
                   <a:ext uri="{0D108BD9-81ED-4DB2-BD59-A6C34878D82A}">
-                    <a16:rowId xmlns:a16="http://schemas.microsoft.com/office/drawing/2014/main" val="1749574616"/>
+                    <a16:rowId xmlns:a16="http://schemas.microsoft.com/office/drawing/2014/main" val="4156629221"/>
                   </a:ext>
                 </a:extLst>
               </a:tr>
-              <a:tr h="403028">
-                <a:tc>
-                  <a:txBody>
-                    <a:bodyPr/>
-                    <a:lstStyle/>
-                    <a:p>
-                      <a:pPr latinLnBrk="1"/>
-                      <a:r>
-                        <a:rPr lang="ko-KR" altLang="en-US" dirty="0"/>
-                        <a:t>재고량</a:t>
-                      </a:r>
-                    </a:p>
-                  </a:txBody>
-                  <a:tcPr/>
-                </a:tc>
+              <a:tr h="370840">
                 <a:tc>
                   <a:txBody>
                     <a:bodyPr/>
@@ -5058,206 +4593,9 @@
                       </a:pPr>
                       <a:r>
                         <a:rPr lang="en-US" altLang="ko-KR" dirty="0"/>
-                        <a:t>Int</a:t>
-                      </a:r>
-                      <a:endParaRPr lang="ko-KR" altLang="en-US" dirty="0"/>
-                    </a:p>
-                  </a:txBody>
-                  <a:tcPr/>
-                </a:tc>
-                <a:tc>
-                  <a:txBody>
-                    <a:bodyPr/>
-                    <a:lstStyle/>
-                    <a:p>
-                      <a:pPr latinLnBrk="1"/>
-                      <a:r>
-                        <a:rPr lang="en-US" altLang="ko-KR" dirty="0"/>
-                        <a:t>N</a:t>
-                      </a:r>
-                      <a:endParaRPr lang="ko-KR" altLang="en-US" dirty="0"/>
-                    </a:p>
-                  </a:txBody>
-                  <a:tcPr/>
-                </a:tc>
-                <a:tc>
-                  <a:txBody>
-                    <a:bodyPr/>
-                    <a:lstStyle/>
-                    <a:p>
-                      <a:pPr latinLnBrk="1"/>
-                      <a:r>
-                        <a:rPr lang="en-US" altLang="ko-KR" dirty="0"/>
-                        <a:t>0</a:t>
-                      </a:r>
-                      <a:endParaRPr lang="ko-KR" altLang="en-US" dirty="0"/>
-                    </a:p>
-                  </a:txBody>
-                  <a:tcPr/>
-                </a:tc>
-                <a:tc>
-                  <a:txBody>
-                    <a:bodyPr/>
-                    <a:lstStyle/>
-                    <a:p>
-                      <a:pPr latinLnBrk="1"/>
-                      <a:endParaRPr lang="ko-KR" altLang="en-US" dirty="0"/>
-                    </a:p>
-                  </a:txBody>
-                  <a:tcPr/>
-                </a:tc>
-                <a:tc>
-                  <a:txBody>
-                    <a:bodyPr/>
-                    <a:lstStyle/>
-                    <a:p>
-                      <a:pPr latinLnBrk="1"/>
-                      <a:endParaRPr lang="ko-KR" altLang="en-US"/>
-                    </a:p>
-                  </a:txBody>
-                  <a:tcPr/>
-                </a:tc>
-                <a:tc>
-                  <a:txBody>
-                    <a:bodyPr/>
-                    <a:lstStyle/>
-                    <a:p>
-                      <a:pPr latinLnBrk="1"/>
-                      <a:r>
-                        <a:rPr lang="en-US" altLang="ko-KR" dirty="0"/>
-                        <a:t>0</a:t>
-                      </a:r>
-                      <a:r>
-                        <a:rPr lang="ko-KR" altLang="en-US" dirty="0"/>
-                        <a:t>이상</a:t>
-                      </a:r>
-                    </a:p>
-                  </a:txBody>
-                  <a:tcPr/>
-                </a:tc>
-                <a:extLst>
-                  <a:ext uri="{0D108BD9-81ED-4DB2-BD59-A6C34878D82A}">
-                    <a16:rowId xmlns:a16="http://schemas.microsoft.com/office/drawing/2014/main" val="4211299645"/>
-                  </a:ext>
-                </a:extLst>
-              </a:tr>
-              <a:tr h="403028">
-                <a:tc>
-                  <a:txBody>
-                    <a:bodyPr/>
-                    <a:lstStyle/>
-                    <a:p>
-                      <a:pPr latinLnBrk="1"/>
-                      <a:r>
-                        <a:rPr lang="ko-KR" altLang="en-US" dirty="0"/>
-                        <a:t>단가</a:t>
-                      </a:r>
-                    </a:p>
-                  </a:txBody>
-                  <a:tcPr/>
-                </a:tc>
-                <a:tc>
-                  <a:txBody>
-                    <a:bodyPr/>
-                    <a:lstStyle/>
-                    <a:p>
-                      <a:pPr latinLnBrk="1"/>
-                      <a:r>
-                        <a:rPr lang="en-US" altLang="ko-KR" dirty="0"/>
-                        <a:t>Int</a:t>
-                      </a:r>
-                      <a:endParaRPr lang="ko-KR" altLang="en-US" dirty="0"/>
-                    </a:p>
-                  </a:txBody>
-                  <a:tcPr/>
-                </a:tc>
-                <a:tc>
-                  <a:txBody>
-                    <a:bodyPr/>
-                    <a:lstStyle/>
-                    <a:p>
-                      <a:pPr latinLnBrk="1"/>
-                      <a:r>
-                        <a:rPr lang="en-US" altLang="ko-KR" dirty="0"/>
-                        <a:t>N</a:t>
-                      </a:r>
-                      <a:endParaRPr lang="ko-KR" altLang="en-US" dirty="0"/>
-                    </a:p>
-                  </a:txBody>
-                  <a:tcPr/>
-                </a:tc>
-                <a:tc>
-                  <a:txBody>
-                    <a:bodyPr/>
-                    <a:lstStyle/>
-                    <a:p>
-                      <a:pPr latinLnBrk="1"/>
-                      <a:r>
-                        <a:rPr lang="en-US" altLang="ko-KR" dirty="0"/>
-                        <a:t>0</a:t>
-                      </a:r>
-                      <a:endParaRPr lang="ko-KR" altLang="en-US" dirty="0"/>
-                    </a:p>
-                  </a:txBody>
-                  <a:tcPr/>
-                </a:tc>
-                <a:tc>
-                  <a:txBody>
-                    <a:bodyPr/>
-                    <a:lstStyle/>
-                    <a:p>
-                      <a:pPr latinLnBrk="1"/>
-                      <a:endParaRPr lang="ko-KR" altLang="en-US" dirty="0"/>
-                    </a:p>
-                  </a:txBody>
-                  <a:tcPr/>
-                </a:tc>
-                <a:tc>
-                  <a:txBody>
-                    <a:bodyPr/>
-                    <a:lstStyle/>
-                    <a:p>
-                      <a:pPr latinLnBrk="1"/>
-                      <a:endParaRPr lang="ko-KR" altLang="en-US" dirty="0"/>
-                    </a:p>
-                  </a:txBody>
-                  <a:tcPr/>
-                </a:tc>
-                <a:tc>
-                  <a:txBody>
-                    <a:bodyPr/>
-                    <a:lstStyle/>
-                    <a:p>
-                      <a:pPr latinLnBrk="1"/>
-                      <a:r>
-                        <a:rPr lang="en-US" altLang="ko-KR" dirty="0"/>
-                        <a:t>0</a:t>
-                      </a:r>
-                      <a:r>
-                        <a:rPr lang="ko-KR" altLang="en-US" dirty="0"/>
-                        <a:t>이상</a:t>
-                      </a:r>
-                    </a:p>
-                  </a:txBody>
-                  <a:tcPr/>
-                </a:tc>
-                <a:extLst>
-                  <a:ext uri="{0D108BD9-81ED-4DB2-BD59-A6C34878D82A}">
-                    <a16:rowId xmlns:a16="http://schemas.microsoft.com/office/drawing/2014/main" val="3710097875"/>
-                  </a:ext>
-                </a:extLst>
-              </a:tr>
-              <a:tr h="403028">
-                <a:tc>
-                  <a:txBody>
-                    <a:bodyPr/>
-                    <a:lstStyle/>
-                    <a:p>
-                      <a:pPr latinLnBrk="1"/>
-                      <a:r>
-                        <a:rPr lang="ko-KR" altLang="en-US" dirty="0"/>
-                        <a:t>제조업체명</a:t>
-                      </a:r>
+                        <a:t>Banana</a:t>
+                      </a:r>
+                      <a:endParaRPr lang="ko-KR" altLang="en-US" dirty="0"/>
                     </a:p>
                   </a:txBody>
                   <a:tcPr/>
@@ -5285,8 +4623,26 @@
                         <a:defRPr/>
                       </a:pPr>
                       <a:r>
+                        <a:rPr lang="ko-KR" altLang="en-US" dirty="0"/>
+                        <a:t>정소화</a:t>
+                      </a:r>
+                    </a:p>
+                    <a:p>
+                      <a:pPr latinLnBrk="1"/>
+                      <a:endParaRPr lang="ko-KR" altLang="en-US" dirty="0"/>
+                    </a:p>
+                  </a:txBody>
+                  <a:tcPr/>
+                </a:tc>
+                <a:tc>
+                  <a:txBody>
+                    <a:bodyPr/>
+                    <a:lstStyle/>
+                    <a:p>
+                      <a:pPr latinLnBrk="1"/>
+                      <a:r>
                         <a:rPr lang="en-US" altLang="ko-KR" dirty="0"/>
-                        <a:t>Varchar(30)</a:t>
+                        <a:t>25 </a:t>
                       </a:r>
                       <a:endParaRPr lang="ko-KR" altLang="en-US" dirty="0"/>
                     </a:p>
@@ -5301,30 +4657,8 @@
                       <a:pPr latinLnBrk="1"/>
                       <a:r>
                         <a:rPr lang="en-US" altLang="ko-KR" dirty="0"/>
-                        <a:t>N</a:t>
-                      </a:r>
-                      <a:endParaRPr lang="ko-KR" altLang="en-US" dirty="0"/>
-                    </a:p>
-                  </a:txBody>
-                  <a:tcPr/>
-                </a:tc>
-                <a:tc>
-                  <a:txBody>
-                    <a:bodyPr/>
-                    <a:lstStyle/>
-                    <a:p>
-                      <a:pPr latinLnBrk="1"/>
-                      <a:endParaRPr lang="ko-KR" altLang="en-US" dirty="0"/>
-                    </a:p>
-                  </a:txBody>
-                  <a:tcPr/>
-                </a:tc>
-                <a:tc>
-                  <a:txBody>
-                    <a:bodyPr/>
-                    <a:lstStyle/>
-                    <a:p>
-                      <a:pPr latinLnBrk="1"/>
+                        <a:t>Vip</a:t>
+                      </a:r>
                       <a:endParaRPr lang="ko-KR" altLang="en-US" dirty="0"/>
                     </a:p>
                   </a:txBody>
@@ -5338,19 +4672,8 @@
                       <a:pPr latinLnBrk="1"/>
                       <a:r>
                         <a:rPr lang="en-US" altLang="ko-KR" dirty="0"/>
-                        <a:t>FK</a:t>
-                      </a:r>
-                      <a:endParaRPr lang="ko-KR" altLang="en-US" dirty="0"/>
-                    </a:p>
-                  </a:txBody>
-                  <a:tcPr/>
-                </a:tc>
-                <a:tc>
-                  <a:txBody>
-                    <a:bodyPr/>
-                    <a:lstStyle/>
-                    <a:p>
-                      <a:pPr latinLnBrk="1"/>
+                        <a:t>2500</a:t>
+                      </a:r>
                       <a:endParaRPr lang="ko-KR" altLang="en-US" dirty="0"/>
                     </a:p>
                   </a:txBody>
@@ -5358,11 +4681,11 @@
                 </a:tc>
                 <a:extLst>
                   <a:ext uri="{0D108BD9-81ED-4DB2-BD59-A6C34878D82A}">
-                    <a16:rowId xmlns:a16="http://schemas.microsoft.com/office/drawing/2014/main" val="3651273540"/>
+                    <a16:rowId xmlns:a16="http://schemas.microsoft.com/office/drawing/2014/main" val="717680684"/>
                   </a:ext>
                 </a:extLst>
               </a:tr>
-              <a:tr h="403028">
+              <a:tr h="370840">
                 <a:tc>
                   <a:txBody>
                     <a:bodyPr/>
@@ -5386,27 +4709,44 @@
                         <a:defRPr/>
                       </a:pPr>
                       <a:r>
-                        <a:rPr lang="ko-KR" altLang="en-US" dirty="0"/>
-                        <a:t>공급일자</a:t>
-                      </a:r>
-                    </a:p>
-                    <a:p>
-                      <a:pPr latinLnBrk="1"/>
-                      <a:endParaRPr lang="ko-KR" altLang="en-US" dirty="0"/>
-                    </a:p>
-                  </a:txBody>
-                  <a:tcPr/>
-                </a:tc>
-                <a:tc>
-                  <a:txBody>
-                    <a:bodyPr/>
-                    <a:lstStyle/>
-                    <a:p>
-                      <a:pPr latinLnBrk="1"/>
-                      <a:r>
                         <a:rPr lang="en-US" altLang="ko-KR" dirty="0"/>
-                        <a:t>Date</a:t>
-                      </a:r>
+                        <a:t>Carrot</a:t>
+                      </a:r>
+                      <a:endParaRPr lang="ko-KR" altLang="en-US" dirty="0"/>
+                    </a:p>
+                  </a:txBody>
+                  <a:tcPr/>
+                </a:tc>
+                <a:tc>
+                  <a:txBody>
+                    <a:bodyPr/>
+                    <a:lstStyle/>
+                    <a:p>
+                      <a:pPr marL="0" marR="0" lvl="0" indent="0" algn="l" defTabSz="914400" rtl="0" eaLnBrk="1" fontAlgn="auto" latinLnBrk="1" hangingPunct="1">
+                        <a:lnSpc>
+                          <a:spcPct val="100000"/>
+                        </a:lnSpc>
+                        <a:spcBef>
+                          <a:spcPts val="0"/>
+                        </a:spcBef>
+                        <a:spcAft>
+                          <a:spcPts val="0"/>
+                        </a:spcAft>
+                        <a:buClrTx/>
+                        <a:buSzTx/>
+                        <a:buFontTx/>
+                        <a:buNone/>
+                        <a:tabLst/>
+                        <a:defRPr/>
+                      </a:pPr>
+                      <a:r>
+                        <a:rPr lang="ko-KR" altLang="en-US" dirty="0" err="1"/>
+                        <a:t>원유선</a:t>
+                      </a:r>
+                      <a:endParaRPr lang="ko-KR" altLang="en-US" dirty="0"/>
+                    </a:p>
+                    <a:p>
+                      <a:pPr latinLnBrk="1"/>
                       <a:endParaRPr lang="ko-KR" altLang="en-US" dirty="0"/>
                     </a:p>
                   </a:txBody>
@@ -5420,52 +4760,38 @@
                       <a:pPr latinLnBrk="1"/>
                       <a:r>
                         <a:rPr lang="en-US" altLang="ko-KR" dirty="0"/>
-                        <a:t>N</a:t>
-                      </a:r>
-                      <a:endParaRPr lang="ko-KR" altLang="en-US" dirty="0"/>
-                    </a:p>
-                  </a:txBody>
-                  <a:tcPr/>
-                </a:tc>
-                <a:tc>
-                  <a:txBody>
-                    <a:bodyPr/>
-                    <a:lstStyle/>
-                    <a:p>
-                      <a:pPr latinLnBrk="1"/>
-                      <a:endParaRPr lang="ko-KR" altLang="en-US" dirty="0"/>
-                    </a:p>
-                  </a:txBody>
-                  <a:tcPr/>
-                </a:tc>
-                <a:tc>
-                  <a:txBody>
-                    <a:bodyPr/>
-                    <a:lstStyle/>
-                    <a:p>
-                      <a:pPr latinLnBrk="1"/>
-                      <a:endParaRPr lang="ko-KR" altLang="en-US" dirty="0"/>
-                    </a:p>
-                  </a:txBody>
-                  <a:tcPr/>
-                </a:tc>
-                <a:tc>
-                  <a:txBody>
-                    <a:bodyPr/>
-                    <a:lstStyle/>
-                    <a:p>
-                      <a:pPr latinLnBrk="1"/>
-                      <a:endParaRPr lang="ko-KR" altLang="en-US" dirty="0"/>
-                    </a:p>
-                  </a:txBody>
-                  <a:tcPr/>
-                </a:tc>
-                <a:tc>
-                  <a:txBody>
-                    <a:bodyPr/>
-                    <a:lstStyle/>
-                    <a:p>
-                      <a:pPr latinLnBrk="1"/>
+                        <a:t>28</a:t>
+                      </a:r>
+                      <a:endParaRPr lang="ko-KR" altLang="en-US" dirty="0"/>
+                    </a:p>
+                  </a:txBody>
+                  <a:tcPr/>
+                </a:tc>
+                <a:tc>
+                  <a:txBody>
+                    <a:bodyPr/>
+                    <a:lstStyle/>
+                    <a:p>
+                      <a:pPr latinLnBrk="1"/>
+                      <a:r>
+                        <a:rPr lang="en-US" altLang="ko-KR" dirty="0"/>
+                        <a:t>Gold </a:t>
+                      </a:r>
+                      <a:endParaRPr lang="ko-KR" altLang="en-US" dirty="0"/>
+                    </a:p>
+                  </a:txBody>
+                  <a:tcPr/>
+                </a:tc>
+                <a:tc>
+                  <a:txBody>
+                    <a:bodyPr/>
+                    <a:lstStyle/>
+                    <a:p>
+                      <a:pPr latinLnBrk="1"/>
+                      <a:r>
+                        <a:rPr lang="en-US" altLang="ko-KR" dirty="0"/>
+                        <a:t>4500</a:t>
+                      </a:r>
                       <a:endParaRPr lang="ko-KR" altLang="en-US" dirty="0"/>
                     </a:p>
                   </a:txBody>
@@ -5473,11 +4799,42 @@
                 </a:tc>
                 <a:extLst>
                   <a:ext uri="{0D108BD9-81ED-4DB2-BD59-A6C34878D82A}">
-                    <a16:rowId xmlns:a16="http://schemas.microsoft.com/office/drawing/2014/main" val="2927744164"/>
+                    <a16:rowId xmlns:a16="http://schemas.microsoft.com/office/drawing/2014/main" val="3379856729"/>
                   </a:ext>
                 </a:extLst>
               </a:tr>
-              <a:tr h="403028">
+              <a:tr h="370840">
+                <a:tc>
+                  <a:txBody>
+                    <a:bodyPr/>
+                    <a:lstStyle/>
+                    <a:p>
+                      <a:pPr marL="0" marR="0" lvl="0" indent="0" algn="l" defTabSz="914400" rtl="0" eaLnBrk="1" fontAlgn="auto" latinLnBrk="1" hangingPunct="1">
+                        <a:lnSpc>
+                          <a:spcPct val="100000"/>
+                        </a:lnSpc>
+                        <a:spcBef>
+                          <a:spcPts val="0"/>
+                        </a:spcBef>
+                        <a:spcAft>
+                          <a:spcPts val="0"/>
+                        </a:spcAft>
+                        <a:buClrTx/>
+                        <a:buSzTx/>
+                        <a:buFontTx/>
+                        <a:buNone/>
+                        <a:tabLst/>
+                        <a:defRPr/>
+                      </a:pPr>
+                      <a:r>
+                        <a:rPr lang="en-US" altLang="ko-KR" dirty="0"/>
+                        <a:t>Orange</a:t>
+                      </a:r>
+                      <a:endParaRPr lang="ko-KR" altLang="en-US" dirty="0"/>
+                    </a:p>
+                  </a:txBody>
+                  <a:tcPr/>
+                </a:tc>
                 <a:tc>
                   <a:txBody>
                     <a:bodyPr/>
@@ -5486,7 +4843,7 @@
                       <a:pPr latinLnBrk="1"/>
                       <a:r>
                         <a:rPr lang="ko-KR" altLang="en-US" dirty="0"/>
-                        <a:t>공급량</a:t>
+                        <a:t>정지영</a:t>
                       </a:r>
                     </a:p>
                   </a:txBody>
@@ -5500,7 +4857,7 @@
                       <a:pPr latinLnBrk="1"/>
                       <a:r>
                         <a:rPr lang="en-US" altLang="ko-KR" dirty="0"/>
-                        <a:t>Int</a:t>
+                        <a:t>22</a:t>
                       </a:r>
                       <a:endParaRPr lang="ko-KR" altLang="en-US" dirty="0"/>
                     </a:p>
@@ -5515,7 +4872,7 @@
                       <a:pPr latinLnBrk="1"/>
                       <a:r>
                         <a:rPr lang="en-US" altLang="ko-KR" dirty="0"/>
-                        <a:t>N</a:t>
+                        <a:t>Silver</a:t>
                       </a:r>
                       <a:endParaRPr lang="ko-KR" altLang="en-US" dirty="0"/>
                     </a:p>
@@ -5537,42 +4894,9 @@
                   </a:txBody>
                   <a:tcPr/>
                 </a:tc>
-                <a:tc>
-                  <a:txBody>
-                    <a:bodyPr/>
-                    <a:lstStyle/>
-                    <a:p>
-                      <a:pPr latinLnBrk="1"/>
-                      <a:endParaRPr lang="ko-KR" altLang="en-US"/>
-                    </a:p>
-                  </a:txBody>
-                  <a:tcPr/>
-                </a:tc>
-                <a:tc>
-                  <a:txBody>
-                    <a:bodyPr/>
-                    <a:lstStyle/>
-                    <a:p>
-                      <a:pPr latinLnBrk="1"/>
-                      <a:endParaRPr lang="ko-KR" altLang="en-US"/>
-                    </a:p>
-                  </a:txBody>
-                  <a:tcPr/>
-                </a:tc>
-                <a:tc>
-                  <a:txBody>
-                    <a:bodyPr/>
-                    <a:lstStyle/>
-                    <a:p>
-                      <a:pPr latinLnBrk="1"/>
-                      <a:endParaRPr lang="ko-KR" altLang="en-US" dirty="0"/>
-                    </a:p>
-                  </a:txBody>
-                  <a:tcPr/>
-                </a:tc>
                 <a:extLst>
                   <a:ext uri="{0D108BD9-81ED-4DB2-BD59-A6C34878D82A}">
-                    <a16:rowId xmlns:a16="http://schemas.microsoft.com/office/drawing/2014/main" val="930468953"/>
+                    <a16:rowId xmlns:a16="http://schemas.microsoft.com/office/drawing/2014/main" val="598694535"/>
                   </a:ext>
                 </a:extLst>
               </a:tr>
@@ -5580,10 +4904,315 @@
           </a:graphicData>
         </a:graphic>
       </p:graphicFrame>
+      <p:graphicFrame>
+        <p:nvGraphicFramePr>
+          <p:cNvPr id="2" name="표 1">
+            <a:extLst>
+              <a:ext uri="{FF2B5EF4-FFF2-40B4-BE49-F238E27FC236}">
+                <a16:creationId xmlns:a16="http://schemas.microsoft.com/office/drawing/2014/main" id="{AB605AB8-0036-9813-5A39-59C65D2F6081}"/>
+              </a:ext>
+            </a:extLst>
+          </p:cNvPr>
+          <p:cNvGraphicFramePr>
+            <a:graphicFrameLocks noGrp="1"/>
+          </p:cNvGraphicFramePr>
+          <p:nvPr>
+            <p:extLst>
+              <p:ext uri="{D42A27DB-BD31-4B8C-83A1-F6EECF244321}">
+                <p14:modId xmlns:p14="http://schemas.microsoft.com/office/powerpoint/2010/main" val="4010472516"/>
+              </p:ext>
+            </p:extLst>
+          </p:nvPr>
+        </p:nvGraphicFramePr>
+        <p:xfrm>
+          <a:off x="0" y="4529933"/>
+          <a:ext cx="5418666" cy="2219960"/>
+        </p:xfrm>
+        <a:graphic>
+          <a:graphicData uri="http://schemas.openxmlformats.org/drawingml/2006/table">
+            <a:tbl>
+              <a:tblPr firstRow="1" bandRow="1">
+                <a:tableStyleId>{5C22544A-7EE6-4342-B048-85BDC9FD1C3A}</a:tableStyleId>
+              </a:tblPr>
+              <a:tblGrid>
+                <a:gridCol w="2709333">
+                  <a:extLst>
+                    <a:ext uri="{9D8B030D-6E8A-4147-A177-3AD203B41FA5}">
+                      <a16:colId xmlns:a16="http://schemas.microsoft.com/office/drawing/2014/main" val="232756374"/>
+                    </a:ext>
+                  </a:extLst>
+                </a:gridCol>
+                <a:gridCol w="2709333">
+                  <a:extLst>
+                    <a:ext uri="{9D8B030D-6E8A-4147-A177-3AD203B41FA5}">
+                      <a16:colId xmlns:a16="http://schemas.microsoft.com/office/drawing/2014/main" val="1015556691"/>
+                    </a:ext>
+                  </a:extLst>
+                </a:gridCol>
+              </a:tblGrid>
+              <a:tr h="162980">
+                <a:tc>
+                  <a:txBody>
+                    <a:bodyPr/>
+                    <a:lstStyle/>
+                    <a:p>
+                      <a:pPr latinLnBrk="1"/>
+                      <a:r>
+                        <a:rPr lang="ko-KR" altLang="en-US" dirty="0" err="1"/>
+                        <a:t>고객아이디</a:t>
+                      </a:r>
+                      <a:endParaRPr lang="ko-KR" altLang="en-US" dirty="0"/>
+                    </a:p>
+                  </a:txBody>
+                  <a:tcPr/>
+                </a:tc>
+                <a:tc>
+                  <a:txBody>
+                    <a:bodyPr/>
+                    <a:lstStyle/>
+                    <a:p>
+                      <a:pPr latinLnBrk="1"/>
+                      <a:r>
+                        <a:rPr lang="ko-KR" altLang="en-US" dirty="0"/>
+                        <a:t>직업</a:t>
+                      </a:r>
+                    </a:p>
+                  </a:txBody>
+                  <a:tcPr/>
+                </a:tc>
+                <a:extLst>
+                  <a:ext uri="{0D108BD9-81ED-4DB2-BD59-A6C34878D82A}">
+                    <a16:rowId xmlns:a16="http://schemas.microsoft.com/office/drawing/2014/main" val="103570840"/>
+                  </a:ext>
+                </a:extLst>
+              </a:tr>
+              <a:tr h="370840">
+                <a:tc>
+                  <a:txBody>
+                    <a:bodyPr/>
+                    <a:lstStyle/>
+                    <a:p>
+                      <a:pPr latinLnBrk="1"/>
+                      <a:r>
+                        <a:rPr lang="en-US" altLang="ko-KR" dirty="0"/>
+                        <a:t>Apple</a:t>
+                      </a:r>
+                      <a:endParaRPr lang="ko-KR" altLang="en-US" dirty="0"/>
+                    </a:p>
+                  </a:txBody>
+                  <a:tcPr/>
+                </a:tc>
+                <a:tc>
+                  <a:txBody>
+                    <a:bodyPr/>
+                    <a:lstStyle/>
+                    <a:p>
+                      <a:pPr latinLnBrk="1"/>
+                      <a:r>
+                        <a:rPr lang="ko-KR" altLang="en-US" dirty="0"/>
+                        <a:t>학생</a:t>
+                      </a:r>
+                    </a:p>
+                  </a:txBody>
+                  <a:tcPr/>
+                </a:tc>
+                <a:extLst>
+                  <a:ext uri="{0D108BD9-81ED-4DB2-BD59-A6C34878D82A}">
+                    <a16:rowId xmlns:a16="http://schemas.microsoft.com/office/drawing/2014/main" val="1036420593"/>
+                  </a:ext>
+                </a:extLst>
+              </a:tr>
+              <a:tr h="370840">
+                <a:tc>
+                  <a:txBody>
+                    <a:bodyPr/>
+                    <a:lstStyle/>
+                    <a:p>
+                      <a:pPr latinLnBrk="1"/>
+                      <a:r>
+                        <a:rPr lang="en-US" altLang="ko-KR" dirty="0"/>
+                        <a:t>Banana</a:t>
+                      </a:r>
+                      <a:endParaRPr lang="ko-KR" altLang="en-US" dirty="0"/>
+                    </a:p>
+                  </a:txBody>
+                  <a:tcPr/>
+                </a:tc>
+                <a:tc>
+                  <a:txBody>
+                    <a:bodyPr/>
+                    <a:lstStyle/>
+                    <a:p>
+                      <a:pPr latinLnBrk="1"/>
+                      <a:r>
+                        <a:rPr lang="ko-KR" altLang="en-US" dirty="0"/>
+                        <a:t>간호사</a:t>
+                      </a:r>
+                    </a:p>
+                  </a:txBody>
+                  <a:tcPr/>
+                </a:tc>
+                <a:extLst>
+                  <a:ext uri="{0D108BD9-81ED-4DB2-BD59-A6C34878D82A}">
+                    <a16:rowId xmlns:a16="http://schemas.microsoft.com/office/drawing/2014/main" val="1172184773"/>
+                  </a:ext>
+                </a:extLst>
+              </a:tr>
+              <a:tr h="370840">
+                <a:tc>
+                  <a:txBody>
+                    <a:bodyPr/>
+                    <a:lstStyle/>
+                    <a:p>
+                      <a:pPr latinLnBrk="1"/>
+                      <a:r>
+                        <a:rPr lang="en-US" altLang="ko-KR" dirty="0"/>
+                        <a:t>Carrot</a:t>
+                      </a:r>
+                      <a:endParaRPr lang="ko-KR" altLang="en-US" dirty="0"/>
+                    </a:p>
+                  </a:txBody>
+                  <a:tcPr/>
+                </a:tc>
+                <a:tc>
+                  <a:txBody>
+                    <a:bodyPr/>
+                    <a:lstStyle/>
+                    <a:p>
+                      <a:pPr latinLnBrk="1"/>
+                      <a:r>
+                        <a:rPr lang="ko-KR" altLang="en-US" dirty="0"/>
+                        <a:t>교사</a:t>
+                      </a:r>
+                    </a:p>
+                  </a:txBody>
+                  <a:tcPr/>
+                </a:tc>
+                <a:extLst>
+                  <a:ext uri="{0D108BD9-81ED-4DB2-BD59-A6C34878D82A}">
+                    <a16:rowId xmlns:a16="http://schemas.microsoft.com/office/drawing/2014/main" val="4043076873"/>
+                  </a:ext>
+                </a:extLst>
+              </a:tr>
+              <a:tr h="370840">
+                <a:tc>
+                  <a:txBody>
+                    <a:bodyPr/>
+                    <a:lstStyle/>
+                    <a:p>
+                      <a:pPr latinLnBrk="1"/>
+                      <a:r>
+                        <a:rPr lang="en-US" altLang="ko-KR" dirty="0"/>
+                        <a:t>Orange</a:t>
+                      </a:r>
+                      <a:endParaRPr lang="ko-KR" altLang="en-US" dirty="0"/>
+                    </a:p>
+                  </a:txBody>
+                  <a:tcPr/>
+                </a:tc>
+                <a:tc>
+                  <a:txBody>
+                    <a:bodyPr/>
+                    <a:lstStyle/>
+                    <a:p>
+                      <a:pPr latinLnBrk="1"/>
+                      <a:r>
+                        <a:rPr lang="ko-KR" altLang="en-US" dirty="0"/>
+                        <a:t>회사원</a:t>
+                      </a:r>
+                    </a:p>
+                  </a:txBody>
+                  <a:tcPr/>
+                </a:tc>
+                <a:extLst>
+                  <a:ext uri="{0D108BD9-81ED-4DB2-BD59-A6C34878D82A}">
+                    <a16:rowId xmlns:a16="http://schemas.microsoft.com/office/drawing/2014/main" val="217305202"/>
+                  </a:ext>
+                </a:extLst>
+              </a:tr>
+              <a:tr h="370840">
+                <a:tc>
+                  <a:txBody>
+                    <a:bodyPr/>
+                    <a:lstStyle/>
+                    <a:p>
+                      <a:pPr latinLnBrk="1"/>
+                      <a:r>
+                        <a:rPr lang="en-US" altLang="ko-KR" dirty="0"/>
+                        <a:t>Orange</a:t>
+                      </a:r>
+                      <a:endParaRPr lang="ko-KR" altLang="en-US" dirty="0"/>
+                    </a:p>
+                  </a:txBody>
+                  <a:tcPr/>
+                </a:tc>
+                <a:tc>
+                  <a:txBody>
+                    <a:bodyPr/>
+                    <a:lstStyle/>
+                    <a:p>
+                      <a:pPr latinLnBrk="1"/>
+                      <a:r>
+                        <a:rPr lang="ko-KR" altLang="en-US" dirty="0"/>
+                        <a:t>학생</a:t>
+                      </a:r>
+                    </a:p>
+                  </a:txBody>
+                  <a:tcPr/>
+                </a:tc>
+                <a:extLst>
+                  <a:ext uri="{0D108BD9-81ED-4DB2-BD59-A6C34878D82A}">
+                    <a16:rowId xmlns:a16="http://schemas.microsoft.com/office/drawing/2014/main" val="2256670265"/>
+                  </a:ext>
+                </a:extLst>
+              </a:tr>
+            </a:tbl>
+          </a:graphicData>
+        </a:graphic>
+      </p:graphicFrame>
+      <p:sp>
+        <p:nvSpPr>
+          <p:cNvPr id="6" name="TextBox 5">
+            <a:extLst>
+              <a:ext uri="{FF2B5EF4-FFF2-40B4-BE49-F238E27FC236}">
+                <a16:creationId xmlns:a16="http://schemas.microsoft.com/office/drawing/2014/main" id="{1C99A81A-61C3-8AC3-5434-5985839EBF1F}"/>
+              </a:ext>
+            </a:extLst>
+          </p:cNvPr>
+          <p:cNvSpPr txBox="1"/>
+          <p:nvPr/>
+        </p:nvSpPr>
+        <p:spPr>
+          <a:xfrm>
+            <a:off x="0" y="407473"/>
+            <a:ext cx="1824538" cy="646331"/>
+          </a:xfrm>
+          <a:prstGeom prst="rect">
+            <a:avLst/>
+          </a:prstGeom>
+          <a:noFill/>
+        </p:spPr>
+        <p:txBody>
+          <a:bodyPr wrap="none" rtlCol="0">
+            <a:spAutoFit/>
+          </a:bodyPr>
+          <a:lstStyle/>
+          <a:p>
+            <a:r>
+              <a:rPr lang="en-US" altLang="ko-KR" sz="3600" dirty="0"/>
+              <a:t>2</a:t>
+            </a:r>
+            <a:r>
+              <a:rPr lang="ko-KR" altLang="en-US" sz="3600" dirty="0"/>
+              <a:t>정규화</a:t>
+            </a:r>
+          </a:p>
+        </p:txBody>
+      </p:sp>
     </p:spTree>
     <p:extLst>
       <p:ext uri="{BB962C8B-B14F-4D97-AF65-F5344CB8AC3E}">
-        <p14:creationId xmlns:p14="http://schemas.microsoft.com/office/powerpoint/2010/main" val="2577111384"/>
+        <p14:creationId xmlns:p14="http://schemas.microsoft.com/office/powerpoint/2010/main" val="1166766982"/>
       </p:ext>
     </p:extLst>
   </p:cSld>
@@ -5601,7 +5230,7 @@
         <p:cNvPr id="1" name="">
           <a:extLst>
             <a:ext uri="{FF2B5EF4-FFF2-40B4-BE49-F238E27FC236}">
-              <a16:creationId xmlns:a16="http://schemas.microsoft.com/office/drawing/2014/main" id="{254AE74B-6864-569F-5ABE-E2445015EAEC}"/>
+              <a16:creationId xmlns:a16="http://schemas.microsoft.com/office/drawing/2014/main" id="{B5E61815-7946-30EA-4E00-525D20341568}"/>
             </a:ext>
           </a:extLst>
         </p:cNvPr>
@@ -5618,10 +5247,10 @@
       </p:grpSpPr>
       <p:graphicFrame>
         <p:nvGraphicFramePr>
-          <p:cNvPr id="4" name="표 3">
-            <a:extLst>
-              <a:ext uri="{FF2B5EF4-FFF2-40B4-BE49-F238E27FC236}">
-                <a16:creationId xmlns:a16="http://schemas.microsoft.com/office/drawing/2014/main" id="{F6AA3E3E-45F4-8928-9CEE-9CE7F1EFF758}"/>
+          <p:cNvPr id="4" name="내용 개체 틀 3">
+            <a:extLst>
+              <a:ext uri="{FF2B5EF4-FFF2-40B4-BE49-F238E27FC236}">
+                <a16:creationId xmlns:a16="http://schemas.microsoft.com/office/drawing/2014/main" id="{D44F7051-5B44-F93E-F658-C5866F6B12D8}"/>
               </a:ext>
             </a:extLst>
           </p:cNvPr>
@@ -5629,76 +5258,78 @@
             <a:graphicFrameLocks noGrp="1"/>
           </p:cNvGraphicFramePr>
           <p:nvPr>
+            <p:ph idx="1"/>
             <p:extLst>
               <p:ext uri="{D42A27DB-BD31-4B8C-83A1-F6EECF244321}">
-                <p14:modId xmlns:p14="http://schemas.microsoft.com/office/powerpoint/2010/main" val="3922786539"/>
+                <p14:modId xmlns:p14="http://schemas.microsoft.com/office/powerpoint/2010/main" val="2314722849"/>
               </p:ext>
             </p:extLst>
           </p:nvPr>
         </p:nvGraphicFramePr>
         <p:xfrm>
-          <a:off x="840508" y="2016894"/>
-          <a:ext cx="9820958" cy="2824212"/>
+          <a:off x="0" y="816096"/>
+          <a:ext cx="8763005" cy="2656840"/>
         </p:xfrm>
         <a:graphic>
           <a:graphicData uri="http://schemas.openxmlformats.org/drawingml/2006/table">
             <a:tbl>
               <a:tblPr firstRow="1" bandRow="1">
-                <a:tableStyleId>{00A15C55-8517-42AA-B614-E9B94910E393}</a:tableStyleId>
+                <a:tableStyleId>{5C22544A-7EE6-4342-B048-85BDC9FD1C3A}</a:tableStyleId>
               </a:tblPr>
               <a:tblGrid>
-                <a:gridCol w="1952090">
+                <a:gridCol w="1752601">
                   <a:extLst>
                     <a:ext uri="{9D8B030D-6E8A-4147-A177-3AD203B41FA5}">
-                      <a16:colId xmlns:a16="http://schemas.microsoft.com/office/drawing/2014/main" val="1493898479"/>
+                      <a16:colId xmlns:a16="http://schemas.microsoft.com/office/drawing/2014/main" val="2675952390"/>
                     </a:ext>
                   </a:extLst>
                 </a:gridCol>
-                <a:gridCol w="1468067">
+                <a:gridCol w="1752601">
                   <a:extLst>
                     <a:ext uri="{9D8B030D-6E8A-4147-A177-3AD203B41FA5}">
-                      <a16:colId xmlns:a16="http://schemas.microsoft.com/office/drawing/2014/main" val="1280303573"/>
+                      <a16:colId xmlns:a16="http://schemas.microsoft.com/office/drawing/2014/main" val="861022633"/>
                     </a:ext>
                   </a:extLst>
                 </a:gridCol>
-                <a:gridCol w="1538869">
+                <a:gridCol w="1752601">
                   <a:extLst>
                     <a:ext uri="{9D8B030D-6E8A-4147-A177-3AD203B41FA5}">
-                      <a16:colId xmlns:a16="http://schemas.microsoft.com/office/drawing/2014/main" val="3318627087"/>
+                      <a16:colId xmlns:a16="http://schemas.microsoft.com/office/drawing/2014/main" val="175265586"/>
                     </a:ext>
                   </a:extLst>
                 </a:gridCol>
-                <a:gridCol w="892098">
+                <a:gridCol w="1752601">
                   <a:extLst>
                     <a:ext uri="{9D8B030D-6E8A-4147-A177-3AD203B41FA5}">
-                      <a16:colId xmlns:a16="http://schemas.microsoft.com/office/drawing/2014/main" val="3549962534"/>
+                      <a16:colId xmlns:a16="http://schemas.microsoft.com/office/drawing/2014/main" val="3388819952"/>
                     </a:ext>
                   </a:extLst>
                 </a:gridCol>
-                <a:gridCol w="1380949">
+                <a:gridCol w="1752601">
                   <a:extLst>
                     <a:ext uri="{9D8B030D-6E8A-4147-A177-3AD203B41FA5}">
-                      <a16:colId xmlns:a16="http://schemas.microsoft.com/office/drawing/2014/main" val="1815634729"/>
-                    </a:ext>
-                  </a:extLst>
-                </a:gridCol>
-                <a:gridCol w="1413163">
-                  <a:extLst>
-                    <a:ext uri="{9D8B030D-6E8A-4147-A177-3AD203B41FA5}">
-                      <a16:colId xmlns:a16="http://schemas.microsoft.com/office/drawing/2014/main" val="774992101"/>
-                    </a:ext>
-                  </a:extLst>
-                </a:gridCol>
-                <a:gridCol w="1175722">
-                  <a:extLst>
-                    <a:ext uri="{9D8B030D-6E8A-4147-A177-3AD203B41FA5}">
-                      <a16:colId xmlns:a16="http://schemas.microsoft.com/office/drawing/2014/main" val="2048089069"/>
+                      <a16:colId xmlns:a16="http://schemas.microsoft.com/office/drawing/2014/main" val="720435242"/>
                     </a:ext>
                   </a:extLst>
                 </a:gridCol>
               </a:tblGrid>
-              <a:tr h="406044">
-                <a:tc gridSpan="7">
+              <a:tr h="218809">
+                <a:tc>
+                  <a:txBody>
+                    <a:bodyPr/>
+                    <a:lstStyle/>
+                    <a:p>
+                      <a:pPr latinLnBrk="1"/>
+                      <a:r>
+                        <a:rPr lang="ko-KR" altLang="en-US" dirty="0" err="1"/>
+                        <a:t>고객아이디</a:t>
+                      </a:r>
+                      <a:endParaRPr lang="ko-KR" altLang="en-US" dirty="0"/>
+                    </a:p>
+                  </a:txBody>
+                  <a:tcPr/>
+                </a:tc>
+                <a:tc>
                   <a:txBody>
                     <a:bodyPr/>
                     <a:lstStyle/>
@@ -5706,290 +5337,12 @@
                       <a:pPr latinLnBrk="1"/>
                       <a:r>
                         <a:rPr lang="ko-KR" altLang="en-US" dirty="0"/>
-                        <a:t>테이블명세서</a:t>
-                      </a:r>
-                    </a:p>
-                  </a:txBody>
-                  <a:tcPr>
-                    <a:lnB w="38100" cmpd="sng">
-                      <a:noFill/>
-                    </a:lnB>
-                  </a:tcPr>
-                </a:tc>
-                <a:tc hMerge="1">
-                  <a:txBody>
-                    <a:bodyPr/>
-                    <a:lstStyle/>
-                    <a:p>
-                      <a:pPr latinLnBrk="1"/>
-                      <a:endParaRPr lang="ko-KR" altLang="en-US"/>
-                    </a:p>
-                  </a:txBody>
-                  <a:tcPr/>
-                </a:tc>
-                <a:tc hMerge="1">
-                  <a:txBody>
-                    <a:bodyPr/>
-                    <a:lstStyle/>
-                    <a:p>
-                      <a:pPr latinLnBrk="1"/>
-                      <a:endParaRPr lang="ko-KR" altLang="en-US"/>
-                    </a:p>
-                  </a:txBody>
-                  <a:tcPr/>
-                </a:tc>
-                <a:tc hMerge="1">
-                  <a:txBody>
-                    <a:bodyPr/>
-                    <a:lstStyle/>
-                    <a:p>
-                      <a:pPr latinLnBrk="1"/>
-                      <a:endParaRPr lang="ko-KR" altLang="en-US" dirty="0"/>
-                    </a:p>
-                  </a:txBody>
-                  <a:tcPr/>
-                </a:tc>
-                <a:tc hMerge="1">
-                  <a:txBody>
-                    <a:bodyPr/>
-                    <a:lstStyle/>
-                    <a:p>
-                      <a:pPr latinLnBrk="1"/>
-                      <a:endParaRPr lang="ko-KR" altLang="en-US"/>
-                    </a:p>
-                  </a:txBody>
-                  <a:tcPr/>
-                </a:tc>
-                <a:tc hMerge="1">
-                  <a:txBody>
-                    <a:bodyPr/>
-                    <a:lstStyle/>
-                    <a:p>
-                      <a:pPr latinLnBrk="1"/>
-                      <a:endParaRPr lang="ko-KR" altLang="en-US"/>
-                    </a:p>
-                  </a:txBody>
-                  <a:tcPr/>
-                </a:tc>
-                <a:tc hMerge="1">
-                  <a:txBody>
-                    <a:bodyPr/>
-                    <a:lstStyle/>
-                    <a:p>
-                      <a:pPr latinLnBrk="1"/>
-                      <a:endParaRPr lang="ko-KR" altLang="en-US"/>
-                    </a:p>
-                  </a:txBody>
-                  <a:tcPr/>
-                </a:tc>
-                <a:extLst>
-                  <a:ext uri="{0D108BD9-81ED-4DB2-BD59-A6C34878D82A}">
-                    <a16:rowId xmlns:a16="http://schemas.microsoft.com/office/drawing/2014/main" val="263251583"/>
-                  </a:ext>
-                </a:extLst>
-              </a:tr>
-              <a:tr h="403028">
-                <a:tc gridSpan="3">
-                  <a:txBody>
-                    <a:bodyPr/>
-                    <a:lstStyle/>
-                    <a:p>
-                      <a:pPr latinLnBrk="1"/>
-                      <a:r>
-                        <a:rPr lang="ko-KR" altLang="en-US" dirty="0"/>
-                        <a:t>테이블이름</a:t>
-                      </a:r>
-                    </a:p>
-                  </a:txBody>
-                  <a:tcPr>
-                    <a:lnT w="38100" cmpd="sng">
-                      <a:noFill/>
-                    </a:lnT>
-                  </a:tcPr>
-                </a:tc>
-                <a:tc hMerge="1">
-                  <a:txBody>
-                    <a:bodyPr/>
-                    <a:lstStyle/>
-                    <a:p>
-                      <a:pPr latinLnBrk="1"/>
-                      <a:endParaRPr lang="ko-KR" altLang="en-US" dirty="0"/>
-                    </a:p>
-                  </a:txBody>
-                  <a:tcPr/>
-                </a:tc>
-                <a:tc hMerge="1">
-                  <a:txBody>
-                    <a:bodyPr/>
-                    <a:lstStyle/>
-                    <a:p>
-                      <a:pPr latinLnBrk="1"/>
-                      <a:endParaRPr lang="ko-KR" altLang="en-US" dirty="0"/>
-                    </a:p>
-                  </a:txBody>
-                  <a:tcPr/>
-                </a:tc>
-                <a:tc gridSpan="4">
-                  <a:txBody>
-                    <a:bodyPr/>
-                    <a:lstStyle/>
-                    <a:p>
-                      <a:pPr latinLnBrk="1"/>
-                      <a:r>
-                        <a:rPr lang="ko-KR" altLang="en-US" dirty="0"/>
-                        <a:t>제조업체</a:t>
-                      </a:r>
-                    </a:p>
-                  </a:txBody>
-                  <a:tcPr/>
-                </a:tc>
-                <a:tc hMerge="1">
-                  <a:txBody>
-                    <a:bodyPr/>
-                    <a:lstStyle/>
-                    <a:p>
-                      <a:pPr latinLnBrk="1"/>
-                      <a:endParaRPr lang="ko-KR" altLang="en-US" dirty="0"/>
-                    </a:p>
-                  </a:txBody>
-                  <a:tcPr/>
-                </a:tc>
-                <a:tc hMerge="1">
-                  <a:txBody>
-                    <a:bodyPr/>
-                    <a:lstStyle/>
-                    <a:p>
-                      <a:pPr latinLnBrk="1"/>
-                      <a:endParaRPr lang="ko-KR" altLang="en-US" dirty="0"/>
-                    </a:p>
-                  </a:txBody>
-                  <a:tcPr/>
-                </a:tc>
-                <a:tc hMerge="1">
-                  <a:txBody>
-                    <a:bodyPr/>
-                    <a:lstStyle/>
-                    <a:p>
-                      <a:pPr latinLnBrk="1"/>
-                      <a:endParaRPr lang="ko-KR" altLang="en-US"/>
-                    </a:p>
-                  </a:txBody>
-                  <a:tcPr/>
-                </a:tc>
-                <a:extLst>
-                  <a:ext uri="{0D108BD9-81ED-4DB2-BD59-A6C34878D82A}">
-                    <a16:rowId xmlns:a16="http://schemas.microsoft.com/office/drawing/2014/main" val="3530461294"/>
-                  </a:ext>
-                </a:extLst>
-              </a:tr>
-              <a:tr h="403028">
-                <a:tc>
-                  <a:txBody>
-                    <a:bodyPr/>
-                    <a:lstStyle/>
-                    <a:p>
-                      <a:pPr latinLnBrk="1"/>
-                      <a:r>
-                        <a:rPr lang="ko-KR" altLang="en-US" dirty="0"/>
-                        <a:t>속성이름</a:t>
-                      </a:r>
-                    </a:p>
-                  </a:txBody>
-                  <a:tcPr/>
-                </a:tc>
-                <a:tc>
-                  <a:txBody>
-                    <a:bodyPr/>
-                    <a:lstStyle/>
-                    <a:p>
-                      <a:pPr latinLnBrk="1"/>
-                      <a:r>
-                        <a:rPr lang="ko-KR" altLang="en-US" dirty="0"/>
-                        <a:t>데이터타입</a:t>
-                      </a:r>
-                    </a:p>
-                  </a:txBody>
-                  <a:tcPr/>
-                </a:tc>
-                <a:tc>
-                  <a:txBody>
-                    <a:bodyPr/>
-                    <a:lstStyle/>
-                    <a:p>
-                      <a:pPr latinLnBrk="1"/>
-                      <a:r>
-                        <a:rPr lang="ko-KR" altLang="en-US" dirty="0"/>
-                        <a:t>널허용여부</a:t>
-                      </a:r>
-                    </a:p>
-                  </a:txBody>
-                  <a:tcPr/>
-                </a:tc>
-                <a:tc>
-                  <a:txBody>
-                    <a:bodyPr/>
-                    <a:lstStyle/>
-                    <a:p>
-                      <a:pPr latinLnBrk="1"/>
-                      <a:r>
-                        <a:rPr lang="ko-KR" altLang="en-US" dirty="0"/>
-                        <a:t>기본값</a:t>
-                      </a:r>
-                    </a:p>
-                  </a:txBody>
-                  <a:tcPr/>
-                </a:tc>
-                <a:tc>
-                  <a:txBody>
-                    <a:bodyPr/>
-                    <a:lstStyle/>
-                    <a:p>
-                      <a:pPr latinLnBrk="1"/>
-                      <a:r>
-                        <a:rPr lang="ko-KR" altLang="en-US" dirty="0" err="1"/>
-                        <a:t>기본키</a:t>
-                      </a:r>
-                      <a:endParaRPr lang="ko-KR" altLang="en-US" dirty="0"/>
-                    </a:p>
-                  </a:txBody>
-                  <a:tcPr/>
-                </a:tc>
-                <a:tc>
-                  <a:txBody>
-                    <a:bodyPr/>
-                    <a:lstStyle/>
-                    <a:p>
-                      <a:pPr latinLnBrk="1"/>
-                      <a:r>
-                        <a:rPr lang="ko-KR" altLang="en-US" dirty="0" err="1"/>
-                        <a:t>외래키</a:t>
-                      </a:r>
-                      <a:endParaRPr lang="ko-KR" altLang="en-US" dirty="0"/>
-                    </a:p>
-                  </a:txBody>
-                  <a:tcPr/>
-                </a:tc>
-                <a:tc>
-                  <a:txBody>
-                    <a:bodyPr/>
-                    <a:lstStyle/>
-                    <a:p>
-                      <a:pPr latinLnBrk="1"/>
-                      <a:r>
-                        <a:rPr lang="ko-KR" altLang="en-US" dirty="0"/>
-                        <a:t>제약조건</a:t>
-                      </a:r>
-                    </a:p>
-                  </a:txBody>
-                  <a:tcPr/>
-                </a:tc>
-                <a:extLst>
-                  <a:ext uri="{0D108BD9-81ED-4DB2-BD59-A6C34878D82A}">
-                    <a16:rowId xmlns:a16="http://schemas.microsoft.com/office/drawing/2014/main" val="3064652661"/>
-                  </a:ext>
-                </a:extLst>
-              </a:tr>
-              <a:tr h="403028">
+                        <a:t>고객이름</a:t>
+                      </a:r>
+                    </a:p>
+                  </a:txBody>
+                  <a:tcPr/>
+                </a:tc>
                 <a:tc>
                   <a:txBody>
                     <a:bodyPr/>
@@ -6013,22 +5366,52 @@
                         <a:defRPr/>
                       </a:pPr>
                       <a:r>
-                        <a:rPr lang="ko-KR" altLang="en-US" sz="1800" b="0" i="0" kern="1200" dirty="0">
-                          <a:solidFill>
-                            <a:schemeClr val="dk1"/>
-                          </a:solidFill>
-                          <a:effectLst/>
-                          <a:latin typeface="+mn-lt"/>
-                          <a:ea typeface="+mn-ea"/>
-                          <a:cs typeface="+mn-cs"/>
-                        </a:rPr>
-                        <a:t>제조업체명</a:t>
-                      </a:r>
-                      <a:endParaRPr lang="ko-KR" altLang="en-US" dirty="0"/>
-                    </a:p>
-                  </a:txBody>
-                  <a:tcPr/>
-                </a:tc>
+                        <a:rPr lang="ko-KR" altLang="en-US" dirty="0"/>
+                        <a:t>나이</a:t>
+                      </a:r>
+                    </a:p>
+                  </a:txBody>
+                  <a:tcPr/>
+                </a:tc>
+                <a:tc>
+                  <a:txBody>
+                    <a:bodyPr/>
+                    <a:lstStyle/>
+                    <a:p>
+                      <a:pPr latinLnBrk="1"/>
+                      <a:r>
+                        <a:rPr lang="ko-KR" altLang="en-US" dirty="0"/>
+                        <a:t>등급 </a:t>
+                      </a:r>
+                    </a:p>
+                  </a:txBody>
+                  <a:tcPr/>
+                </a:tc>
+                <a:tc>
+                  <a:txBody>
+                    <a:bodyPr/>
+                    <a:lstStyle/>
+                    <a:p>
+                      <a:pPr latinLnBrk="1"/>
+                      <a:r>
+                        <a:rPr lang="en-US" altLang="ko-KR" dirty="0"/>
+                        <a:t> </a:t>
+                      </a:r>
+                      <a:r>
+                        <a:rPr lang="ko-KR" altLang="en-US" dirty="0"/>
+                        <a:t>적립금</a:t>
+                      </a:r>
+                    </a:p>
+                  </a:txBody>
+                  <a:tcPr/>
+                </a:tc>
+                <a:extLst>
+                  <a:ext uri="{0D108BD9-81ED-4DB2-BD59-A6C34878D82A}">
+                    <a16:rowId xmlns:a16="http://schemas.microsoft.com/office/drawing/2014/main" val="368924564"/>
+                  </a:ext>
+                </a:extLst>
+              </a:tr>
+              <a:tr h="370840">
                 <a:tc>
                   <a:txBody>
                     <a:bodyPr/>
@@ -6053,100 +5436,7 @@
                       </a:pPr>
                       <a:r>
                         <a:rPr lang="en-US" altLang="ko-KR" dirty="0"/>
-                        <a:t>Varchar(30)</a:t>
-                      </a:r>
-                      <a:endParaRPr lang="ko-KR" altLang="en-US" dirty="0"/>
-                    </a:p>
-                  </a:txBody>
-                  <a:tcPr/>
-                </a:tc>
-                <a:tc>
-                  <a:txBody>
-                    <a:bodyPr/>
-                    <a:lstStyle/>
-                    <a:p>
-                      <a:pPr latinLnBrk="1"/>
-                      <a:r>
-                        <a:rPr lang="en-US" altLang="ko-KR" dirty="0"/>
-                        <a:t>N</a:t>
-                      </a:r>
-                      <a:endParaRPr lang="ko-KR" altLang="en-US" dirty="0"/>
-                    </a:p>
-                  </a:txBody>
-                  <a:tcPr/>
-                </a:tc>
-                <a:tc>
-                  <a:txBody>
-                    <a:bodyPr/>
-                    <a:lstStyle/>
-                    <a:p>
-                      <a:pPr latinLnBrk="1"/>
-                      <a:endParaRPr lang="ko-KR" altLang="en-US" dirty="0"/>
-                    </a:p>
-                  </a:txBody>
-                  <a:tcPr/>
-                </a:tc>
-                <a:tc>
-                  <a:txBody>
-                    <a:bodyPr/>
-                    <a:lstStyle/>
-                    <a:p>
-                      <a:pPr latinLnBrk="1"/>
-                      <a:r>
-                        <a:rPr lang="en-US" altLang="ko-KR" dirty="0"/>
-                        <a:t>PK</a:t>
-                      </a:r>
-                      <a:endParaRPr lang="ko-KR" altLang="en-US" dirty="0"/>
-                    </a:p>
-                  </a:txBody>
-                  <a:tcPr/>
-                </a:tc>
-                <a:tc>
-                  <a:txBody>
-                    <a:bodyPr/>
-                    <a:lstStyle/>
-                    <a:p>
-                      <a:pPr latinLnBrk="1"/>
-                      <a:endParaRPr lang="ko-KR" altLang="en-US" dirty="0"/>
-                    </a:p>
-                  </a:txBody>
-                  <a:tcPr/>
-                </a:tc>
-                <a:tc>
-                  <a:txBody>
-                    <a:bodyPr/>
-                    <a:lstStyle/>
-                    <a:p>
-                      <a:pPr latinLnBrk="1"/>
-                      <a:endParaRPr lang="ko-KR" altLang="en-US" dirty="0"/>
-                    </a:p>
-                  </a:txBody>
-                  <a:tcPr/>
-                </a:tc>
-                <a:extLst>
-                  <a:ext uri="{0D108BD9-81ED-4DB2-BD59-A6C34878D82A}">
-                    <a16:rowId xmlns:a16="http://schemas.microsoft.com/office/drawing/2014/main" val="3969570785"/>
-                  </a:ext>
-                </a:extLst>
-              </a:tr>
-              <a:tr h="403028">
-                <a:tc>
-                  <a:txBody>
-                    <a:bodyPr/>
-                    <a:lstStyle/>
-                    <a:p>
-                      <a:pPr latinLnBrk="1"/>
-                      <a:r>
-                        <a:rPr lang="ko-KR" altLang="en-US" sz="1800" b="0" i="0" kern="1200" dirty="0">
-                          <a:solidFill>
-                            <a:schemeClr val="dk1"/>
-                          </a:solidFill>
-                          <a:effectLst/>
-                          <a:latin typeface="+mn-lt"/>
-                          <a:ea typeface="+mn-ea"/>
-                          <a:cs typeface="+mn-cs"/>
-                        </a:rPr>
-                        <a:t>전화번호</a:t>
+                        <a:t>Apple</a:t>
                       </a:r>
                       <a:endParaRPr lang="ko-KR" altLang="en-US" dirty="0"/>
                     </a:p>
@@ -6176,8 +5466,26 @@
                         <a:defRPr/>
                       </a:pPr>
                       <a:r>
+                        <a:rPr lang="ko-KR" altLang="en-US" dirty="0"/>
+                        <a:t>김현준</a:t>
+                      </a:r>
+                    </a:p>
+                    <a:p>
+                      <a:pPr latinLnBrk="1"/>
+                      <a:endParaRPr lang="ko-KR" altLang="en-US" dirty="0"/>
+                    </a:p>
+                  </a:txBody>
+                  <a:tcPr/>
+                </a:tc>
+                <a:tc>
+                  <a:txBody>
+                    <a:bodyPr/>
+                    <a:lstStyle/>
+                    <a:p>
+                      <a:pPr latinLnBrk="1"/>
+                      <a:r>
                         <a:rPr lang="en-US" altLang="ko-KR" dirty="0"/>
-                        <a:t>INT</a:t>
+                        <a:t>20</a:t>
                       </a:r>
                       <a:endParaRPr lang="ko-KR" altLang="en-US" dirty="0"/>
                     </a:p>
@@ -6192,52 +5500,23 @@
                       <a:pPr latinLnBrk="1"/>
                       <a:r>
                         <a:rPr lang="en-US" altLang="ko-KR" dirty="0"/>
-                        <a:t>Y</a:t>
-                      </a:r>
-                      <a:endParaRPr lang="ko-KR" altLang="en-US" dirty="0"/>
-                    </a:p>
-                  </a:txBody>
-                  <a:tcPr/>
-                </a:tc>
-                <a:tc>
-                  <a:txBody>
-                    <a:bodyPr/>
-                    <a:lstStyle/>
-                    <a:p>
-                      <a:pPr latinLnBrk="1"/>
-                      <a:endParaRPr lang="ko-KR" altLang="en-US" dirty="0"/>
-                    </a:p>
-                  </a:txBody>
-                  <a:tcPr/>
-                </a:tc>
-                <a:tc>
-                  <a:txBody>
-                    <a:bodyPr/>
-                    <a:lstStyle/>
-                    <a:p>
-                      <a:pPr latinLnBrk="1"/>
-                      <a:endParaRPr lang="ko-KR" altLang="en-US" dirty="0"/>
-                    </a:p>
-                  </a:txBody>
-                  <a:tcPr/>
-                </a:tc>
-                <a:tc>
-                  <a:txBody>
-                    <a:bodyPr/>
-                    <a:lstStyle/>
-                    <a:p>
-                      <a:pPr latinLnBrk="1"/>
-                      <a:endParaRPr lang="ko-KR" altLang="en-US" dirty="0"/>
-                    </a:p>
-                  </a:txBody>
-                  <a:tcPr/>
-                </a:tc>
-                <a:tc>
-                  <a:txBody>
-                    <a:bodyPr/>
-                    <a:lstStyle/>
-                    <a:p>
-                      <a:pPr latinLnBrk="1"/>
+                        <a:t>Gold </a:t>
+                      </a:r>
+                      <a:endParaRPr lang="ko-KR" altLang="en-US" dirty="0"/>
+                    </a:p>
+                  </a:txBody>
+                  <a:tcPr/>
+                </a:tc>
+                <a:tc>
+                  <a:txBody>
+                    <a:bodyPr/>
+                    <a:lstStyle/>
+                    <a:p>
+                      <a:pPr latinLnBrk="1"/>
+                      <a:r>
+                        <a:rPr lang="en-US" altLang="ko-KR" dirty="0"/>
+                        <a:t>1000</a:t>
+                      </a:r>
                       <a:endParaRPr lang="ko-KR" altLang="en-US" dirty="0"/>
                     </a:p>
                   </a:txBody>
@@ -6245,34 +5524,11 @@
                 </a:tc>
                 <a:extLst>
                   <a:ext uri="{0D108BD9-81ED-4DB2-BD59-A6C34878D82A}">
-                    <a16:rowId xmlns:a16="http://schemas.microsoft.com/office/drawing/2014/main" val="1749574616"/>
+                    <a16:rowId xmlns:a16="http://schemas.microsoft.com/office/drawing/2014/main" val="4156629221"/>
                   </a:ext>
                 </a:extLst>
               </a:tr>
-              <a:tr h="403028">
-                <a:tc>
-                  <a:txBody>
-                    <a:bodyPr/>
-                    <a:lstStyle/>
-                    <a:p>
-                      <a:pPr latinLnBrk="1"/>
-                      <a:r>
-                        <a:rPr lang="ko-KR" altLang="en-US" sz="1800" b="0" i="0" kern="1200" dirty="0">
-                          <a:solidFill>
-                            <a:schemeClr val="dk1"/>
-                          </a:solidFill>
-                          <a:effectLst/>
-                          <a:latin typeface="+mn-lt"/>
-                          <a:ea typeface="+mn-ea"/>
-                          <a:cs typeface="+mn-cs"/>
-                        </a:rPr>
-                        <a:t>위치</a:t>
-                      </a:r>
-                      <a:endParaRPr lang="ko-KR" altLang="en-US" dirty="0"/>
-                    </a:p>
-                  </a:txBody>
-                  <a:tcPr/>
-                </a:tc>
+              <a:tr h="370840">
                 <a:tc>
                   <a:txBody>
                     <a:bodyPr/>
@@ -6297,96 +5553,7 @@
                       </a:pPr>
                       <a:r>
                         <a:rPr lang="en-US" altLang="ko-KR" dirty="0"/>
-                        <a:t>Varchar(20)</a:t>
-                      </a:r>
-                      <a:endParaRPr lang="ko-KR" altLang="en-US" dirty="0"/>
-                    </a:p>
-                  </a:txBody>
-                  <a:tcPr/>
-                </a:tc>
-                <a:tc>
-                  <a:txBody>
-                    <a:bodyPr/>
-                    <a:lstStyle/>
-                    <a:p>
-                      <a:pPr latinLnBrk="1"/>
-                      <a:r>
-                        <a:rPr lang="en-US" altLang="ko-KR" dirty="0"/>
-                        <a:t>Y</a:t>
-                      </a:r>
-                      <a:endParaRPr lang="ko-KR" altLang="en-US" dirty="0"/>
-                    </a:p>
-                  </a:txBody>
-                  <a:tcPr/>
-                </a:tc>
-                <a:tc>
-                  <a:txBody>
-                    <a:bodyPr/>
-                    <a:lstStyle/>
-                    <a:p>
-                      <a:pPr latinLnBrk="1"/>
-                      <a:endParaRPr lang="ko-KR" altLang="en-US" dirty="0"/>
-                    </a:p>
-                  </a:txBody>
-                  <a:tcPr/>
-                </a:tc>
-                <a:tc>
-                  <a:txBody>
-                    <a:bodyPr/>
-                    <a:lstStyle/>
-                    <a:p>
-                      <a:pPr latinLnBrk="1"/>
-                      <a:endParaRPr lang="ko-KR" altLang="en-US" dirty="0"/>
-                    </a:p>
-                  </a:txBody>
-                  <a:tcPr/>
-                </a:tc>
-                <a:tc>
-                  <a:txBody>
-                    <a:bodyPr/>
-                    <a:lstStyle/>
-                    <a:p>
-                      <a:pPr latinLnBrk="1"/>
-                      <a:endParaRPr lang="ko-KR" altLang="en-US" dirty="0"/>
-                    </a:p>
-                  </a:txBody>
-                  <a:tcPr/>
-                </a:tc>
-                <a:tc>
-                  <a:txBody>
-                    <a:bodyPr/>
-                    <a:lstStyle/>
-                    <a:p>
-                      <a:pPr latinLnBrk="1"/>
-                      <a:endParaRPr lang="ko-KR" altLang="en-US" dirty="0"/>
-                    </a:p>
-                  </a:txBody>
-                  <a:tcPr/>
-                </a:tc>
-                <a:extLst>
-                  <a:ext uri="{0D108BD9-81ED-4DB2-BD59-A6C34878D82A}">
-                    <a16:rowId xmlns:a16="http://schemas.microsoft.com/office/drawing/2014/main" val="4211299645"/>
-                  </a:ext>
-                </a:extLst>
-              </a:tr>
-              <a:tr h="403028">
-                <a:tc>
-                  <a:txBody>
-                    <a:bodyPr/>
-                    <a:lstStyle/>
-                    <a:p>
-                      <a:pPr latinLnBrk="1"/>
-                      <a:r>
-                        <a:rPr lang="ko-KR" altLang="en-US" sz="1800" b="0" i="0" kern="1200" dirty="0">
-                          <a:solidFill>
-                            <a:schemeClr val="dk1"/>
-                          </a:solidFill>
-                          <a:effectLst/>
-                          <a:latin typeface="+mn-lt"/>
-                          <a:ea typeface="+mn-ea"/>
-                          <a:cs typeface="+mn-cs"/>
-                        </a:rPr>
-                        <a:t>담당자</a:t>
+                        <a:t>Banana</a:t>
                       </a:r>
                       <a:endParaRPr lang="ko-KR" altLang="en-US" dirty="0"/>
                     </a:p>
@@ -6416,8 +5583,26 @@
                         <a:defRPr/>
                       </a:pPr>
                       <a:r>
+                        <a:rPr lang="ko-KR" altLang="en-US" dirty="0"/>
+                        <a:t>정소화</a:t>
+                      </a:r>
+                    </a:p>
+                    <a:p>
+                      <a:pPr latinLnBrk="1"/>
+                      <a:endParaRPr lang="ko-KR" altLang="en-US" dirty="0"/>
+                    </a:p>
+                  </a:txBody>
+                  <a:tcPr/>
+                </a:tc>
+                <a:tc>
+                  <a:txBody>
+                    <a:bodyPr/>
+                    <a:lstStyle/>
+                    <a:p>
+                      <a:pPr latinLnBrk="1"/>
+                      <a:r>
                         <a:rPr lang="en-US" altLang="ko-KR" dirty="0"/>
-                        <a:t>Varchar(20)</a:t>
+                        <a:t>25 </a:t>
                       </a:r>
                       <a:endParaRPr lang="ko-KR" altLang="en-US" dirty="0"/>
                     </a:p>
@@ -6432,52 +5617,23 @@
                       <a:pPr latinLnBrk="1"/>
                       <a:r>
                         <a:rPr lang="en-US" altLang="ko-KR" dirty="0"/>
-                        <a:t>Y</a:t>
-                      </a:r>
-                      <a:endParaRPr lang="ko-KR" altLang="en-US" dirty="0"/>
-                    </a:p>
-                  </a:txBody>
-                  <a:tcPr/>
-                </a:tc>
-                <a:tc>
-                  <a:txBody>
-                    <a:bodyPr/>
-                    <a:lstStyle/>
-                    <a:p>
-                      <a:pPr latinLnBrk="1"/>
-                      <a:endParaRPr lang="ko-KR" altLang="en-US" dirty="0"/>
-                    </a:p>
-                  </a:txBody>
-                  <a:tcPr/>
-                </a:tc>
-                <a:tc>
-                  <a:txBody>
-                    <a:bodyPr/>
-                    <a:lstStyle/>
-                    <a:p>
-                      <a:pPr latinLnBrk="1"/>
-                      <a:endParaRPr lang="ko-KR" altLang="en-US" dirty="0"/>
-                    </a:p>
-                  </a:txBody>
-                  <a:tcPr/>
-                </a:tc>
-                <a:tc>
-                  <a:txBody>
-                    <a:bodyPr/>
-                    <a:lstStyle/>
-                    <a:p>
-                      <a:pPr latinLnBrk="1"/>
-                      <a:endParaRPr lang="ko-KR" altLang="en-US" dirty="0"/>
-                    </a:p>
-                  </a:txBody>
-                  <a:tcPr/>
-                </a:tc>
-                <a:tc>
-                  <a:txBody>
-                    <a:bodyPr/>
-                    <a:lstStyle/>
-                    <a:p>
-                      <a:pPr latinLnBrk="1"/>
+                        <a:t>Vip</a:t>
+                      </a:r>
+                      <a:endParaRPr lang="ko-KR" altLang="en-US" dirty="0"/>
+                    </a:p>
+                  </a:txBody>
+                  <a:tcPr/>
+                </a:tc>
+                <a:tc>
+                  <a:txBody>
+                    <a:bodyPr/>
+                    <a:lstStyle/>
+                    <a:p>
+                      <a:pPr latinLnBrk="1"/>
+                      <a:r>
+                        <a:rPr lang="en-US" altLang="ko-KR" dirty="0"/>
+                        <a:t>2500</a:t>
+                      </a:r>
                       <a:endParaRPr lang="ko-KR" altLang="en-US" dirty="0"/>
                     </a:p>
                   </a:txBody>
@@ -6485,424 +5641,11 @@
                 </a:tc>
                 <a:extLst>
                   <a:ext uri="{0D108BD9-81ED-4DB2-BD59-A6C34878D82A}">
-                    <a16:rowId xmlns:a16="http://schemas.microsoft.com/office/drawing/2014/main" val="3710097875"/>
+                    <a16:rowId xmlns:a16="http://schemas.microsoft.com/office/drawing/2014/main" val="717680684"/>
                   </a:ext>
                 </a:extLst>
               </a:tr>
-            </a:tbl>
-          </a:graphicData>
-        </a:graphic>
-      </p:graphicFrame>
-    </p:spTree>
-    <p:extLst>
-      <p:ext uri="{BB962C8B-B14F-4D97-AF65-F5344CB8AC3E}">
-        <p14:creationId xmlns:p14="http://schemas.microsoft.com/office/powerpoint/2010/main" val="2496032722"/>
-      </p:ext>
-    </p:extLst>
-  </p:cSld>
-  <p:clrMapOvr>
-    <a:masterClrMapping/>
-  </p:clrMapOvr>
-</p:sld>
-</file>
-
-<file path=ppt/slides/slide4.xml><?xml version="1.0" encoding="utf-8"?>
-<p:sld xmlns:a="http://schemas.openxmlformats.org/drawingml/2006/main" xmlns:r="http://schemas.openxmlformats.org/officeDocument/2006/relationships" xmlns:p="http://schemas.openxmlformats.org/presentationml/2006/main">
-  <p:cSld>
-    <p:spTree>
-      <p:nvGrpSpPr>
-        <p:cNvPr id="1" name="">
-          <a:extLst>
-            <a:ext uri="{FF2B5EF4-FFF2-40B4-BE49-F238E27FC236}">
-              <a16:creationId xmlns:a16="http://schemas.microsoft.com/office/drawing/2014/main" id="{89D0D243-5A08-CD49-F82F-F200FDD4AD9A}"/>
-            </a:ext>
-          </a:extLst>
-        </p:cNvPr>
-        <p:cNvGrpSpPr/>
-        <p:nvPr/>
-      </p:nvGrpSpPr>
-      <p:grpSpPr>
-        <a:xfrm>
-          <a:off x="0" y="0"/>
-          <a:ext cx="0" cy="0"/>
-          <a:chOff x="0" y="0"/>
-          <a:chExt cx="0" cy="0"/>
-        </a:xfrm>
-      </p:grpSpPr>
-      <p:graphicFrame>
-        <p:nvGraphicFramePr>
-          <p:cNvPr id="4" name="표 3">
-            <a:extLst>
-              <a:ext uri="{FF2B5EF4-FFF2-40B4-BE49-F238E27FC236}">
-                <a16:creationId xmlns:a16="http://schemas.microsoft.com/office/drawing/2014/main" id="{0F7C3496-7C6A-A712-C9C5-A3BB67CC3081}"/>
-              </a:ext>
-            </a:extLst>
-          </p:cNvPr>
-          <p:cNvGraphicFramePr>
-            <a:graphicFrameLocks noGrp="1"/>
-          </p:cNvGraphicFramePr>
-          <p:nvPr>
-            <p:extLst>
-              <p:ext uri="{D42A27DB-BD31-4B8C-83A1-F6EECF244321}">
-                <p14:modId xmlns:p14="http://schemas.microsoft.com/office/powerpoint/2010/main" val="2317050527"/>
-              </p:ext>
-            </p:extLst>
-          </p:nvPr>
-        </p:nvGraphicFramePr>
-        <p:xfrm>
-          <a:off x="1077951" y="1635192"/>
-          <a:ext cx="10036098" cy="3227240"/>
-        </p:xfrm>
-        <a:graphic>
-          <a:graphicData uri="http://schemas.openxmlformats.org/drawingml/2006/table">
-            <a:tbl>
-              <a:tblPr firstRow="1" bandRow="1">
-                <a:tableStyleId>{00A15C55-8517-42AA-B614-E9B94910E393}</a:tableStyleId>
-              </a:tblPr>
-              <a:tblGrid>
-                <a:gridCol w="2167230">
-                  <a:extLst>
-                    <a:ext uri="{9D8B030D-6E8A-4147-A177-3AD203B41FA5}">
-                      <a16:colId xmlns:a16="http://schemas.microsoft.com/office/drawing/2014/main" val="1493898479"/>
-                    </a:ext>
-                  </a:extLst>
-                </a:gridCol>
-                <a:gridCol w="1468067">
-                  <a:extLst>
-                    <a:ext uri="{9D8B030D-6E8A-4147-A177-3AD203B41FA5}">
-                      <a16:colId xmlns:a16="http://schemas.microsoft.com/office/drawing/2014/main" val="1280303573"/>
-                    </a:ext>
-                  </a:extLst>
-                </a:gridCol>
-                <a:gridCol w="1538869">
-                  <a:extLst>
-                    <a:ext uri="{9D8B030D-6E8A-4147-A177-3AD203B41FA5}">
-                      <a16:colId xmlns:a16="http://schemas.microsoft.com/office/drawing/2014/main" val="3318627087"/>
-                    </a:ext>
-                  </a:extLst>
-                </a:gridCol>
-                <a:gridCol w="892098">
-                  <a:extLst>
-                    <a:ext uri="{9D8B030D-6E8A-4147-A177-3AD203B41FA5}">
-                      <a16:colId xmlns:a16="http://schemas.microsoft.com/office/drawing/2014/main" val="3549962534"/>
-                    </a:ext>
-                  </a:extLst>
-                </a:gridCol>
-                <a:gridCol w="1380949">
-                  <a:extLst>
-                    <a:ext uri="{9D8B030D-6E8A-4147-A177-3AD203B41FA5}">
-                      <a16:colId xmlns:a16="http://schemas.microsoft.com/office/drawing/2014/main" val="1815634729"/>
-                    </a:ext>
-                  </a:extLst>
-                </a:gridCol>
-                <a:gridCol w="1413163">
-                  <a:extLst>
-                    <a:ext uri="{9D8B030D-6E8A-4147-A177-3AD203B41FA5}">
-                      <a16:colId xmlns:a16="http://schemas.microsoft.com/office/drawing/2014/main" val="774992101"/>
-                    </a:ext>
-                  </a:extLst>
-                </a:gridCol>
-                <a:gridCol w="1175722">
-                  <a:extLst>
-                    <a:ext uri="{9D8B030D-6E8A-4147-A177-3AD203B41FA5}">
-                      <a16:colId xmlns:a16="http://schemas.microsoft.com/office/drawing/2014/main" val="2048089069"/>
-                    </a:ext>
-                  </a:extLst>
-                </a:gridCol>
-              </a:tblGrid>
-              <a:tr h="406044">
-                <a:tc gridSpan="7">
-                  <a:txBody>
-                    <a:bodyPr/>
-                    <a:lstStyle/>
-                    <a:p>
-                      <a:pPr latinLnBrk="1"/>
-                      <a:r>
-                        <a:rPr lang="ko-KR" altLang="en-US" dirty="0"/>
-                        <a:t>테이블명세서</a:t>
-                      </a:r>
-                    </a:p>
-                  </a:txBody>
-                  <a:tcPr>
-                    <a:lnB w="38100" cmpd="sng">
-                      <a:noFill/>
-                    </a:lnB>
-                  </a:tcPr>
-                </a:tc>
-                <a:tc hMerge="1">
-                  <a:txBody>
-                    <a:bodyPr/>
-                    <a:lstStyle/>
-                    <a:p>
-                      <a:pPr latinLnBrk="1"/>
-                      <a:endParaRPr lang="ko-KR" altLang="en-US"/>
-                    </a:p>
-                  </a:txBody>
-                  <a:tcPr/>
-                </a:tc>
-                <a:tc hMerge="1">
-                  <a:txBody>
-                    <a:bodyPr/>
-                    <a:lstStyle/>
-                    <a:p>
-                      <a:pPr latinLnBrk="1"/>
-                      <a:endParaRPr lang="ko-KR" altLang="en-US"/>
-                    </a:p>
-                  </a:txBody>
-                  <a:tcPr/>
-                </a:tc>
-                <a:tc hMerge="1">
-                  <a:txBody>
-                    <a:bodyPr/>
-                    <a:lstStyle/>
-                    <a:p>
-                      <a:pPr latinLnBrk="1"/>
-                      <a:endParaRPr lang="ko-KR" altLang="en-US" dirty="0"/>
-                    </a:p>
-                  </a:txBody>
-                  <a:tcPr/>
-                </a:tc>
-                <a:tc hMerge="1">
-                  <a:txBody>
-                    <a:bodyPr/>
-                    <a:lstStyle/>
-                    <a:p>
-                      <a:pPr latinLnBrk="1"/>
-                      <a:endParaRPr lang="ko-KR" altLang="en-US"/>
-                    </a:p>
-                  </a:txBody>
-                  <a:tcPr/>
-                </a:tc>
-                <a:tc hMerge="1">
-                  <a:txBody>
-                    <a:bodyPr/>
-                    <a:lstStyle/>
-                    <a:p>
-                      <a:pPr latinLnBrk="1"/>
-                      <a:endParaRPr lang="ko-KR" altLang="en-US"/>
-                    </a:p>
-                  </a:txBody>
-                  <a:tcPr/>
-                </a:tc>
-                <a:tc hMerge="1">
-                  <a:txBody>
-                    <a:bodyPr/>
-                    <a:lstStyle/>
-                    <a:p>
-                      <a:pPr latinLnBrk="1"/>
-                      <a:endParaRPr lang="ko-KR" altLang="en-US"/>
-                    </a:p>
-                  </a:txBody>
-                  <a:tcPr/>
-                </a:tc>
-                <a:extLst>
-                  <a:ext uri="{0D108BD9-81ED-4DB2-BD59-A6C34878D82A}">
-                    <a16:rowId xmlns:a16="http://schemas.microsoft.com/office/drawing/2014/main" val="263251583"/>
-                  </a:ext>
-                </a:extLst>
-              </a:tr>
-              <a:tr h="403028">
-                <a:tc gridSpan="3">
-                  <a:txBody>
-                    <a:bodyPr/>
-                    <a:lstStyle/>
-                    <a:p>
-                      <a:pPr latinLnBrk="1"/>
-                      <a:r>
-                        <a:rPr lang="ko-KR" altLang="en-US" dirty="0"/>
-                        <a:t>테이블이름</a:t>
-                      </a:r>
-                    </a:p>
-                  </a:txBody>
-                  <a:tcPr>
-                    <a:lnT w="38100" cmpd="sng">
-                      <a:noFill/>
-                    </a:lnT>
-                  </a:tcPr>
-                </a:tc>
-                <a:tc hMerge="1">
-                  <a:txBody>
-                    <a:bodyPr/>
-                    <a:lstStyle/>
-                    <a:p>
-                      <a:pPr latinLnBrk="1"/>
-                      <a:endParaRPr lang="ko-KR" altLang="en-US" dirty="0"/>
-                    </a:p>
-                  </a:txBody>
-                  <a:tcPr/>
-                </a:tc>
-                <a:tc hMerge="1">
-                  <a:txBody>
-                    <a:bodyPr/>
-                    <a:lstStyle/>
-                    <a:p>
-                      <a:pPr latinLnBrk="1"/>
-                      <a:endParaRPr lang="ko-KR" altLang="en-US" dirty="0"/>
-                    </a:p>
-                  </a:txBody>
-                  <a:tcPr/>
-                </a:tc>
-                <a:tc gridSpan="4">
-                  <a:txBody>
-                    <a:bodyPr/>
-                    <a:lstStyle/>
-                    <a:p>
-                      <a:pPr latinLnBrk="1"/>
-                      <a:r>
-                        <a:rPr lang="ko-KR" altLang="en-US" dirty="0"/>
-                        <a:t>게시글</a:t>
-                      </a:r>
-                    </a:p>
-                  </a:txBody>
-                  <a:tcPr/>
-                </a:tc>
-                <a:tc hMerge="1">
-                  <a:txBody>
-                    <a:bodyPr/>
-                    <a:lstStyle/>
-                    <a:p>
-                      <a:pPr latinLnBrk="1"/>
-                      <a:endParaRPr lang="ko-KR" altLang="en-US" dirty="0"/>
-                    </a:p>
-                  </a:txBody>
-                  <a:tcPr/>
-                </a:tc>
-                <a:tc hMerge="1">
-                  <a:txBody>
-                    <a:bodyPr/>
-                    <a:lstStyle/>
-                    <a:p>
-                      <a:pPr latinLnBrk="1"/>
-                      <a:endParaRPr lang="ko-KR" altLang="en-US" dirty="0"/>
-                    </a:p>
-                  </a:txBody>
-                  <a:tcPr/>
-                </a:tc>
-                <a:tc hMerge="1">
-                  <a:txBody>
-                    <a:bodyPr/>
-                    <a:lstStyle/>
-                    <a:p>
-                      <a:pPr latinLnBrk="1"/>
-                      <a:endParaRPr lang="ko-KR" altLang="en-US"/>
-                    </a:p>
-                  </a:txBody>
-                  <a:tcPr/>
-                </a:tc>
-                <a:extLst>
-                  <a:ext uri="{0D108BD9-81ED-4DB2-BD59-A6C34878D82A}">
-                    <a16:rowId xmlns:a16="http://schemas.microsoft.com/office/drawing/2014/main" val="3530461294"/>
-                  </a:ext>
-                </a:extLst>
-              </a:tr>
-              <a:tr h="403028">
-                <a:tc>
-                  <a:txBody>
-                    <a:bodyPr/>
-                    <a:lstStyle/>
-                    <a:p>
-                      <a:pPr latinLnBrk="1"/>
-                      <a:r>
-                        <a:rPr lang="ko-KR" altLang="en-US" dirty="0"/>
-                        <a:t>속성이름</a:t>
-                      </a:r>
-                    </a:p>
-                  </a:txBody>
-                  <a:tcPr/>
-                </a:tc>
-                <a:tc>
-                  <a:txBody>
-                    <a:bodyPr/>
-                    <a:lstStyle/>
-                    <a:p>
-                      <a:pPr latinLnBrk="1"/>
-                      <a:r>
-                        <a:rPr lang="ko-KR" altLang="en-US" dirty="0"/>
-                        <a:t>데이터타입</a:t>
-                      </a:r>
-                    </a:p>
-                  </a:txBody>
-                  <a:tcPr/>
-                </a:tc>
-                <a:tc>
-                  <a:txBody>
-                    <a:bodyPr/>
-                    <a:lstStyle/>
-                    <a:p>
-                      <a:pPr latinLnBrk="1"/>
-                      <a:r>
-                        <a:rPr lang="ko-KR" altLang="en-US" dirty="0"/>
-                        <a:t>널허용여부</a:t>
-                      </a:r>
-                    </a:p>
-                  </a:txBody>
-                  <a:tcPr/>
-                </a:tc>
-                <a:tc>
-                  <a:txBody>
-                    <a:bodyPr/>
-                    <a:lstStyle/>
-                    <a:p>
-                      <a:pPr latinLnBrk="1"/>
-                      <a:r>
-                        <a:rPr lang="ko-KR" altLang="en-US" dirty="0"/>
-                        <a:t>기본값</a:t>
-                      </a:r>
-                    </a:p>
-                  </a:txBody>
-                  <a:tcPr/>
-                </a:tc>
-                <a:tc>
-                  <a:txBody>
-                    <a:bodyPr/>
-                    <a:lstStyle/>
-                    <a:p>
-                      <a:pPr latinLnBrk="1"/>
-                      <a:r>
-                        <a:rPr lang="ko-KR" altLang="en-US" dirty="0" err="1"/>
-                        <a:t>기본키</a:t>
-                      </a:r>
-                      <a:endParaRPr lang="ko-KR" altLang="en-US" dirty="0"/>
-                    </a:p>
-                  </a:txBody>
-                  <a:tcPr/>
-                </a:tc>
-                <a:tc>
-                  <a:txBody>
-                    <a:bodyPr/>
-                    <a:lstStyle/>
-                    <a:p>
-                      <a:pPr latinLnBrk="1"/>
-                      <a:r>
-                        <a:rPr lang="ko-KR" altLang="en-US" dirty="0" err="1"/>
-                        <a:t>외래키</a:t>
-                      </a:r>
-                      <a:endParaRPr lang="ko-KR" altLang="en-US" dirty="0"/>
-                    </a:p>
-                  </a:txBody>
-                  <a:tcPr/>
-                </a:tc>
-                <a:tc>
-                  <a:txBody>
-                    <a:bodyPr/>
-                    <a:lstStyle/>
-                    <a:p>
-                      <a:pPr latinLnBrk="1"/>
-                      <a:r>
-                        <a:rPr lang="ko-KR" altLang="en-US" dirty="0"/>
-                        <a:t>제약조건</a:t>
-                      </a:r>
-                    </a:p>
-                  </a:txBody>
-                  <a:tcPr/>
-                </a:tc>
-                <a:extLst>
-                  <a:ext uri="{0D108BD9-81ED-4DB2-BD59-A6C34878D82A}">
-                    <a16:rowId xmlns:a16="http://schemas.microsoft.com/office/drawing/2014/main" val="3064652661"/>
-                  </a:ext>
-                </a:extLst>
-              </a:tr>
-              <a:tr h="403028">
+              <a:tr h="370840">
                 <a:tc>
                   <a:txBody>
                     <a:bodyPr/>
@@ -6926,16 +5669,8 @@
                         <a:defRPr/>
                       </a:pPr>
                       <a:r>
-                        <a:rPr lang="ko-KR" altLang="en-US" sz="1800" b="0" i="0" kern="1200" dirty="0" err="1">
-                          <a:solidFill>
-                            <a:schemeClr val="dk1"/>
-                          </a:solidFill>
-                          <a:effectLst/>
-                          <a:latin typeface="+mn-lt"/>
-                          <a:ea typeface="+mn-ea"/>
-                          <a:cs typeface="+mn-cs"/>
-                        </a:rPr>
-                        <a:t>글번호</a:t>
+                        <a:rPr lang="en-US" altLang="ko-KR" dirty="0"/>
+                        <a:t>Carrot</a:t>
                       </a:r>
                       <a:endParaRPr lang="ko-KR" altLang="en-US" dirty="0"/>
                     </a:p>
@@ -6965,8 +5700,27 @@
                         <a:defRPr/>
                       </a:pPr>
                       <a:r>
+                        <a:rPr lang="ko-KR" altLang="en-US" dirty="0" err="1"/>
+                        <a:t>원유선</a:t>
+                      </a:r>
+                      <a:endParaRPr lang="ko-KR" altLang="en-US" dirty="0"/>
+                    </a:p>
+                    <a:p>
+                      <a:pPr latinLnBrk="1"/>
+                      <a:endParaRPr lang="ko-KR" altLang="en-US" dirty="0"/>
+                    </a:p>
+                  </a:txBody>
+                  <a:tcPr/>
+                </a:tc>
+                <a:tc>
+                  <a:txBody>
+                    <a:bodyPr/>
+                    <a:lstStyle/>
+                    <a:p>
+                      <a:pPr latinLnBrk="1"/>
+                      <a:r>
                         <a:rPr lang="en-US" altLang="ko-KR" dirty="0"/>
-                        <a:t>INT</a:t>
+                        <a:t>28</a:t>
                       </a:r>
                       <a:endParaRPr lang="ko-KR" altLang="en-US" dirty="0"/>
                     </a:p>
@@ -6981,19 +5735,8 @@
                       <a:pPr latinLnBrk="1"/>
                       <a:r>
                         <a:rPr lang="en-US" altLang="ko-KR" dirty="0"/>
-                        <a:t>N</a:t>
-                      </a:r>
-                      <a:endParaRPr lang="ko-KR" altLang="en-US" dirty="0"/>
-                    </a:p>
-                  </a:txBody>
-                  <a:tcPr/>
-                </a:tc>
-                <a:tc>
-                  <a:txBody>
-                    <a:bodyPr/>
-                    <a:lstStyle/>
-                    <a:p>
-                      <a:pPr latinLnBrk="1"/>
+                        <a:t>Gold </a:t>
+                      </a:r>
                       <a:endParaRPr lang="ko-KR" altLang="en-US" dirty="0"/>
                     </a:p>
                   </a:txBody>
@@ -7007,30 +5750,8 @@
                       <a:pPr latinLnBrk="1"/>
                       <a:r>
                         <a:rPr lang="en-US" altLang="ko-KR" dirty="0"/>
-                        <a:t>PK</a:t>
-                      </a:r>
-                      <a:endParaRPr lang="ko-KR" altLang="en-US" dirty="0"/>
-                    </a:p>
-                  </a:txBody>
-                  <a:tcPr/>
-                </a:tc>
-                <a:tc>
-                  <a:txBody>
-                    <a:bodyPr/>
-                    <a:lstStyle/>
-                    <a:p>
-                      <a:pPr latinLnBrk="1"/>
-                      <a:endParaRPr lang="ko-KR" altLang="en-US"/>
-                    </a:p>
-                  </a:txBody>
-                  <a:tcPr/>
-                </a:tc>
-                <a:tc>
-                  <a:txBody>
-                    <a:bodyPr/>
-                    <a:lstStyle/>
-                    <a:p>
-                      <a:pPr latinLnBrk="1"/>
+                        <a:t>4500</a:t>
+                      </a:r>
                       <a:endParaRPr lang="ko-KR" altLang="en-US" dirty="0"/>
                     </a:p>
                   </a:txBody>
@@ -7038,34 +5759,11 @@
                 </a:tc>
                 <a:extLst>
                   <a:ext uri="{0D108BD9-81ED-4DB2-BD59-A6C34878D82A}">
-                    <a16:rowId xmlns:a16="http://schemas.microsoft.com/office/drawing/2014/main" val="3969570785"/>
+                    <a16:rowId xmlns:a16="http://schemas.microsoft.com/office/drawing/2014/main" val="3379856729"/>
                   </a:ext>
                 </a:extLst>
               </a:tr>
-              <a:tr h="403028">
-                <a:tc>
-                  <a:txBody>
-                    <a:bodyPr/>
-                    <a:lstStyle/>
-                    <a:p>
-                      <a:pPr latinLnBrk="1"/>
-                      <a:r>
-                        <a:rPr lang="ko-KR" altLang="en-US" sz="1800" b="0" i="0" kern="1200" dirty="0" err="1">
-                          <a:solidFill>
-                            <a:schemeClr val="dk1"/>
-                          </a:solidFill>
-                          <a:effectLst/>
-                          <a:latin typeface="+mn-lt"/>
-                          <a:ea typeface="+mn-ea"/>
-                          <a:cs typeface="+mn-cs"/>
-                        </a:rPr>
-                        <a:t>글제목</a:t>
-                      </a:r>
-                      <a:endParaRPr lang="ko-KR" altLang="en-US" dirty="0"/>
-                    </a:p>
-                  </a:txBody>
-                  <a:tcPr/>
-                </a:tc>
+              <a:tr h="370840">
                 <a:tc>
                   <a:txBody>
                     <a:bodyPr/>
@@ -7090,9 +5788,23 @@
                       </a:pPr>
                       <a:r>
                         <a:rPr lang="en-US" altLang="ko-KR" dirty="0"/>
-                        <a:t>Varchar(20)</a:t>
-                      </a:r>
-                      <a:endParaRPr lang="ko-KR" altLang="en-US" dirty="0"/>
+                        <a:t>orange</a:t>
+                      </a:r>
+                      <a:endParaRPr lang="ko-KR" altLang="en-US" dirty="0"/>
+                    </a:p>
+                  </a:txBody>
+                  <a:tcPr/>
+                </a:tc>
+                <a:tc>
+                  <a:txBody>
+                    <a:bodyPr/>
+                    <a:lstStyle/>
+                    <a:p>
+                      <a:pPr latinLnBrk="1"/>
+                      <a:r>
+                        <a:rPr lang="ko-KR" altLang="en-US" dirty="0"/>
+                        <a:t>정지영</a:t>
+                      </a:r>
                     </a:p>
                   </a:txBody>
                   <a:tcPr/>
@@ -7105,408 +5817,46 @@
                       <a:pPr latinLnBrk="1"/>
                       <a:r>
                         <a:rPr lang="en-US" altLang="ko-KR" dirty="0"/>
-                        <a:t>N</a:t>
-                      </a:r>
-                      <a:endParaRPr lang="ko-KR" altLang="en-US" dirty="0"/>
-                    </a:p>
-                  </a:txBody>
-                  <a:tcPr/>
-                </a:tc>
-                <a:tc>
-                  <a:txBody>
-                    <a:bodyPr/>
-                    <a:lstStyle/>
-                    <a:p>
-                      <a:pPr latinLnBrk="1"/>
-                      <a:endParaRPr lang="ko-KR" altLang="en-US" dirty="0"/>
-                    </a:p>
-                  </a:txBody>
-                  <a:tcPr/>
-                </a:tc>
-                <a:tc>
-                  <a:txBody>
-                    <a:bodyPr/>
-                    <a:lstStyle/>
-                    <a:p>
-                      <a:pPr latinLnBrk="1"/>
-                      <a:endParaRPr lang="ko-KR" altLang="en-US" dirty="0"/>
-                    </a:p>
-                  </a:txBody>
-                  <a:tcPr/>
-                </a:tc>
-                <a:tc>
-                  <a:txBody>
-                    <a:bodyPr/>
-                    <a:lstStyle/>
-                    <a:p>
-                      <a:pPr latinLnBrk="1"/>
-                      <a:endParaRPr lang="ko-KR" altLang="en-US" dirty="0"/>
-                    </a:p>
-                  </a:txBody>
-                  <a:tcPr/>
-                </a:tc>
-                <a:tc>
-                  <a:txBody>
-                    <a:bodyPr/>
-                    <a:lstStyle/>
-                    <a:p>
-                      <a:pPr latinLnBrk="1"/>
-                      <a:endParaRPr lang="ko-KR" altLang="en-US"/>
+                        <a:t>22</a:t>
+                      </a:r>
+                      <a:endParaRPr lang="ko-KR" altLang="en-US" dirty="0"/>
+                    </a:p>
+                  </a:txBody>
+                  <a:tcPr/>
+                </a:tc>
+                <a:tc>
+                  <a:txBody>
+                    <a:bodyPr/>
+                    <a:lstStyle/>
+                    <a:p>
+                      <a:pPr latinLnBrk="1"/>
+                      <a:r>
+                        <a:rPr lang="en-US" altLang="ko-KR" dirty="0"/>
+                        <a:t>Silver</a:t>
+                      </a:r>
+                      <a:endParaRPr lang="ko-KR" altLang="en-US" dirty="0"/>
+                    </a:p>
+                  </a:txBody>
+                  <a:tcPr/>
+                </a:tc>
+                <a:tc>
+                  <a:txBody>
+                    <a:bodyPr/>
+                    <a:lstStyle/>
+                    <a:p>
+                      <a:pPr latinLnBrk="1"/>
+                      <a:r>
+                        <a:rPr lang="en-US" altLang="ko-KR" dirty="0"/>
+                        <a:t>0</a:t>
+                      </a:r>
+                      <a:endParaRPr lang="ko-KR" altLang="en-US" dirty="0"/>
                     </a:p>
                   </a:txBody>
                   <a:tcPr/>
                 </a:tc>
                 <a:extLst>
                   <a:ext uri="{0D108BD9-81ED-4DB2-BD59-A6C34878D82A}">
-                    <a16:rowId xmlns:a16="http://schemas.microsoft.com/office/drawing/2014/main" val="1749574616"/>
-                  </a:ext>
-                </a:extLst>
-              </a:tr>
-              <a:tr h="403028">
-                <a:tc>
-                  <a:txBody>
-                    <a:bodyPr/>
-                    <a:lstStyle/>
-                    <a:p>
-                      <a:pPr latinLnBrk="1"/>
-                      <a:r>
-                        <a:rPr lang="ko-KR" altLang="en-US" sz="1800" b="0" i="0" kern="1200" dirty="0" err="1">
-                          <a:solidFill>
-                            <a:schemeClr val="dk1"/>
-                          </a:solidFill>
-                          <a:effectLst/>
-                          <a:latin typeface="+mn-lt"/>
-                          <a:ea typeface="+mn-ea"/>
-                          <a:cs typeface="+mn-cs"/>
-                        </a:rPr>
-                        <a:t>글내용</a:t>
-                      </a:r>
-                      <a:endParaRPr lang="ko-KR" altLang="en-US" dirty="0"/>
-                    </a:p>
-                  </a:txBody>
-                  <a:tcPr/>
-                </a:tc>
-                <a:tc>
-                  <a:txBody>
-                    <a:bodyPr/>
-                    <a:lstStyle/>
-                    <a:p>
-                      <a:pPr marL="0" marR="0" lvl="0" indent="0" algn="l" defTabSz="914400" rtl="0" eaLnBrk="1" fontAlgn="auto" latinLnBrk="1" hangingPunct="1">
-                        <a:lnSpc>
-                          <a:spcPct val="100000"/>
-                        </a:lnSpc>
-                        <a:spcBef>
-                          <a:spcPts val="0"/>
-                        </a:spcBef>
-                        <a:spcAft>
-                          <a:spcPts val="0"/>
-                        </a:spcAft>
-                        <a:buClrTx/>
-                        <a:buSzTx/>
-                        <a:buFontTx/>
-                        <a:buNone/>
-                        <a:tabLst/>
-                        <a:defRPr/>
-                      </a:pPr>
-                      <a:r>
-                        <a:rPr lang="en-US" altLang="ko-KR" dirty="0"/>
-                        <a:t>Varchar(50)</a:t>
-                      </a:r>
-                      <a:endParaRPr lang="ko-KR" altLang="en-US" dirty="0"/>
-                    </a:p>
-                  </a:txBody>
-                  <a:tcPr/>
-                </a:tc>
-                <a:tc>
-                  <a:txBody>
-                    <a:bodyPr/>
-                    <a:lstStyle/>
-                    <a:p>
-                      <a:pPr latinLnBrk="1"/>
-                      <a:r>
-                        <a:rPr lang="en-US" altLang="ko-KR" dirty="0"/>
-                        <a:t>N</a:t>
-                      </a:r>
-                      <a:endParaRPr lang="ko-KR" altLang="en-US" dirty="0"/>
-                    </a:p>
-                  </a:txBody>
-                  <a:tcPr/>
-                </a:tc>
-                <a:tc>
-                  <a:txBody>
-                    <a:bodyPr/>
-                    <a:lstStyle/>
-                    <a:p>
-                      <a:pPr latinLnBrk="1"/>
-                      <a:endParaRPr lang="ko-KR" altLang="en-US" dirty="0"/>
-                    </a:p>
-                  </a:txBody>
-                  <a:tcPr/>
-                </a:tc>
-                <a:tc>
-                  <a:txBody>
-                    <a:bodyPr/>
-                    <a:lstStyle/>
-                    <a:p>
-                      <a:pPr latinLnBrk="1"/>
-                      <a:endParaRPr lang="ko-KR" altLang="en-US" dirty="0"/>
-                    </a:p>
-                  </a:txBody>
-                  <a:tcPr/>
-                </a:tc>
-                <a:tc>
-                  <a:txBody>
-                    <a:bodyPr/>
-                    <a:lstStyle/>
-                    <a:p>
-                      <a:pPr latinLnBrk="1"/>
-                      <a:endParaRPr lang="ko-KR" altLang="en-US"/>
-                    </a:p>
-                  </a:txBody>
-                  <a:tcPr/>
-                </a:tc>
-                <a:tc>
-                  <a:txBody>
-                    <a:bodyPr/>
-                    <a:lstStyle/>
-                    <a:p>
-                      <a:pPr latinLnBrk="1"/>
-                      <a:endParaRPr lang="ko-KR" altLang="en-US" dirty="0"/>
-                    </a:p>
-                  </a:txBody>
-                  <a:tcPr/>
-                </a:tc>
-                <a:extLst>
-                  <a:ext uri="{0D108BD9-81ED-4DB2-BD59-A6C34878D82A}">
-                    <a16:rowId xmlns:a16="http://schemas.microsoft.com/office/drawing/2014/main" val="4211299645"/>
-                  </a:ext>
-                </a:extLst>
-              </a:tr>
-              <a:tr h="403028">
-                <a:tc>
-                  <a:txBody>
-                    <a:bodyPr/>
-                    <a:lstStyle/>
-                    <a:p>
-                      <a:pPr latinLnBrk="1"/>
-                      <a:r>
-                        <a:rPr lang="ko-KR" altLang="en-US" sz="1800" b="0" i="0" kern="1200" dirty="0">
-                          <a:solidFill>
-                            <a:schemeClr val="dk1"/>
-                          </a:solidFill>
-                          <a:effectLst/>
-                          <a:latin typeface="+mn-lt"/>
-                          <a:ea typeface="+mn-ea"/>
-                          <a:cs typeface="+mn-cs"/>
-                        </a:rPr>
-                        <a:t>작성일자</a:t>
-                      </a:r>
-                      <a:endParaRPr lang="ko-KR" altLang="en-US" dirty="0"/>
-                    </a:p>
-                  </a:txBody>
-                  <a:tcPr/>
-                </a:tc>
-                <a:tc>
-                  <a:txBody>
-                    <a:bodyPr/>
-                    <a:lstStyle/>
-                    <a:p>
-                      <a:pPr latinLnBrk="1"/>
-                      <a:r>
-                        <a:rPr lang="en-US" altLang="ko-KR" dirty="0"/>
-                        <a:t>Date</a:t>
-                      </a:r>
-                      <a:endParaRPr lang="ko-KR" altLang="en-US" dirty="0"/>
-                    </a:p>
-                  </a:txBody>
-                  <a:tcPr/>
-                </a:tc>
-                <a:tc>
-                  <a:txBody>
-                    <a:bodyPr/>
-                    <a:lstStyle/>
-                    <a:p>
-                      <a:pPr latinLnBrk="1"/>
-                      <a:r>
-                        <a:rPr lang="en-US" altLang="ko-KR" dirty="0"/>
-                        <a:t>N</a:t>
-                      </a:r>
-                      <a:endParaRPr lang="ko-KR" altLang="en-US" dirty="0"/>
-                    </a:p>
-                  </a:txBody>
-                  <a:tcPr/>
-                </a:tc>
-                <a:tc>
-                  <a:txBody>
-                    <a:bodyPr/>
-                    <a:lstStyle/>
-                    <a:p>
-                      <a:pPr latinLnBrk="1"/>
-                      <a:endParaRPr lang="ko-KR" altLang="en-US" dirty="0"/>
-                    </a:p>
-                  </a:txBody>
-                  <a:tcPr/>
-                </a:tc>
-                <a:tc>
-                  <a:txBody>
-                    <a:bodyPr/>
-                    <a:lstStyle/>
-                    <a:p>
-                      <a:pPr latinLnBrk="1"/>
-                      <a:endParaRPr lang="ko-KR" altLang="en-US" dirty="0"/>
-                    </a:p>
-                  </a:txBody>
-                  <a:tcPr/>
-                </a:tc>
-                <a:tc>
-                  <a:txBody>
-                    <a:bodyPr/>
-                    <a:lstStyle/>
-                    <a:p>
-                      <a:pPr latinLnBrk="1"/>
-                      <a:endParaRPr lang="ko-KR" altLang="en-US" dirty="0"/>
-                    </a:p>
-                  </a:txBody>
-                  <a:tcPr/>
-                </a:tc>
-                <a:tc>
-                  <a:txBody>
-                    <a:bodyPr/>
-                    <a:lstStyle/>
-                    <a:p>
-                      <a:pPr latinLnBrk="1"/>
-                      <a:endParaRPr lang="ko-KR" altLang="en-US" dirty="0"/>
-                    </a:p>
-                  </a:txBody>
-                  <a:tcPr/>
-                </a:tc>
-                <a:extLst>
-                  <a:ext uri="{0D108BD9-81ED-4DB2-BD59-A6C34878D82A}">
-                    <a16:rowId xmlns:a16="http://schemas.microsoft.com/office/drawing/2014/main" val="3710097875"/>
-                  </a:ext>
-                </a:extLst>
-              </a:tr>
-              <a:tr h="403028">
-                <a:tc>
-                  <a:txBody>
-                    <a:bodyPr/>
-                    <a:lstStyle/>
-                    <a:p>
-                      <a:pPr latinLnBrk="1"/>
-                      <a:r>
-                        <a:rPr lang="ko-KR" altLang="en-US" sz="1800" b="0" i="0" kern="1200" dirty="0" err="1">
-                          <a:solidFill>
-                            <a:schemeClr val="dk1"/>
-                          </a:solidFill>
-                          <a:effectLst/>
-                          <a:latin typeface="+mn-lt"/>
-                          <a:ea typeface="+mn-ea"/>
-                          <a:cs typeface="+mn-cs"/>
-                        </a:rPr>
-                        <a:t>회원아이디</a:t>
-                      </a:r>
-                      <a:endParaRPr lang="ko-KR" altLang="en-US" dirty="0"/>
-                    </a:p>
-                  </a:txBody>
-                  <a:tcPr/>
-                </a:tc>
-                <a:tc>
-                  <a:txBody>
-                    <a:bodyPr/>
-                    <a:lstStyle/>
-                    <a:p>
-                      <a:pPr marL="0" marR="0" lvl="0" indent="0" algn="l" defTabSz="914400" rtl="0" eaLnBrk="1" fontAlgn="auto" latinLnBrk="1" hangingPunct="1">
-                        <a:lnSpc>
-                          <a:spcPct val="100000"/>
-                        </a:lnSpc>
-                        <a:spcBef>
-                          <a:spcPts val="0"/>
-                        </a:spcBef>
-                        <a:spcAft>
-                          <a:spcPts val="0"/>
-                        </a:spcAft>
-                        <a:buClrTx/>
-                        <a:buSzTx/>
-                        <a:buFontTx/>
-                        <a:buNone/>
-                        <a:tabLst/>
-                        <a:defRPr/>
-                      </a:pPr>
-                      <a:r>
-                        <a:rPr lang="en-US" altLang="ko-KR" dirty="0"/>
-                        <a:t>Varchar(20)</a:t>
-                      </a:r>
-                      <a:endParaRPr lang="ko-KR" altLang="en-US" dirty="0"/>
-                    </a:p>
-                  </a:txBody>
-                  <a:tcPr/>
-                </a:tc>
-                <a:tc>
-                  <a:txBody>
-                    <a:bodyPr/>
-                    <a:lstStyle/>
-                    <a:p>
-                      <a:pPr latinLnBrk="1"/>
-                      <a:r>
-                        <a:rPr lang="en-US" altLang="ko-KR" dirty="0"/>
-                        <a:t>N</a:t>
-                      </a:r>
-                      <a:endParaRPr lang="ko-KR" altLang="en-US" dirty="0"/>
-                    </a:p>
-                  </a:txBody>
-                  <a:tcPr/>
-                </a:tc>
-                <a:tc>
-                  <a:txBody>
-                    <a:bodyPr/>
-                    <a:lstStyle/>
-                    <a:p>
-                      <a:pPr latinLnBrk="1"/>
-                      <a:endParaRPr lang="ko-KR" altLang="en-US" dirty="0"/>
-                    </a:p>
-                  </a:txBody>
-                  <a:tcPr/>
-                </a:tc>
-                <a:tc>
-                  <a:txBody>
-                    <a:bodyPr/>
-                    <a:lstStyle/>
-                    <a:p>
-                      <a:pPr latinLnBrk="1"/>
-                      <a:endParaRPr lang="ko-KR" altLang="en-US" dirty="0"/>
-                    </a:p>
-                  </a:txBody>
-                  <a:tcPr/>
-                </a:tc>
-                <a:tc>
-                  <a:txBody>
-                    <a:bodyPr/>
-                    <a:lstStyle/>
-                    <a:p>
-                      <a:pPr latinLnBrk="1"/>
-                      <a:r>
-                        <a:rPr lang="en-US" altLang="ko-KR" dirty="0"/>
-                        <a:t>FK</a:t>
-                      </a:r>
-                      <a:endParaRPr lang="ko-KR" altLang="en-US" dirty="0"/>
-                    </a:p>
-                  </a:txBody>
-                  <a:tcPr/>
-                </a:tc>
-                <a:tc>
-                  <a:txBody>
-                    <a:bodyPr/>
-                    <a:lstStyle/>
-                    <a:p>
-                      <a:pPr latinLnBrk="1"/>
-                      <a:endParaRPr lang="ko-KR" altLang="en-US" dirty="0"/>
-                    </a:p>
-                  </a:txBody>
-                  <a:tcPr/>
-                </a:tc>
-                <a:extLst>
-                  <a:ext uri="{0D108BD9-81ED-4DB2-BD59-A6C34878D82A}">
-                    <a16:rowId xmlns:a16="http://schemas.microsoft.com/office/drawing/2014/main" val="3651273540"/>
+                    <a16:rowId xmlns:a16="http://schemas.microsoft.com/office/drawing/2014/main" val="598694535"/>
                   </a:ext>
                 </a:extLst>
               </a:tr>
@@ -7514,10 +5864,237 @@
           </a:graphicData>
         </a:graphic>
       </p:graphicFrame>
+      <p:graphicFrame>
+        <p:nvGraphicFramePr>
+          <p:cNvPr id="2" name="표 1">
+            <a:extLst>
+              <a:ext uri="{FF2B5EF4-FFF2-40B4-BE49-F238E27FC236}">
+                <a16:creationId xmlns:a16="http://schemas.microsoft.com/office/drawing/2014/main" id="{BEA95CDA-AC8A-7BBE-A399-175B40D2E511}"/>
+              </a:ext>
+            </a:extLst>
+          </p:cNvPr>
+          <p:cNvGraphicFramePr>
+            <a:graphicFrameLocks noGrp="1"/>
+          </p:cNvGraphicFramePr>
+          <p:nvPr>
+            <p:extLst>
+              <p:ext uri="{D42A27DB-BD31-4B8C-83A1-F6EECF244321}">
+                <p14:modId xmlns:p14="http://schemas.microsoft.com/office/powerpoint/2010/main" val="2629301801"/>
+              </p:ext>
+            </p:extLst>
+          </p:nvPr>
+        </p:nvGraphicFramePr>
+        <p:xfrm>
+          <a:off x="0" y="3571959"/>
+          <a:ext cx="8128000" cy="1483360"/>
+        </p:xfrm>
+        <a:graphic>
+          <a:graphicData uri="http://schemas.openxmlformats.org/drawingml/2006/table">
+            <a:tbl>
+              <a:tblPr firstRow="1" bandRow="1">
+                <a:tableStyleId>{5C22544A-7EE6-4342-B048-85BDC9FD1C3A}</a:tableStyleId>
+              </a:tblPr>
+              <a:tblGrid>
+                <a:gridCol w="4064000">
+                  <a:extLst>
+                    <a:ext uri="{9D8B030D-6E8A-4147-A177-3AD203B41FA5}">
+                      <a16:colId xmlns:a16="http://schemas.microsoft.com/office/drawing/2014/main" val="232756374"/>
+                    </a:ext>
+                  </a:extLst>
+                </a:gridCol>
+                <a:gridCol w="4064000">
+                  <a:extLst>
+                    <a:ext uri="{9D8B030D-6E8A-4147-A177-3AD203B41FA5}">
+                      <a16:colId xmlns:a16="http://schemas.microsoft.com/office/drawing/2014/main" val="1015556691"/>
+                    </a:ext>
+                  </a:extLst>
+                </a:gridCol>
+              </a:tblGrid>
+              <a:tr h="370840">
+                <a:tc>
+                  <a:txBody>
+                    <a:bodyPr/>
+                    <a:lstStyle/>
+                    <a:p>
+                      <a:pPr latinLnBrk="1"/>
+                      <a:r>
+                        <a:rPr lang="ko-KR" altLang="en-US" dirty="0"/>
+                        <a:t>등급</a:t>
+                      </a:r>
+                    </a:p>
+                  </a:txBody>
+                  <a:tcPr/>
+                </a:tc>
+                <a:tc>
+                  <a:txBody>
+                    <a:bodyPr/>
+                    <a:lstStyle/>
+                    <a:p>
+                      <a:pPr latinLnBrk="1"/>
+                      <a:r>
+                        <a:rPr lang="ko-KR" altLang="en-US" dirty="0"/>
+                        <a:t>적립</a:t>
+                      </a:r>
+                    </a:p>
+                  </a:txBody>
+                  <a:tcPr/>
+                </a:tc>
+                <a:extLst>
+                  <a:ext uri="{0D108BD9-81ED-4DB2-BD59-A6C34878D82A}">
+                    <a16:rowId xmlns:a16="http://schemas.microsoft.com/office/drawing/2014/main" val="103570840"/>
+                  </a:ext>
+                </a:extLst>
+              </a:tr>
+              <a:tr h="370840">
+                <a:tc>
+                  <a:txBody>
+                    <a:bodyPr/>
+                    <a:lstStyle/>
+                    <a:p>
+                      <a:pPr latinLnBrk="1"/>
+                      <a:r>
+                        <a:rPr lang="en-US" altLang="ko-KR" dirty="0"/>
+                        <a:t>Gold</a:t>
+                      </a:r>
+                      <a:endParaRPr lang="ko-KR" altLang="en-US" dirty="0"/>
+                    </a:p>
+                  </a:txBody>
+                  <a:tcPr/>
+                </a:tc>
+                <a:tc>
+                  <a:txBody>
+                    <a:bodyPr/>
+                    <a:lstStyle/>
+                    <a:p>
+                      <a:pPr latinLnBrk="1"/>
+                      <a:endParaRPr lang="ko-KR" altLang="en-US" dirty="0"/>
+                    </a:p>
+                  </a:txBody>
+                  <a:tcPr/>
+                </a:tc>
+                <a:extLst>
+                  <a:ext uri="{0D108BD9-81ED-4DB2-BD59-A6C34878D82A}">
+                    <a16:rowId xmlns:a16="http://schemas.microsoft.com/office/drawing/2014/main" val="1036420593"/>
+                  </a:ext>
+                </a:extLst>
+              </a:tr>
+              <a:tr h="370840">
+                <a:tc>
+                  <a:txBody>
+                    <a:bodyPr/>
+                    <a:lstStyle/>
+                    <a:p>
+                      <a:pPr latinLnBrk="1"/>
+                      <a:r>
+                        <a:rPr lang="en-US" altLang="ko-KR" dirty="0"/>
+                        <a:t>Vip</a:t>
+                      </a:r>
+                      <a:endParaRPr lang="ko-KR" altLang="en-US" dirty="0"/>
+                    </a:p>
+                  </a:txBody>
+                  <a:tcPr/>
+                </a:tc>
+                <a:tc>
+                  <a:txBody>
+                    <a:bodyPr/>
+                    <a:lstStyle/>
+                    <a:p>
+                      <a:pPr latinLnBrk="1"/>
+                      <a:endParaRPr lang="ko-KR" altLang="en-US" dirty="0"/>
+                    </a:p>
+                  </a:txBody>
+                  <a:tcPr/>
+                </a:tc>
+                <a:extLst>
+                  <a:ext uri="{0D108BD9-81ED-4DB2-BD59-A6C34878D82A}">
+                    <a16:rowId xmlns:a16="http://schemas.microsoft.com/office/drawing/2014/main" val="1172184773"/>
+                  </a:ext>
+                </a:extLst>
+              </a:tr>
+              <a:tr h="370840">
+                <a:tc>
+                  <a:txBody>
+                    <a:bodyPr/>
+                    <a:lstStyle/>
+                    <a:p>
+                      <a:pPr latinLnBrk="1"/>
+                      <a:r>
+                        <a:rPr lang="en-US" altLang="ko-KR" dirty="0"/>
+                        <a:t>Silver</a:t>
+                      </a:r>
+                      <a:endParaRPr lang="ko-KR" altLang="en-US" dirty="0"/>
+                    </a:p>
+                  </a:txBody>
+                  <a:tcPr/>
+                </a:tc>
+                <a:tc>
+                  <a:txBody>
+                    <a:bodyPr/>
+                    <a:lstStyle/>
+                    <a:p>
+                      <a:pPr latinLnBrk="1"/>
+                      <a:endParaRPr lang="ko-KR" altLang="en-US" dirty="0"/>
+                    </a:p>
+                  </a:txBody>
+                  <a:tcPr/>
+                </a:tc>
+                <a:extLst>
+                  <a:ext uri="{0D108BD9-81ED-4DB2-BD59-A6C34878D82A}">
+                    <a16:rowId xmlns:a16="http://schemas.microsoft.com/office/drawing/2014/main" val="4043076873"/>
+                  </a:ext>
+                </a:extLst>
+              </a:tr>
+            </a:tbl>
+          </a:graphicData>
+        </a:graphic>
+      </p:graphicFrame>
+      <p:sp>
+        <p:nvSpPr>
+          <p:cNvPr id="6" name="TextBox 5">
+            <a:extLst>
+              <a:ext uri="{FF2B5EF4-FFF2-40B4-BE49-F238E27FC236}">
+                <a16:creationId xmlns:a16="http://schemas.microsoft.com/office/drawing/2014/main" id="{EBA31F7B-EAA4-86E8-1594-5F365922CBCA}"/>
+              </a:ext>
+            </a:extLst>
+          </p:cNvPr>
+          <p:cNvSpPr txBox="1"/>
+          <p:nvPr/>
+        </p:nvSpPr>
+        <p:spPr>
+          <a:xfrm>
+            <a:off x="-64655" y="158129"/>
+            <a:ext cx="2286203" cy="646331"/>
+          </a:xfrm>
+          <a:prstGeom prst="rect">
+            <a:avLst/>
+          </a:prstGeom>
+          <a:noFill/>
+        </p:spPr>
+        <p:txBody>
+          <a:bodyPr wrap="none" rtlCol="0">
+            <a:spAutoFit/>
+          </a:bodyPr>
+          <a:lstStyle/>
+          <a:p>
+            <a:r>
+              <a:rPr lang="ko-KR" altLang="en-US" sz="3600" dirty="0"/>
+              <a:t>제</a:t>
+            </a:r>
+            <a:r>
+              <a:rPr lang="en-US" altLang="ko-KR" sz="3600" dirty="0"/>
+              <a:t>3</a:t>
+            </a:r>
+            <a:r>
+              <a:rPr lang="ko-KR" altLang="en-US" sz="3600" dirty="0"/>
+              <a:t>정규화</a:t>
+            </a:r>
+          </a:p>
+        </p:txBody>
+      </p:sp>
     </p:spTree>
     <p:extLst>
       <p:ext uri="{BB962C8B-B14F-4D97-AF65-F5344CB8AC3E}">
-        <p14:creationId xmlns:p14="http://schemas.microsoft.com/office/powerpoint/2010/main" val="1430750314"/>
+        <p14:creationId xmlns:p14="http://schemas.microsoft.com/office/powerpoint/2010/main" val="3497243942"/>
       </p:ext>
     </p:extLst>
   </p:cSld>
@@ -7527,18 +6104,12 @@
 </p:sld>
 </file>
 
-<file path=ppt/slides/slide5.xml><?xml version="1.0" encoding="utf-8"?>
+<file path=ppt/slides/slide4.xml><?xml version="1.0" encoding="utf-8"?>
 <p:sld xmlns:a="http://schemas.openxmlformats.org/drawingml/2006/main" xmlns:r="http://schemas.openxmlformats.org/officeDocument/2006/relationships" xmlns:p="http://schemas.openxmlformats.org/presentationml/2006/main">
   <p:cSld>
     <p:spTree>
       <p:nvGrpSpPr>
-        <p:cNvPr id="1" name="">
-          <a:extLst>
-            <a:ext uri="{FF2B5EF4-FFF2-40B4-BE49-F238E27FC236}">
-              <a16:creationId xmlns:a16="http://schemas.microsoft.com/office/drawing/2014/main" id="{06BB4E43-68C4-3F0A-604C-BFAC3741BAB2}"/>
-            </a:ext>
-          </a:extLst>
-        </p:cNvPr>
+        <p:cNvPr id="1" name=""/>
         <p:cNvGrpSpPr/>
         <p:nvPr/>
       </p:nvGrpSpPr>
@@ -7550,12 +6121,46 @@
           <a:chExt cx="0" cy="0"/>
         </a:xfrm>
       </p:grpSpPr>
+      <p:sp>
+        <p:nvSpPr>
+          <p:cNvPr id="2" name="제목 1">
+            <a:extLst>
+              <a:ext uri="{FF2B5EF4-FFF2-40B4-BE49-F238E27FC236}">
+                <a16:creationId xmlns:a16="http://schemas.microsoft.com/office/drawing/2014/main" id="{8DDB85DA-2345-1073-6F6F-F4FEC1DAD8FF}"/>
+              </a:ext>
+            </a:extLst>
+          </p:cNvPr>
+          <p:cNvSpPr>
+            <a:spLocks noGrp="1"/>
+          </p:cNvSpPr>
+          <p:nvPr>
+            <p:ph type="title"/>
+          </p:nvPr>
+        </p:nvSpPr>
+        <p:spPr>
+          <a:xfrm>
+            <a:off x="0" y="365125"/>
+            <a:ext cx="10515600" cy="1325563"/>
+          </a:xfrm>
+        </p:spPr>
+        <p:txBody>
+          <a:bodyPr/>
+          <a:lstStyle/>
+          <a:p>
+            <a:r>
+              <a:rPr lang="en-US" altLang="ko-KR" dirty="0"/>
+              <a:t>BCNF</a:t>
+            </a:r>
+            <a:endParaRPr lang="ko-KR" altLang="en-US" dirty="0"/>
+          </a:p>
+        </p:txBody>
+      </p:sp>
       <p:graphicFrame>
         <p:nvGraphicFramePr>
           <p:cNvPr id="4" name="표 3">
             <a:extLst>
               <a:ext uri="{FF2B5EF4-FFF2-40B4-BE49-F238E27FC236}">
-                <a16:creationId xmlns:a16="http://schemas.microsoft.com/office/drawing/2014/main" id="{297A9150-22FB-FCCD-859C-CA2176F3CFE7}"/>
+                <a16:creationId xmlns:a16="http://schemas.microsoft.com/office/drawing/2014/main" id="{B6E2ABDD-6A2C-634E-5F86-5857A64B10DA}"/>
               </a:ext>
             </a:extLst>
           </p:cNvPr>
@@ -7565,92 +6170,74 @@
           <p:nvPr>
             <p:extLst>
               <p:ext uri="{D42A27DB-BD31-4B8C-83A1-F6EECF244321}">
-                <p14:modId xmlns:p14="http://schemas.microsoft.com/office/powerpoint/2010/main" val="3252414604"/>
+                <p14:modId xmlns:p14="http://schemas.microsoft.com/office/powerpoint/2010/main" val="1907279887"/>
               </p:ext>
             </p:extLst>
           </p:nvPr>
         </p:nvGraphicFramePr>
         <p:xfrm>
-          <a:off x="1440873" y="1613866"/>
-          <a:ext cx="9747067" cy="3630268"/>
+          <a:off x="0" y="1690688"/>
+          <a:ext cx="8128001" cy="2225040"/>
         </p:xfrm>
         <a:graphic>
           <a:graphicData uri="http://schemas.openxmlformats.org/drawingml/2006/table">
             <a:tbl>
               <a:tblPr firstRow="1" bandRow="1">
-                <a:tableStyleId>{00A15C55-8517-42AA-B614-E9B94910E393}</a:tableStyleId>
+                <a:tableStyleId>{5C22544A-7EE6-4342-B048-85BDC9FD1C3A}</a:tableStyleId>
               </a:tblPr>
               <a:tblGrid>
-                <a:gridCol w="1878199">
+                <a:gridCol w="1161143">
                   <a:extLst>
                     <a:ext uri="{9D8B030D-6E8A-4147-A177-3AD203B41FA5}">
-                      <a16:colId xmlns:a16="http://schemas.microsoft.com/office/drawing/2014/main" val="1493898479"/>
+                      <a16:colId xmlns:a16="http://schemas.microsoft.com/office/drawing/2014/main" val="367768300"/>
                     </a:ext>
                   </a:extLst>
                 </a:gridCol>
-                <a:gridCol w="1468067">
+                <a:gridCol w="1161143">
                   <a:extLst>
                     <a:ext uri="{9D8B030D-6E8A-4147-A177-3AD203B41FA5}">
-                      <a16:colId xmlns:a16="http://schemas.microsoft.com/office/drawing/2014/main" val="1280303573"/>
+                      <a16:colId xmlns:a16="http://schemas.microsoft.com/office/drawing/2014/main" val="2411778504"/>
                     </a:ext>
                   </a:extLst>
                 </a:gridCol>
-                <a:gridCol w="1538869">
+                <a:gridCol w="1161143">
                   <a:extLst>
                     <a:ext uri="{9D8B030D-6E8A-4147-A177-3AD203B41FA5}">
-                      <a16:colId xmlns:a16="http://schemas.microsoft.com/office/drawing/2014/main" val="3318627087"/>
+                      <a16:colId xmlns:a16="http://schemas.microsoft.com/office/drawing/2014/main" val="1872066924"/>
                     </a:ext>
                   </a:extLst>
                 </a:gridCol>
-                <a:gridCol w="892098">
+                <a:gridCol w="1161143">
                   <a:extLst>
                     <a:ext uri="{9D8B030D-6E8A-4147-A177-3AD203B41FA5}">
-                      <a16:colId xmlns:a16="http://schemas.microsoft.com/office/drawing/2014/main" val="3549962534"/>
+                      <a16:colId xmlns:a16="http://schemas.microsoft.com/office/drawing/2014/main" val="1813330750"/>
                     </a:ext>
                   </a:extLst>
                 </a:gridCol>
-                <a:gridCol w="1380949">
+                <a:gridCol w="1161143">
                   <a:extLst>
                     <a:ext uri="{9D8B030D-6E8A-4147-A177-3AD203B41FA5}">
-                      <a16:colId xmlns:a16="http://schemas.microsoft.com/office/drawing/2014/main" val="1815634729"/>
+                      <a16:colId xmlns:a16="http://schemas.microsoft.com/office/drawing/2014/main" val="2006313533"/>
                     </a:ext>
                   </a:extLst>
                 </a:gridCol>
-                <a:gridCol w="1413163">
+                <a:gridCol w="1161143">
                   <a:extLst>
                     <a:ext uri="{9D8B030D-6E8A-4147-A177-3AD203B41FA5}">
-                      <a16:colId xmlns:a16="http://schemas.microsoft.com/office/drawing/2014/main" val="774992101"/>
+                      <a16:colId xmlns:a16="http://schemas.microsoft.com/office/drawing/2014/main" val="3254558024"/>
                     </a:ext>
                   </a:extLst>
                 </a:gridCol>
-                <a:gridCol w="1175722">
+                <a:gridCol w="1161143">
                   <a:extLst>
                     <a:ext uri="{9D8B030D-6E8A-4147-A177-3AD203B41FA5}">
-                      <a16:colId xmlns:a16="http://schemas.microsoft.com/office/drawing/2014/main" val="2048089069"/>
+                      <a16:colId xmlns:a16="http://schemas.microsoft.com/office/drawing/2014/main" val="1207659659"/>
                     </a:ext>
                   </a:extLst>
                 </a:gridCol>
               </a:tblGrid>
-              <a:tr h="406044">
-                <a:tc gridSpan="7">
-                  <a:txBody>
-                    <a:bodyPr/>
-                    <a:lstStyle/>
-                    <a:p>
-                      <a:pPr latinLnBrk="1"/>
-                      <a:r>
-                        <a:rPr lang="ko-KR" altLang="en-US" dirty="0"/>
-                        <a:t>테이블명세서</a:t>
-                      </a:r>
-                    </a:p>
-                  </a:txBody>
-                  <a:tcPr>
-                    <a:lnB w="38100" cmpd="sng">
-                      <a:noFill/>
-                    </a:lnB>
-                  </a:tcPr>
-                </a:tc>
-                <a:tc hMerge="1">
+              <a:tr h="370840">
+                <a:tc>
                   <a:txBody>
                     <a:bodyPr/>
                     <a:lstStyle/>
@@ -7661,7 +6248,7 @@
                   </a:txBody>
                   <a:tcPr/>
                 </a:tc>
-                <a:tc hMerge="1">
+                <a:tc>
                   <a:txBody>
                     <a:bodyPr/>
                     <a:lstStyle/>
@@ -7672,18 +6259,18 @@
                   </a:txBody>
                   <a:tcPr/>
                 </a:tc>
-                <a:tc hMerge="1">
-                  <a:txBody>
-                    <a:bodyPr/>
-                    <a:lstStyle/>
-                    <a:p>
-                      <a:pPr latinLnBrk="1"/>
-                      <a:endParaRPr lang="ko-KR" altLang="en-US" dirty="0"/>
-                    </a:p>
-                  </a:txBody>
-                  <a:tcPr/>
-                </a:tc>
-                <a:tc hMerge="1">
+                <a:tc>
+                  <a:txBody>
+                    <a:bodyPr/>
+                    <a:lstStyle/>
+                    <a:p>
+                      <a:pPr latinLnBrk="1"/>
+                      <a:endParaRPr lang="ko-KR" altLang="en-US" dirty="0"/>
+                    </a:p>
+                  </a:txBody>
+                  <a:tcPr/>
+                </a:tc>
+                <a:tc>
                   <a:txBody>
                     <a:bodyPr/>
                     <a:lstStyle/>
@@ -7694,7 +6281,7 @@
                   </a:txBody>
                   <a:tcPr/>
                 </a:tc>
-                <a:tc hMerge="1">
+                <a:tc>
                   <a:txBody>
                     <a:bodyPr/>
                     <a:lstStyle/>
@@ -7705,7 +6292,18 @@
                   </a:txBody>
                   <a:tcPr/>
                 </a:tc>
-                <a:tc hMerge="1">
+                <a:tc>
+                  <a:txBody>
+                    <a:bodyPr/>
+                    <a:lstStyle/>
+                    <a:p>
+                      <a:pPr latinLnBrk="1"/>
+                      <a:endParaRPr lang="ko-KR" altLang="en-US"/>
+                    </a:p>
+                  </a:txBody>
+                  <a:tcPr/>
+                </a:tc>
+                <a:tc>
                   <a:txBody>
                     <a:bodyPr/>
                     <a:lstStyle/>
@@ -7718,88 +6316,78 @@
                 </a:tc>
                 <a:extLst>
                   <a:ext uri="{0D108BD9-81ED-4DB2-BD59-A6C34878D82A}">
-                    <a16:rowId xmlns:a16="http://schemas.microsoft.com/office/drawing/2014/main" val="263251583"/>
+                    <a16:rowId xmlns:a16="http://schemas.microsoft.com/office/drawing/2014/main" val="2959031249"/>
                   </a:ext>
                 </a:extLst>
               </a:tr>
-              <a:tr h="403028">
-                <a:tc gridSpan="3">
-                  <a:txBody>
-                    <a:bodyPr/>
-                    <a:lstStyle/>
-                    <a:p>
-                      <a:pPr latinLnBrk="1"/>
-                      <a:r>
-                        <a:rPr lang="ko-KR" altLang="en-US" dirty="0"/>
-                        <a:t>테이블이름</a:t>
-                      </a:r>
-                    </a:p>
-                  </a:txBody>
-                  <a:tcPr>
-                    <a:lnT w="38100" cmpd="sng">
-                      <a:noFill/>
-                    </a:lnT>
-                  </a:tcPr>
-                </a:tc>
-                <a:tc hMerge="1">
-                  <a:txBody>
-                    <a:bodyPr/>
-                    <a:lstStyle/>
-                    <a:p>
-                      <a:pPr latinLnBrk="1"/>
-                      <a:endParaRPr lang="ko-KR" altLang="en-US" dirty="0"/>
-                    </a:p>
-                  </a:txBody>
-                  <a:tcPr/>
-                </a:tc>
-                <a:tc hMerge="1">
-                  <a:txBody>
-                    <a:bodyPr/>
-                    <a:lstStyle/>
-                    <a:p>
-                      <a:pPr latinLnBrk="1"/>
-                      <a:endParaRPr lang="ko-KR" altLang="en-US" dirty="0"/>
-                    </a:p>
-                  </a:txBody>
-                  <a:tcPr/>
-                </a:tc>
-                <a:tc gridSpan="4">
-                  <a:txBody>
-                    <a:bodyPr/>
-                    <a:lstStyle/>
-                    <a:p>
-                      <a:pPr latinLnBrk="1"/>
-                      <a:r>
-                        <a:rPr lang="ko-KR" altLang="en-US" dirty="0"/>
-                        <a:t>주문</a:t>
-                      </a:r>
-                    </a:p>
-                  </a:txBody>
-                  <a:tcPr/>
-                </a:tc>
-                <a:tc hMerge="1">
-                  <a:txBody>
-                    <a:bodyPr/>
-                    <a:lstStyle/>
-                    <a:p>
-                      <a:pPr latinLnBrk="1"/>
-                      <a:endParaRPr lang="ko-KR" altLang="en-US" dirty="0"/>
-                    </a:p>
-                  </a:txBody>
-                  <a:tcPr/>
-                </a:tc>
-                <a:tc hMerge="1">
-                  <a:txBody>
-                    <a:bodyPr/>
-                    <a:lstStyle/>
-                    <a:p>
-                      <a:pPr latinLnBrk="1"/>
-                      <a:endParaRPr lang="ko-KR" altLang="en-US" dirty="0"/>
-                    </a:p>
-                  </a:txBody>
-                  <a:tcPr/>
-                </a:tc>
-                <a:tc hMerge="1">
+              <a:tr h="370840">
+                <a:tc>
+                  <a:txBody>
+                    <a:bodyPr/>
+                    <a:lstStyle/>
+                    <a:p>
+                      <a:pPr latinLnBrk="1"/>
+                      <a:endParaRPr lang="ko-KR" altLang="en-US"/>
+                    </a:p>
+                  </a:txBody>
+                  <a:tcPr/>
+                </a:tc>
+                <a:tc>
+                  <a:txBody>
+                    <a:bodyPr/>
+                    <a:lstStyle/>
+                    <a:p>
+                      <a:pPr latinLnBrk="1"/>
+                      <a:endParaRPr lang="ko-KR" altLang="en-US"/>
+                    </a:p>
+                  </a:txBody>
+                  <a:tcPr/>
+                </a:tc>
+                <a:tc>
+                  <a:txBody>
+                    <a:bodyPr/>
+                    <a:lstStyle/>
+                    <a:p>
+                      <a:pPr latinLnBrk="1"/>
+                      <a:endParaRPr lang="ko-KR" altLang="en-US"/>
+                    </a:p>
+                  </a:txBody>
+                  <a:tcPr/>
+                </a:tc>
+                <a:tc>
+                  <a:txBody>
+                    <a:bodyPr/>
+                    <a:lstStyle/>
+                    <a:p>
+                      <a:pPr latinLnBrk="1"/>
+                      <a:endParaRPr lang="ko-KR" altLang="en-US"/>
+                    </a:p>
+                  </a:txBody>
+                  <a:tcPr/>
+                </a:tc>
+                <a:tc>
+                  <a:txBody>
+                    <a:bodyPr/>
+                    <a:lstStyle/>
+                    <a:p>
+                      <a:pPr latinLnBrk="1"/>
+                      <a:endParaRPr lang="ko-KR" altLang="en-US"/>
+                    </a:p>
+                  </a:txBody>
+                  <a:tcPr/>
+                </a:tc>
+                <a:tc>
+                  <a:txBody>
+                    <a:bodyPr/>
+                    <a:lstStyle/>
+                    <a:p>
+                      <a:pPr latinLnBrk="1"/>
+                      <a:endParaRPr lang="ko-KR" altLang="en-US"/>
+                    </a:p>
+                  </a:txBody>
+                  <a:tcPr/>
+                </a:tc>
+                <a:tc>
                   <a:txBody>
                     <a:bodyPr/>
                     <a:lstStyle/>
@@ -7812,236 +6400,157 @@
                 </a:tc>
                 <a:extLst>
                   <a:ext uri="{0D108BD9-81ED-4DB2-BD59-A6C34878D82A}">
-                    <a16:rowId xmlns:a16="http://schemas.microsoft.com/office/drawing/2014/main" val="3530461294"/>
+                    <a16:rowId xmlns:a16="http://schemas.microsoft.com/office/drawing/2014/main" val="2709804657"/>
                   </a:ext>
                 </a:extLst>
               </a:tr>
-              <a:tr h="403028">
-                <a:tc>
-                  <a:txBody>
-                    <a:bodyPr/>
-                    <a:lstStyle/>
-                    <a:p>
-                      <a:pPr latinLnBrk="1"/>
-                      <a:r>
-                        <a:rPr lang="ko-KR" altLang="en-US" dirty="0"/>
-                        <a:t>속성이름</a:t>
-                      </a:r>
-                    </a:p>
-                  </a:txBody>
-                  <a:tcPr/>
-                </a:tc>
-                <a:tc>
-                  <a:txBody>
-                    <a:bodyPr/>
-                    <a:lstStyle/>
-                    <a:p>
-                      <a:pPr latinLnBrk="1"/>
-                      <a:r>
-                        <a:rPr lang="ko-KR" altLang="en-US" dirty="0"/>
-                        <a:t>데이터타입</a:t>
-                      </a:r>
-                    </a:p>
-                  </a:txBody>
-                  <a:tcPr/>
-                </a:tc>
-                <a:tc>
-                  <a:txBody>
-                    <a:bodyPr/>
-                    <a:lstStyle/>
-                    <a:p>
-                      <a:pPr latinLnBrk="1"/>
-                      <a:r>
-                        <a:rPr lang="ko-KR" altLang="en-US" dirty="0"/>
-                        <a:t>널허용여부</a:t>
-                      </a:r>
-                    </a:p>
-                  </a:txBody>
-                  <a:tcPr/>
-                </a:tc>
-                <a:tc>
-                  <a:txBody>
-                    <a:bodyPr/>
-                    <a:lstStyle/>
-                    <a:p>
-                      <a:pPr latinLnBrk="1"/>
-                      <a:r>
-                        <a:rPr lang="ko-KR" altLang="en-US" dirty="0"/>
-                        <a:t>기본값</a:t>
-                      </a:r>
-                    </a:p>
-                  </a:txBody>
-                  <a:tcPr/>
-                </a:tc>
-                <a:tc>
-                  <a:txBody>
-                    <a:bodyPr/>
-                    <a:lstStyle/>
-                    <a:p>
-                      <a:pPr latinLnBrk="1"/>
-                      <a:r>
-                        <a:rPr lang="ko-KR" altLang="en-US" dirty="0" err="1"/>
-                        <a:t>기본키</a:t>
-                      </a:r>
-                      <a:endParaRPr lang="ko-KR" altLang="en-US" dirty="0"/>
-                    </a:p>
-                  </a:txBody>
-                  <a:tcPr/>
-                </a:tc>
-                <a:tc>
-                  <a:txBody>
-                    <a:bodyPr/>
-                    <a:lstStyle/>
-                    <a:p>
-                      <a:pPr latinLnBrk="1"/>
-                      <a:r>
-                        <a:rPr lang="ko-KR" altLang="en-US" dirty="0" err="1"/>
-                        <a:t>외래키</a:t>
-                      </a:r>
-                      <a:endParaRPr lang="ko-KR" altLang="en-US" dirty="0"/>
-                    </a:p>
-                  </a:txBody>
-                  <a:tcPr/>
-                </a:tc>
-                <a:tc>
-                  <a:txBody>
-                    <a:bodyPr/>
-                    <a:lstStyle/>
-                    <a:p>
-                      <a:pPr latinLnBrk="1"/>
-                      <a:r>
-                        <a:rPr lang="ko-KR" altLang="en-US" dirty="0"/>
-                        <a:t>제약조건</a:t>
-                      </a:r>
+              <a:tr h="370840">
+                <a:tc>
+                  <a:txBody>
+                    <a:bodyPr/>
+                    <a:lstStyle/>
+                    <a:p>
+                      <a:pPr latinLnBrk="1"/>
+                      <a:endParaRPr lang="ko-KR" altLang="en-US"/>
+                    </a:p>
+                  </a:txBody>
+                  <a:tcPr/>
+                </a:tc>
+                <a:tc>
+                  <a:txBody>
+                    <a:bodyPr/>
+                    <a:lstStyle/>
+                    <a:p>
+                      <a:pPr latinLnBrk="1"/>
+                      <a:endParaRPr lang="ko-KR" altLang="en-US"/>
+                    </a:p>
+                  </a:txBody>
+                  <a:tcPr/>
+                </a:tc>
+                <a:tc>
+                  <a:txBody>
+                    <a:bodyPr/>
+                    <a:lstStyle/>
+                    <a:p>
+                      <a:pPr latinLnBrk="1"/>
+                      <a:endParaRPr lang="ko-KR" altLang="en-US"/>
+                    </a:p>
+                  </a:txBody>
+                  <a:tcPr/>
+                </a:tc>
+                <a:tc>
+                  <a:txBody>
+                    <a:bodyPr/>
+                    <a:lstStyle/>
+                    <a:p>
+                      <a:pPr latinLnBrk="1"/>
+                      <a:endParaRPr lang="ko-KR" altLang="en-US"/>
+                    </a:p>
+                  </a:txBody>
+                  <a:tcPr/>
+                </a:tc>
+                <a:tc>
+                  <a:txBody>
+                    <a:bodyPr/>
+                    <a:lstStyle/>
+                    <a:p>
+                      <a:pPr latinLnBrk="1"/>
+                      <a:endParaRPr lang="ko-KR" altLang="en-US"/>
+                    </a:p>
+                  </a:txBody>
+                  <a:tcPr/>
+                </a:tc>
+                <a:tc>
+                  <a:txBody>
+                    <a:bodyPr/>
+                    <a:lstStyle/>
+                    <a:p>
+                      <a:pPr latinLnBrk="1"/>
+                      <a:endParaRPr lang="ko-KR" altLang="en-US"/>
+                    </a:p>
+                  </a:txBody>
+                  <a:tcPr/>
+                </a:tc>
+                <a:tc>
+                  <a:txBody>
+                    <a:bodyPr/>
+                    <a:lstStyle/>
+                    <a:p>
+                      <a:pPr latinLnBrk="1"/>
+                      <a:endParaRPr lang="ko-KR" altLang="en-US"/>
                     </a:p>
                   </a:txBody>
                   <a:tcPr/>
                 </a:tc>
                 <a:extLst>
                   <a:ext uri="{0D108BD9-81ED-4DB2-BD59-A6C34878D82A}">
-                    <a16:rowId xmlns:a16="http://schemas.microsoft.com/office/drawing/2014/main" val="3064652661"/>
+                    <a16:rowId xmlns:a16="http://schemas.microsoft.com/office/drawing/2014/main" val="280426361"/>
                   </a:ext>
                 </a:extLst>
               </a:tr>
-              <a:tr h="403028">
-                <a:tc>
-                  <a:txBody>
-                    <a:bodyPr/>
-                    <a:lstStyle/>
-                    <a:p>
-                      <a:pPr marL="0" marR="0" lvl="0" indent="0" algn="l" defTabSz="914400" rtl="0" eaLnBrk="1" fontAlgn="auto" latinLnBrk="1" hangingPunct="1">
-                        <a:lnSpc>
-                          <a:spcPct val="100000"/>
-                        </a:lnSpc>
-                        <a:spcBef>
-                          <a:spcPts val="0"/>
-                        </a:spcBef>
-                        <a:spcAft>
-                          <a:spcPts val="0"/>
-                        </a:spcAft>
-                        <a:buClrTx/>
-                        <a:buSzTx/>
-                        <a:buFontTx/>
-                        <a:buNone/>
-                        <a:tabLst/>
-                        <a:defRPr/>
-                      </a:pPr>
-                      <a:r>
-                        <a:rPr lang="ko-KR" altLang="en-US" sz="1800" b="0" i="0" kern="1200" dirty="0">
-                          <a:solidFill>
-                            <a:schemeClr val="dk1"/>
-                          </a:solidFill>
-                          <a:effectLst/>
-                          <a:latin typeface="+mn-lt"/>
-                          <a:ea typeface="+mn-ea"/>
-                          <a:cs typeface="+mn-cs"/>
-                        </a:rPr>
-                        <a:t>주문번호</a:t>
-                      </a:r>
-                      <a:endParaRPr lang="ko-KR" altLang="en-US" dirty="0"/>
-                    </a:p>
-                  </a:txBody>
-                  <a:tcPr/>
-                </a:tc>
-                <a:tc>
-                  <a:txBody>
-                    <a:bodyPr/>
-                    <a:lstStyle/>
-                    <a:p>
-                      <a:pPr marL="0" marR="0" lvl="0" indent="0" algn="l" defTabSz="914400" rtl="0" eaLnBrk="1" fontAlgn="auto" latinLnBrk="1" hangingPunct="1">
-                        <a:lnSpc>
-                          <a:spcPct val="100000"/>
-                        </a:lnSpc>
-                        <a:spcBef>
-                          <a:spcPts val="0"/>
-                        </a:spcBef>
-                        <a:spcAft>
-                          <a:spcPts val="0"/>
-                        </a:spcAft>
-                        <a:buClrTx/>
-                        <a:buSzTx/>
-                        <a:buFontTx/>
-                        <a:buNone/>
-                        <a:tabLst/>
-                        <a:defRPr/>
-                      </a:pPr>
-                      <a:r>
-                        <a:rPr lang="en-US" altLang="ko-KR" dirty="0"/>
-                        <a:t>Varchar(20)</a:t>
-                      </a:r>
-                      <a:endParaRPr lang="ko-KR" altLang="en-US" dirty="0"/>
-                    </a:p>
-                  </a:txBody>
-                  <a:tcPr/>
-                </a:tc>
-                <a:tc>
-                  <a:txBody>
-                    <a:bodyPr/>
-                    <a:lstStyle/>
-                    <a:p>
-                      <a:pPr latinLnBrk="1"/>
-                      <a:r>
-                        <a:rPr lang="en-US" altLang="ko-KR" dirty="0"/>
-                        <a:t>N</a:t>
-                      </a:r>
-                      <a:endParaRPr lang="ko-KR" altLang="en-US" dirty="0"/>
-                    </a:p>
-                  </a:txBody>
-                  <a:tcPr/>
-                </a:tc>
-                <a:tc>
-                  <a:txBody>
-                    <a:bodyPr/>
-                    <a:lstStyle/>
-                    <a:p>
-                      <a:pPr latinLnBrk="1"/>
-                      <a:endParaRPr lang="ko-KR" altLang="en-US" dirty="0"/>
-                    </a:p>
-                  </a:txBody>
-                  <a:tcPr/>
-                </a:tc>
-                <a:tc>
-                  <a:txBody>
-                    <a:bodyPr/>
-                    <a:lstStyle/>
-                    <a:p>
-                      <a:pPr latinLnBrk="1"/>
-                      <a:r>
-                        <a:rPr lang="en-US" altLang="ko-KR" dirty="0"/>
-                        <a:t>PK</a:t>
-                      </a:r>
-                      <a:endParaRPr lang="ko-KR" altLang="en-US" dirty="0"/>
-                    </a:p>
-                  </a:txBody>
-                  <a:tcPr/>
-                </a:tc>
-                <a:tc>
-                  <a:txBody>
-                    <a:bodyPr/>
-                    <a:lstStyle/>
-                    <a:p>
-                      <a:pPr latinLnBrk="1"/>
-                      <a:endParaRPr lang="ko-KR" altLang="en-US" dirty="0"/>
+              <a:tr h="370840">
+                <a:tc>
+                  <a:txBody>
+                    <a:bodyPr/>
+                    <a:lstStyle/>
+                    <a:p>
+                      <a:pPr latinLnBrk="1"/>
+                      <a:endParaRPr lang="ko-KR" altLang="en-US"/>
+                    </a:p>
+                  </a:txBody>
+                  <a:tcPr/>
+                </a:tc>
+                <a:tc>
+                  <a:txBody>
+                    <a:bodyPr/>
+                    <a:lstStyle/>
+                    <a:p>
+                      <a:pPr latinLnBrk="1"/>
+                      <a:endParaRPr lang="ko-KR" altLang="en-US" dirty="0"/>
+                    </a:p>
+                  </a:txBody>
+                  <a:tcPr/>
+                </a:tc>
+                <a:tc>
+                  <a:txBody>
+                    <a:bodyPr/>
+                    <a:lstStyle/>
+                    <a:p>
+                      <a:pPr latinLnBrk="1"/>
+                      <a:endParaRPr lang="ko-KR" altLang="en-US" dirty="0"/>
+                    </a:p>
+                  </a:txBody>
+                  <a:tcPr/>
+                </a:tc>
+                <a:tc>
+                  <a:txBody>
+                    <a:bodyPr/>
+                    <a:lstStyle/>
+                    <a:p>
+                      <a:pPr latinLnBrk="1"/>
+                      <a:endParaRPr lang="ko-KR" altLang="en-US"/>
+                    </a:p>
+                  </a:txBody>
+                  <a:tcPr/>
+                </a:tc>
+                <a:tc>
+                  <a:txBody>
+                    <a:bodyPr/>
+                    <a:lstStyle/>
+                    <a:p>
+                      <a:pPr latinLnBrk="1"/>
+                      <a:endParaRPr lang="ko-KR" altLang="en-US"/>
+                    </a:p>
+                  </a:txBody>
+                  <a:tcPr/>
+                </a:tc>
+                <a:tc>
+                  <a:txBody>
+                    <a:bodyPr/>
+                    <a:lstStyle/>
+                    <a:p>
+                      <a:pPr latinLnBrk="1"/>
+                      <a:endParaRPr lang="ko-KR" altLang="en-US"/>
                     </a:p>
                   </a:txBody>
                   <a:tcPr/>
@@ -8059,244 +6568,157 @@
                 </a:tc>
                 <a:extLst>
                   <a:ext uri="{0D108BD9-81ED-4DB2-BD59-A6C34878D82A}">
-                    <a16:rowId xmlns:a16="http://schemas.microsoft.com/office/drawing/2014/main" val="3969570785"/>
+                    <a16:rowId xmlns:a16="http://schemas.microsoft.com/office/drawing/2014/main" val="714497130"/>
                   </a:ext>
                 </a:extLst>
               </a:tr>
-              <a:tr h="403028">
-                <a:tc>
-                  <a:txBody>
-                    <a:bodyPr/>
-                    <a:lstStyle/>
-                    <a:p>
-                      <a:pPr latinLnBrk="1"/>
-                      <a:r>
-                        <a:rPr lang="ko-KR" altLang="en-US" sz="1800" b="0" i="0" kern="1200" dirty="0">
-                          <a:solidFill>
-                            <a:schemeClr val="dk1"/>
-                          </a:solidFill>
-                          <a:effectLst/>
-                          <a:latin typeface="+mn-lt"/>
-                          <a:ea typeface="+mn-ea"/>
-                          <a:cs typeface="+mn-cs"/>
-                        </a:rPr>
-                        <a:t>주문수량</a:t>
-                      </a:r>
-                      <a:endParaRPr lang="ko-KR" altLang="en-US" dirty="0"/>
-                    </a:p>
-                  </a:txBody>
-                  <a:tcPr/>
-                </a:tc>
-                <a:tc>
-                  <a:txBody>
-                    <a:bodyPr/>
-                    <a:lstStyle/>
-                    <a:p>
-                      <a:pPr marL="0" marR="0" lvl="0" indent="0" algn="l" defTabSz="914400" rtl="0" eaLnBrk="1" fontAlgn="auto" latinLnBrk="1" hangingPunct="1">
-                        <a:lnSpc>
-                          <a:spcPct val="100000"/>
-                        </a:lnSpc>
-                        <a:spcBef>
-                          <a:spcPts val="0"/>
-                        </a:spcBef>
-                        <a:spcAft>
-                          <a:spcPts val="0"/>
-                        </a:spcAft>
-                        <a:buClrTx/>
-                        <a:buSzTx/>
-                        <a:buFontTx/>
-                        <a:buNone/>
-                        <a:tabLst/>
-                        <a:defRPr/>
-                      </a:pPr>
-                      <a:r>
-                        <a:rPr lang="en-US" altLang="ko-KR" dirty="0"/>
-                        <a:t>int</a:t>
-                      </a:r>
-                      <a:endParaRPr lang="ko-KR" altLang="en-US" dirty="0"/>
-                    </a:p>
-                  </a:txBody>
-                  <a:tcPr/>
-                </a:tc>
-                <a:tc>
-                  <a:txBody>
-                    <a:bodyPr/>
-                    <a:lstStyle/>
-                    <a:p>
-                      <a:pPr latinLnBrk="1"/>
-                      <a:r>
-                        <a:rPr lang="en-US" altLang="ko-KR" dirty="0"/>
-                        <a:t>Y</a:t>
-                      </a:r>
-                      <a:endParaRPr lang="ko-KR" altLang="en-US" dirty="0"/>
-                    </a:p>
-                  </a:txBody>
-                  <a:tcPr/>
-                </a:tc>
-                <a:tc>
-                  <a:txBody>
-                    <a:bodyPr/>
-                    <a:lstStyle/>
-                    <a:p>
-                      <a:pPr latinLnBrk="1"/>
-                      <a:r>
-                        <a:rPr lang="en-US" altLang="ko-KR" dirty="0"/>
-                        <a:t>0</a:t>
-                      </a:r>
-                      <a:endParaRPr lang="ko-KR" altLang="en-US" dirty="0"/>
-                    </a:p>
-                  </a:txBody>
-                  <a:tcPr/>
-                </a:tc>
-                <a:tc>
-                  <a:txBody>
-                    <a:bodyPr/>
-                    <a:lstStyle/>
-                    <a:p>
-                      <a:pPr latinLnBrk="1"/>
-                      <a:endParaRPr lang="ko-KR" altLang="en-US" dirty="0"/>
-                    </a:p>
-                  </a:txBody>
-                  <a:tcPr/>
-                </a:tc>
-                <a:tc>
-                  <a:txBody>
-                    <a:bodyPr/>
-                    <a:lstStyle/>
-                    <a:p>
-                      <a:pPr latinLnBrk="1"/>
-                      <a:endParaRPr lang="ko-KR" altLang="en-US" dirty="0"/>
-                    </a:p>
-                  </a:txBody>
-                  <a:tcPr/>
-                </a:tc>
-                <a:tc>
-                  <a:txBody>
-                    <a:bodyPr/>
-                    <a:lstStyle/>
-                    <a:p>
-                      <a:pPr latinLnBrk="1"/>
-                      <a:r>
-                        <a:rPr lang="en-US" altLang="ko-KR" dirty="0"/>
-                        <a:t>0</a:t>
-                      </a:r>
-                      <a:r>
-                        <a:rPr lang="ko-KR" altLang="en-US" dirty="0"/>
-                        <a:t>이상</a:t>
-                      </a:r>
+              <a:tr h="370840">
+                <a:tc>
+                  <a:txBody>
+                    <a:bodyPr/>
+                    <a:lstStyle/>
+                    <a:p>
+                      <a:pPr latinLnBrk="1"/>
+                      <a:endParaRPr lang="ko-KR" altLang="en-US"/>
+                    </a:p>
+                  </a:txBody>
+                  <a:tcPr/>
+                </a:tc>
+                <a:tc>
+                  <a:txBody>
+                    <a:bodyPr/>
+                    <a:lstStyle/>
+                    <a:p>
+                      <a:pPr latinLnBrk="1"/>
+                      <a:endParaRPr lang="ko-KR" altLang="en-US"/>
+                    </a:p>
+                  </a:txBody>
+                  <a:tcPr/>
+                </a:tc>
+                <a:tc>
+                  <a:txBody>
+                    <a:bodyPr/>
+                    <a:lstStyle/>
+                    <a:p>
+                      <a:pPr latinLnBrk="1"/>
+                      <a:endParaRPr lang="ko-KR" altLang="en-US"/>
+                    </a:p>
+                  </a:txBody>
+                  <a:tcPr/>
+                </a:tc>
+                <a:tc>
+                  <a:txBody>
+                    <a:bodyPr/>
+                    <a:lstStyle/>
+                    <a:p>
+                      <a:pPr latinLnBrk="1"/>
+                      <a:endParaRPr lang="ko-KR" altLang="en-US"/>
+                    </a:p>
+                  </a:txBody>
+                  <a:tcPr/>
+                </a:tc>
+                <a:tc>
+                  <a:txBody>
+                    <a:bodyPr/>
+                    <a:lstStyle/>
+                    <a:p>
+                      <a:pPr latinLnBrk="1"/>
+                      <a:endParaRPr lang="ko-KR" altLang="en-US"/>
+                    </a:p>
+                  </a:txBody>
+                  <a:tcPr/>
+                </a:tc>
+                <a:tc>
+                  <a:txBody>
+                    <a:bodyPr/>
+                    <a:lstStyle/>
+                    <a:p>
+                      <a:pPr latinLnBrk="1"/>
+                      <a:endParaRPr lang="ko-KR" altLang="en-US"/>
+                    </a:p>
+                  </a:txBody>
+                  <a:tcPr/>
+                </a:tc>
+                <a:tc>
+                  <a:txBody>
+                    <a:bodyPr/>
+                    <a:lstStyle/>
+                    <a:p>
+                      <a:pPr latinLnBrk="1"/>
+                      <a:endParaRPr lang="ko-KR" altLang="en-US"/>
                     </a:p>
                   </a:txBody>
                   <a:tcPr/>
                 </a:tc>
                 <a:extLst>
                   <a:ext uri="{0D108BD9-81ED-4DB2-BD59-A6C34878D82A}">
-                    <a16:rowId xmlns:a16="http://schemas.microsoft.com/office/drawing/2014/main" val="1749574616"/>
+                    <a16:rowId xmlns:a16="http://schemas.microsoft.com/office/drawing/2014/main" val="2665647702"/>
                   </a:ext>
                 </a:extLst>
               </a:tr>
-              <a:tr h="403028">
-                <a:tc>
-                  <a:txBody>
-                    <a:bodyPr/>
-                    <a:lstStyle/>
-                    <a:p>
-                      <a:pPr latinLnBrk="1"/>
-                      <a:r>
-                        <a:rPr lang="ko-KR" altLang="en-US" sz="1800" b="0" i="0" kern="1200" dirty="0">
-                          <a:solidFill>
-                            <a:schemeClr val="dk1"/>
-                          </a:solidFill>
-                          <a:effectLst/>
-                          <a:latin typeface="+mn-lt"/>
-                          <a:ea typeface="+mn-ea"/>
-                          <a:cs typeface="+mn-cs"/>
-                        </a:rPr>
-                        <a:t>배송지</a:t>
-                      </a:r>
-                      <a:endParaRPr lang="ko-KR" altLang="en-US" dirty="0"/>
-                    </a:p>
-                  </a:txBody>
-                  <a:tcPr/>
-                </a:tc>
-                <a:tc>
-                  <a:txBody>
-                    <a:bodyPr/>
-                    <a:lstStyle/>
-                    <a:p>
-                      <a:pPr marL="0" marR="0" lvl="0" indent="0" algn="l" defTabSz="914400" rtl="0" eaLnBrk="1" fontAlgn="auto" latinLnBrk="1" hangingPunct="1">
-                        <a:lnSpc>
-                          <a:spcPct val="100000"/>
-                        </a:lnSpc>
-                        <a:spcBef>
-                          <a:spcPts val="0"/>
-                        </a:spcBef>
-                        <a:spcAft>
-                          <a:spcPts val="0"/>
-                        </a:spcAft>
-                        <a:buClrTx/>
-                        <a:buSzTx/>
-                        <a:buFontTx/>
-                        <a:buNone/>
-                        <a:tabLst/>
-                        <a:defRPr/>
-                      </a:pPr>
-                      <a:r>
-                        <a:rPr lang="en-US" altLang="ko-KR"/>
-                        <a:t>Varchar(20</a:t>
-                      </a:r>
-                      <a:r>
-                        <a:rPr lang="en-US" altLang="ko-KR" dirty="0"/>
-                        <a:t>)</a:t>
-                      </a:r>
-                      <a:endParaRPr lang="ko-KR" altLang="en-US" dirty="0"/>
-                    </a:p>
-                  </a:txBody>
-                  <a:tcPr/>
-                </a:tc>
-                <a:tc>
-                  <a:txBody>
-                    <a:bodyPr/>
-                    <a:lstStyle/>
-                    <a:p>
-                      <a:pPr latinLnBrk="1"/>
-                      <a:r>
-                        <a:rPr lang="en-US" altLang="ko-KR" dirty="0"/>
-                        <a:t>N</a:t>
-                      </a:r>
-                      <a:endParaRPr lang="ko-KR" altLang="en-US" dirty="0"/>
-                    </a:p>
-                  </a:txBody>
-                  <a:tcPr/>
-                </a:tc>
-                <a:tc>
-                  <a:txBody>
-                    <a:bodyPr/>
-                    <a:lstStyle/>
-                    <a:p>
-                      <a:pPr latinLnBrk="1"/>
-                      <a:endParaRPr lang="ko-KR" altLang="en-US" dirty="0"/>
-                    </a:p>
-                  </a:txBody>
-                  <a:tcPr/>
-                </a:tc>
-                <a:tc>
-                  <a:txBody>
-                    <a:bodyPr/>
-                    <a:lstStyle/>
-                    <a:p>
-                      <a:pPr latinLnBrk="1"/>
-                      <a:endParaRPr lang="ko-KR" altLang="en-US" dirty="0"/>
-                    </a:p>
-                  </a:txBody>
-                  <a:tcPr/>
-                </a:tc>
-                <a:tc>
-                  <a:txBody>
-                    <a:bodyPr/>
-                    <a:lstStyle/>
-                    <a:p>
-                      <a:pPr latinLnBrk="1"/>
-                      <a:endParaRPr lang="ko-KR" altLang="en-US" dirty="0"/>
+              <a:tr h="370840">
+                <a:tc>
+                  <a:txBody>
+                    <a:bodyPr/>
+                    <a:lstStyle/>
+                    <a:p>
+                      <a:pPr latinLnBrk="1"/>
+                      <a:endParaRPr lang="ko-KR" altLang="en-US"/>
+                    </a:p>
+                  </a:txBody>
+                  <a:tcPr/>
+                </a:tc>
+                <a:tc>
+                  <a:txBody>
+                    <a:bodyPr/>
+                    <a:lstStyle/>
+                    <a:p>
+                      <a:pPr latinLnBrk="1"/>
+                      <a:endParaRPr lang="ko-KR" altLang="en-US"/>
+                    </a:p>
+                  </a:txBody>
+                  <a:tcPr/>
+                </a:tc>
+                <a:tc>
+                  <a:txBody>
+                    <a:bodyPr/>
+                    <a:lstStyle/>
+                    <a:p>
+                      <a:pPr latinLnBrk="1"/>
+                      <a:endParaRPr lang="ko-KR" altLang="en-US"/>
+                    </a:p>
+                  </a:txBody>
+                  <a:tcPr/>
+                </a:tc>
+                <a:tc>
+                  <a:txBody>
+                    <a:bodyPr/>
+                    <a:lstStyle/>
+                    <a:p>
+                      <a:pPr latinLnBrk="1"/>
+                      <a:endParaRPr lang="ko-KR" altLang="en-US"/>
+                    </a:p>
+                  </a:txBody>
+                  <a:tcPr/>
+                </a:tc>
+                <a:tc>
+                  <a:txBody>
+                    <a:bodyPr/>
+                    <a:lstStyle/>
+                    <a:p>
+                      <a:pPr latinLnBrk="1"/>
+                      <a:endParaRPr lang="ko-KR" altLang="en-US"/>
+                    </a:p>
+                  </a:txBody>
+                  <a:tcPr/>
+                </a:tc>
+                <a:tc>
+                  <a:txBody>
+                    <a:bodyPr/>
+                    <a:lstStyle/>
+                    <a:p>
+                      <a:pPr latinLnBrk="1"/>
+                      <a:endParaRPr lang="ko-KR" altLang="en-US"/>
                     </a:p>
                   </a:txBody>
                   <a:tcPr/>
@@ -8314,359 +6736,7 @@
                 </a:tc>
                 <a:extLst>
                   <a:ext uri="{0D108BD9-81ED-4DB2-BD59-A6C34878D82A}">
-                    <a16:rowId xmlns:a16="http://schemas.microsoft.com/office/drawing/2014/main" val="4211299645"/>
-                  </a:ext>
-                </a:extLst>
-              </a:tr>
-              <a:tr h="403028">
-                <a:tc>
-                  <a:txBody>
-                    <a:bodyPr/>
-                    <a:lstStyle/>
-                    <a:p>
-                      <a:pPr latinLnBrk="1"/>
-                      <a:r>
-                        <a:rPr lang="ko-KR" altLang="en-US" sz="1800" b="0" i="0" kern="1200" dirty="0">
-                          <a:solidFill>
-                            <a:schemeClr val="dk1"/>
-                          </a:solidFill>
-                          <a:effectLst/>
-                          <a:latin typeface="+mn-lt"/>
-                          <a:ea typeface="+mn-ea"/>
-                          <a:cs typeface="+mn-cs"/>
-                        </a:rPr>
-                        <a:t>주문일자</a:t>
-                      </a:r>
-                      <a:endParaRPr lang="ko-KR" altLang="en-US" dirty="0"/>
-                    </a:p>
-                  </a:txBody>
-                  <a:tcPr/>
-                </a:tc>
-                <a:tc>
-                  <a:txBody>
-                    <a:bodyPr/>
-                    <a:lstStyle/>
-                    <a:p>
-                      <a:pPr latinLnBrk="1"/>
-                      <a:r>
-                        <a:rPr lang="en-US" altLang="ko-KR" dirty="0"/>
-                        <a:t>Date</a:t>
-                      </a:r>
-                      <a:endParaRPr lang="ko-KR" altLang="en-US" dirty="0"/>
-                    </a:p>
-                  </a:txBody>
-                  <a:tcPr/>
-                </a:tc>
-                <a:tc>
-                  <a:txBody>
-                    <a:bodyPr/>
-                    <a:lstStyle/>
-                    <a:p>
-                      <a:pPr latinLnBrk="1"/>
-                      <a:r>
-                        <a:rPr lang="en-US" altLang="ko-KR" dirty="0"/>
-                        <a:t>N</a:t>
-                      </a:r>
-                      <a:endParaRPr lang="ko-KR" altLang="en-US" dirty="0"/>
-                    </a:p>
-                  </a:txBody>
-                  <a:tcPr/>
-                </a:tc>
-                <a:tc>
-                  <a:txBody>
-                    <a:bodyPr/>
-                    <a:lstStyle/>
-                    <a:p>
-                      <a:pPr latinLnBrk="1"/>
-                      <a:endParaRPr lang="ko-KR" altLang="en-US" dirty="0"/>
-                    </a:p>
-                  </a:txBody>
-                  <a:tcPr/>
-                </a:tc>
-                <a:tc>
-                  <a:txBody>
-                    <a:bodyPr/>
-                    <a:lstStyle/>
-                    <a:p>
-                      <a:pPr latinLnBrk="1"/>
-                      <a:endParaRPr lang="ko-KR" altLang="en-US" dirty="0"/>
-                    </a:p>
-                  </a:txBody>
-                  <a:tcPr/>
-                </a:tc>
-                <a:tc>
-                  <a:txBody>
-                    <a:bodyPr/>
-                    <a:lstStyle/>
-                    <a:p>
-                      <a:pPr latinLnBrk="1"/>
-                      <a:endParaRPr lang="ko-KR" altLang="en-US" dirty="0"/>
-                    </a:p>
-                  </a:txBody>
-                  <a:tcPr/>
-                </a:tc>
-                <a:tc>
-                  <a:txBody>
-                    <a:bodyPr/>
-                    <a:lstStyle/>
-                    <a:p>
-                      <a:pPr latinLnBrk="1"/>
-                      <a:endParaRPr lang="ko-KR" altLang="en-US" dirty="0"/>
-                    </a:p>
-                  </a:txBody>
-                  <a:tcPr/>
-                </a:tc>
-                <a:extLst>
-                  <a:ext uri="{0D108BD9-81ED-4DB2-BD59-A6C34878D82A}">
-                    <a16:rowId xmlns:a16="http://schemas.microsoft.com/office/drawing/2014/main" val="3710097875"/>
-                  </a:ext>
-                </a:extLst>
-              </a:tr>
-              <a:tr h="403028">
-                <a:tc>
-                  <a:txBody>
-                    <a:bodyPr/>
-                    <a:lstStyle/>
-                    <a:p>
-                      <a:pPr latinLnBrk="1"/>
-                      <a:r>
-                        <a:rPr lang="ko-KR" altLang="en-US" sz="1800" b="0" i="0" kern="1200" dirty="0" err="1">
-                          <a:solidFill>
-                            <a:schemeClr val="dk1"/>
-                          </a:solidFill>
-                          <a:effectLst/>
-                          <a:latin typeface="+mn-lt"/>
-                          <a:ea typeface="+mn-ea"/>
-                          <a:cs typeface="+mn-cs"/>
-                        </a:rPr>
-                        <a:t>회원아이디</a:t>
-                      </a:r>
-                      <a:endParaRPr lang="ko-KR" altLang="en-US" dirty="0"/>
-                    </a:p>
-                  </a:txBody>
-                  <a:tcPr/>
-                </a:tc>
-                <a:tc>
-                  <a:txBody>
-                    <a:bodyPr/>
-                    <a:lstStyle/>
-                    <a:p>
-                      <a:pPr marL="0" marR="0" lvl="0" indent="0" algn="l" defTabSz="914400" rtl="0" eaLnBrk="1" fontAlgn="auto" latinLnBrk="1" hangingPunct="1">
-                        <a:lnSpc>
-                          <a:spcPct val="100000"/>
-                        </a:lnSpc>
-                        <a:spcBef>
-                          <a:spcPts val="0"/>
-                        </a:spcBef>
-                        <a:spcAft>
-                          <a:spcPts val="0"/>
-                        </a:spcAft>
-                        <a:buClrTx/>
-                        <a:buSzTx/>
-                        <a:buFontTx/>
-                        <a:buNone/>
-                        <a:tabLst/>
-                        <a:defRPr/>
-                      </a:pPr>
-                      <a:r>
-                        <a:rPr lang="en-US" altLang="ko-KR" dirty="0"/>
-                        <a:t>Varchar(20)</a:t>
-                      </a:r>
-                      <a:endParaRPr lang="ko-KR" altLang="en-US" dirty="0"/>
-                    </a:p>
-                  </a:txBody>
-                  <a:tcPr/>
-                </a:tc>
-                <a:tc>
-                  <a:txBody>
-                    <a:bodyPr/>
-                    <a:lstStyle/>
-                    <a:p>
-                      <a:pPr latinLnBrk="1"/>
-                      <a:r>
-                        <a:rPr lang="en-US" altLang="ko-KR" dirty="0"/>
-                        <a:t>N</a:t>
-                      </a:r>
-                      <a:endParaRPr lang="ko-KR" altLang="en-US" dirty="0"/>
-                    </a:p>
-                  </a:txBody>
-                  <a:tcPr/>
-                </a:tc>
-                <a:tc>
-                  <a:txBody>
-                    <a:bodyPr/>
-                    <a:lstStyle/>
-                    <a:p>
-                      <a:pPr latinLnBrk="1"/>
-                      <a:endParaRPr lang="ko-KR" altLang="en-US" dirty="0"/>
-                    </a:p>
-                  </a:txBody>
-                  <a:tcPr/>
-                </a:tc>
-                <a:tc>
-                  <a:txBody>
-                    <a:bodyPr/>
-                    <a:lstStyle/>
-                    <a:p>
-                      <a:pPr latinLnBrk="1"/>
-                      <a:endParaRPr lang="ko-KR" altLang="en-US" dirty="0"/>
-                    </a:p>
-                  </a:txBody>
-                  <a:tcPr/>
-                </a:tc>
-                <a:tc>
-                  <a:txBody>
-                    <a:bodyPr/>
-                    <a:lstStyle/>
-                    <a:p>
-                      <a:pPr latinLnBrk="1"/>
-                      <a:r>
-                        <a:rPr lang="en-US" altLang="ko-KR" dirty="0"/>
-                        <a:t>FK</a:t>
-                      </a:r>
-                      <a:endParaRPr lang="ko-KR" altLang="en-US" dirty="0"/>
-                    </a:p>
-                  </a:txBody>
-                  <a:tcPr/>
-                </a:tc>
-                <a:tc>
-                  <a:txBody>
-                    <a:bodyPr/>
-                    <a:lstStyle/>
-                    <a:p>
-                      <a:pPr latinLnBrk="1"/>
-                      <a:endParaRPr lang="ko-KR" altLang="en-US" dirty="0"/>
-                    </a:p>
-                  </a:txBody>
-                  <a:tcPr/>
-                </a:tc>
-                <a:extLst>
-                  <a:ext uri="{0D108BD9-81ED-4DB2-BD59-A6C34878D82A}">
-                    <a16:rowId xmlns:a16="http://schemas.microsoft.com/office/drawing/2014/main" val="3651273540"/>
-                  </a:ext>
-                </a:extLst>
-              </a:tr>
-              <a:tr h="403028">
-                <a:tc>
-                  <a:txBody>
-                    <a:bodyPr/>
-                    <a:lstStyle/>
-                    <a:p>
-                      <a:pPr latinLnBrk="1"/>
-                      <a:r>
-                        <a:rPr lang="ko-KR" altLang="en-US" sz="1800" b="0" i="0" kern="1200" dirty="0">
-                          <a:solidFill>
-                            <a:schemeClr val="dk1"/>
-                          </a:solidFill>
-                          <a:effectLst/>
-                          <a:latin typeface="+mn-lt"/>
-                          <a:ea typeface="+mn-ea"/>
-                          <a:cs typeface="+mn-cs"/>
-                        </a:rPr>
-                        <a:t>상품번호</a:t>
-                      </a:r>
-                      <a:endParaRPr lang="ko-KR" altLang="en-US" dirty="0"/>
-                    </a:p>
-                  </a:txBody>
-                  <a:tcPr/>
-                </a:tc>
-                <a:tc>
-                  <a:txBody>
-                    <a:bodyPr/>
-                    <a:lstStyle/>
-                    <a:p>
-                      <a:pPr marL="0" marR="0" lvl="0" indent="0" algn="l" defTabSz="914400" rtl="0" eaLnBrk="1" fontAlgn="auto" latinLnBrk="1" hangingPunct="1">
-                        <a:lnSpc>
-                          <a:spcPct val="100000"/>
-                        </a:lnSpc>
-                        <a:spcBef>
-                          <a:spcPts val="0"/>
-                        </a:spcBef>
-                        <a:spcAft>
-                          <a:spcPts val="0"/>
-                        </a:spcAft>
-                        <a:buClrTx/>
-                        <a:buSzTx/>
-                        <a:buFontTx/>
-                        <a:buNone/>
-                        <a:tabLst/>
-                        <a:defRPr/>
-                      </a:pPr>
-                      <a:r>
-                        <a:rPr lang="en-US" altLang="ko-KR" dirty="0"/>
-                        <a:t>Varchar(20)</a:t>
-                      </a:r>
-                      <a:endParaRPr lang="ko-KR" altLang="en-US" dirty="0"/>
-                    </a:p>
-                  </a:txBody>
-                  <a:tcPr/>
-                </a:tc>
-                <a:tc>
-                  <a:txBody>
-                    <a:bodyPr/>
-                    <a:lstStyle/>
-                    <a:p>
-                      <a:pPr latinLnBrk="1"/>
-                      <a:r>
-                        <a:rPr lang="en-US" altLang="ko-KR" dirty="0"/>
-                        <a:t>N</a:t>
-                      </a:r>
-                      <a:endParaRPr lang="ko-KR" altLang="en-US" dirty="0"/>
-                    </a:p>
-                  </a:txBody>
-                  <a:tcPr/>
-                </a:tc>
-                <a:tc>
-                  <a:txBody>
-                    <a:bodyPr/>
-                    <a:lstStyle/>
-                    <a:p>
-                      <a:pPr latinLnBrk="1"/>
-                      <a:endParaRPr lang="ko-KR" altLang="en-US" dirty="0"/>
-                    </a:p>
-                  </a:txBody>
-                  <a:tcPr/>
-                </a:tc>
-                <a:tc>
-                  <a:txBody>
-                    <a:bodyPr/>
-                    <a:lstStyle/>
-                    <a:p>
-                      <a:pPr latinLnBrk="1"/>
-                      <a:endParaRPr lang="ko-KR" altLang="en-US" dirty="0"/>
-                    </a:p>
-                  </a:txBody>
-                  <a:tcPr/>
-                </a:tc>
-                <a:tc>
-                  <a:txBody>
-                    <a:bodyPr/>
-                    <a:lstStyle/>
-                    <a:p>
-                      <a:pPr latinLnBrk="1"/>
-                      <a:r>
-                        <a:rPr lang="en-US" altLang="ko-KR" dirty="0"/>
-                        <a:t>FK</a:t>
-                      </a:r>
-                      <a:endParaRPr lang="ko-KR" altLang="en-US" dirty="0"/>
-                    </a:p>
-                  </a:txBody>
-                  <a:tcPr/>
-                </a:tc>
-                <a:tc>
-                  <a:txBody>
-                    <a:bodyPr/>
-                    <a:lstStyle/>
-                    <a:p>
-                      <a:pPr latinLnBrk="1"/>
-                      <a:endParaRPr lang="ko-KR" altLang="en-US" dirty="0"/>
-                    </a:p>
-                  </a:txBody>
-                  <a:tcPr/>
-                </a:tc>
-                <a:extLst>
-                  <a:ext uri="{0D108BD9-81ED-4DB2-BD59-A6C34878D82A}">
-                    <a16:rowId xmlns:a16="http://schemas.microsoft.com/office/drawing/2014/main" val="1686531966"/>
+                    <a16:rowId xmlns:a16="http://schemas.microsoft.com/office/drawing/2014/main" val="3200410248"/>
                   </a:ext>
                 </a:extLst>
               </a:tr>
@@ -8677,7 +6747,7 @@
     </p:spTree>
     <p:extLst>
       <p:ext uri="{BB962C8B-B14F-4D97-AF65-F5344CB8AC3E}">
-        <p14:creationId xmlns:p14="http://schemas.microsoft.com/office/powerpoint/2010/main" val="1329455515"/>
+        <p14:creationId xmlns:p14="http://schemas.microsoft.com/office/powerpoint/2010/main" val="1914263063"/>
       </p:ext>
     </p:extLst>
   </p:cSld>
